--- a/12-PowerBI/DSTools-Power-BI.pptx
+++ b/12-PowerBI/DSTools-Power-BI.pptx
@@ -15,13 +15,16 @@
     <p:sldId id="264" r:id="rId9"/>
     <p:sldId id="265" r:id="rId10"/>
     <p:sldId id="266" r:id="rId11"/>
-    <p:sldId id="267" r:id="rId12"/>
-    <p:sldId id="268" r:id="rId13"/>
-    <p:sldId id="269" r:id="rId14"/>
-    <p:sldId id="270" r:id="rId15"/>
-    <p:sldId id="271" r:id="rId16"/>
-    <p:sldId id="272" r:id="rId17"/>
-    <p:sldId id="273" r:id="rId18"/>
+    <p:sldId id="274" r:id="rId12"/>
+    <p:sldId id="267" r:id="rId13"/>
+    <p:sldId id="268" r:id="rId14"/>
+    <p:sldId id="269" r:id="rId15"/>
+    <p:sldId id="276" r:id="rId16"/>
+    <p:sldId id="270" r:id="rId17"/>
+    <p:sldId id="275" r:id="rId18"/>
+    <p:sldId id="271" r:id="rId19"/>
+    <p:sldId id="272" r:id="rId20"/>
+    <p:sldId id="273" r:id="rId21"/>
   </p:sldIdLst>
   <p:sldSz cx="12192000" cy="6858000"/>
   <p:notesSz cx="6858000" cy="9144000"/>
@@ -3124,10 +3127,10 @@
           <a:p>
             <a:pPr algn="ctr"/>
             <a:r>
-              <a:rPr lang="en-US" dirty="0" smtClean="0"/>
+              <a:rPr lang="en-US" b="1" dirty="0" smtClean="0"/>
               <a:t>Report 4: Graduate country</a:t>
             </a:r>
-            <a:endParaRPr lang="en-US" dirty="0"/>
+            <a:endParaRPr lang="en-US" b="1" dirty="0"/>
           </a:p>
         </p:txBody>
       </p:sp>
@@ -3175,6 +3178,97 @@
 </file>
 
 <file path=ppt/slides/slide11.xml><?xml version="1.0" encoding="utf-8"?>
+<p:sld xmlns:a="http://schemas.openxmlformats.org/drawingml/2006/main" xmlns:r="http://schemas.openxmlformats.org/officeDocument/2006/relationships" xmlns:p="http://schemas.openxmlformats.org/presentationml/2006/main">
+  <p:cSld>
+    <p:spTree>
+      <p:nvGrpSpPr>
+        <p:cNvPr id="1" name=""/>
+        <p:cNvGrpSpPr/>
+        <p:nvPr/>
+      </p:nvGrpSpPr>
+      <p:grpSpPr>
+        <a:xfrm>
+          <a:off x="0" y="0"/>
+          <a:ext cx="0" cy="0"/>
+          <a:chOff x="0" y="0"/>
+          <a:chExt cx="0" cy="0"/>
+        </a:xfrm>
+      </p:grpSpPr>
+      <p:sp>
+        <p:nvSpPr>
+          <p:cNvPr id="2" name="Title 1"/>
+          <p:cNvSpPr>
+            <a:spLocks noGrp="1"/>
+          </p:cNvSpPr>
+          <p:nvPr>
+            <p:ph type="title"/>
+          </p:nvPr>
+        </p:nvSpPr>
+        <p:spPr/>
+        <p:txBody>
+          <a:bodyPr/>
+          <a:lstStyle/>
+          <a:p>
+            <a:pPr algn="ctr"/>
+            <a:r>
+              <a:rPr lang="en-US" b="1" dirty="0" smtClean="0"/>
+              <a:t>Exercise 1</a:t>
+            </a:r>
+            <a:endParaRPr lang="en-US" b="1" dirty="0"/>
+          </a:p>
+        </p:txBody>
+      </p:sp>
+      <p:sp>
+        <p:nvSpPr>
+          <p:cNvPr id="3" name="Content Placeholder 2"/>
+          <p:cNvSpPr>
+            <a:spLocks noGrp="1"/>
+          </p:cNvSpPr>
+          <p:nvPr>
+            <p:ph idx="1"/>
+          </p:nvPr>
+        </p:nvSpPr>
+        <p:spPr/>
+        <p:txBody>
+          <a:bodyPr/>
+          <a:lstStyle/>
+          <a:p>
+            <a:pPr marL="514350" indent="-514350">
+              <a:buFont typeface="+mj-lt"/>
+              <a:buAutoNum type="arabicPeriod"/>
+            </a:pPr>
+            <a:r>
+              <a:rPr lang="en-US" dirty="0" smtClean="0"/>
+              <a:t>Plot some graphs to show the relationship of other attributes.</a:t>
+            </a:r>
+          </a:p>
+          <a:p>
+            <a:pPr marL="514350" indent="-514350">
+              <a:buFont typeface="+mj-lt"/>
+              <a:buAutoNum type="arabicPeriod"/>
+            </a:pPr>
+            <a:r>
+              <a:rPr lang="en-US" dirty="0" smtClean="0"/>
+              <a:t>Create a new table whose attributes are related to some attributes of the existing tables.</a:t>
+            </a:r>
+            <a:endParaRPr lang="en-US" dirty="0"/>
+          </a:p>
+        </p:txBody>
+      </p:sp>
+    </p:spTree>
+    <p:extLst>
+      <p:ext uri="{BB962C8B-B14F-4D97-AF65-F5344CB8AC3E}">
+        <p14:creationId xmlns:p14="http://schemas.microsoft.com/office/powerpoint/2010/main" val="1539577744"/>
+      </p:ext>
+    </p:extLst>
+  </p:cSld>
+  <p:clrMapOvr>
+    <a:masterClrMapping/>
+  </p:clrMapOvr>
+</p:sld>
+</file>
+
+<file path=ppt/slides/slide12.xml><?xml version="1.0" encoding="utf-8"?>
 <p:sld xmlns:a="http://schemas.openxmlformats.org/drawingml/2006/main" xmlns:r="http://schemas.openxmlformats.org/officeDocument/2006/relationships" xmlns:p="http://schemas.openxmlformats.org/presentationml/2006/main">
   <p:cSld>
     <p:spTree>
@@ -3252,7 +3346,7 @@
 </p:sld>
 </file>
 
-<file path=ppt/slides/slide12.xml><?xml version="1.0" encoding="utf-8"?>
+<file path=ppt/slides/slide13.xml><?xml version="1.0" encoding="utf-8"?>
 <p:sld xmlns:a="http://schemas.openxmlformats.org/drawingml/2006/main" xmlns:r="http://schemas.openxmlformats.org/officeDocument/2006/relationships" xmlns:p="http://schemas.openxmlformats.org/presentationml/2006/main">
   <p:cSld>
     <p:spTree>
@@ -3354,7 +3448,7 @@
 </p:sld>
 </file>
 
-<file path=ppt/slides/slide13.xml><?xml version="1.0" encoding="utf-8"?>
+<file path=ppt/slides/slide14.xml><?xml version="1.0" encoding="utf-8"?>
 <p:sld xmlns:a="http://schemas.openxmlformats.org/drawingml/2006/main" xmlns:r="http://schemas.openxmlformats.org/officeDocument/2006/relationships" xmlns:p="http://schemas.openxmlformats.org/presentationml/2006/main">
   <p:cSld>
     <p:spTree>
@@ -3494,7 +3588,7 @@
 </p:sld>
 </file>
 
-<file path=ppt/slides/slide14.xml><?xml version="1.0" encoding="utf-8"?>
+<file path=ppt/slides/slide15.xml><?xml version="1.0" encoding="utf-8"?>
 <p:sld xmlns:a="http://schemas.openxmlformats.org/drawingml/2006/main" xmlns:r="http://schemas.openxmlformats.org/officeDocument/2006/relationships" xmlns:p="http://schemas.openxmlformats.org/presentationml/2006/main">
   <p:cSld>
     <p:spTree>
@@ -3529,7 +3623,7 @@
             <a:pPr algn="ctr"/>
             <a:r>
               <a:rPr lang="en-US" dirty="0" smtClean="0"/>
-              <a:t>Measurement</a:t>
+              <a:t>Table tools: new measurement</a:t>
             </a:r>
             <a:endParaRPr lang="en-US" dirty="0"/>
           </a:p>
@@ -3606,759 +3700,7 @@
     </p:spTree>
     <p:extLst>
       <p:ext uri="{BB962C8B-B14F-4D97-AF65-F5344CB8AC3E}">
-        <p14:creationId xmlns:p14="http://schemas.microsoft.com/office/powerpoint/2010/main" val="586078296"/>
-      </p:ext>
-    </p:extLst>
-  </p:cSld>
-  <p:clrMapOvr>
-    <a:masterClrMapping/>
-  </p:clrMapOvr>
-</p:sld>
-</file>
-
-<file path=ppt/slides/slide15.xml><?xml version="1.0" encoding="utf-8"?>
-<p:sld xmlns:a="http://schemas.openxmlformats.org/drawingml/2006/main" xmlns:r="http://schemas.openxmlformats.org/officeDocument/2006/relationships" xmlns:p="http://schemas.openxmlformats.org/presentationml/2006/main">
-  <p:cSld>
-    <p:spTree>
-      <p:nvGrpSpPr>
-        <p:cNvPr id="1" name=""/>
-        <p:cNvGrpSpPr/>
-        <p:nvPr/>
-      </p:nvGrpSpPr>
-      <p:grpSpPr>
-        <a:xfrm>
-          <a:off x="0" y="0"/>
-          <a:ext cx="0" cy="0"/>
-          <a:chOff x="0" y="0"/>
-          <a:chExt cx="0" cy="0"/>
-        </a:xfrm>
-      </p:grpSpPr>
-      <p:sp>
-        <p:nvSpPr>
-          <p:cNvPr id="2" name="Title 1"/>
-          <p:cNvSpPr>
-            <a:spLocks noGrp="1"/>
-          </p:cNvSpPr>
-          <p:nvPr>
-            <p:ph type="title"/>
-          </p:nvPr>
-        </p:nvSpPr>
-        <p:spPr/>
-        <p:txBody>
-          <a:bodyPr/>
-          <a:lstStyle/>
-          <a:p>
-            <a:pPr algn="ctr"/>
-            <a:r>
-              <a:rPr lang="en-US" dirty="0" smtClean="0"/>
-              <a:t>Python script I</a:t>
-            </a:r>
-            <a:endParaRPr lang="en-US" dirty="0"/>
-          </a:p>
-        </p:txBody>
-      </p:sp>
-      <p:pic>
-        <p:nvPicPr>
-          <p:cNvPr id="3" name="Picture 2"/>
-          <p:cNvPicPr>
-            <a:picLocks noChangeAspect="1"/>
-          </p:cNvPicPr>
-          <p:nvPr/>
-        </p:nvPicPr>
-        <p:blipFill>
-          <a:blip r:embed="rId2"/>
-          <a:stretch>
-            <a:fillRect/>
-          </a:stretch>
-        </p:blipFill>
-        <p:spPr>
-          <a:xfrm>
-            <a:off x="838200" y="2190471"/>
-            <a:ext cx="7182852" cy="4001058"/>
-          </a:xfrm>
-          <a:prstGeom prst="rect">
-            <a:avLst/>
-          </a:prstGeom>
-        </p:spPr>
-      </p:pic>
-      <p:sp>
-        <p:nvSpPr>
-          <p:cNvPr id="4" name="Rectangle 3"/>
-          <p:cNvSpPr/>
-          <p:nvPr/>
-        </p:nvSpPr>
-        <p:spPr>
-          <a:xfrm>
-            <a:off x="8021052" y="2594738"/>
-            <a:ext cx="4082048" cy="2929761"/>
-          </a:xfrm>
-          <a:prstGeom prst="rect">
-            <a:avLst/>
-          </a:prstGeom>
-        </p:spPr>
-        <p:txBody>
-          <a:bodyPr wrap="square">
-            <a:spAutoFit/>
-          </a:bodyPr>
-          <a:lstStyle/>
-          <a:p>
-            <a:r>
-              <a:rPr lang="en-US" b="0" dirty="0" smtClean="0">
-                <a:solidFill>
-                  <a:srgbClr val="0000FF"/>
-                </a:solidFill>
-                <a:effectLst/>
-                <a:latin typeface="Consolas" panose="020B0609020204030204" pitchFamily="49" charset="0"/>
-              </a:rPr>
-              <a:t>import</a:t>
-            </a:r>
-            <a:r>
-              <a:rPr lang="en-US" b="0" dirty="0" smtClean="0">
-                <a:solidFill>
-                  <a:srgbClr val="000000"/>
-                </a:solidFill>
-                <a:effectLst/>
-                <a:latin typeface="Consolas" panose="020B0609020204030204" pitchFamily="49" charset="0"/>
-              </a:rPr>
-              <a:t> </a:t>
-            </a:r>
-            <a:r>
-              <a:rPr lang="en-US" b="0" dirty="0" err="1" smtClean="0">
-                <a:solidFill>
-                  <a:srgbClr val="001080"/>
-                </a:solidFill>
-                <a:effectLst/>
-                <a:latin typeface="Consolas" panose="020B0609020204030204" pitchFamily="49" charset="0"/>
-              </a:rPr>
-              <a:t>matplotlib</a:t>
-            </a:r>
-            <a:r>
-              <a:rPr lang="en-US" b="0" dirty="0" err="1" smtClean="0">
-                <a:solidFill>
-                  <a:srgbClr val="000000"/>
-                </a:solidFill>
-                <a:effectLst/>
-                <a:latin typeface="Consolas" panose="020B0609020204030204" pitchFamily="49" charset="0"/>
-              </a:rPr>
-              <a:t>.</a:t>
-            </a:r>
-            <a:r>
-              <a:rPr lang="en-US" b="0" dirty="0" err="1" smtClean="0">
-                <a:solidFill>
-                  <a:srgbClr val="001080"/>
-                </a:solidFill>
-                <a:effectLst/>
-                <a:latin typeface="Consolas" panose="020B0609020204030204" pitchFamily="49" charset="0"/>
-              </a:rPr>
-              <a:t>pyplot</a:t>
-            </a:r>
-            <a:r>
-              <a:rPr lang="en-US" b="0" dirty="0" smtClean="0">
-                <a:solidFill>
-                  <a:srgbClr val="000000"/>
-                </a:solidFill>
-                <a:effectLst/>
-                <a:latin typeface="Consolas" panose="020B0609020204030204" pitchFamily="49" charset="0"/>
-              </a:rPr>
-              <a:t> </a:t>
-            </a:r>
-            <a:r>
-              <a:rPr lang="en-US" b="0" dirty="0" smtClean="0">
-                <a:solidFill>
-                  <a:srgbClr val="0000FF"/>
-                </a:solidFill>
-                <a:effectLst/>
-                <a:latin typeface="Consolas" panose="020B0609020204030204" pitchFamily="49" charset="0"/>
-              </a:rPr>
-              <a:t>as</a:t>
-            </a:r>
-            <a:r>
-              <a:rPr lang="en-US" b="0" dirty="0" smtClean="0">
-                <a:solidFill>
-                  <a:srgbClr val="000000"/>
-                </a:solidFill>
-                <a:effectLst/>
-                <a:latin typeface="Consolas" panose="020B0609020204030204" pitchFamily="49" charset="0"/>
-              </a:rPr>
-              <a:t> </a:t>
-            </a:r>
-            <a:r>
-              <a:rPr lang="en-US" b="0" dirty="0" err="1" smtClean="0">
-                <a:solidFill>
-                  <a:srgbClr val="001080"/>
-                </a:solidFill>
-                <a:effectLst/>
-                <a:latin typeface="Consolas" panose="020B0609020204030204" pitchFamily="49" charset="0"/>
-              </a:rPr>
-              <a:t>plt</a:t>
-            </a:r>
-            <a:endParaRPr lang="en-US" b="0" dirty="0" smtClean="0">
-              <a:solidFill>
-                <a:srgbClr val="000000"/>
-              </a:solidFill>
-              <a:effectLst/>
-              <a:latin typeface="Consolas" panose="020B0609020204030204" pitchFamily="49" charset="0"/>
-            </a:endParaRPr>
-          </a:p>
-          <a:p>
-            <a:r>
-              <a:rPr lang="en-US" b="0" dirty="0" smtClean="0">
-                <a:solidFill>
-                  <a:srgbClr val="0000FF"/>
-                </a:solidFill>
-                <a:effectLst/>
-                <a:latin typeface="Consolas" panose="020B0609020204030204" pitchFamily="49" charset="0"/>
-              </a:rPr>
-              <a:t>import</a:t>
-            </a:r>
-            <a:r>
-              <a:rPr lang="en-US" b="0" dirty="0" smtClean="0">
-                <a:solidFill>
-                  <a:srgbClr val="000000"/>
-                </a:solidFill>
-                <a:effectLst/>
-                <a:latin typeface="Consolas" panose="020B0609020204030204" pitchFamily="49" charset="0"/>
-              </a:rPr>
-              <a:t> </a:t>
-            </a:r>
-            <a:r>
-              <a:rPr lang="en-US" b="0" dirty="0" err="1" smtClean="0">
-                <a:solidFill>
-                  <a:srgbClr val="001080"/>
-                </a:solidFill>
-                <a:effectLst/>
-                <a:latin typeface="Consolas" panose="020B0609020204030204" pitchFamily="49" charset="0"/>
-              </a:rPr>
-              <a:t>numpy</a:t>
-            </a:r>
-            <a:r>
-              <a:rPr lang="en-US" b="0" dirty="0" smtClean="0">
-                <a:solidFill>
-                  <a:srgbClr val="000000"/>
-                </a:solidFill>
-                <a:effectLst/>
-                <a:latin typeface="Consolas" panose="020B0609020204030204" pitchFamily="49" charset="0"/>
-              </a:rPr>
-              <a:t> </a:t>
-            </a:r>
-            <a:r>
-              <a:rPr lang="en-US" b="0" dirty="0" smtClean="0">
-                <a:solidFill>
-                  <a:srgbClr val="0000FF"/>
-                </a:solidFill>
-                <a:effectLst/>
-                <a:latin typeface="Consolas" panose="020B0609020204030204" pitchFamily="49" charset="0"/>
-              </a:rPr>
-              <a:t>as</a:t>
-            </a:r>
-            <a:r>
-              <a:rPr lang="en-US" b="0" dirty="0" smtClean="0">
-                <a:solidFill>
-                  <a:srgbClr val="000000"/>
-                </a:solidFill>
-                <a:effectLst/>
-                <a:latin typeface="Consolas" panose="020B0609020204030204" pitchFamily="49" charset="0"/>
-              </a:rPr>
-              <a:t> </a:t>
-            </a:r>
-            <a:r>
-              <a:rPr lang="en-US" b="0" dirty="0" smtClean="0">
-                <a:solidFill>
-                  <a:srgbClr val="001080"/>
-                </a:solidFill>
-                <a:effectLst/>
-                <a:latin typeface="Consolas" panose="020B0609020204030204" pitchFamily="49" charset="0"/>
-              </a:rPr>
-              <a:t>np</a:t>
-            </a:r>
-            <a:endParaRPr lang="en-US" b="0" dirty="0" smtClean="0">
-              <a:solidFill>
-                <a:srgbClr val="000000"/>
-              </a:solidFill>
-              <a:effectLst/>
-              <a:latin typeface="Consolas" panose="020B0609020204030204" pitchFamily="49" charset="0"/>
-            </a:endParaRPr>
-          </a:p>
-          <a:p>
-            <a:r>
-              <a:rPr lang="en-US" b="0" dirty="0" smtClean="0">
-                <a:solidFill>
-                  <a:srgbClr val="000000"/>
-                </a:solidFill>
-                <a:effectLst/>
-                <a:latin typeface="Consolas" panose="020B0609020204030204" pitchFamily="49" charset="0"/>
-              </a:rPr>
-              <a:t/>
-            </a:r>
-            <a:br>
-              <a:rPr lang="en-US" b="0" dirty="0" smtClean="0">
-                <a:solidFill>
-                  <a:srgbClr val="000000"/>
-                </a:solidFill>
-                <a:effectLst/>
-                <a:latin typeface="Consolas" panose="020B0609020204030204" pitchFamily="49" charset="0"/>
-              </a:rPr>
-            </a:br>
-            <a:r>
-              <a:rPr lang="en-US" b="0" dirty="0" smtClean="0">
-                <a:solidFill>
-                  <a:srgbClr val="001080"/>
-                </a:solidFill>
-                <a:effectLst/>
-                <a:latin typeface="Consolas" panose="020B0609020204030204" pitchFamily="49" charset="0"/>
-              </a:rPr>
-              <a:t>x1</a:t>
-            </a:r>
-            <a:r>
-              <a:rPr lang="en-US" b="0" dirty="0" smtClean="0">
-                <a:solidFill>
-                  <a:srgbClr val="000000"/>
-                </a:solidFill>
-                <a:effectLst/>
-                <a:latin typeface="Consolas" panose="020B0609020204030204" pitchFamily="49" charset="0"/>
-              </a:rPr>
-              <a:t> = </a:t>
-            </a:r>
-            <a:r>
-              <a:rPr lang="en-US" b="0" dirty="0" smtClean="0">
-                <a:solidFill>
-                  <a:srgbClr val="001080"/>
-                </a:solidFill>
-                <a:effectLst/>
-                <a:latin typeface="Consolas" panose="020B0609020204030204" pitchFamily="49" charset="0"/>
-              </a:rPr>
-              <a:t>dataset</a:t>
-            </a:r>
-            <a:r>
-              <a:rPr lang="en-US" b="0" dirty="0" smtClean="0">
-                <a:solidFill>
-                  <a:srgbClr val="000000"/>
-                </a:solidFill>
-                <a:effectLst/>
-                <a:latin typeface="Consolas" panose="020B0609020204030204" pitchFamily="49" charset="0"/>
-              </a:rPr>
-              <a:t>[</a:t>
-            </a:r>
-            <a:r>
-              <a:rPr lang="en-US" b="0" dirty="0" smtClean="0">
-                <a:solidFill>
-                  <a:srgbClr val="A31515"/>
-                </a:solidFill>
-                <a:effectLst/>
-                <a:latin typeface="Consolas" panose="020B0609020204030204" pitchFamily="49" charset="0"/>
-              </a:rPr>
-              <a:t>"salary"</a:t>
-            </a:r>
-            <a:r>
-              <a:rPr lang="en-US" b="0" dirty="0" smtClean="0">
-                <a:solidFill>
-                  <a:srgbClr val="000000"/>
-                </a:solidFill>
-                <a:effectLst/>
-                <a:latin typeface="Consolas" panose="020B0609020204030204" pitchFamily="49" charset="0"/>
-              </a:rPr>
-              <a:t>][</a:t>
-            </a:r>
-            <a:r>
-              <a:rPr lang="en-US" b="0" dirty="0" smtClean="0">
-                <a:solidFill>
-                  <a:srgbClr val="09885A"/>
-                </a:solidFill>
-                <a:effectLst/>
-                <a:latin typeface="Consolas" panose="020B0609020204030204" pitchFamily="49" charset="0"/>
-              </a:rPr>
-              <a:t>0</a:t>
-            </a:r>
-            <a:r>
-              <a:rPr lang="en-US" b="0" dirty="0" smtClean="0">
-                <a:solidFill>
-                  <a:srgbClr val="000000"/>
-                </a:solidFill>
-                <a:effectLst/>
-                <a:latin typeface="Consolas" panose="020B0609020204030204" pitchFamily="49" charset="0"/>
-              </a:rPr>
-              <a:t>]</a:t>
-            </a:r>
-          </a:p>
-          <a:p>
-            <a:r>
-              <a:rPr lang="en-US" b="0" dirty="0" smtClean="0">
-                <a:solidFill>
-                  <a:srgbClr val="000000"/>
-                </a:solidFill>
-                <a:effectLst/>
-                <a:latin typeface="Consolas" panose="020B0609020204030204" pitchFamily="49" charset="0"/>
-              </a:rPr>
-              <a:t/>
-            </a:r>
-            <a:br>
-              <a:rPr lang="en-US" b="0" dirty="0" smtClean="0">
-                <a:solidFill>
-                  <a:srgbClr val="000000"/>
-                </a:solidFill>
-                <a:effectLst/>
-                <a:latin typeface="Consolas" panose="020B0609020204030204" pitchFamily="49" charset="0"/>
-              </a:rPr>
-            </a:br>
-            <a:r>
-              <a:rPr lang="en-US" b="0" dirty="0" err="1" smtClean="0">
-                <a:solidFill>
-                  <a:srgbClr val="001080"/>
-                </a:solidFill>
-                <a:effectLst/>
-                <a:latin typeface="Consolas" panose="020B0609020204030204" pitchFamily="49" charset="0"/>
-              </a:rPr>
-              <a:t>xpoints</a:t>
-            </a:r>
-            <a:r>
-              <a:rPr lang="en-US" b="0" dirty="0" smtClean="0">
-                <a:solidFill>
-                  <a:srgbClr val="000000"/>
-                </a:solidFill>
-                <a:effectLst/>
-                <a:latin typeface="Consolas" panose="020B0609020204030204" pitchFamily="49" charset="0"/>
-              </a:rPr>
-              <a:t> = </a:t>
-            </a:r>
-            <a:r>
-              <a:rPr lang="en-US" b="0" dirty="0" err="1" smtClean="0">
-                <a:solidFill>
-                  <a:srgbClr val="001080"/>
-                </a:solidFill>
-                <a:effectLst/>
-                <a:latin typeface="Consolas" panose="020B0609020204030204" pitchFamily="49" charset="0"/>
-              </a:rPr>
-              <a:t>np</a:t>
-            </a:r>
-            <a:r>
-              <a:rPr lang="en-US" b="0" dirty="0" err="1" smtClean="0">
-                <a:solidFill>
-                  <a:srgbClr val="000000"/>
-                </a:solidFill>
-                <a:effectLst/>
-                <a:latin typeface="Consolas" panose="020B0609020204030204" pitchFamily="49" charset="0"/>
-              </a:rPr>
-              <a:t>.</a:t>
-            </a:r>
-            <a:r>
-              <a:rPr lang="en-US" b="0" dirty="0" err="1" smtClean="0">
-                <a:solidFill>
-                  <a:srgbClr val="001080"/>
-                </a:solidFill>
-                <a:effectLst/>
-                <a:latin typeface="Consolas" panose="020B0609020204030204" pitchFamily="49" charset="0"/>
-              </a:rPr>
-              <a:t>array</a:t>
-            </a:r>
-            <a:r>
-              <a:rPr lang="en-US" b="0" dirty="0" smtClean="0">
-                <a:solidFill>
-                  <a:srgbClr val="000000"/>
-                </a:solidFill>
-                <a:effectLst/>
-                <a:latin typeface="Consolas" panose="020B0609020204030204" pitchFamily="49" charset="0"/>
-              </a:rPr>
-              <a:t>([</a:t>
-            </a:r>
-            <a:r>
-              <a:rPr lang="en-US" b="0" dirty="0" smtClean="0">
-                <a:solidFill>
-                  <a:srgbClr val="09885A"/>
-                </a:solidFill>
-                <a:effectLst/>
-                <a:latin typeface="Consolas" panose="020B0609020204030204" pitchFamily="49" charset="0"/>
-              </a:rPr>
-              <a:t>1</a:t>
-            </a:r>
-            <a:r>
-              <a:rPr lang="en-US" b="0" dirty="0" smtClean="0">
-                <a:solidFill>
-                  <a:srgbClr val="000000"/>
-                </a:solidFill>
-                <a:effectLst/>
-                <a:latin typeface="Consolas" panose="020B0609020204030204" pitchFamily="49" charset="0"/>
-              </a:rPr>
-              <a:t>, </a:t>
-            </a:r>
-            <a:r>
-              <a:rPr lang="en-US" b="0" dirty="0" smtClean="0">
-                <a:solidFill>
-                  <a:srgbClr val="09885A"/>
-                </a:solidFill>
-                <a:effectLst/>
-                <a:latin typeface="Consolas" panose="020B0609020204030204" pitchFamily="49" charset="0"/>
-              </a:rPr>
-              <a:t>8</a:t>
-            </a:r>
-            <a:r>
-              <a:rPr lang="en-US" b="0" dirty="0" smtClean="0">
-                <a:solidFill>
-                  <a:srgbClr val="000000"/>
-                </a:solidFill>
-                <a:effectLst/>
-                <a:latin typeface="Consolas" panose="020B0609020204030204" pitchFamily="49" charset="0"/>
-              </a:rPr>
-              <a:t>])</a:t>
-            </a:r>
-          </a:p>
-          <a:p>
-            <a:r>
-              <a:rPr lang="en-US" b="0" dirty="0" err="1" smtClean="0">
-                <a:solidFill>
-                  <a:srgbClr val="001080"/>
-                </a:solidFill>
-                <a:effectLst/>
-                <a:latin typeface="Consolas" panose="020B0609020204030204" pitchFamily="49" charset="0"/>
-              </a:rPr>
-              <a:t>ypoints</a:t>
-            </a:r>
-            <a:r>
-              <a:rPr lang="en-US" b="0" dirty="0" smtClean="0">
-                <a:solidFill>
-                  <a:srgbClr val="000000"/>
-                </a:solidFill>
-                <a:effectLst/>
-                <a:latin typeface="Consolas" panose="020B0609020204030204" pitchFamily="49" charset="0"/>
-              </a:rPr>
-              <a:t> = </a:t>
-            </a:r>
-            <a:r>
-              <a:rPr lang="en-US" b="0" dirty="0" err="1" smtClean="0">
-                <a:solidFill>
-                  <a:srgbClr val="001080"/>
-                </a:solidFill>
-                <a:effectLst/>
-                <a:latin typeface="Consolas" panose="020B0609020204030204" pitchFamily="49" charset="0"/>
-              </a:rPr>
-              <a:t>np</a:t>
-            </a:r>
-            <a:r>
-              <a:rPr lang="en-US" b="0" dirty="0" err="1" smtClean="0">
-                <a:solidFill>
-                  <a:srgbClr val="000000"/>
-                </a:solidFill>
-                <a:effectLst/>
-                <a:latin typeface="Consolas" panose="020B0609020204030204" pitchFamily="49" charset="0"/>
-              </a:rPr>
-              <a:t>.</a:t>
-            </a:r>
-            <a:r>
-              <a:rPr lang="en-US" b="0" dirty="0" err="1" smtClean="0">
-                <a:solidFill>
-                  <a:srgbClr val="001080"/>
-                </a:solidFill>
-                <a:effectLst/>
-                <a:latin typeface="Consolas" panose="020B0609020204030204" pitchFamily="49" charset="0"/>
-              </a:rPr>
-              <a:t>array</a:t>
-            </a:r>
-            <a:r>
-              <a:rPr lang="en-US" b="0" dirty="0" smtClean="0">
-                <a:solidFill>
-                  <a:srgbClr val="000000"/>
-                </a:solidFill>
-                <a:effectLst/>
-                <a:latin typeface="Consolas" panose="020B0609020204030204" pitchFamily="49" charset="0"/>
-              </a:rPr>
-              <a:t>([</a:t>
-            </a:r>
-            <a:r>
-              <a:rPr lang="en-US" b="0" dirty="0" smtClean="0">
-                <a:solidFill>
-                  <a:srgbClr val="001080"/>
-                </a:solidFill>
-                <a:effectLst/>
-                <a:latin typeface="Consolas" panose="020B0609020204030204" pitchFamily="49" charset="0"/>
-              </a:rPr>
-              <a:t>x1</a:t>
-            </a:r>
-            <a:r>
-              <a:rPr lang="en-US" b="0" dirty="0" smtClean="0">
-                <a:solidFill>
-                  <a:srgbClr val="000000"/>
-                </a:solidFill>
-                <a:effectLst/>
-                <a:latin typeface="Consolas" panose="020B0609020204030204" pitchFamily="49" charset="0"/>
-              </a:rPr>
-              <a:t>, </a:t>
-            </a:r>
-            <a:r>
-              <a:rPr lang="en-US" b="0" dirty="0" smtClean="0">
-                <a:solidFill>
-                  <a:srgbClr val="09885A"/>
-                </a:solidFill>
-                <a:effectLst/>
-                <a:latin typeface="Consolas" panose="020B0609020204030204" pitchFamily="49" charset="0"/>
-              </a:rPr>
-              <a:t>10</a:t>
-            </a:r>
-            <a:r>
-              <a:rPr lang="en-US" b="0" dirty="0" smtClean="0">
-                <a:solidFill>
-                  <a:srgbClr val="000000"/>
-                </a:solidFill>
-                <a:effectLst/>
-                <a:latin typeface="Consolas" panose="020B0609020204030204" pitchFamily="49" charset="0"/>
-              </a:rPr>
-              <a:t>])</a:t>
-            </a:r>
-          </a:p>
-          <a:p>
-            <a:r>
-              <a:rPr lang="en-US" b="0" dirty="0" smtClean="0">
-                <a:solidFill>
-                  <a:srgbClr val="000000"/>
-                </a:solidFill>
-                <a:effectLst/>
-                <a:latin typeface="Consolas" panose="020B0609020204030204" pitchFamily="49" charset="0"/>
-              </a:rPr>
-              <a:t/>
-            </a:r>
-            <a:br>
-              <a:rPr lang="en-US" b="0" dirty="0" smtClean="0">
-                <a:solidFill>
-                  <a:srgbClr val="000000"/>
-                </a:solidFill>
-                <a:effectLst/>
-                <a:latin typeface="Consolas" panose="020B0609020204030204" pitchFamily="49" charset="0"/>
-              </a:rPr>
-            </a:br>
-            <a:r>
-              <a:rPr lang="en-US" b="0" dirty="0" err="1" smtClean="0">
-                <a:solidFill>
-                  <a:srgbClr val="001080"/>
-                </a:solidFill>
-                <a:effectLst/>
-                <a:latin typeface="Consolas" panose="020B0609020204030204" pitchFamily="49" charset="0"/>
-              </a:rPr>
-              <a:t>plt</a:t>
-            </a:r>
-            <a:r>
-              <a:rPr lang="en-US" b="0" dirty="0" err="1" smtClean="0">
-                <a:solidFill>
-                  <a:srgbClr val="000000"/>
-                </a:solidFill>
-                <a:effectLst/>
-                <a:latin typeface="Consolas" panose="020B0609020204030204" pitchFamily="49" charset="0"/>
-              </a:rPr>
-              <a:t>.</a:t>
-            </a:r>
-            <a:r>
-              <a:rPr lang="en-US" b="0" dirty="0" err="1" smtClean="0">
-                <a:solidFill>
-                  <a:srgbClr val="001080"/>
-                </a:solidFill>
-                <a:effectLst/>
-                <a:latin typeface="Consolas" panose="020B0609020204030204" pitchFamily="49" charset="0"/>
-              </a:rPr>
-              <a:t>plot</a:t>
-            </a:r>
-            <a:r>
-              <a:rPr lang="en-US" b="0" dirty="0" smtClean="0">
-                <a:solidFill>
-                  <a:srgbClr val="000000"/>
-                </a:solidFill>
-                <a:effectLst/>
-                <a:latin typeface="Consolas" panose="020B0609020204030204" pitchFamily="49" charset="0"/>
-              </a:rPr>
-              <a:t>(</a:t>
-            </a:r>
-            <a:r>
-              <a:rPr lang="en-US" b="0" dirty="0" err="1" smtClean="0">
-                <a:solidFill>
-                  <a:srgbClr val="001080"/>
-                </a:solidFill>
-                <a:effectLst/>
-                <a:latin typeface="Consolas" panose="020B0609020204030204" pitchFamily="49" charset="0"/>
-              </a:rPr>
-              <a:t>xpoints</a:t>
-            </a:r>
-            <a:r>
-              <a:rPr lang="en-US" b="0" dirty="0" smtClean="0">
-                <a:solidFill>
-                  <a:srgbClr val="000000"/>
-                </a:solidFill>
-                <a:effectLst/>
-                <a:latin typeface="Consolas" panose="020B0609020204030204" pitchFamily="49" charset="0"/>
-              </a:rPr>
-              <a:t>, </a:t>
-            </a:r>
-            <a:r>
-              <a:rPr lang="en-US" b="0" dirty="0" err="1" smtClean="0">
-                <a:solidFill>
-                  <a:srgbClr val="001080"/>
-                </a:solidFill>
-                <a:effectLst/>
-                <a:latin typeface="Consolas" panose="020B0609020204030204" pitchFamily="49" charset="0"/>
-              </a:rPr>
-              <a:t>ypoints</a:t>
-            </a:r>
-            <a:r>
-              <a:rPr lang="en-US" b="0" dirty="0" smtClean="0">
-                <a:solidFill>
-                  <a:srgbClr val="000000"/>
-                </a:solidFill>
-                <a:effectLst/>
-                <a:latin typeface="Consolas" panose="020B0609020204030204" pitchFamily="49" charset="0"/>
-              </a:rPr>
-              <a:t>)</a:t>
-            </a:r>
-          </a:p>
-          <a:p>
-            <a:r>
-              <a:rPr lang="en-US" b="0" dirty="0" err="1" smtClean="0">
-                <a:solidFill>
-                  <a:srgbClr val="001080"/>
-                </a:solidFill>
-                <a:effectLst/>
-                <a:latin typeface="Consolas" panose="020B0609020204030204" pitchFamily="49" charset="0"/>
-              </a:rPr>
-              <a:t>plt</a:t>
-            </a:r>
-            <a:r>
-              <a:rPr lang="en-US" b="0" dirty="0" err="1" smtClean="0">
-                <a:solidFill>
-                  <a:srgbClr val="000000"/>
-                </a:solidFill>
-                <a:effectLst/>
-                <a:latin typeface="Consolas" panose="020B0609020204030204" pitchFamily="49" charset="0"/>
-              </a:rPr>
-              <a:t>.</a:t>
-            </a:r>
-            <a:r>
-              <a:rPr lang="en-US" b="0" dirty="0" err="1" smtClean="0">
-                <a:solidFill>
-                  <a:srgbClr val="001080"/>
-                </a:solidFill>
-                <a:effectLst/>
-                <a:latin typeface="Consolas" panose="020B0609020204030204" pitchFamily="49" charset="0"/>
-              </a:rPr>
-              <a:t>show</a:t>
-            </a:r>
-            <a:r>
-              <a:rPr lang="en-US" b="0" dirty="0" smtClean="0">
-                <a:solidFill>
-                  <a:srgbClr val="000000"/>
-                </a:solidFill>
-                <a:effectLst/>
-                <a:latin typeface="Consolas" panose="020B0609020204030204" pitchFamily="49" charset="0"/>
-              </a:rPr>
-              <a:t>()</a:t>
-            </a:r>
-            <a:endParaRPr lang="en-US" b="0" dirty="0">
-              <a:solidFill>
-                <a:srgbClr val="000000"/>
-              </a:solidFill>
-              <a:effectLst/>
-              <a:latin typeface="Consolas" panose="020B0609020204030204" pitchFamily="49" charset="0"/>
-            </a:endParaRPr>
-          </a:p>
-        </p:txBody>
-      </p:sp>
-    </p:spTree>
-    <p:extLst>
-      <p:ext uri="{BB962C8B-B14F-4D97-AF65-F5344CB8AC3E}">
-        <p14:creationId xmlns:p14="http://schemas.microsoft.com/office/powerpoint/2010/main" val="2901981085"/>
+        <p14:creationId xmlns:p14="http://schemas.microsoft.com/office/powerpoint/2010/main" val="3008068798"/>
       </p:ext>
     </p:extLst>
   </p:cSld>
@@ -4403,7 +3745,7 @@
             <a:pPr algn="ctr"/>
             <a:r>
               <a:rPr lang="en-US" dirty="0" smtClean="0"/>
-              <a:t>Python script II</a:t>
+              <a:t>Table tool: new column</a:t>
             </a:r>
             <a:endParaRPr lang="en-US" dirty="0"/>
           </a:p>
@@ -4411,7 +3753,7 @@
       </p:sp>
       <p:pic>
         <p:nvPicPr>
-          <p:cNvPr id="3" name="Picture 2"/>
+          <p:cNvPr id="5" name="Picture 4"/>
           <p:cNvPicPr>
             <a:picLocks noChangeAspect="1"/>
           </p:cNvPicPr>
@@ -4425,509 +3767,18 @@
         </p:blipFill>
         <p:spPr>
           <a:xfrm>
-            <a:off x="838200" y="1988865"/>
-            <a:ext cx="7106642" cy="3896269"/>
+            <a:off x="3028522" y="2089090"/>
+            <a:ext cx="6134956" cy="3743847"/>
           </a:xfrm>
           <a:prstGeom prst="rect">
             <a:avLst/>
           </a:prstGeom>
         </p:spPr>
       </p:pic>
-      <p:sp>
-        <p:nvSpPr>
-          <p:cNvPr id="4" name="Rectangle 3"/>
-          <p:cNvSpPr/>
-          <p:nvPr/>
-        </p:nvSpPr>
-        <p:spPr>
-          <a:xfrm>
-            <a:off x="7944842" y="3853809"/>
-            <a:ext cx="4318000" cy="2031325"/>
-          </a:xfrm>
-          <a:prstGeom prst="rect">
-            <a:avLst/>
-          </a:prstGeom>
-        </p:spPr>
-        <p:txBody>
-          <a:bodyPr wrap="square">
-            <a:spAutoFit/>
-          </a:bodyPr>
-          <a:lstStyle/>
-          <a:p>
-            <a:r>
-              <a:rPr lang="en-US" b="0" dirty="0" smtClean="0">
-                <a:solidFill>
-                  <a:srgbClr val="0000FF"/>
-                </a:solidFill>
-                <a:effectLst/>
-                <a:latin typeface="Consolas" panose="020B0609020204030204" pitchFamily="49" charset="0"/>
-              </a:rPr>
-              <a:t>import</a:t>
-            </a:r>
-            <a:r>
-              <a:rPr lang="en-US" b="0" dirty="0" smtClean="0">
-                <a:solidFill>
-                  <a:srgbClr val="000000"/>
-                </a:solidFill>
-                <a:effectLst/>
-                <a:latin typeface="Consolas" panose="020B0609020204030204" pitchFamily="49" charset="0"/>
-              </a:rPr>
-              <a:t> </a:t>
-            </a:r>
-            <a:r>
-              <a:rPr lang="en-US" b="0" dirty="0" err="1" smtClean="0">
-                <a:solidFill>
-                  <a:srgbClr val="001080"/>
-                </a:solidFill>
-                <a:effectLst/>
-                <a:latin typeface="Consolas" panose="020B0609020204030204" pitchFamily="49" charset="0"/>
-              </a:rPr>
-              <a:t>matplotlib</a:t>
-            </a:r>
-            <a:r>
-              <a:rPr lang="en-US" b="0" dirty="0" err="1" smtClean="0">
-                <a:solidFill>
-                  <a:srgbClr val="000000"/>
-                </a:solidFill>
-                <a:effectLst/>
-                <a:latin typeface="Consolas" panose="020B0609020204030204" pitchFamily="49" charset="0"/>
-              </a:rPr>
-              <a:t>.</a:t>
-            </a:r>
-            <a:r>
-              <a:rPr lang="en-US" b="0" dirty="0" err="1" smtClean="0">
-                <a:solidFill>
-                  <a:srgbClr val="001080"/>
-                </a:solidFill>
-                <a:effectLst/>
-                <a:latin typeface="Consolas" panose="020B0609020204030204" pitchFamily="49" charset="0"/>
-              </a:rPr>
-              <a:t>pyplot</a:t>
-            </a:r>
-            <a:r>
-              <a:rPr lang="en-US" b="0" dirty="0" smtClean="0">
-                <a:solidFill>
-                  <a:srgbClr val="000000"/>
-                </a:solidFill>
-                <a:effectLst/>
-                <a:latin typeface="Consolas" panose="020B0609020204030204" pitchFamily="49" charset="0"/>
-              </a:rPr>
-              <a:t> </a:t>
-            </a:r>
-            <a:r>
-              <a:rPr lang="en-US" b="0" dirty="0" smtClean="0">
-                <a:solidFill>
-                  <a:srgbClr val="0000FF"/>
-                </a:solidFill>
-                <a:effectLst/>
-                <a:latin typeface="Consolas" panose="020B0609020204030204" pitchFamily="49" charset="0"/>
-              </a:rPr>
-              <a:t>as</a:t>
-            </a:r>
-            <a:r>
-              <a:rPr lang="en-US" b="0" dirty="0" smtClean="0">
-                <a:solidFill>
-                  <a:srgbClr val="000000"/>
-                </a:solidFill>
-                <a:effectLst/>
-                <a:latin typeface="Consolas" panose="020B0609020204030204" pitchFamily="49" charset="0"/>
-              </a:rPr>
-              <a:t> </a:t>
-            </a:r>
-            <a:r>
-              <a:rPr lang="en-US" b="0" dirty="0" err="1" smtClean="0">
-                <a:solidFill>
-                  <a:srgbClr val="001080"/>
-                </a:solidFill>
-                <a:effectLst/>
-                <a:latin typeface="Consolas" panose="020B0609020204030204" pitchFamily="49" charset="0"/>
-              </a:rPr>
-              <a:t>plt</a:t>
-            </a:r>
-            <a:endParaRPr lang="en-US" b="0" dirty="0" smtClean="0">
-              <a:solidFill>
-                <a:srgbClr val="000000"/>
-              </a:solidFill>
-              <a:effectLst/>
-              <a:latin typeface="Consolas" panose="020B0609020204030204" pitchFamily="49" charset="0"/>
-            </a:endParaRPr>
-          </a:p>
-          <a:p>
-            <a:r>
-              <a:rPr lang="en-US" b="0" dirty="0" smtClean="0">
-                <a:solidFill>
-                  <a:srgbClr val="0000FF"/>
-                </a:solidFill>
-                <a:effectLst/>
-                <a:latin typeface="Consolas" panose="020B0609020204030204" pitchFamily="49" charset="0"/>
-              </a:rPr>
-              <a:t>import</a:t>
-            </a:r>
-            <a:r>
-              <a:rPr lang="en-US" b="0" dirty="0" smtClean="0">
-                <a:solidFill>
-                  <a:srgbClr val="000000"/>
-                </a:solidFill>
-                <a:effectLst/>
-                <a:latin typeface="Consolas" panose="020B0609020204030204" pitchFamily="49" charset="0"/>
-              </a:rPr>
-              <a:t> </a:t>
-            </a:r>
-            <a:r>
-              <a:rPr lang="en-US" b="0" dirty="0" err="1" smtClean="0">
-                <a:solidFill>
-                  <a:srgbClr val="001080"/>
-                </a:solidFill>
-                <a:effectLst/>
-                <a:latin typeface="Consolas" panose="020B0609020204030204" pitchFamily="49" charset="0"/>
-              </a:rPr>
-              <a:t>numpy</a:t>
-            </a:r>
-            <a:r>
-              <a:rPr lang="en-US" b="0" dirty="0" smtClean="0">
-                <a:solidFill>
-                  <a:srgbClr val="000000"/>
-                </a:solidFill>
-                <a:effectLst/>
-                <a:latin typeface="Consolas" panose="020B0609020204030204" pitchFamily="49" charset="0"/>
-              </a:rPr>
-              <a:t> </a:t>
-            </a:r>
-            <a:r>
-              <a:rPr lang="en-US" b="0" dirty="0" smtClean="0">
-                <a:solidFill>
-                  <a:srgbClr val="0000FF"/>
-                </a:solidFill>
-                <a:effectLst/>
-                <a:latin typeface="Consolas" panose="020B0609020204030204" pitchFamily="49" charset="0"/>
-              </a:rPr>
-              <a:t>as</a:t>
-            </a:r>
-            <a:r>
-              <a:rPr lang="en-US" b="0" dirty="0" smtClean="0">
-                <a:solidFill>
-                  <a:srgbClr val="000000"/>
-                </a:solidFill>
-                <a:effectLst/>
-                <a:latin typeface="Consolas" panose="020B0609020204030204" pitchFamily="49" charset="0"/>
-              </a:rPr>
-              <a:t> </a:t>
-            </a:r>
-            <a:r>
-              <a:rPr lang="en-US" b="0" dirty="0" smtClean="0">
-                <a:solidFill>
-                  <a:srgbClr val="001080"/>
-                </a:solidFill>
-                <a:effectLst/>
-                <a:latin typeface="Consolas" panose="020B0609020204030204" pitchFamily="49" charset="0"/>
-              </a:rPr>
-              <a:t>np</a:t>
-            </a:r>
-            <a:endParaRPr lang="en-US" b="0" dirty="0" smtClean="0">
-              <a:solidFill>
-                <a:srgbClr val="000000"/>
-              </a:solidFill>
-              <a:effectLst/>
-              <a:latin typeface="Consolas" panose="020B0609020204030204" pitchFamily="49" charset="0"/>
-            </a:endParaRPr>
-          </a:p>
-          <a:p>
-            <a:r>
-              <a:rPr lang="en-US" b="0" dirty="0" smtClean="0">
-                <a:solidFill>
-                  <a:srgbClr val="000000"/>
-                </a:solidFill>
-                <a:effectLst/>
-                <a:latin typeface="Consolas" panose="020B0609020204030204" pitchFamily="49" charset="0"/>
-              </a:rPr>
-              <a:t/>
-            </a:r>
-            <a:br>
-              <a:rPr lang="en-US" b="0" dirty="0" smtClean="0">
-                <a:solidFill>
-                  <a:srgbClr val="000000"/>
-                </a:solidFill>
-                <a:effectLst/>
-                <a:latin typeface="Consolas" panose="020B0609020204030204" pitchFamily="49" charset="0"/>
-              </a:rPr>
-            </a:br>
-            <a:r>
-              <a:rPr lang="en-US" b="0" dirty="0" smtClean="0">
-                <a:solidFill>
-                  <a:srgbClr val="001080"/>
-                </a:solidFill>
-                <a:effectLst/>
-                <a:latin typeface="Consolas" panose="020B0609020204030204" pitchFamily="49" charset="0"/>
-              </a:rPr>
-              <a:t>y</a:t>
-            </a:r>
-            <a:r>
-              <a:rPr lang="en-US" b="0" dirty="0" smtClean="0">
-                <a:solidFill>
-                  <a:srgbClr val="000000"/>
-                </a:solidFill>
-                <a:effectLst/>
-                <a:latin typeface="Consolas" panose="020B0609020204030204" pitchFamily="49" charset="0"/>
-              </a:rPr>
-              <a:t> = </a:t>
-            </a:r>
-            <a:r>
-              <a:rPr lang="en-US" b="0" dirty="0" err="1" smtClean="0">
-                <a:solidFill>
-                  <a:srgbClr val="001080"/>
-                </a:solidFill>
-                <a:effectLst/>
-                <a:latin typeface="Consolas" panose="020B0609020204030204" pitchFamily="49" charset="0"/>
-              </a:rPr>
-              <a:t>np</a:t>
-            </a:r>
-            <a:r>
-              <a:rPr lang="en-US" b="0" dirty="0" err="1" smtClean="0">
-                <a:solidFill>
-                  <a:srgbClr val="000000"/>
-                </a:solidFill>
-                <a:effectLst/>
-                <a:latin typeface="Consolas" panose="020B0609020204030204" pitchFamily="49" charset="0"/>
-              </a:rPr>
-              <a:t>.</a:t>
-            </a:r>
-            <a:r>
-              <a:rPr lang="en-US" b="0" dirty="0" err="1" smtClean="0">
-                <a:solidFill>
-                  <a:srgbClr val="001080"/>
-                </a:solidFill>
-                <a:effectLst/>
-                <a:latin typeface="Consolas" panose="020B0609020204030204" pitchFamily="49" charset="0"/>
-              </a:rPr>
-              <a:t>array</a:t>
-            </a:r>
-            <a:r>
-              <a:rPr lang="en-US" b="0" dirty="0" smtClean="0">
-                <a:solidFill>
-                  <a:srgbClr val="000000"/>
-                </a:solidFill>
-                <a:effectLst/>
-                <a:latin typeface="Consolas" panose="020B0609020204030204" pitchFamily="49" charset="0"/>
-              </a:rPr>
-              <a:t>([</a:t>
-            </a:r>
-            <a:r>
-              <a:rPr lang="en-US" b="0" dirty="0" smtClean="0">
-                <a:solidFill>
-                  <a:srgbClr val="09885A"/>
-                </a:solidFill>
-                <a:effectLst/>
-                <a:latin typeface="Consolas" panose="020B0609020204030204" pitchFamily="49" charset="0"/>
-              </a:rPr>
-              <a:t>35</a:t>
-            </a:r>
-            <a:r>
-              <a:rPr lang="en-US" b="0" dirty="0" smtClean="0">
-                <a:solidFill>
-                  <a:srgbClr val="000000"/>
-                </a:solidFill>
-                <a:effectLst/>
-                <a:latin typeface="Consolas" panose="020B0609020204030204" pitchFamily="49" charset="0"/>
-              </a:rPr>
-              <a:t>, </a:t>
-            </a:r>
-            <a:r>
-              <a:rPr lang="en-US" b="0" dirty="0" smtClean="0">
-                <a:solidFill>
-                  <a:srgbClr val="09885A"/>
-                </a:solidFill>
-                <a:effectLst/>
-                <a:latin typeface="Consolas" panose="020B0609020204030204" pitchFamily="49" charset="0"/>
-              </a:rPr>
-              <a:t>25</a:t>
-            </a:r>
-            <a:r>
-              <a:rPr lang="en-US" b="0" dirty="0" smtClean="0">
-                <a:solidFill>
-                  <a:srgbClr val="000000"/>
-                </a:solidFill>
-                <a:effectLst/>
-                <a:latin typeface="Consolas" panose="020B0609020204030204" pitchFamily="49" charset="0"/>
-              </a:rPr>
-              <a:t>, </a:t>
-            </a:r>
-            <a:r>
-              <a:rPr lang="en-US" b="0" dirty="0" smtClean="0">
-                <a:solidFill>
-                  <a:srgbClr val="09885A"/>
-                </a:solidFill>
-                <a:effectLst/>
-                <a:latin typeface="Consolas" panose="020B0609020204030204" pitchFamily="49" charset="0"/>
-              </a:rPr>
-              <a:t>25</a:t>
-            </a:r>
-            <a:r>
-              <a:rPr lang="en-US" b="0" dirty="0" smtClean="0">
-                <a:solidFill>
-                  <a:srgbClr val="000000"/>
-                </a:solidFill>
-                <a:effectLst/>
-                <a:latin typeface="Consolas" panose="020B0609020204030204" pitchFamily="49" charset="0"/>
-              </a:rPr>
-              <a:t>, </a:t>
-            </a:r>
-            <a:r>
-              <a:rPr lang="en-US" b="0" dirty="0" smtClean="0">
-                <a:solidFill>
-                  <a:srgbClr val="09885A"/>
-                </a:solidFill>
-                <a:effectLst/>
-                <a:latin typeface="Consolas" panose="020B0609020204030204" pitchFamily="49" charset="0"/>
-              </a:rPr>
-              <a:t>15</a:t>
-            </a:r>
-            <a:r>
-              <a:rPr lang="en-US" b="0" dirty="0" smtClean="0">
-                <a:solidFill>
-                  <a:srgbClr val="000000"/>
-                </a:solidFill>
-                <a:effectLst/>
-                <a:latin typeface="Consolas" panose="020B0609020204030204" pitchFamily="49" charset="0"/>
-              </a:rPr>
-              <a:t>])</a:t>
-            </a:r>
-          </a:p>
-          <a:p>
-            <a:r>
-              <a:rPr lang="en-US" b="0" dirty="0" smtClean="0">
-                <a:solidFill>
-                  <a:srgbClr val="000000"/>
-                </a:solidFill>
-                <a:effectLst/>
-                <a:latin typeface="Consolas" panose="020B0609020204030204" pitchFamily="49" charset="0"/>
-              </a:rPr>
-              <a:t/>
-            </a:r>
-            <a:br>
-              <a:rPr lang="en-US" b="0" dirty="0" smtClean="0">
-                <a:solidFill>
-                  <a:srgbClr val="000000"/>
-                </a:solidFill>
-                <a:effectLst/>
-                <a:latin typeface="Consolas" panose="020B0609020204030204" pitchFamily="49" charset="0"/>
-              </a:rPr>
-            </a:br>
-            <a:r>
-              <a:rPr lang="en-US" b="0" dirty="0" err="1" smtClean="0">
-                <a:solidFill>
-                  <a:srgbClr val="001080"/>
-                </a:solidFill>
-                <a:effectLst/>
-                <a:latin typeface="Consolas" panose="020B0609020204030204" pitchFamily="49" charset="0"/>
-              </a:rPr>
-              <a:t>plt</a:t>
-            </a:r>
-            <a:r>
-              <a:rPr lang="en-US" b="0" dirty="0" err="1" smtClean="0">
-                <a:solidFill>
-                  <a:srgbClr val="000000"/>
-                </a:solidFill>
-                <a:effectLst/>
-                <a:latin typeface="Consolas" panose="020B0609020204030204" pitchFamily="49" charset="0"/>
-              </a:rPr>
-              <a:t>.</a:t>
-            </a:r>
-            <a:r>
-              <a:rPr lang="en-US" b="0" dirty="0" err="1" smtClean="0">
-                <a:solidFill>
-                  <a:srgbClr val="001080"/>
-                </a:solidFill>
-                <a:effectLst/>
-                <a:latin typeface="Consolas" panose="020B0609020204030204" pitchFamily="49" charset="0"/>
-              </a:rPr>
-              <a:t>pie</a:t>
-            </a:r>
-            <a:r>
-              <a:rPr lang="en-US" b="0" dirty="0" smtClean="0">
-                <a:solidFill>
-                  <a:srgbClr val="000000"/>
-                </a:solidFill>
-                <a:effectLst/>
-                <a:latin typeface="Consolas" panose="020B0609020204030204" pitchFamily="49" charset="0"/>
-              </a:rPr>
-              <a:t>(</a:t>
-            </a:r>
-            <a:r>
-              <a:rPr lang="en-US" b="0" dirty="0" smtClean="0">
-                <a:solidFill>
-                  <a:srgbClr val="001080"/>
-                </a:solidFill>
-                <a:effectLst/>
-                <a:latin typeface="Consolas" panose="020B0609020204030204" pitchFamily="49" charset="0"/>
-              </a:rPr>
-              <a:t>y</a:t>
-            </a:r>
-            <a:r>
-              <a:rPr lang="en-US" b="0" dirty="0" smtClean="0">
-                <a:solidFill>
-                  <a:srgbClr val="000000"/>
-                </a:solidFill>
-                <a:effectLst/>
-                <a:latin typeface="Consolas" panose="020B0609020204030204" pitchFamily="49" charset="0"/>
-              </a:rPr>
-              <a:t>)</a:t>
-            </a:r>
-          </a:p>
-          <a:p>
-            <a:r>
-              <a:rPr lang="en-US" b="0" dirty="0" err="1" smtClean="0">
-                <a:solidFill>
-                  <a:srgbClr val="001080"/>
-                </a:solidFill>
-                <a:effectLst/>
-                <a:latin typeface="Consolas" panose="020B0609020204030204" pitchFamily="49" charset="0"/>
-              </a:rPr>
-              <a:t>plt</a:t>
-            </a:r>
-            <a:r>
-              <a:rPr lang="en-US" b="0" dirty="0" err="1" smtClean="0">
-                <a:solidFill>
-                  <a:srgbClr val="000000"/>
-                </a:solidFill>
-                <a:effectLst/>
-                <a:latin typeface="Consolas" panose="020B0609020204030204" pitchFamily="49" charset="0"/>
-              </a:rPr>
-              <a:t>.</a:t>
-            </a:r>
-            <a:r>
-              <a:rPr lang="en-US" b="0" dirty="0" err="1" smtClean="0">
-                <a:solidFill>
-                  <a:srgbClr val="001080"/>
-                </a:solidFill>
-                <a:effectLst/>
-                <a:latin typeface="Consolas" panose="020B0609020204030204" pitchFamily="49" charset="0"/>
-              </a:rPr>
-              <a:t>show</a:t>
-            </a:r>
-            <a:r>
-              <a:rPr lang="en-US" b="0" dirty="0" smtClean="0">
-                <a:solidFill>
-                  <a:srgbClr val="000000"/>
-                </a:solidFill>
-                <a:effectLst/>
-                <a:latin typeface="Consolas" panose="020B0609020204030204" pitchFamily="49" charset="0"/>
-              </a:rPr>
-              <a:t>() </a:t>
-            </a:r>
-            <a:endParaRPr lang="en-US" b="0" dirty="0">
-              <a:solidFill>
-                <a:srgbClr val="000000"/>
-              </a:solidFill>
-              <a:effectLst/>
-              <a:latin typeface="Consolas" panose="020B0609020204030204" pitchFamily="49" charset="0"/>
-            </a:endParaRPr>
-          </a:p>
-        </p:txBody>
-      </p:sp>
     </p:spTree>
     <p:extLst>
       <p:ext uri="{BB962C8B-B14F-4D97-AF65-F5344CB8AC3E}">
-        <p14:creationId xmlns:p14="http://schemas.microsoft.com/office/powerpoint/2010/main" val="2891012784"/>
+        <p14:creationId xmlns:p14="http://schemas.microsoft.com/office/powerpoint/2010/main" val="586078296"/>
       </p:ext>
     </p:extLst>
   </p:cSld>
@@ -4972,7 +3823,7 @@
             <a:pPr algn="ctr"/>
             <a:r>
               <a:rPr lang="en-US" b="1" dirty="0" smtClean="0"/>
-              <a:t>Publish your work</a:t>
+              <a:t>Exercise 2</a:t>
             </a:r>
             <a:endParaRPr lang="en-US" b="1" dirty="0"/>
           </a:p>
@@ -4980,36 +3831,88 @@
       </p:sp>
       <p:sp>
         <p:nvSpPr>
-          <p:cNvPr id="3" name="Rectangle 2"/>
-          <p:cNvSpPr/>
-          <p:nvPr/>
-        </p:nvSpPr>
-        <p:spPr>
-          <a:xfrm>
-            <a:off x="1373656" y="1551003"/>
-            <a:ext cx="9221586" cy="276999"/>
-          </a:xfrm>
-          <a:prstGeom prst="rect">
-            <a:avLst/>
-          </a:prstGeom>
-        </p:spPr>
-        <p:txBody>
-          <a:bodyPr wrap="square">
-            <a:spAutoFit/>
-          </a:bodyPr>
+          <p:cNvPr id="3" name="Content Placeholder 2"/>
+          <p:cNvSpPr>
+            <a:spLocks noGrp="1"/>
+          </p:cNvSpPr>
+          <p:nvPr>
+            <p:ph idx="1"/>
+          </p:nvPr>
+        </p:nvSpPr>
+        <p:spPr/>
+        <p:txBody>
+          <a:bodyPr/>
+          <a:lstStyle/>
+          <a:p>
+            <a:pPr marL="514350" indent="-514350">
+              <a:buFont typeface="+mj-lt"/>
+              <a:buAutoNum type="arabicPeriod"/>
+            </a:pPr>
+            <a:r>
+              <a:rPr lang="en-US" dirty="0" smtClean="0"/>
+              <a:t>Create your own data and plot some graphs</a:t>
+            </a:r>
+            <a:endParaRPr lang="en-US" dirty="0"/>
+          </a:p>
+        </p:txBody>
+      </p:sp>
+    </p:spTree>
+    <p:extLst>
+      <p:ext uri="{BB962C8B-B14F-4D97-AF65-F5344CB8AC3E}">
+        <p14:creationId xmlns:p14="http://schemas.microsoft.com/office/powerpoint/2010/main" val="885873826"/>
+      </p:ext>
+    </p:extLst>
+  </p:cSld>
+  <p:clrMapOvr>
+    <a:masterClrMapping/>
+  </p:clrMapOvr>
+</p:sld>
+</file>
+
+<file path=ppt/slides/slide18.xml><?xml version="1.0" encoding="utf-8"?>
+<p:sld xmlns:a="http://schemas.openxmlformats.org/drawingml/2006/main" xmlns:r="http://schemas.openxmlformats.org/officeDocument/2006/relationships" xmlns:p="http://schemas.openxmlformats.org/presentationml/2006/main">
+  <p:cSld>
+    <p:spTree>
+      <p:nvGrpSpPr>
+        <p:cNvPr id="1" name=""/>
+        <p:cNvGrpSpPr/>
+        <p:nvPr/>
+      </p:nvGrpSpPr>
+      <p:grpSpPr>
+        <a:xfrm>
+          <a:off x="0" y="0"/>
+          <a:ext cx="0" cy="0"/>
+          <a:chOff x="0" y="0"/>
+          <a:chExt cx="0" cy="0"/>
+        </a:xfrm>
+      </p:grpSpPr>
+      <p:sp>
+        <p:nvSpPr>
+          <p:cNvPr id="2" name="Title 1"/>
+          <p:cNvSpPr>
+            <a:spLocks noGrp="1"/>
+          </p:cNvSpPr>
+          <p:nvPr>
+            <p:ph type="title"/>
+          </p:nvPr>
+        </p:nvSpPr>
+        <p:spPr/>
+        <p:txBody>
+          <a:bodyPr/>
           <a:lstStyle/>
           <a:p>
             <a:pPr algn="ctr"/>
             <a:r>
-              <a:rPr lang="en-US" sz="1200" dirty="0"/>
-              <a:t>https://app.powerbi.com/groups/me/reports/beca5dbd-7ad4-4e59-bff1-8ec1a0dcbbb2/ReportSection</a:t>
-            </a:r>
+              <a:rPr lang="en-US" dirty="0" smtClean="0"/>
+              <a:t>Python script I</a:t>
+            </a:r>
+            <a:endParaRPr lang="en-US" dirty="0"/>
           </a:p>
         </p:txBody>
       </p:sp>
       <p:pic>
         <p:nvPicPr>
-          <p:cNvPr id="4" name="Picture 3"/>
+          <p:cNvPr id="3" name="Picture 2"/>
           <p:cNvPicPr>
             <a:picLocks noChangeAspect="1"/>
           </p:cNvPicPr>
@@ -5023,18 +3926,1261 @@
         </p:blipFill>
         <p:spPr>
           <a:xfrm>
-            <a:off x="1469446" y="1828002"/>
-            <a:ext cx="9253107" cy="4681290"/>
+            <a:off x="838200" y="2190471"/>
+            <a:ext cx="7182852" cy="4001058"/>
           </a:xfrm>
           <a:prstGeom prst="rect">
             <a:avLst/>
           </a:prstGeom>
         </p:spPr>
       </p:pic>
+      <p:sp>
+        <p:nvSpPr>
+          <p:cNvPr id="4" name="Rectangle 3"/>
+          <p:cNvSpPr/>
+          <p:nvPr/>
+        </p:nvSpPr>
+        <p:spPr>
+          <a:xfrm>
+            <a:off x="8021052" y="2594738"/>
+            <a:ext cx="4082048" cy="2929761"/>
+          </a:xfrm>
+          <a:prstGeom prst="rect">
+            <a:avLst/>
+          </a:prstGeom>
+        </p:spPr>
+        <p:txBody>
+          <a:bodyPr wrap="square">
+            <a:spAutoFit/>
+          </a:bodyPr>
+          <a:lstStyle/>
+          <a:p>
+            <a:r>
+              <a:rPr lang="en-US" b="0" dirty="0" smtClean="0">
+                <a:solidFill>
+                  <a:srgbClr val="0000FF"/>
+                </a:solidFill>
+                <a:effectLst/>
+                <a:latin typeface="Consolas" panose="020B0609020204030204" pitchFamily="49" charset="0"/>
+              </a:rPr>
+              <a:t>import</a:t>
+            </a:r>
+            <a:r>
+              <a:rPr lang="en-US" b="0" dirty="0" smtClean="0">
+                <a:solidFill>
+                  <a:srgbClr val="000000"/>
+                </a:solidFill>
+                <a:effectLst/>
+                <a:latin typeface="Consolas" panose="020B0609020204030204" pitchFamily="49" charset="0"/>
+              </a:rPr>
+              <a:t> </a:t>
+            </a:r>
+            <a:r>
+              <a:rPr lang="en-US" b="0" dirty="0" err="1" smtClean="0">
+                <a:solidFill>
+                  <a:srgbClr val="001080"/>
+                </a:solidFill>
+                <a:effectLst/>
+                <a:latin typeface="Consolas" panose="020B0609020204030204" pitchFamily="49" charset="0"/>
+              </a:rPr>
+              <a:t>matplotlib</a:t>
+            </a:r>
+            <a:r>
+              <a:rPr lang="en-US" b="0" dirty="0" err="1" smtClean="0">
+                <a:solidFill>
+                  <a:srgbClr val="000000"/>
+                </a:solidFill>
+                <a:effectLst/>
+                <a:latin typeface="Consolas" panose="020B0609020204030204" pitchFamily="49" charset="0"/>
+              </a:rPr>
+              <a:t>.</a:t>
+            </a:r>
+            <a:r>
+              <a:rPr lang="en-US" b="0" dirty="0" err="1" smtClean="0">
+                <a:solidFill>
+                  <a:srgbClr val="001080"/>
+                </a:solidFill>
+                <a:effectLst/>
+                <a:latin typeface="Consolas" panose="020B0609020204030204" pitchFamily="49" charset="0"/>
+              </a:rPr>
+              <a:t>pyplot</a:t>
+            </a:r>
+            <a:r>
+              <a:rPr lang="en-US" b="0" dirty="0" smtClean="0">
+                <a:solidFill>
+                  <a:srgbClr val="000000"/>
+                </a:solidFill>
+                <a:effectLst/>
+                <a:latin typeface="Consolas" panose="020B0609020204030204" pitchFamily="49" charset="0"/>
+              </a:rPr>
+              <a:t> </a:t>
+            </a:r>
+            <a:r>
+              <a:rPr lang="en-US" b="0" dirty="0" smtClean="0">
+                <a:solidFill>
+                  <a:srgbClr val="0000FF"/>
+                </a:solidFill>
+                <a:effectLst/>
+                <a:latin typeface="Consolas" panose="020B0609020204030204" pitchFamily="49" charset="0"/>
+              </a:rPr>
+              <a:t>as</a:t>
+            </a:r>
+            <a:r>
+              <a:rPr lang="en-US" b="0" dirty="0" smtClean="0">
+                <a:solidFill>
+                  <a:srgbClr val="000000"/>
+                </a:solidFill>
+                <a:effectLst/>
+                <a:latin typeface="Consolas" panose="020B0609020204030204" pitchFamily="49" charset="0"/>
+              </a:rPr>
+              <a:t> </a:t>
+            </a:r>
+            <a:r>
+              <a:rPr lang="en-US" b="0" dirty="0" err="1" smtClean="0">
+                <a:solidFill>
+                  <a:srgbClr val="001080"/>
+                </a:solidFill>
+                <a:effectLst/>
+                <a:latin typeface="Consolas" panose="020B0609020204030204" pitchFamily="49" charset="0"/>
+              </a:rPr>
+              <a:t>plt</a:t>
+            </a:r>
+            <a:endParaRPr lang="en-US" b="0" dirty="0" smtClean="0">
+              <a:solidFill>
+                <a:srgbClr val="000000"/>
+              </a:solidFill>
+              <a:effectLst/>
+              <a:latin typeface="Consolas" panose="020B0609020204030204" pitchFamily="49" charset="0"/>
+            </a:endParaRPr>
+          </a:p>
+          <a:p>
+            <a:r>
+              <a:rPr lang="en-US" b="0" dirty="0" smtClean="0">
+                <a:solidFill>
+                  <a:srgbClr val="0000FF"/>
+                </a:solidFill>
+                <a:effectLst/>
+                <a:latin typeface="Consolas" panose="020B0609020204030204" pitchFamily="49" charset="0"/>
+              </a:rPr>
+              <a:t>import</a:t>
+            </a:r>
+            <a:r>
+              <a:rPr lang="en-US" b="0" dirty="0" smtClean="0">
+                <a:solidFill>
+                  <a:srgbClr val="000000"/>
+                </a:solidFill>
+                <a:effectLst/>
+                <a:latin typeface="Consolas" panose="020B0609020204030204" pitchFamily="49" charset="0"/>
+              </a:rPr>
+              <a:t> </a:t>
+            </a:r>
+            <a:r>
+              <a:rPr lang="en-US" b="0" dirty="0" err="1" smtClean="0">
+                <a:solidFill>
+                  <a:srgbClr val="001080"/>
+                </a:solidFill>
+                <a:effectLst/>
+                <a:latin typeface="Consolas" panose="020B0609020204030204" pitchFamily="49" charset="0"/>
+              </a:rPr>
+              <a:t>numpy</a:t>
+            </a:r>
+            <a:r>
+              <a:rPr lang="en-US" b="0" dirty="0" smtClean="0">
+                <a:solidFill>
+                  <a:srgbClr val="000000"/>
+                </a:solidFill>
+                <a:effectLst/>
+                <a:latin typeface="Consolas" panose="020B0609020204030204" pitchFamily="49" charset="0"/>
+              </a:rPr>
+              <a:t> </a:t>
+            </a:r>
+            <a:r>
+              <a:rPr lang="en-US" b="0" dirty="0" smtClean="0">
+                <a:solidFill>
+                  <a:srgbClr val="0000FF"/>
+                </a:solidFill>
+                <a:effectLst/>
+                <a:latin typeface="Consolas" panose="020B0609020204030204" pitchFamily="49" charset="0"/>
+              </a:rPr>
+              <a:t>as</a:t>
+            </a:r>
+            <a:r>
+              <a:rPr lang="en-US" b="0" dirty="0" smtClean="0">
+                <a:solidFill>
+                  <a:srgbClr val="000000"/>
+                </a:solidFill>
+                <a:effectLst/>
+                <a:latin typeface="Consolas" panose="020B0609020204030204" pitchFamily="49" charset="0"/>
+              </a:rPr>
+              <a:t> </a:t>
+            </a:r>
+            <a:r>
+              <a:rPr lang="en-US" b="0" dirty="0" smtClean="0">
+                <a:solidFill>
+                  <a:srgbClr val="001080"/>
+                </a:solidFill>
+                <a:effectLst/>
+                <a:latin typeface="Consolas" panose="020B0609020204030204" pitchFamily="49" charset="0"/>
+              </a:rPr>
+              <a:t>np</a:t>
+            </a:r>
+            <a:endParaRPr lang="en-US" b="0" dirty="0" smtClean="0">
+              <a:solidFill>
+                <a:srgbClr val="000000"/>
+              </a:solidFill>
+              <a:effectLst/>
+              <a:latin typeface="Consolas" panose="020B0609020204030204" pitchFamily="49" charset="0"/>
+            </a:endParaRPr>
+          </a:p>
+          <a:p>
+            <a:r>
+              <a:rPr lang="en-US" b="0" dirty="0" smtClean="0">
+                <a:solidFill>
+                  <a:srgbClr val="000000"/>
+                </a:solidFill>
+                <a:effectLst/>
+                <a:latin typeface="Consolas" panose="020B0609020204030204" pitchFamily="49" charset="0"/>
+              </a:rPr>
+              <a:t/>
+            </a:r>
+            <a:br>
+              <a:rPr lang="en-US" b="0" dirty="0" smtClean="0">
+                <a:solidFill>
+                  <a:srgbClr val="000000"/>
+                </a:solidFill>
+                <a:effectLst/>
+                <a:latin typeface="Consolas" panose="020B0609020204030204" pitchFamily="49" charset="0"/>
+              </a:rPr>
+            </a:br>
+            <a:r>
+              <a:rPr lang="en-US" b="0" dirty="0" smtClean="0">
+                <a:solidFill>
+                  <a:srgbClr val="001080"/>
+                </a:solidFill>
+                <a:effectLst/>
+                <a:latin typeface="Consolas" panose="020B0609020204030204" pitchFamily="49" charset="0"/>
+              </a:rPr>
+              <a:t>x1</a:t>
+            </a:r>
+            <a:r>
+              <a:rPr lang="en-US" b="0" dirty="0" smtClean="0">
+                <a:solidFill>
+                  <a:srgbClr val="000000"/>
+                </a:solidFill>
+                <a:effectLst/>
+                <a:latin typeface="Consolas" panose="020B0609020204030204" pitchFamily="49" charset="0"/>
+              </a:rPr>
+              <a:t> = </a:t>
+            </a:r>
+            <a:r>
+              <a:rPr lang="en-US" b="0" dirty="0" smtClean="0">
+                <a:solidFill>
+                  <a:srgbClr val="001080"/>
+                </a:solidFill>
+                <a:effectLst/>
+                <a:latin typeface="Consolas" panose="020B0609020204030204" pitchFamily="49" charset="0"/>
+              </a:rPr>
+              <a:t>dataset</a:t>
+            </a:r>
+            <a:r>
+              <a:rPr lang="en-US" b="0" dirty="0" smtClean="0">
+                <a:solidFill>
+                  <a:srgbClr val="000000"/>
+                </a:solidFill>
+                <a:effectLst/>
+                <a:latin typeface="Consolas" panose="020B0609020204030204" pitchFamily="49" charset="0"/>
+              </a:rPr>
+              <a:t>[</a:t>
+            </a:r>
+            <a:r>
+              <a:rPr lang="en-US" b="0" dirty="0" smtClean="0">
+                <a:solidFill>
+                  <a:srgbClr val="A31515"/>
+                </a:solidFill>
+                <a:effectLst/>
+                <a:latin typeface="Consolas" panose="020B0609020204030204" pitchFamily="49" charset="0"/>
+              </a:rPr>
+              <a:t>"salary"</a:t>
+            </a:r>
+            <a:r>
+              <a:rPr lang="en-US" b="0" dirty="0" smtClean="0">
+                <a:solidFill>
+                  <a:srgbClr val="000000"/>
+                </a:solidFill>
+                <a:effectLst/>
+                <a:latin typeface="Consolas" panose="020B0609020204030204" pitchFamily="49" charset="0"/>
+              </a:rPr>
+              <a:t>][</a:t>
+            </a:r>
+            <a:r>
+              <a:rPr lang="en-US" b="0" dirty="0" smtClean="0">
+                <a:solidFill>
+                  <a:srgbClr val="09885A"/>
+                </a:solidFill>
+                <a:effectLst/>
+                <a:latin typeface="Consolas" panose="020B0609020204030204" pitchFamily="49" charset="0"/>
+              </a:rPr>
+              <a:t>0</a:t>
+            </a:r>
+            <a:r>
+              <a:rPr lang="en-US" b="0" dirty="0" smtClean="0">
+                <a:solidFill>
+                  <a:srgbClr val="000000"/>
+                </a:solidFill>
+                <a:effectLst/>
+                <a:latin typeface="Consolas" panose="020B0609020204030204" pitchFamily="49" charset="0"/>
+              </a:rPr>
+              <a:t>]</a:t>
+            </a:r>
+          </a:p>
+          <a:p>
+            <a:r>
+              <a:rPr lang="en-US" b="0" dirty="0" smtClean="0">
+                <a:solidFill>
+                  <a:srgbClr val="000000"/>
+                </a:solidFill>
+                <a:effectLst/>
+                <a:latin typeface="Consolas" panose="020B0609020204030204" pitchFamily="49" charset="0"/>
+              </a:rPr>
+              <a:t/>
+            </a:r>
+            <a:br>
+              <a:rPr lang="en-US" b="0" dirty="0" smtClean="0">
+                <a:solidFill>
+                  <a:srgbClr val="000000"/>
+                </a:solidFill>
+                <a:effectLst/>
+                <a:latin typeface="Consolas" panose="020B0609020204030204" pitchFamily="49" charset="0"/>
+              </a:rPr>
+            </a:br>
+            <a:r>
+              <a:rPr lang="en-US" b="0" dirty="0" err="1" smtClean="0">
+                <a:solidFill>
+                  <a:srgbClr val="001080"/>
+                </a:solidFill>
+                <a:effectLst/>
+                <a:latin typeface="Consolas" panose="020B0609020204030204" pitchFamily="49" charset="0"/>
+              </a:rPr>
+              <a:t>xpoints</a:t>
+            </a:r>
+            <a:r>
+              <a:rPr lang="en-US" b="0" dirty="0" smtClean="0">
+                <a:solidFill>
+                  <a:srgbClr val="000000"/>
+                </a:solidFill>
+                <a:effectLst/>
+                <a:latin typeface="Consolas" panose="020B0609020204030204" pitchFamily="49" charset="0"/>
+              </a:rPr>
+              <a:t> = </a:t>
+            </a:r>
+            <a:r>
+              <a:rPr lang="en-US" b="0" dirty="0" err="1" smtClean="0">
+                <a:solidFill>
+                  <a:srgbClr val="001080"/>
+                </a:solidFill>
+                <a:effectLst/>
+                <a:latin typeface="Consolas" panose="020B0609020204030204" pitchFamily="49" charset="0"/>
+              </a:rPr>
+              <a:t>np</a:t>
+            </a:r>
+            <a:r>
+              <a:rPr lang="en-US" b="0" dirty="0" err="1" smtClean="0">
+                <a:solidFill>
+                  <a:srgbClr val="000000"/>
+                </a:solidFill>
+                <a:effectLst/>
+                <a:latin typeface="Consolas" panose="020B0609020204030204" pitchFamily="49" charset="0"/>
+              </a:rPr>
+              <a:t>.</a:t>
+            </a:r>
+            <a:r>
+              <a:rPr lang="en-US" b="0" dirty="0" err="1" smtClean="0">
+                <a:solidFill>
+                  <a:srgbClr val="001080"/>
+                </a:solidFill>
+                <a:effectLst/>
+                <a:latin typeface="Consolas" panose="020B0609020204030204" pitchFamily="49" charset="0"/>
+              </a:rPr>
+              <a:t>array</a:t>
+            </a:r>
+            <a:r>
+              <a:rPr lang="en-US" b="0" dirty="0" smtClean="0">
+                <a:solidFill>
+                  <a:srgbClr val="000000"/>
+                </a:solidFill>
+                <a:effectLst/>
+                <a:latin typeface="Consolas" panose="020B0609020204030204" pitchFamily="49" charset="0"/>
+              </a:rPr>
+              <a:t>([</a:t>
+            </a:r>
+            <a:r>
+              <a:rPr lang="en-US" b="0" dirty="0" smtClean="0">
+                <a:solidFill>
+                  <a:srgbClr val="09885A"/>
+                </a:solidFill>
+                <a:effectLst/>
+                <a:latin typeface="Consolas" panose="020B0609020204030204" pitchFamily="49" charset="0"/>
+              </a:rPr>
+              <a:t>1</a:t>
+            </a:r>
+            <a:r>
+              <a:rPr lang="en-US" b="0" dirty="0" smtClean="0">
+                <a:solidFill>
+                  <a:srgbClr val="000000"/>
+                </a:solidFill>
+                <a:effectLst/>
+                <a:latin typeface="Consolas" panose="020B0609020204030204" pitchFamily="49" charset="0"/>
+              </a:rPr>
+              <a:t>, </a:t>
+            </a:r>
+            <a:r>
+              <a:rPr lang="en-US" b="0" dirty="0" smtClean="0">
+                <a:solidFill>
+                  <a:srgbClr val="09885A"/>
+                </a:solidFill>
+                <a:effectLst/>
+                <a:latin typeface="Consolas" panose="020B0609020204030204" pitchFamily="49" charset="0"/>
+              </a:rPr>
+              <a:t>8</a:t>
+            </a:r>
+            <a:r>
+              <a:rPr lang="en-US" b="0" dirty="0" smtClean="0">
+                <a:solidFill>
+                  <a:srgbClr val="000000"/>
+                </a:solidFill>
+                <a:effectLst/>
+                <a:latin typeface="Consolas" panose="020B0609020204030204" pitchFamily="49" charset="0"/>
+              </a:rPr>
+              <a:t>])</a:t>
+            </a:r>
+          </a:p>
+          <a:p>
+            <a:r>
+              <a:rPr lang="en-US" b="0" dirty="0" err="1" smtClean="0">
+                <a:solidFill>
+                  <a:srgbClr val="001080"/>
+                </a:solidFill>
+                <a:effectLst/>
+                <a:latin typeface="Consolas" panose="020B0609020204030204" pitchFamily="49" charset="0"/>
+              </a:rPr>
+              <a:t>ypoints</a:t>
+            </a:r>
+            <a:r>
+              <a:rPr lang="en-US" b="0" dirty="0" smtClean="0">
+                <a:solidFill>
+                  <a:srgbClr val="000000"/>
+                </a:solidFill>
+                <a:effectLst/>
+                <a:latin typeface="Consolas" panose="020B0609020204030204" pitchFamily="49" charset="0"/>
+              </a:rPr>
+              <a:t> = </a:t>
+            </a:r>
+            <a:r>
+              <a:rPr lang="en-US" b="0" dirty="0" err="1" smtClean="0">
+                <a:solidFill>
+                  <a:srgbClr val="001080"/>
+                </a:solidFill>
+                <a:effectLst/>
+                <a:latin typeface="Consolas" panose="020B0609020204030204" pitchFamily="49" charset="0"/>
+              </a:rPr>
+              <a:t>np</a:t>
+            </a:r>
+            <a:r>
+              <a:rPr lang="en-US" b="0" dirty="0" err="1" smtClean="0">
+                <a:solidFill>
+                  <a:srgbClr val="000000"/>
+                </a:solidFill>
+                <a:effectLst/>
+                <a:latin typeface="Consolas" panose="020B0609020204030204" pitchFamily="49" charset="0"/>
+              </a:rPr>
+              <a:t>.</a:t>
+            </a:r>
+            <a:r>
+              <a:rPr lang="en-US" b="0" dirty="0" err="1" smtClean="0">
+                <a:solidFill>
+                  <a:srgbClr val="001080"/>
+                </a:solidFill>
+                <a:effectLst/>
+                <a:latin typeface="Consolas" panose="020B0609020204030204" pitchFamily="49" charset="0"/>
+              </a:rPr>
+              <a:t>array</a:t>
+            </a:r>
+            <a:r>
+              <a:rPr lang="en-US" b="0" dirty="0" smtClean="0">
+                <a:solidFill>
+                  <a:srgbClr val="000000"/>
+                </a:solidFill>
+                <a:effectLst/>
+                <a:latin typeface="Consolas" panose="020B0609020204030204" pitchFamily="49" charset="0"/>
+              </a:rPr>
+              <a:t>([</a:t>
+            </a:r>
+            <a:r>
+              <a:rPr lang="en-US" b="0" dirty="0" smtClean="0">
+                <a:solidFill>
+                  <a:srgbClr val="001080"/>
+                </a:solidFill>
+                <a:effectLst/>
+                <a:latin typeface="Consolas" panose="020B0609020204030204" pitchFamily="49" charset="0"/>
+              </a:rPr>
+              <a:t>x1</a:t>
+            </a:r>
+            <a:r>
+              <a:rPr lang="en-US" b="0" dirty="0" smtClean="0">
+                <a:solidFill>
+                  <a:srgbClr val="000000"/>
+                </a:solidFill>
+                <a:effectLst/>
+                <a:latin typeface="Consolas" panose="020B0609020204030204" pitchFamily="49" charset="0"/>
+              </a:rPr>
+              <a:t>, </a:t>
+            </a:r>
+            <a:r>
+              <a:rPr lang="en-US" b="0" dirty="0" smtClean="0">
+                <a:solidFill>
+                  <a:srgbClr val="09885A"/>
+                </a:solidFill>
+                <a:effectLst/>
+                <a:latin typeface="Consolas" panose="020B0609020204030204" pitchFamily="49" charset="0"/>
+              </a:rPr>
+              <a:t>10</a:t>
+            </a:r>
+            <a:r>
+              <a:rPr lang="en-US" b="0" dirty="0" smtClean="0">
+                <a:solidFill>
+                  <a:srgbClr val="000000"/>
+                </a:solidFill>
+                <a:effectLst/>
+                <a:latin typeface="Consolas" panose="020B0609020204030204" pitchFamily="49" charset="0"/>
+              </a:rPr>
+              <a:t>])</a:t>
+            </a:r>
+          </a:p>
+          <a:p>
+            <a:r>
+              <a:rPr lang="en-US" b="0" dirty="0" smtClean="0">
+                <a:solidFill>
+                  <a:srgbClr val="000000"/>
+                </a:solidFill>
+                <a:effectLst/>
+                <a:latin typeface="Consolas" panose="020B0609020204030204" pitchFamily="49" charset="0"/>
+              </a:rPr>
+              <a:t/>
+            </a:r>
+            <a:br>
+              <a:rPr lang="en-US" b="0" dirty="0" smtClean="0">
+                <a:solidFill>
+                  <a:srgbClr val="000000"/>
+                </a:solidFill>
+                <a:effectLst/>
+                <a:latin typeface="Consolas" panose="020B0609020204030204" pitchFamily="49" charset="0"/>
+              </a:rPr>
+            </a:br>
+            <a:r>
+              <a:rPr lang="en-US" b="0" dirty="0" err="1" smtClean="0">
+                <a:solidFill>
+                  <a:srgbClr val="001080"/>
+                </a:solidFill>
+                <a:effectLst/>
+                <a:latin typeface="Consolas" panose="020B0609020204030204" pitchFamily="49" charset="0"/>
+              </a:rPr>
+              <a:t>plt</a:t>
+            </a:r>
+            <a:r>
+              <a:rPr lang="en-US" b="0" dirty="0" err="1" smtClean="0">
+                <a:solidFill>
+                  <a:srgbClr val="000000"/>
+                </a:solidFill>
+                <a:effectLst/>
+                <a:latin typeface="Consolas" panose="020B0609020204030204" pitchFamily="49" charset="0"/>
+              </a:rPr>
+              <a:t>.</a:t>
+            </a:r>
+            <a:r>
+              <a:rPr lang="en-US" b="0" dirty="0" err="1" smtClean="0">
+                <a:solidFill>
+                  <a:srgbClr val="001080"/>
+                </a:solidFill>
+                <a:effectLst/>
+                <a:latin typeface="Consolas" panose="020B0609020204030204" pitchFamily="49" charset="0"/>
+              </a:rPr>
+              <a:t>plot</a:t>
+            </a:r>
+            <a:r>
+              <a:rPr lang="en-US" b="0" dirty="0" smtClean="0">
+                <a:solidFill>
+                  <a:srgbClr val="000000"/>
+                </a:solidFill>
+                <a:effectLst/>
+                <a:latin typeface="Consolas" panose="020B0609020204030204" pitchFamily="49" charset="0"/>
+              </a:rPr>
+              <a:t>(</a:t>
+            </a:r>
+            <a:r>
+              <a:rPr lang="en-US" b="0" dirty="0" err="1" smtClean="0">
+                <a:solidFill>
+                  <a:srgbClr val="001080"/>
+                </a:solidFill>
+                <a:effectLst/>
+                <a:latin typeface="Consolas" panose="020B0609020204030204" pitchFamily="49" charset="0"/>
+              </a:rPr>
+              <a:t>xpoints</a:t>
+            </a:r>
+            <a:r>
+              <a:rPr lang="en-US" b="0" dirty="0" smtClean="0">
+                <a:solidFill>
+                  <a:srgbClr val="000000"/>
+                </a:solidFill>
+                <a:effectLst/>
+                <a:latin typeface="Consolas" panose="020B0609020204030204" pitchFamily="49" charset="0"/>
+              </a:rPr>
+              <a:t>, </a:t>
+            </a:r>
+            <a:r>
+              <a:rPr lang="en-US" b="0" dirty="0" err="1" smtClean="0">
+                <a:solidFill>
+                  <a:srgbClr val="001080"/>
+                </a:solidFill>
+                <a:effectLst/>
+                <a:latin typeface="Consolas" panose="020B0609020204030204" pitchFamily="49" charset="0"/>
+              </a:rPr>
+              <a:t>ypoints</a:t>
+            </a:r>
+            <a:r>
+              <a:rPr lang="en-US" b="0" dirty="0" smtClean="0">
+                <a:solidFill>
+                  <a:srgbClr val="000000"/>
+                </a:solidFill>
+                <a:effectLst/>
+                <a:latin typeface="Consolas" panose="020B0609020204030204" pitchFamily="49" charset="0"/>
+              </a:rPr>
+              <a:t>)</a:t>
+            </a:r>
+          </a:p>
+          <a:p>
+            <a:r>
+              <a:rPr lang="en-US" b="0" dirty="0" err="1" smtClean="0">
+                <a:solidFill>
+                  <a:srgbClr val="001080"/>
+                </a:solidFill>
+                <a:effectLst/>
+                <a:latin typeface="Consolas" panose="020B0609020204030204" pitchFamily="49" charset="0"/>
+              </a:rPr>
+              <a:t>plt</a:t>
+            </a:r>
+            <a:r>
+              <a:rPr lang="en-US" b="0" dirty="0" err="1" smtClean="0">
+                <a:solidFill>
+                  <a:srgbClr val="000000"/>
+                </a:solidFill>
+                <a:effectLst/>
+                <a:latin typeface="Consolas" panose="020B0609020204030204" pitchFamily="49" charset="0"/>
+              </a:rPr>
+              <a:t>.</a:t>
+            </a:r>
+            <a:r>
+              <a:rPr lang="en-US" b="0" dirty="0" err="1" smtClean="0">
+                <a:solidFill>
+                  <a:srgbClr val="001080"/>
+                </a:solidFill>
+                <a:effectLst/>
+                <a:latin typeface="Consolas" panose="020B0609020204030204" pitchFamily="49" charset="0"/>
+              </a:rPr>
+              <a:t>show</a:t>
+            </a:r>
+            <a:r>
+              <a:rPr lang="en-US" b="0" dirty="0" smtClean="0">
+                <a:solidFill>
+                  <a:srgbClr val="000000"/>
+                </a:solidFill>
+                <a:effectLst/>
+                <a:latin typeface="Consolas" panose="020B0609020204030204" pitchFamily="49" charset="0"/>
+              </a:rPr>
+              <a:t>()</a:t>
+            </a:r>
+            <a:endParaRPr lang="en-US" b="0" dirty="0">
+              <a:solidFill>
+                <a:srgbClr val="000000"/>
+              </a:solidFill>
+              <a:effectLst/>
+              <a:latin typeface="Consolas" panose="020B0609020204030204" pitchFamily="49" charset="0"/>
+            </a:endParaRPr>
+          </a:p>
+        </p:txBody>
+      </p:sp>
     </p:spTree>
     <p:extLst>
       <p:ext uri="{BB962C8B-B14F-4D97-AF65-F5344CB8AC3E}">
-        <p14:creationId xmlns:p14="http://schemas.microsoft.com/office/powerpoint/2010/main" val="2100798060"/>
+        <p14:creationId xmlns:p14="http://schemas.microsoft.com/office/powerpoint/2010/main" val="2901981085"/>
+      </p:ext>
+    </p:extLst>
+  </p:cSld>
+  <p:clrMapOvr>
+    <a:masterClrMapping/>
+  </p:clrMapOvr>
+</p:sld>
+</file>
+
+<file path=ppt/slides/slide19.xml><?xml version="1.0" encoding="utf-8"?>
+<p:sld xmlns:a="http://schemas.openxmlformats.org/drawingml/2006/main" xmlns:r="http://schemas.openxmlformats.org/officeDocument/2006/relationships" xmlns:p="http://schemas.openxmlformats.org/presentationml/2006/main">
+  <p:cSld>
+    <p:spTree>
+      <p:nvGrpSpPr>
+        <p:cNvPr id="1" name=""/>
+        <p:cNvGrpSpPr/>
+        <p:nvPr/>
+      </p:nvGrpSpPr>
+      <p:grpSpPr>
+        <a:xfrm>
+          <a:off x="0" y="0"/>
+          <a:ext cx="0" cy="0"/>
+          <a:chOff x="0" y="0"/>
+          <a:chExt cx="0" cy="0"/>
+        </a:xfrm>
+      </p:grpSpPr>
+      <p:sp>
+        <p:nvSpPr>
+          <p:cNvPr id="2" name="Title 1"/>
+          <p:cNvSpPr>
+            <a:spLocks noGrp="1"/>
+          </p:cNvSpPr>
+          <p:nvPr>
+            <p:ph type="title"/>
+          </p:nvPr>
+        </p:nvSpPr>
+        <p:spPr/>
+        <p:txBody>
+          <a:bodyPr/>
+          <a:lstStyle/>
+          <a:p>
+            <a:pPr algn="ctr"/>
+            <a:r>
+              <a:rPr lang="en-US" dirty="0" smtClean="0"/>
+              <a:t>Python script II</a:t>
+            </a:r>
+            <a:endParaRPr lang="en-US" dirty="0"/>
+          </a:p>
+        </p:txBody>
+      </p:sp>
+      <p:pic>
+        <p:nvPicPr>
+          <p:cNvPr id="3" name="Picture 2"/>
+          <p:cNvPicPr>
+            <a:picLocks noChangeAspect="1"/>
+          </p:cNvPicPr>
+          <p:nvPr/>
+        </p:nvPicPr>
+        <p:blipFill>
+          <a:blip r:embed="rId2"/>
+          <a:stretch>
+            <a:fillRect/>
+          </a:stretch>
+        </p:blipFill>
+        <p:spPr>
+          <a:xfrm>
+            <a:off x="838200" y="1988865"/>
+            <a:ext cx="7106642" cy="3896269"/>
+          </a:xfrm>
+          <a:prstGeom prst="rect">
+            <a:avLst/>
+          </a:prstGeom>
+        </p:spPr>
+      </p:pic>
+      <p:sp>
+        <p:nvSpPr>
+          <p:cNvPr id="4" name="Rectangle 3"/>
+          <p:cNvSpPr/>
+          <p:nvPr/>
+        </p:nvSpPr>
+        <p:spPr>
+          <a:xfrm>
+            <a:off x="7944842" y="3853809"/>
+            <a:ext cx="4318000" cy="2031325"/>
+          </a:xfrm>
+          <a:prstGeom prst="rect">
+            <a:avLst/>
+          </a:prstGeom>
+        </p:spPr>
+        <p:txBody>
+          <a:bodyPr wrap="square">
+            <a:spAutoFit/>
+          </a:bodyPr>
+          <a:lstStyle/>
+          <a:p>
+            <a:r>
+              <a:rPr lang="en-US" b="0" dirty="0" smtClean="0">
+                <a:solidFill>
+                  <a:srgbClr val="0000FF"/>
+                </a:solidFill>
+                <a:effectLst/>
+                <a:latin typeface="Consolas" panose="020B0609020204030204" pitchFamily="49" charset="0"/>
+              </a:rPr>
+              <a:t>import</a:t>
+            </a:r>
+            <a:r>
+              <a:rPr lang="en-US" b="0" dirty="0" smtClean="0">
+                <a:solidFill>
+                  <a:srgbClr val="000000"/>
+                </a:solidFill>
+                <a:effectLst/>
+                <a:latin typeface="Consolas" panose="020B0609020204030204" pitchFamily="49" charset="0"/>
+              </a:rPr>
+              <a:t> </a:t>
+            </a:r>
+            <a:r>
+              <a:rPr lang="en-US" b="0" dirty="0" err="1" smtClean="0">
+                <a:solidFill>
+                  <a:srgbClr val="001080"/>
+                </a:solidFill>
+                <a:effectLst/>
+                <a:latin typeface="Consolas" panose="020B0609020204030204" pitchFamily="49" charset="0"/>
+              </a:rPr>
+              <a:t>matplotlib</a:t>
+            </a:r>
+            <a:r>
+              <a:rPr lang="en-US" b="0" dirty="0" err="1" smtClean="0">
+                <a:solidFill>
+                  <a:srgbClr val="000000"/>
+                </a:solidFill>
+                <a:effectLst/>
+                <a:latin typeface="Consolas" panose="020B0609020204030204" pitchFamily="49" charset="0"/>
+              </a:rPr>
+              <a:t>.</a:t>
+            </a:r>
+            <a:r>
+              <a:rPr lang="en-US" b="0" dirty="0" err="1" smtClean="0">
+                <a:solidFill>
+                  <a:srgbClr val="001080"/>
+                </a:solidFill>
+                <a:effectLst/>
+                <a:latin typeface="Consolas" panose="020B0609020204030204" pitchFamily="49" charset="0"/>
+              </a:rPr>
+              <a:t>pyplot</a:t>
+            </a:r>
+            <a:r>
+              <a:rPr lang="en-US" b="0" dirty="0" smtClean="0">
+                <a:solidFill>
+                  <a:srgbClr val="000000"/>
+                </a:solidFill>
+                <a:effectLst/>
+                <a:latin typeface="Consolas" panose="020B0609020204030204" pitchFamily="49" charset="0"/>
+              </a:rPr>
+              <a:t> </a:t>
+            </a:r>
+            <a:r>
+              <a:rPr lang="en-US" b="0" dirty="0" smtClean="0">
+                <a:solidFill>
+                  <a:srgbClr val="0000FF"/>
+                </a:solidFill>
+                <a:effectLst/>
+                <a:latin typeface="Consolas" panose="020B0609020204030204" pitchFamily="49" charset="0"/>
+              </a:rPr>
+              <a:t>as</a:t>
+            </a:r>
+            <a:r>
+              <a:rPr lang="en-US" b="0" dirty="0" smtClean="0">
+                <a:solidFill>
+                  <a:srgbClr val="000000"/>
+                </a:solidFill>
+                <a:effectLst/>
+                <a:latin typeface="Consolas" panose="020B0609020204030204" pitchFamily="49" charset="0"/>
+              </a:rPr>
+              <a:t> </a:t>
+            </a:r>
+            <a:r>
+              <a:rPr lang="en-US" b="0" dirty="0" err="1" smtClean="0">
+                <a:solidFill>
+                  <a:srgbClr val="001080"/>
+                </a:solidFill>
+                <a:effectLst/>
+                <a:latin typeface="Consolas" panose="020B0609020204030204" pitchFamily="49" charset="0"/>
+              </a:rPr>
+              <a:t>plt</a:t>
+            </a:r>
+            <a:endParaRPr lang="en-US" b="0" dirty="0" smtClean="0">
+              <a:solidFill>
+                <a:srgbClr val="000000"/>
+              </a:solidFill>
+              <a:effectLst/>
+              <a:latin typeface="Consolas" panose="020B0609020204030204" pitchFamily="49" charset="0"/>
+            </a:endParaRPr>
+          </a:p>
+          <a:p>
+            <a:r>
+              <a:rPr lang="en-US" b="0" dirty="0" smtClean="0">
+                <a:solidFill>
+                  <a:srgbClr val="0000FF"/>
+                </a:solidFill>
+                <a:effectLst/>
+                <a:latin typeface="Consolas" panose="020B0609020204030204" pitchFamily="49" charset="0"/>
+              </a:rPr>
+              <a:t>import</a:t>
+            </a:r>
+            <a:r>
+              <a:rPr lang="en-US" b="0" dirty="0" smtClean="0">
+                <a:solidFill>
+                  <a:srgbClr val="000000"/>
+                </a:solidFill>
+                <a:effectLst/>
+                <a:latin typeface="Consolas" panose="020B0609020204030204" pitchFamily="49" charset="0"/>
+              </a:rPr>
+              <a:t> </a:t>
+            </a:r>
+            <a:r>
+              <a:rPr lang="en-US" b="0" dirty="0" err="1" smtClean="0">
+                <a:solidFill>
+                  <a:srgbClr val="001080"/>
+                </a:solidFill>
+                <a:effectLst/>
+                <a:latin typeface="Consolas" panose="020B0609020204030204" pitchFamily="49" charset="0"/>
+              </a:rPr>
+              <a:t>numpy</a:t>
+            </a:r>
+            <a:r>
+              <a:rPr lang="en-US" b="0" dirty="0" smtClean="0">
+                <a:solidFill>
+                  <a:srgbClr val="000000"/>
+                </a:solidFill>
+                <a:effectLst/>
+                <a:latin typeface="Consolas" panose="020B0609020204030204" pitchFamily="49" charset="0"/>
+              </a:rPr>
+              <a:t> </a:t>
+            </a:r>
+            <a:r>
+              <a:rPr lang="en-US" b="0" dirty="0" smtClean="0">
+                <a:solidFill>
+                  <a:srgbClr val="0000FF"/>
+                </a:solidFill>
+                <a:effectLst/>
+                <a:latin typeface="Consolas" panose="020B0609020204030204" pitchFamily="49" charset="0"/>
+              </a:rPr>
+              <a:t>as</a:t>
+            </a:r>
+            <a:r>
+              <a:rPr lang="en-US" b="0" dirty="0" smtClean="0">
+                <a:solidFill>
+                  <a:srgbClr val="000000"/>
+                </a:solidFill>
+                <a:effectLst/>
+                <a:latin typeface="Consolas" panose="020B0609020204030204" pitchFamily="49" charset="0"/>
+              </a:rPr>
+              <a:t> </a:t>
+            </a:r>
+            <a:r>
+              <a:rPr lang="en-US" b="0" dirty="0" smtClean="0">
+                <a:solidFill>
+                  <a:srgbClr val="001080"/>
+                </a:solidFill>
+                <a:effectLst/>
+                <a:latin typeface="Consolas" panose="020B0609020204030204" pitchFamily="49" charset="0"/>
+              </a:rPr>
+              <a:t>np</a:t>
+            </a:r>
+            <a:endParaRPr lang="en-US" b="0" dirty="0" smtClean="0">
+              <a:solidFill>
+                <a:srgbClr val="000000"/>
+              </a:solidFill>
+              <a:effectLst/>
+              <a:latin typeface="Consolas" panose="020B0609020204030204" pitchFamily="49" charset="0"/>
+            </a:endParaRPr>
+          </a:p>
+          <a:p>
+            <a:r>
+              <a:rPr lang="en-US" b="0" dirty="0" smtClean="0">
+                <a:solidFill>
+                  <a:srgbClr val="000000"/>
+                </a:solidFill>
+                <a:effectLst/>
+                <a:latin typeface="Consolas" panose="020B0609020204030204" pitchFamily="49" charset="0"/>
+              </a:rPr>
+              <a:t/>
+            </a:r>
+            <a:br>
+              <a:rPr lang="en-US" b="0" dirty="0" smtClean="0">
+                <a:solidFill>
+                  <a:srgbClr val="000000"/>
+                </a:solidFill>
+                <a:effectLst/>
+                <a:latin typeface="Consolas" panose="020B0609020204030204" pitchFamily="49" charset="0"/>
+              </a:rPr>
+            </a:br>
+            <a:r>
+              <a:rPr lang="en-US" b="0" dirty="0" smtClean="0">
+                <a:solidFill>
+                  <a:srgbClr val="001080"/>
+                </a:solidFill>
+                <a:effectLst/>
+                <a:latin typeface="Consolas" panose="020B0609020204030204" pitchFamily="49" charset="0"/>
+              </a:rPr>
+              <a:t>y</a:t>
+            </a:r>
+            <a:r>
+              <a:rPr lang="en-US" b="0" dirty="0" smtClean="0">
+                <a:solidFill>
+                  <a:srgbClr val="000000"/>
+                </a:solidFill>
+                <a:effectLst/>
+                <a:latin typeface="Consolas" panose="020B0609020204030204" pitchFamily="49" charset="0"/>
+              </a:rPr>
+              <a:t> = </a:t>
+            </a:r>
+            <a:r>
+              <a:rPr lang="en-US" b="0" dirty="0" err="1" smtClean="0">
+                <a:solidFill>
+                  <a:srgbClr val="001080"/>
+                </a:solidFill>
+                <a:effectLst/>
+                <a:latin typeface="Consolas" panose="020B0609020204030204" pitchFamily="49" charset="0"/>
+              </a:rPr>
+              <a:t>np</a:t>
+            </a:r>
+            <a:r>
+              <a:rPr lang="en-US" b="0" dirty="0" err="1" smtClean="0">
+                <a:solidFill>
+                  <a:srgbClr val="000000"/>
+                </a:solidFill>
+                <a:effectLst/>
+                <a:latin typeface="Consolas" panose="020B0609020204030204" pitchFamily="49" charset="0"/>
+              </a:rPr>
+              <a:t>.</a:t>
+            </a:r>
+            <a:r>
+              <a:rPr lang="en-US" b="0" dirty="0" err="1" smtClean="0">
+                <a:solidFill>
+                  <a:srgbClr val="001080"/>
+                </a:solidFill>
+                <a:effectLst/>
+                <a:latin typeface="Consolas" panose="020B0609020204030204" pitchFamily="49" charset="0"/>
+              </a:rPr>
+              <a:t>array</a:t>
+            </a:r>
+            <a:r>
+              <a:rPr lang="en-US" b="0" dirty="0" smtClean="0">
+                <a:solidFill>
+                  <a:srgbClr val="000000"/>
+                </a:solidFill>
+                <a:effectLst/>
+                <a:latin typeface="Consolas" panose="020B0609020204030204" pitchFamily="49" charset="0"/>
+              </a:rPr>
+              <a:t>([</a:t>
+            </a:r>
+            <a:r>
+              <a:rPr lang="en-US" b="0" dirty="0" smtClean="0">
+                <a:solidFill>
+                  <a:srgbClr val="09885A"/>
+                </a:solidFill>
+                <a:effectLst/>
+                <a:latin typeface="Consolas" panose="020B0609020204030204" pitchFamily="49" charset="0"/>
+              </a:rPr>
+              <a:t>35</a:t>
+            </a:r>
+            <a:r>
+              <a:rPr lang="en-US" b="0" dirty="0" smtClean="0">
+                <a:solidFill>
+                  <a:srgbClr val="000000"/>
+                </a:solidFill>
+                <a:effectLst/>
+                <a:latin typeface="Consolas" panose="020B0609020204030204" pitchFamily="49" charset="0"/>
+              </a:rPr>
+              <a:t>, </a:t>
+            </a:r>
+            <a:r>
+              <a:rPr lang="en-US" b="0" dirty="0" smtClean="0">
+                <a:solidFill>
+                  <a:srgbClr val="09885A"/>
+                </a:solidFill>
+                <a:effectLst/>
+                <a:latin typeface="Consolas" panose="020B0609020204030204" pitchFamily="49" charset="0"/>
+              </a:rPr>
+              <a:t>25</a:t>
+            </a:r>
+            <a:r>
+              <a:rPr lang="en-US" b="0" dirty="0" smtClean="0">
+                <a:solidFill>
+                  <a:srgbClr val="000000"/>
+                </a:solidFill>
+                <a:effectLst/>
+                <a:latin typeface="Consolas" panose="020B0609020204030204" pitchFamily="49" charset="0"/>
+              </a:rPr>
+              <a:t>, </a:t>
+            </a:r>
+            <a:r>
+              <a:rPr lang="en-US" b="0" dirty="0" smtClean="0">
+                <a:solidFill>
+                  <a:srgbClr val="09885A"/>
+                </a:solidFill>
+                <a:effectLst/>
+                <a:latin typeface="Consolas" panose="020B0609020204030204" pitchFamily="49" charset="0"/>
+              </a:rPr>
+              <a:t>25</a:t>
+            </a:r>
+            <a:r>
+              <a:rPr lang="en-US" b="0" dirty="0" smtClean="0">
+                <a:solidFill>
+                  <a:srgbClr val="000000"/>
+                </a:solidFill>
+                <a:effectLst/>
+                <a:latin typeface="Consolas" panose="020B0609020204030204" pitchFamily="49" charset="0"/>
+              </a:rPr>
+              <a:t>, </a:t>
+            </a:r>
+            <a:r>
+              <a:rPr lang="en-US" b="0" dirty="0" smtClean="0">
+                <a:solidFill>
+                  <a:srgbClr val="09885A"/>
+                </a:solidFill>
+                <a:effectLst/>
+                <a:latin typeface="Consolas" panose="020B0609020204030204" pitchFamily="49" charset="0"/>
+              </a:rPr>
+              <a:t>15</a:t>
+            </a:r>
+            <a:r>
+              <a:rPr lang="en-US" b="0" dirty="0" smtClean="0">
+                <a:solidFill>
+                  <a:srgbClr val="000000"/>
+                </a:solidFill>
+                <a:effectLst/>
+                <a:latin typeface="Consolas" panose="020B0609020204030204" pitchFamily="49" charset="0"/>
+              </a:rPr>
+              <a:t>])</a:t>
+            </a:r>
+          </a:p>
+          <a:p>
+            <a:r>
+              <a:rPr lang="en-US" b="0" dirty="0" smtClean="0">
+                <a:solidFill>
+                  <a:srgbClr val="000000"/>
+                </a:solidFill>
+                <a:effectLst/>
+                <a:latin typeface="Consolas" panose="020B0609020204030204" pitchFamily="49" charset="0"/>
+              </a:rPr>
+              <a:t/>
+            </a:r>
+            <a:br>
+              <a:rPr lang="en-US" b="0" dirty="0" smtClean="0">
+                <a:solidFill>
+                  <a:srgbClr val="000000"/>
+                </a:solidFill>
+                <a:effectLst/>
+                <a:latin typeface="Consolas" panose="020B0609020204030204" pitchFamily="49" charset="0"/>
+              </a:rPr>
+            </a:br>
+            <a:r>
+              <a:rPr lang="en-US" b="0" dirty="0" err="1" smtClean="0">
+                <a:solidFill>
+                  <a:srgbClr val="001080"/>
+                </a:solidFill>
+                <a:effectLst/>
+                <a:latin typeface="Consolas" panose="020B0609020204030204" pitchFamily="49" charset="0"/>
+              </a:rPr>
+              <a:t>plt</a:t>
+            </a:r>
+            <a:r>
+              <a:rPr lang="en-US" b="0" dirty="0" err="1" smtClean="0">
+                <a:solidFill>
+                  <a:srgbClr val="000000"/>
+                </a:solidFill>
+                <a:effectLst/>
+                <a:latin typeface="Consolas" panose="020B0609020204030204" pitchFamily="49" charset="0"/>
+              </a:rPr>
+              <a:t>.</a:t>
+            </a:r>
+            <a:r>
+              <a:rPr lang="en-US" b="0" dirty="0" err="1" smtClean="0">
+                <a:solidFill>
+                  <a:srgbClr val="001080"/>
+                </a:solidFill>
+                <a:effectLst/>
+                <a:latin typeface="Consolas" panose="020B0609020204030204" pitchFamily="49" charset="0"/>
+              </a:rPr>
+              <a:t>pie</a:t>
+            </a:r>
+            <a:r>
+              <a:rPr lang="en-US" b="0" dirty="0" smtClean="0">
+                <a:solidFill>
+                  <a:srgbClr val="000000"/>
+                </a:solidFill>
+                <a:effectLst/>
+                <a:latin typeface="Consolas" panose="020B0609020204030204" pitchFamily="49" charset="0"/>
+              </a:rPr>
+              <a:t>(</a:t>
+            </a:r>
+            <a:r>
+              <a:rPr lang="en-US" b="0" dirty="0" smtClean="0">
+                <a:solidFill>
+                  <a:srgbClr val="001080"/>
+                </a:solidFill>
+                <a:effectLst/>
+                <a:latin typeface="Consolas" panose="020B0609020204030204" pitchFamily="49" charset="0"/>
+              </a:rPr>
+              <a:t>y</a:t>
+            </a:r>
+            <a:r>
+              <a:rPr lang="en-US" b="0" dirty="0" smtClean="0">
+                <a:solidFill>
+                  <a:srgbClr val="000000"/>
+                </a:solidFill>
+                <a:effectLst/>
+                <a:latin typeface="Consolas" panose="020B0609020204030204" pitchFamily="49" charset="0"/>
+              </a:rPr>
+              <a:t>)</a:t>
+            </a:r>
+          </a:p>
+          <a:p>
+            <a:r>
+              <a:rPr lang="en-US" b="0" dirty="0" err="1" smtClean="0">
+                <a:solidFill>
+                  <a:srgbClr val="001080"/>
+                </a:solidFill>
+                <a:effectLst/>
+                <a:latin typeface="Consolas" panose="020B0609020204030204" pitchFamily="49" charset="0"/>
+              </a:rPr>
+              <a:t>plt</a:t>
+            </a:r>
+            <a:r>
+              <a:rPr lang="en-US" b="0" dirty="0" err="1" smtClean="0">
+                <a:solidFill>
+                  <a:srgbClr val="000000"/>
+                </a:solidFill>
+                <a:effectLst/>
+                <a:latin typeface="Consolas" panose="020B0609020204030204" pitchFamily="49" charset="0"/>
+              </a:rPr>
+              <a:t>.</a:t>
+            </a:r>
+            <a:r>
+              <a:rPr lang="en-US" b="0" dirty="0" err="1" smtClean="0">
+                <a:solidFill>
+                  <a:srgbClr val="001080"/>
+                </a:solidFill>
+                <a:effectLst/>
+                <a:latin typeface="Consolas" panose="020B0609020204030204" pitchFamily="49" charset="0"/>
+              </a:rPr>
+              <a:t>show</a:t>
+            </a:r>
+            <a:r>
+              <a:rPr lang="en-US" b="0" dirty="0" smtClean="0">
+                <a:solidFill>
+                  <a:srgbClr val="000000"/>
+                </a:solidFill>
+                <a:effectLst/>
+                <a:latin typeface="Consolas" panose="020B0609020204030204" pitchFamily="49" charset="0"/>
+              </a:rPr>
+              <a:t>() </a:t>
+            </a:r>
+            <a:endParaRPr lang="en-US" b="0" dirty="0">
+              <a:solidFill>
+                <a:srgbClr val="000000"/>
+              </a:solidFill>
+              <a:effectLst/>
+              <a:latin typeface="Consolas" panose="020B0609020204030204" pitchFamily="49" charset="0"/>
+            </a:endParaRPr>
+          </a:p>
+        </p:txBody>
+      </p:sp>
+    </p:spTree>
+    <p:extLst>
+      <p:ext uri="{BB962C8B-B14F-4D97-AF65-F5344CB8AC3E}">
+        <p14:creationId xmlns:p14="http://schemas.microsoft.com/office/powerpoint/2010/main" val="2891012784"/>
       </p:ext>
     </p:extLst>
   </p:cSld>
@@ -5185,6 +5331,113 @@
 </p:sld>
 </file>
 
+<file path=ppt/slides/slide20.xml><?xml version="1.0" encoding="utf-8"?>
+<p:sld xmlns:a="http://schemas.openxmlformats.org/drawingml/2006/main" xmlns:r="http://schemas.openxmlformats.org/officeDocument/2006/relationships" xmlns:p="http://schemas.openxmlformats.org/presentationml/2006/main">
+  <p:cSld>
+    <p:spTree>
+      <p:nvGrpSpPr>
+        <p:cNvPr id="1" name=""/>
+        <p:cNvGrpSpPr/>
+        <p:nvPr/>
+      </p:nvGrpSpPr>
+      <p:grpSpPr>
+        <a:xfrm>
+          <a:off x="0" y="0"/>
+          <a:ext cx="0" cy="0"/>
+          <a:chOff x="0" y="0"/>
+          <a:chExt cx="0" cy="0"/>
+        </a:xfrm>
+      </p:grpSpPr>
+      <p:sp>
+        <p:nvSpPr>
+          <p:cNvPr id="2" name="Title 1"/>
+          <p:cNvSpPr>
+            <a:spLocks noGrp="1"/>
+          </p:cNvSpPr>
+          <p:nvPr>
+            <p:ph type="title"/>
+          </p:nvPr>
+        </p:nvSpPr>
+        <p:spPr/>
+        <p:txBody>
+          <a:bodyPr/>
+          <a:lstStyle/>
+          <a:p>
+            <a:pPr algn="ctr"/>
+            <a:r>
+              <a:rPr lang="en-US" b="1" dirty="0" smtClean="0"/>
+              <a:t>Publish your work</a:t>
+            </a:r>
+            <a:endParaRPr lang="en-US" b="1" dirty="0"/>
+          </a:p>
+        </p:txBody>
+      </p:sp>
+      <p:sp>
+        <p:nvSpPr>
+          <p:cNvPr id="3" name="Rectangle 2"/>
+          <p:cNvSpPr/>
+          <p:nvPr/>
+        </p:nvSpPr>
+        <p:spPr>
+          <a:xfrm>
+            <a:off x="1373656" y="1551003"/>
+            <a:ext cx="9221586" cy="276999"/>
+          </a:xfrm>
+          <a:prstGeom prst="rect">
+            <a:avLst/>
+          </a:prstGeom>
+        </p:spPr>
+        <p:txBody>
+          <a:bodyPr wrap="square">
+            <a:spAutoFit/>
+          </a:bodyPr>
+          <a:lstStyle/>
+          <a:p>
+            <a:pPr algn="ctr"/>
+            <a:r>
+              <a:rPr lang="en-US" sz="1200" dirty="0"/>
+              <a:t>https://app.powerbi.com/groups/me/reports/beca5dbd-7ad4-4e59-bff1-8ec1a0dcbbb2/ReportSection</a:t>
+            </a:r>
+          </a:p>
+        </p:txBody>
+      </p:sp>
+      <p:pic>
+        <p:nvPicPr>
+          <p:cNvPr id="4" name="Picture 3"/>
+          <p:cNvPicPr>
+            <a:picLocks noChangeAspect="1"/>
+          </p:cNvPicPr>
+          <p:nvPr/>
+        </p:nvPicPr>
+        <p:blipFill>
+          <a:blip r:embed="rId2"/>
+          <a:stretch>
+            <a:fillRect/>
+          </a:stretch>
+        </p:blipFill>
+        <p:spPr>
+          <a:xfrm>
+            <a:off x="1469446" y="1828002"/>
+            <a:ext cx="9253107" cy="4681290"/>
+          </a:xfrm>
+          <a:prstGeom prst="rect">
+            <a:avLst/>
+          </a:prstGeom>
+        </p:spPr>
+      </p:pic>
+    </p:spTree>
+    <p:extLst>
+      <p:ext uri="{BB962C8B-B14F-4D97-AF65-F5344CB8AC3E}">
+        <p14:creationId xmlns:p14="http://schemas.microsoft.com/office/powerpoint/2010/main" val="2100798060"/>
+      </p:ext>
+    </p:extLst>
+  </p:cSld>
+  <p:clrMapOvr>
+    <a:masterClrMapping/>
+  </p:clrMapOvr>
+</p:sld>
+</file>
+
 <file path=ppt/slides/slide3.xml><?xml version="1.0" encoding="utf-8"?>
 <p:sld xmlns:a="http://schemas.openxmlformats.org/drawingml/2006/main" xmlns:r="http://schemas.openxmlformats.org/officeDocument/2006/relationships" xmlns:p="http://schemas.openxmlformats.org/presentationml/2006/main">
   <p:cSld>
@@ -5765,10 +6018,10 @@
           <a:p>
             <a:pPr algn="ctr"/>
             <a:r>
-              <a:rPr lang="en-US" dirty="0" smtClean="0"/>
+              <a:rPr lang="en-US" b="1" dirty="0" smtClean="0"/>
               <a:t>Report 1: salary by researcher name</a:t>
             </a:r>
-            <a:endParaRPr lang="en-US" dirty="0"/>
+            <a:endParaRPr lang="en-US" b="1" dirty="0"/>
           </a:p>
         </p:txBody>
       </p:sp>
@@ -5843,10 +6096,10 @@
           <a:p>
             <a:pPr algn="ctr"/>
             <a:r>
-              <a:rPr lang="en-US" dirty="0" smtClean="0"/>
+              <a:rPr lang="en-US" b="1" dirty="0" smtClean="0"/>
               <a:t>Report 2: salary by department name</a:t>
             </a:r>
-            <a:endParaRPr lang="en-US" dirty="0"/>
+            <a:endParaRPr lang="en-US" b="1" dirty="0"/>
           </a:p>
         </p:txBody>
       </p:sp>
@@ -5950,10 +6203,10 @@
           <a:p>
             <a:pPr algn="ctr"/>
             <a:r>
-              <a:rPr lang="en-US" dirty="0" smtClean="0"/>
+              <a:rPr lang="en-US" b="1" dirty="0" smtClean="0"/>
               <a:t>Report 3: salary by Graduate country</a:t>
             </a:r>
-            <a:endParaRPr lang="en-US" dirty="0"/>
+            <a:endParaRPr lang="en-US" b="1" dirty="0"/>
           </a:p>
         </p:txBody>
       </p:sp>

--- a/12-PowerBI/DSTools-Power-BI.pptx
+++ b/12-PowerBI/DSTools-Power-BI.pptx
@@ -19,11 +19,11 @@
     <p:sldId id="267" r:id="rId13"/>
     <p:sldId id="268" r:id="rId14"/>
     <p:sldId id="269" r:id="rId15"/>
-    <p:sldId id="276" r:id="rId16"/>
-    <p:sldId id="270" r:id="rId17"/>
-    <p:sldId id="275" r:id="rId18"/>
-    <p:sldId id="271" r:id="rId19"/>
-    <p:sldId id="272" r:id="rId20"/>
+    <p:sldId id="271" r:id="rId16"/>
+    <p:sldId id="272" r:id="rId17"/>
+    <p:sldId id="276" r:id="rId18"/>
+    <p:sldId id="270" r:id="rId19"/>
+    <p:sldId id="275" r:id="rId20"/>
     <p:sldId id="273" r:id="rId21"/>
   </p:sldIdLst>
   <p:sldSz cx="12192000" cy="6858000"/>
@@ -129,6 +129,610 @@
     </p:ext>
   </p:extLst>
 </p:presentation>
+</file>
+
+<file path=ppt/ink/ink1.xml><?xml version="1.0" encoding="utf-8"?>
+<inkml:ink xmlns:inkml="http://www.w3.org/2003/InkML">
+  <inkml:definitions>
+    <inkml:context xml:id="ctx0">
+      <inkml:inkSource xml:id="inkSrc0">
+        <inkml:traceFormat>
+          <inkml:channel name="X" type="integer" max="32767" units="cm"/>
+          <inkml:channel name="Y" type="integer" max="32767" units="cm"/>
+          <inkml:channel name="F" type="integer" max="4095" units="deg"/>
+          <inkml:channel name="T" type="integer" max="2.14748E9" units="dev"/>
+        </inkml:traceFormat>
+        <inkml:channelProperties>
+          <inkml:channelProperty channel="X" name="resolution" value="2155.72363" units="1/cm"/>
+          <inkml:channelProperty channel="Y" name="resolution" value="3449.15796" units="1/cm"/>
+          <inkml:channelProperty channel="F" name="resolution" value="11.375" units="1/deg"/>
+          <inkml:channelProperty channel="T" name="resolution" value="1" units="1/dev"/>
+        </inkml:channelProperties>
+      </inkml:inkSource>
+      <inkml:timestamp xml:id="ts0" timeString="2022-04-09T06:12:15.598"/>
+    </inkml:context>
+    <inkml:brush xml:id="br0">
+      <inkml:brushProperty name="width" value="0.06667" units="cm"/>
+      <inkml:brushProperty name="height" value="0.06667" units="cm"/>
+      <inkml:brushProperty name="fitToCurve" value="1"/>
+    </inkml:brush>
+  </inkml:definitions>
+  <inkml:traceGroup>
+    <inkml:annotationXML>
+      <emma:emma xmlns:emma="http://www.w3.org/2003/04/emma" version="1.0">
+        <emma:interpretation id="{D2F551DF-FC98-4713-828A-06C506F01C5E}" emma:medium="tactile" emma:mode="ink">
+          <msink:context xmlns:msink="http://schemas.microsoft.com/ink/2010/main" type="writingRegion" rotatedBoundingBox="5785,6139 9959,6698 9547,9773 5373,9214"/>
+        </emma:interpretation>
+      </emma:emma>
+    </inkml:annotationXML>
+    <inkml:traceGroup>
+      <inkml:annotationXML>
+        <emma:emma xmlns:emma="http://www.w3.org/2003/04/emma" version="1.0">
+          <emma:interpretation id="{CAA3C52A-AEE7-486C-AA34-92FF2A4C85A7}" emma:medium="tactile" emma:mode="ink">
+            <msink:context xmlns:msink="http://schemas.microsoft.com/ink/2010/main" type="paragraph" rotatedBoundingBox="5751,6291 8640,6506 8578,7335 5689,7120" alignmentLevel="1"/>
+          </emma:interpretation>
+        </emma:emma>
+      </inkml:annotationXML>
+      <inkml:traceGroup>
+        <inkml:annotationXML>
+          <emma:emma xmlns:emma="http://www.w3.org/2003/04/emma" version="1.0">
+            <emma:interpretation id="{688314F9-8810-41A2-9C24-045A8FF3B47A}" emma:medium="tactile" emma:mode="ink">
+              <msink:context xmlns:msink="http://schemas.microsoft.com/ink/2010/main" type="line" rotatedBoundingBox="5751,6291 8640,6506 8578,7335 5689,7120">
+                <msink:destinationLink direction="with" ref="{CDC35533-2628-42BE-9F48-4147ECAEDEE6}"/>
+              </msink:context>
+            </emma:interpretation>
+          </emma:emma>
+        </inkml:annotationXML>
+        <inkml:traceGroup>
+          <inkml:annotationXML>
+            <emma:emma xmlns:emma="http://www.w3.org/2003/04/emma" version="1.0">
+              <emma:interpretation id="{3CE04D66-BC2C-461F-A91A-5867C4551EA0}" emma:medium="tactile" emma:mode="ink">
+                <msink:context xmlns:msink="http://schemas.microsoft.com/ink/2010/main" type="inkWord" rotatedBoundingBox="5751,6291 8640,6506 8578,7335 5689,7120">
+                  <msink:destinationLink direction="with" ref="{9BDB7E22-0078-45FE-AD39-8FD30D4317F9}"/>
+                </msink:context>
+              </emma:interpretation>
+              <emma:one-of disjunction-type="recognition" id="oneOf0">
+                <emma:interpretation id="interp0" emma:lang="" emma:confidence="1">
+                  <emma:literal/>
+                </emma:interpretation>
+              </emma:one-of>
+            </emma:emma>
+          </inkml:annotationXML>
+          <inkml:trace contextRef="#ctx0" brushRef="#br0">1500 156 362 0,'0'0'150'0,"0"0"-61"0,0 0-14 16,0 0 3-16,0 0-11 15,0 0-5-15,0 0 32 16,-81-82-61-16,59 82-14 16,-2 0-19-16,-3 0 1 15,-4 6-1-15,2 16 0 16,0 4-1-16,4 6 1 16,6 3 9-16,7-3 0 15,7-5-9-15,5 0-6 16,0-9 4-16,7-2-5 15,13-7-4-15,1-4 3 16,0-5 7-16,4 0 1 0,0 0-29 16,-1-14 11-16,-4-2 17 15,0-2-8-15,-4 0 8 16,-7 6-27-16,-3 1 28 16,-3 7 2-16,-3 4-2 15,0 0-1-15,0 0-42 16,0 3 8-16,0 15 35 15,0 10 19-15,0 8 1 16,0 8 0-16,0 6-8 16,-3-2-11-16,-7-4 7 15,-9-8-8-15,2-9 25 16,-5-9-11-16,-1-9 2 16,0-6 7-16,4-3-7 0,1-9-2 15,3-15-14-15,1-8-19 16,7 0 19-16,3 4 15 15,2 9 11-15,2 8-13 16,0 5-13-16,13 3-2 16,14 3 2-16,10 0-9 15,8 0-11-15,24 0-60 16,-11 0-138-16,-11 0-134 0</inkml:trace>
+          <inkml:trace contextRef="#ctx0" brushRef="#br0" timeOffset="376.0057">1637 104 318 0,'0'0'95'15,"0"0"-66"-15,0 0-28 16,0 0-1-16,0 0 10 16,0 0 15-16,35 127-5 15,-31-104-9-15,0-2-10 16,-4-6 8-16,0-2 32 0,0-8 36 16,0 0-15-1,-2-5-17-15,-4 0-3 0,6 0-42 16,0-12-5-16,0-6 5 15,0-2 10-15,15 2-8 16,1 2 8-16,1 4-4 16,3 5-5-16,0 4-1 15,2 3-1-15,7 0-17 16,-4 3-132-16,-4 8-56 0</inkml:trace>
+          <inkml:trace contextRef="#ctx0" brushRef="#br0" timeOffset="750.0005">2019 227 373 0,'0'0'116'0,"0"0"-30"0,0 0-16 16,0 0 3-16,0 0-2 16,0 0-22-16,0 0-3 15,-110-32-30-15,97 32-6 16,-1 0-8-16,-1 4-2 15,1 11 2-15,4 6 3 16,1 1-4-16,7-2-2 16,2-2 1-16,0-5-12 15,0-3-8-15,11-3-25 16,5-5 8-16,1-2 30 16,6 0 7-16,1-9-18 15,5-8 8-15,-2-3-52 0,-5 4 9 16,-6 4 28-16,-10 4 25 15,-4 8 26-15,-2 0-3 16,0 0 75-16,0 0-65 16,0 12-21-16,0 3 6 15,0 3-18-15,11 5-62 16,3-5-62-16,-1-6-88 0</inkml:trace>
+          <inkml:trace contextRef="#ctx0" brushRef="#br0" timeOffset="1331.0027">2133 331 196 0,'0'0'129'15,"0"0"-86"-15,0 0-26 16,0 0-16-16,84-109 0 15,-51 90 8-15,6 2-9 16,-2 5 13-16,-1 6 19 16,-5 2 20-16,-4 4-3 15,-10 0-10-15,-5 0-39 0,-8 3 7 16,-4 2-4-16,0 0 133 16,0 3-39-16,-2-1-37 15,-12 4-25-15,-1 0-13 16,-1 0-15-16,-1 0-6 15,3-2-1-15,7-3-40 16,3-3-109-16,4-3-203 0</inkml:trace>
+          <inkml:trace contextRef="#ctx0" brushRef="#br0" timeOffset="1060.0047">2186 243 52 0,'0'0'364'15,"0"0"-149"-15,0 0-103 16,0 0-32-16,0 0-72 15,0 0-8-15,0 0-7 16,-3 63 7-16,3-20 9 16,-2 9 15-16,2 6-18 15,-2 0 28-15,-2-1-33 16,0-6 11-16,-1-6 3 16,0-7-8-16,5-12 3 0,0-6-10 15,0-8-16 1,0-8-72-16,0-4-62 0,0-10-12 15,0-10-357-15</inkml:trace>
+          <inkml:trace contextRef="#ctx0" brushRef="#br0" timeOffset="-713.9974">99 70 10 0,'0'0'110'0,"0"0"-19"15,0 0-35-15,0 0-5 16,0 0 5-16,0 0 4 16,0 0-5-16,-70-54 9 15,61 50-18-15,3 0-3 16,1 0 45-16,0 2-34 15,3 2-4-15,0 0 11 16,2 0-9-16,0 0-4 16,0-2-22-16,0 2-8 0,0 0-5 15,0 0-13 1,0 0-24-16,9 0-30 0,15 0 41 16,11 8 12-16,11 6 1 15,14 2 0-15,13 0 16 16,12 2-15-16,27 4 21 15,-10 0-14-15,2 4-7 16,-3 2 8-16,-28-2 0 16,1 0-8-16,-14 1 10 15,-17-8-5-15,-16-4 1 16,-10-8-7-16,-11 0-6 16,-3-3 5-16,-3-2-64 15,0 2-37-15,0 0-137 16,0-4-175-16</inkml:trace>
+          <inkml:trace contextRef="#ctx0" brushRef="#br0" timeOffset="1696.004">2643-28 165 0,'0'0'357'0,"0"0"-170"0,0 0-150 16,0 0-28-16,0 0-9 15,0 0 39-15,0 0 21 16,2 80-18-16,2-42-11 16,-4 8-11-16,0-1-7 15,0-1-5-15,0-6-6 16,0-4 9-16,0-7-9 15,0-8 4-15,4-5 6 16,2-6-12-16,4-5-23 16,1-3 17-16,7 0-1 15,7-9-6-15,2-11-2 16,2-1 14-16,-1 2 1 0,-3 5 0 16,-3 6 0-16,-9 8 0 15,-5 0-20-15,-6 16-24 16,-2 16 38-16,0 11 6 15,-16 32 0-15,-4-9-89 16,0-11-159-16</inkml:trace>
+        </inkml:traceGroup>
+      </inkml:traceGroup>
+    </inkml:traceGroup>
+    <inkml:traceGroup>
+      <inkml:annotationXML>
+        <emma:emma xmlns:emma="http://www.w3.org/2003/04/emma" version="1.0">
+          <emma:interpretation id="{9D4B474F-3148-4479-AD02-3D8B531635D0}" emma:medium="tactile" emma:mode="ink">
+            <msink:context xmlns:msink="http://schemas.microsoft.com/ink/2010/main" type="paragraph" rotatedBoundingBox="7483,7453 9816,7765 9742,8314 7410,8001" alignmentLevel="2"/>
+          </emma:interpretation>
+        </emma:emma>
+      </inkml:annotationXML>
+      <inkml:traceGroup>
+        <inkml:annotationXML>
+          <emma:emma xmlns:emma="http://www.w3.org/2003/04/emma" version="1.0">
+            <emma:interpretation id="{779C44C5-276E-476D-9D70-2ABFBC9794B8}" emma:medium="tactile" emma:mode="ink">
+              <msink:context xmlns:msink="http://schemas.microsoft.com/ink/2010/main" type="line" rotatedBoundingBox="7483,7453 9816,7765 9742,8314 7410,8001"/>
+            </emma:interpretation>
+          </emma:emma>
+        </inkml:annotationXML>
+        <inkml:traceGroup>
+          <inkml:annotationXML>
+            <emma:emma xmlns:emma="http://www.w3.org/2003/04/emma" version="1.0">
+              <emma:interpretation id="{D26B037D-0411-4BFF-98A4-4B7156FDC192}" emma:medium="tactile" emma:mode="ink">
+                <msink:context xmlns:msink="http://schemas.microsoft.com/ink/2010/main" type="inkWord" rotatedBoundingBox="7483,7453 9816,7765 9742,8314 7410,8001"/>
+              </emma:interpretation>
+              <emma:one-of disjunction-type="recognition" id="oneOf1">
+                <emma:interpretation id="interp1" emma:lang="" emma:confidence="0.5">
+                  <emma:literal>Table</emma:literal>
+                </emma:interpretation>
+                <emma:interpretation id="interp2" emma:lang="" emma:confidence="0.5">
+                  <emma:literal>T able</emma:literal>
+                </emma:interpretation>
+                <emma:interpretation id="interp3" emma:lang="" emma:confidence="0.5">
+                  <emma:literal>Ta she</emma:literal>
+                </emma:interpretation>
+                <emma:interpretation id="interp4" emma:lang="" emma:confidence="0.5">
+                  <emma:literal>Tab le</emma:literal>
+                </emma:interpretation>
+                <emma:interpretation id="interp5" emma:lang="" emma:confidence="0">
+                  <emma:literal>Tab be</emma:literal>
+                </emma:interpretation>
+              </emma:one-of>
+            </emma:emma>
+          </inkml:annotationXML>
+          <inkml:trace contextRef="#ctx0" brushRef="#br0" timeOffset="3822.0647">1729 1086 626 0,'0'0'82'16,"0"0"-82"-16,0 0 0 15,0 0 13-15,122 0 19 16,-56 3-13-16,7 5-12 15,25 12-7-15,-18-2-19 16,-17-2-190-16</inkml:trace>
+          <inkml:trace contextRef="#ctx0" brushRef="#br0" timeOffset="3628.0374">1986 1125 317 0,'0'0'147'15,"0"0"5"-15,0 0-66 16,0 0-55-16,0 0-31 0,0 0 0 15,0 54 110-15,2-14-52 16,2 8-38-16,0 5-9 16,3-5 1-16,0-4-12 15,0-6 0-15,-1 2-10 16,-1-12-79-16,-5-12-139 0</inkml:trace>
+          <inkml:trace contextRef="#ctx0" brushRef="#br0" timeOffset="4212.0648">2447 1508 363 0,'0'0'108'0,"0"0"-28"16,0 0-4-16,0 0-2 16,0 0 18-16,15-108-47 15,-30 91-23-15,-8 4-11 16,-6 4 59-16,0 5-37 16,-4 4-19-16,2 0-4 15,0 13-4-15,6 5-5 16,5 3 1-16,6 3 4 15,8 3-5-15,6-3-1 16,0-2 0-16,9-8-1 16,17-6-12-16,12-8-14 15,12 0 17-15,5-10 0 16,6-14-64-16,-9 0-37 16,-9 2 8-16,-16 7 66 0,-16 14 35 15,-11 1-9-15,0 4 11 16,-11 18 56-16,-9 6-16 15,7 0-12-15,3-2-27 16,10-8-1-16,12-6-170 16,7-12-357-16</inkml:trace>
+          <inkml:trace contextRef="#ctx0" brushRef="#br0" timeOffset="4670.0961">2767 1097 679 0,'0'0'140'16,"0"0"-82"-16,0 0-56 16,0 0-2-16,0 0-19 15,0 0 16-15,0 0 3 16,0 116 36-16,0-78-11 15,0-1-18-15,0-8-6 16,0-4 9-16,0-6-10 16,14-5 0-16,6-3-10 15,9-5-55-15,4-1 65 16,8-1 3-16,1 3 4 0,-2 0-7 16,-5 5-13-16,-8 5-7 15,-9 3-28-15,-11 4 48 16,-7 4 6-16,0-2 17 15,-13 1-4-15,-12-6 36 16,-6-5-3-16,-5-3 7 16,-2-8 18-16,0-3-12 15,0-2-25-15,3 0 1 16,6-12-29-16,4-6 14 16,10-2-26-16,8-4-27 15,7-4-105-15,24-20 6 16,14 8-57-16,1 0-229 0</inkml:trace>
+          <inkml:trace contextRef="#ctx0" brushRef="#br0" timeOffset="4888.0962">3226 1136 616 0,'0'0'165'0,"0"0"-87"16,0 0-51-16,0 0-20 15,0 0 34-15,0 0-12 16,5 123-6-16,-1-73-4 16,1 5-19-16,2-4 1 15,-3-2 11-15,5-9-12 0,-1-6 0 16,13-8-6-16,-1-10-86 16,-1-9-155-16</inkml:trace>
+          <inkml:trace contextRef="#ctx0" brushRef="#br0" timeOffset="5278.0966">3442 1446 595 0,'0'0'148'0,"0"0"-112"15,0 0-18-15,0 0-18 16,0 0-12-16,0 0-15 0,0 0-20 15,46 74 47 1,-29-70 39-16,1-4-26 0,-5 0-4 16,3 0-4-16,-5-6 30 15,2-10-15-15,-4-2-14 16,-4-2 10-16,-5 0-16 16,0 0-31-16,-5 5-33 15,-15 6 8-15,-5 5 56 16,-2 4 32-16,4 0-14 15,0 19 13-15,5 12 0 16,7 5-5-16,9 6 3 16,2 3-3-16,13-4-17 15,20-2-9-15,15-12-26 16,10-7 22-16,10-9 4 16,11-11 11-16,36-8-11 15,-19-15-66-15,-14-3-276 0</inkml:trace>
+        </inkml:traceGroup>
+      </inkml:traceGroup>
+    </inkml:traceGroup>
+    <inkml:traceGroup>
+      <inkml:annotationXML>
+        <emma:emma xmlns:emma="http://www.w3.org/2003/04/emma" version="1.0">
+          <emma:interpretation id="{7C05A54A-8449-42D6-936F-885A5C4BFE42}" emma:medium="tactile" emma:mode="ink">
+            <msink:context xmlns:msink="http://schemas.microsoft.com/ink/2010/main" type="paragraph" rotatedBoundingBox="7163,8314 9465,8685 9296,9740 6993,9368" alignmentLevel="2"/>
+          </emma:interpretation>
+        </emma:emma>
+      </inkml:annotationXML>
+      <inkml:traceGroup>
+        <inkml:annotationXML>
+          <emma:emma xmlns:emma="http://www.w3.org/2003/04/emma" version="1.0">
+            <emma:interpretation id="{7A1D210B-132E-4054-B7C8-E1867E80238E}" emma:medium="tactile" emma:mode="ink">
+              <msink:context xmlns:msink="http://schemas.microsoft.com/ink/2010/main" type="line" rotatedBoundingBox="7163,8314 9465,8685 9295,9740 6993,9368"/>
+            </emma:interpretation>
+          </emma:emma>
+        </inkml:annotationXML>
+        <inkml:traceGroup>
+          <inkml:annotationXML>
+            <emma:emma xmlns:emma="http://www.w3.org/2003/04/emma" version="1.0">
+              <emma:interpretation id="{C3EDC1C9-7B31-404D-923F-7110FECE1274}" emma:medium="tactile" emma:mode="ink">
+                <msink:context xmlns:msink="http://schemas.microsoft.com/ink/2010/main" type="inkWord" rotatedBoundingBox="7111,8639 8098,8798 8014,9318 7027,9159">
+                  <msink:destinationLink direction="with" ref="{9BDB7E22-0078-45FE-AD39-8FD30D4317F9}"/>
+                </msink:context>
+              </emma:interpretation>
+              <emma:one-of disjunction-type="recognition" id="oneOf2">
+                <emma:interpretation id="interp6" emma:lang="" emma:confidence="1">
+                  <emma:literal/>
+                </emma:interpretation>
+              </emma:one-of>
+            </emma:emma>
+          </inkml:annotationXML>
+          <inkml:trace contextRef="#ctx0" brushRef="#br0" timeOffset="9864.6108">2141 2464 347 0,'0'0'159'0,"0"0"-71"15,0 0-5-15,0 0 7 16,0 0-15-16,0 0 12 15,0 0-66-15,-64-14-21 0,54 36 7 16,6 6-6 0,4 5-1-16,0-1 0 0,8 0-1 15,15-4 1-15,4-8-21 16,4-10 3-16,3-5 18 16,-3-5 9-16,0 0 21 15,-4-20-6-15,-5-1-10 16,-9-5 18-16,-5 0-5 15,-8-4 9-15,0 1-4 16,-14 2-23-16,-11 1-9 16,-2 3-6-16,4 8-35 15,-2 8-30-15,9 7-99 16,7 0-207-16</inkml:trace>
+          <inkml:trace contextRef="#ctx0" brushRef="#br0" timeOffset="9526.613">1397 2661 586 0,'0'0'126'16,"0"0"-65"-16,0 0-18 15,0 0 16-15,0 0 25 16,0 0-84-16,-72-114 7 16,72 66 6-16,0-9 2 15,17-5-7-15,5-2 0 16,4 6-7-16,-1 10 14 16,-5 14-3-16,-5 12-11 15,-3 10 6-15,-6 10-7 16,-1 2-16-16,3 7-3 15,4 18-11-15,1 11 30 0,8 6 14 16,-1 2-2-16,1-1 5 16,0-6-17-16,-1-9 6 15,0-10-6-15,-2-7-7 16,1-10-23-16,6-1 14 16,6-8 16-16,3-16 0 15,1-2-6-15,2 0 5 16,-6 4 1-16,-10 6 0 15,-5 6 5-15,-9 6-5 16,-7 4-5-16,0 0-26 16,0 10 31-16,0 16 14 15,-9 10 24-15,1 6-24 16,-2 8 1-16,6 1-14 0,1-1-1 16,3 4-23-16,5-14-114 15,9-14-182-15</inkml:trace>
+        </inkml:traceGroup>
+        <inkml:traceGroup>
+          <inkml:annotationXML>
+            <emma:emma xmlns:emma="http://www.w3.org/2003/04/emma" version="1.0">
+              <emma:interpretation id="{2D619F26-0509-44B1-BDFA-63FCFBFFA7B2}" emma:medium="tactile" emma:mode="ink">
+                <msink:context xmlns:msink="http://schemas.microsoft.com/ink/2010/main" type="inkWord" rotatedBoundingBox="8291,8496 9465,8685 9296,9740 8121,9550"/>
+              </emma:interpretation>
+              <emma:one-of disjunction-type="recognition" id="oneOf3">
+                <emma:interpretation id="interp7" emma:lang="" emma:confidence="0.5">
+                  <emma:literal>de/</emma:literal>
+                </emma:interpretation>
+                <emma:interpretation id="interp8" emma:lang="" emma:confidence="0.5">
+                  <emma:literal>de ,</emma:literal>
+                </emma:interpretation>
+                <emma:interpretation id="interp9" emma:lang="" emma:confidence="0">
+                  <emma:literal>del</emma:literal>
+                </emma:interpretation>
+                <emma:interpretation id="interp10" emma:lang="" emma:confidence="0">
+                  <emma:literal>de l</emma:literal>
+                </emma:interpretation>
+                <emma:interpretation id="interp11" emma:lang="" emma:confidence="0">
+                  <emma:literal>de .</emma:literal>
+                </emma:interpretation>
+              </emma:one-of>
+            </emma:emma>
+          </inkml:annotationXML>
+          <inkml:trace contextRef="#ctx0" brushRef="#br0" timeOffset="10608.6102">2672 2595 411 0,'0'0'114'16,"0"0"-53"-16,0 0-19 15,0 0 20-15,0 0 9 16,0 0-12-16,-134-87 0 15,114 82-6-15,3 5-27 16,3 0-14-16,3 5-12 0,3 16 1 16,6 3 3-16,2 2-4 15,0 0 0-15,10-3-7 16,3-6-1-16,5-7-5 16,-1-5-66-16,4-5 72 15,1-3 7-15,5-21 26 16,1-8 0-16,9-12-8 15,-2-8-17-15,1-4 7 16,-3-5-8-16,-6 3-19 16,-7 4 18-16,-7 10-21 15,-9 10 22-15,-4 12 21 16,0 10-21-16,0 9 0 16,-8 3 28-16,-8 4-28 0,-4 21 13 15,-2 9-12 1,1 10 5-16,6 8 8 0,7 2-12 15,8 4 10-15,0-1-5 16,6-3-6-16,16-4 17 16,7-6-18-16,4-9 0 15,6-8-13-15,3-11-3 16,-3-6 4-16,2-10 12 16,-3 0 13-16,-5-4 4 15,-6-14-8-15,-2-4 5 16,-4-6-2-16,-2 0-2 15,-4-4-9-15,-3 0 7 16,-2 0-8-16,-3 2 0 16,-5 2-8-16,-2 6 7 15,0 5 1-15,-4 7-29 0,-14 8-17 16,-2 2 46-16,-3 4 0 16,2 22 0-16,-2 11 0 15,5 7 1-15,7 4 18 16,11 4-18-16,0-2 18 15,21-3-16-15,18-8-3 16,13-5-8-16,10-7 8 16,3-12-15-16,12-8 15 15,-14-7-150-15,-18 0-232 0</inkml:trace>
+          <inkml:trace contextRef="#ctx0" brushRef="#br0" timeOffset="11014.6113">3654 2158 715 0,'0'0'152'0,"0"0"-61"15,0 0-12-15,0 0 4 16,0 0-39-16,0 0-44 16,0 0-23-16,-18 174 23 15,3-13 39-15,-3 27-8 16,3 2-31-16,1-21-6 16,7-59-120-16,1-35-225 0</inkml:trace>
+        </inkml:traceGroup>
+      </inkml:traceGroup>
+    </inkml:traceGroup>
+  </inkml:traceGroup>
+</inkml:ink>
+</file>
+
+<file path=ppt/ink/ink2.xml><?xml version="1.0" encoding="utf-8"?>
+<inkml:ink xmlns:inkml="http://www.w3.org/2003/InkML">
+  <inkml:definitions>
+    <inkml:context xml:id="ctx0">
+      <inkml:inkSource xml:id="inkSrc0">
+        <inkml:traceFormat>
+          <inkml:channel name="X" type="integer" max="32767" units="cm"/>
+          <inkml:channel name="Y" type="integer" max="32767" units="cm"/>
+          <inkml:channel name="F" type="integer" max="4095" units="deg"/>
+          <inkml:channel name="T" type="integer" max="2.14748E9" units="dev"/>
+        </inkml:traceFormat>
+        <inkml:channelProperties>
+          <inkml:channelProperty channel="X" name="resolution" value="2155.72363" units="1/cm"/>
+          <inkml:channelProperty channel="Y" name="resolution" value="3449.15796" units="1/cm"/>
+          <inkml:channelProperty channel="F" name="resolution" value="11.375" units="1/deg"/>
+          <inkml:channelProperty channel="T" name="resolution" value="1" units="1/dev"/>
+        </inkml:channelProperties>
+      </inkml:inkSource>
+      <inkml:timestamp xml:id="ts0" timeString="2022-04-09T06:12:18.074"/>
+    </inkml:context>
+    <inkml:brush xml:id="br0">
+      <inkml:brushProperty name="width" value="0.06667" units="cm"/>
+      <inkml:brushProperty name="height" value="0.06667" units="cm"/>
+      <inkml:brushProperty name="fitToCurve" value="1"/>
+    </inkml:brush>
+  </inkml:definitions>
+  <inkml:traceGroup>
+    <inkml:annotationXML>
+      <emma:emma xmlns:emma="http://www.w3.org/2003/04/emma" version="1.0">
+        <emma:interpretation id="{CDC35533-2628-42BE-9F48-4147ECAEDEE6}" emma:medium="tactile" emma:mode="ink">
+          <msink:context xmlns:msink="http://schemas.microsoft.com/ink/2010/main" type="inkDrawing" rotatedBoundingBox="5838,7070 7384,7634 7359,7701 5813,7137" semanticType="underline" shapeName="Other">
+            <msink:sourceLink direction="with" ref="{688314F9-8810-41A2-9C24-045A8FF3B47A}"/>
+          </msink:context>
+        </emma:interpretation>
+      </emma:emma>
+    </inkml:annotationXML>
+    <inkml:trace contextRef="#ctx0" brushRef="#br0">99 567 179 0,'0'0'173'0,"0"0"-125"16,0 0-48-16,0 0-29 15,0 0 29-15,0 0 46 16,0 0-1-16,119 48 1 16,-63-23 3-16,11 3 10 15,13 8-21-15,27 8-2 16,29 10-12-16,24 6-14 16,10-3-1-16,-12-12-8 0,-31-8 13 15,-38-16 6-15,-24 0-13 16,-17-6 2-16,2 3 0 15,-8 1-9-15,-6-1-15 16,-18-2-31-16,-14-2 45 16,-4 4 0-16,-2-4-122 15,-11-6-176-15</inkml:trace>
+  </inkml:traceGroup>
+</inkml:ink>
+</file>
+
+<file path=ppt/ink/ink3.xml><?xml version="1.0" encoding="utf-8"?>
+<inkml:ink xmlns:inkml="http://www.w3.org/2003/InkML">
+  <inkml:definitions>
+    <inkml:context xml:id="ctx0">
+      <inkml:inkSource xml:id="inkSrc0">
+        <inkml:traceFormat>
+          <inkml:channel name="X" type="integer" max="32767" units="cm"/>
+          <inkml:channel name="Y" type="integer" max="32767" units="cm"/>
+          <inkml:channel name="F" type="integer" max="4095" units="deg"/>
+          <inkml:channel name="T" type="integer" max="2.14748E9" units="dev"/>
+        </inkml:traceFormat>
+        <inkml:channelProperties>
+          <inkml:channelProperty channel="X" name="resolution" value="2155.72363" units="1/cm"/>
+          <inkml:channelProperty channel="Y" name="resolution" value="3449.15796" units="1/cm"/>
+          <inkml:channelProperty channel="F" name="resolution" value="11.375" units="1/deg"/>
+          <inkml:channelProperty channel="T" name="resolution" value="1" units="1/dev"/>
+        </inkml:channelProperties>
+      </inkml:inkSource>
+      <inkml:timestamp xml:id="ts0" timeString="2022-04-09T06:12:23.472"/>
+    </inkml:context>
+    <inkml:brush xml:id="br0">
+      <inkml:brushProperty name="width" value="0.06667" units="cm"/>
+      <inkml:brushProperty name="height" value="0.06667" units="cm"/>
+      <inkml:brushProperty name="fitToCurve" value="1"/>
+    </inkml:brush>
+  </inkml:definitions>
+  <inkml:traceGroup>
+    <inkml:annotationXML>
+      <emma:emma xmlns:emma="http://www.w3.org/2003/04/emma" version="1.0">
+        <emma:interpretation id="{9BDB7E22-0078-45FE-AD39-8FD30D4317F9}" emma:medium="tactile" emma:mode="ink">
+          <msink:context xmlns:msink="http://schemas.microsoft.com/ink/2010/main" type="inkDrawing" rotatedBoundingBox="5679,7687 6943,8668 6914,8705 5650,7724" semanticType="callout" shapeName="Other">
+            <msink:sourceLink direction="with" ref="{3CE04D66-BC2C-461F-A91A-5867C4551EA0}"/>
+            <msink:sourceLink direction="with" ref="{C3EDC1C9-7B31-404D-923F-7110FECE1274}"/>
+          </msink:context>
+        </emma:interpretation>
+      </emma:emma>
+    </inkml:annotationXML>
+    <inkml:trace contextRef="#ctx0" brushRef="#br0">0-1 23 0,'0'0'253'16,"0"0"-132"-16,0 0-68 16,0 0-28-16,0 0 9 15,0 0 6-15,0 0-39 16,0 0-2-16,0 0 2 15,6 0 15-15,3 0 30 16,3 2-30-16,1 5 12 16,3 6 8-16,-1-1-22 15,7 6 6-15,3 5-4 16,6 4-16-16,7 5 1 16,9 9 17-16,8 4-1 15,17 12-12-15,8 7-4 16,27 26 14-16,-5-6-2 0,6 5-10 15,-4-1 6-15,-15-22-8 16,7 0 6-16,-13-14 7 16,-17-13-13-16,-17-16 7 15,-16-6-8-15,-33-11-20 16,0-4-107-16,-15-2-107 0</inkml:trace>
+  </inkml:traceGroup>
+</inkml:ink>
+</file>
+
+<file path=ppt/ink/ink4.xml><?xml version="1.0" encoding="utf-8"?>
+<inkml:ink xmlns:inkml="http://www.w3.org/2003/InkML">
+  <inkml:definitions>
+    <inkml:context xml:id="ctx0">
+      <inkml:inkSource xml:id="inkSrc0">
+        <inkml:traceFormat>
+          <inkml:channel name="X" type="integer" max="32767" units="cm"/>
+          <inkml:channel name="Y" type="integer" max="32767" units="cm"/>
+          <inkml:channel name="F" type="integer" max="4095" units="deg"/>
+          <inkml:channel name="T" type="integer" max="2.14748E9" units="dev"/>
+        </inkml:traceFormat>
+        <inkml:channelProperties>
+          <inkml:channelProperty channel="X" name="resolution" value="2155.72363" units="1/cm"/>
+          <inkml:channelProperty channel="Y" name="resolution" value="3449.15796" units="1/cm"/>
+          <inkml:channelProperty channel="F" name="resolution" value="11.375" units="1/deg"/>
+          <inkml:channelProperty channel="T" name="resolution" value="1" units="1/dev"/>
+        </inkml:channelProperties>
+      </inkml:inkSource>
+      <inkml:timestamp xml:id="ts0" timeString="2022-04-09T06:12:35.749"/>
+    </inkml:context>
+    <inkml:brush xml:id="br0">
+      <inkml:brushProperty name="width" value="0.06667" units="cm"/>
+      <inkml:brushProperty name="height" value="0.06667" units="cm"/>
+      <inkml:brushProperty name="fitToCurve" value="1"/>
+    </inkml:brush>
+  </inkml:definitions>
+  <inkml:traceGroup>
+    <inkml:annotationXML>
+      <emma:emma xmlns:emma="http://www.w3.org/2003/04/emma" version="1.0">
+        <emma:interpretation id="{690675AB-EF56-4AFC-BCAA-A1710A4F744D}" emma:medium="tactile" emma:mode="ink">
+          <msink:context xmlns:msink="http://schemas.microsoft.com/ink/2010/main" type="writingRegion" rotatedBoundingBox="26013,5122 28363,5194 28330,6287 25979,6215"/>
+        </emma:interpretation>
+      </emma:emma>
+    </inkml:annotationXML>
+    <inkml:traceGroup>
+      <inkml:annotationXML>
+        <emma:emma xmlns:emma="http://www.w3.org/2003/04/emma" version="1.0">
+          <emma:interpretation id="{D534F232-0A58-4C92-B17E-A9F9D0748CC4}" emma:medium="tactile" emma:mode="ink">
+            <msink:context xmlns:msink="http://schemas.microsoft.com/ink/2010/main" type="paragraph" rotatedBoundingBox="26013,5122 28363,5194 28330,6287 25979,6215" alignmentLevel="1"/>
+          </emma:interpretation>
+        </emma:emma>
+      </inkml:annotationXML>
+      <inkml:traceGroup>
+        <inkml:annotationXML>
+          <emma:emma xmlns:emma="http://www.w3.org/2003/04/emma" version="1.0">
+            <emma:interpretation id="{2C05EE41-B65C-4F98-9001-3C1980AB7520}" emma:medium="tactile" emma:mode="ink">
+              <msink:context xmlns:msink="http://schemas.microsoft.com/ink/2010/main" type="line" rotatedBoundingBox="26013,5122 28363,5194 28330,6287 25979,6215"/>
+            </emma:interpretation>
+          </emma:emma>
+        </inkml:annotationXML>
+        <inkml:traceGroup>
+          <inkml:annotationXML>
+            <emma:emma xmlns:emma="http://www.w3.org/2003/04/emma" version="1.0">
+              <emma:interpretation id="{90E5D081-0426-4395-B078-D74231A8F7A6}" emma:medium="tactile" emma:mode="ink">
+                <msink:context xmlns:msink="http://schemas.microsoft.com/ink/2010/main" type="inkWord" rotatedBoundingBox="26013,5122 28363,5194 28330,6287 25979,6215"/>
+              </emma:interpretation>
+              <emma:one-of disjunction-type="recognition" id="oneOf0">
+                <emma:interpretation id="interp0" emma:lang="" emma:confidence="0.5">
+                  <emma:literal>diet</emma:literal>
+                </emma:interpretation>
+                <emma:interpretation id="interp1" emma:lang="" emma:confidence="0">
+                  <emma:literal>duet</emma:literal>
+                </emma:interpretation>
+                <emma:interpretation id="interp2" emma:lang="" emma:confidence="0">
+                  <emma:literal>dirt</emma:literal>
+                </emma:interpretation>
+                <emma:interpretation id="interp3" emma:lang="" emma:confidence="0">
+                  <emma:literal>dost</emma:literal>
+                </emma:interpretation>
+                <emma:interpretation id="interp4" emma:lang="" emma:confidence="0">
+                  <emma:literal>dat</emma:literal>
+                </emma:interpretation>
+              </emma:one-of>
+            </emma:emma>
+          </inkml:annotationXML>
+          <inkml:trace contextRef="#ctx0" brushRef="#br0">1085 145 165 0,'0'0'259'15,"0"0"-145"-15,0 0-60 16,0 0-1-16,0 0 32 16,0 0-37-16,0 0-9 0,-22-56-16 15,6 46 46-15,-1 5-21 16,1-1-41-16,-3 6-5 16,4 0-1-16,1 0-1 15,1 15 0-15,5 5 1 16,1 0 1-16,4 2-2 15,3 0 0-15,0-6-2 16,0-2-12-16,8-6-20 16,-2-4 11-16,-2-2 23 15,1-2 1-15,-1 0 10 16,3 0-10-16,0 2 0 16,4-2 2-16,3 0 6 15,1 0-8-15,1 0-1 0,-1 0 2 16,1-2 29-16,-3-8-23 15,0-5 0-15,1-2 4 16,-3-7-12-16,-2-8 6 16,2-7 2-16,2-13-6 15,3-3 8-15,3-10-9 16,6 6-1-16,0 2 0 16,-7 16 2-16,-9 10 4 15,-9 13 7-15,0 10 57 16,0 8-39-16,-16 0-31 15,-6 30-1-15,-5 19 1 16,-2 14-1-16,7 9 1 16,9 5 0-16,8-5 0 0,5-8 6 15,0-6-6 1,18-6 1-16,8-6-1 0,10-2-13 16,28-6-39-16,-6-12-139 15,-4-15-359-15</inkml:trace>
+          <inkml:trace contextRef="#ctx0" brushRef="#br0" timeOffset="550.6929">1541 181 570 0,'0'0'136'0,"0"0"-77"0,0 0-22 15,0 0 34 1,0 0-26-16,0 0-6 0,0 0-36 15,-44-38-3-15,42 66 0 16,-3 12 1-16,1 12-1 16,-3 13 7-16,-2 8-5 15,-4 5 4-15,-7 0 8 16,-2-10-14-16,-5-14 21 16,-2-15 0-16,-3-16 31 15,-3-11 29-15,2-12-49 16,4 0-15-16,8-7-16 15,10-18 7-15,11-8-8 16,0-8-94-16,25-3 52 16,9 0 10-16,5 4 32 15,6 0 0-15,0 4 0 0,2 0 0 16,1 2 12-16,2-4-11 16,-2 2 6-16,2 0 4 15,-1 0-11-15,-7 6-1 16,-9 4 1-16,-10 8 1 15,-12 8 7-15,-11 6-8 16,0 4-34-16,-9 0 34 16,-14 0 0-16,-3 10 1 15,-1 6-1-15,5 5 2 16,8 6-1-16,10-1-1 16,4 2 0-16,0 2 0 15,22-2-18-15,12-2-14 16,3-4 22-16,11-5-18 0,0-8-51 15,6-9-14-15,19-2-34 16,-13-17-92-16</inkml:trace>
+          <inkml:trace contextRef="#ctx0" brushRef="#br0" timeOffset="816.6933">2114-314 472 0,'0'0'88'16,"0"0"-44"-16,0 0-44 15,0 0 1-15,0 0-1 0,0 0 23 16,0 0 25 0,-2 144 53-16,2-75-35 0,0 7 4 15,0 6-37-15,2 0-9 16,-2-2-3-16,3-4-14 15,-3-10 2-15,0-10-3 16,0-15-6-16,0-14-61 16,0-13-150-16,0-14-397 0</inkml:trace>
+          <inkml:trace contextRef="#ctx0" brushRef="#br0" timeOffset="963.6917">2130 29 666 0,'0'0'105'0,"0"0"-75"16,0 0-29-16,149-4-1 15,-104 15-69-15,-9 4-150 0</inkml:trace>
+          <inkml:trace contextRef="#ctx0" brushRef="#br0" timeOffset="-908.0003">31 13 560 0,'0'0'173'0,"0"0"-27"16,0 0-75-16,0 0 39 15,0 0-41-15,0 0 3 16,0-18-15-16,0 18-56 0,0 0 20 16,0 0-21-16,0 0 1 15,0 0-7-15,0 0 6 16,0 0-13-16,0 0 11 15,-2 8-3-15,-3 7 5 16,1 10 6-16,-2 0-6 16,0 4 6-16,4-1-6 15,0 0 2-15,2-2-2 16,0 0 1-16,0 0-1 16,0 0 0-16,0-6-25 15,6 0 18-15,4-6-23 16,1-6-11-16,3-2-18 15,1-3 26-15,3-3 31 16,2 0 2-16,6-13 23 16,1-9 2-16,2-4-24 0,-4-5 10 15,-6 0-8-15,-5-3 3 16,-7-1-7-16,-3 2 1 16,-4 1 0-16,0 4 0 15,0 7 0-15,0 8-23 16,0 5 23-16,0 8 0 15,0 0-15-15,0 0-63 16,0 17 45-16,0 12 25 16,0 5 8-16,0 6 0 15,7 2 8-15,11 0-7 16,4-2 6-16,0-8-7 16,5-6-12-16,-2-8 2 0,-3-10-22 15,-3-8 32-15,2 0 21 16,-5-14 41-16,-3-14 10 15,-9-6-24-15,-4-4-6 16,0-4-23-16,-2 4-19 16,-9 4 0-16,3 7-29 15,2 10-61-15,4 7-59 16,2 6-199-16</inkml:trace>
+          <inkml:trace contextRef="#ctx0" brushRef="#br0" timeOffset="-733.9994">590 236 198 0,'0'0'115'0,"0"0"-54"15,0 0 11-15,23 103-3 16,-13-75-2-16,0-5-18 16,1-2-39-16,-3-4 6 15,0-14-16-15,-4-3-104 16,0 0-309-16</inkml:trace>
+          <inkml:trace contextRef="#ctx0" brushRef="#br0" timeOffset="-593.002">662-45 375 0,'0'0'255'0,"0"0"-186"16,0 0-69-16,0 0-167 0,0 0 63 15,0 0-111-15</inkml:trace>
+        </inkml:traceGroup>
+      </inkml:traceGroup>
+    </inkml:traceGroup>
+  </inkml:traceGroup>
+</inkml:ink>
+</file>
+
+<file path=ppt/ink/ink5.xml><?xml version="1.0" encoding="utf-8"?>
+<inkml:ink xmlns:inkml="http://www.w3.org/2003/InkML">
+  <inkml:definitions>
+    <inkml:context xml:id="ctx0">
+      <inkml:inkSource xml:id="inkSrc0">
+        <inkml:traceFormat>
+          <inkml:channel name="X" type="integer" max="32767" units="cm"/>
+          <inkml:channel name="Y" type="integer" max="32767" units="cm"/>
+          <inkml:channel name="F" type="integer" max="4095" units="deg"/>
+          <inkml:channel name="T" type="integer" max="2.14748E9" units="dev"/>
+        </inkml:traceFormat>
+        <inkml:channelProperties>
+          <inkml:channelProperty channel="X" name="resolution" value="2155.72363" units="1/cm"/>
+          <inkml:channelProperty channel="Y" name="resolution" value="3449.15796" units="1/cm"/>
+          <inkml:channelProperty channel="F" name="resolution" value="11.375" units="1/deg"/>
+          <inkml:channelProperty channel="T" name="resolution" value="1" units="1/dev"/>
+        </inkml:channelProperties>
+      </inkml:inkSource>
+      <inkml:timestamp xml:id="ts0" timeString="2022-04-09T06:12:37.866"/>
+    </inkml:context>
+    <inkml:brush xml:id="br0">
+      <inkml:brushProperty name="width" value="0.06667" units="cm"/>
+      <inkml:brushProperty name="height" value="0.06667" units="cm"/>
+      <inkml:brushProperty name="fitToCurve" value="1"/>
+    </inkml:brush>
+  </inkml:definitions>
+  <inkml:traceGroup>
+    <inkml:annotationXML>
+      <emma:emma xmlns:emma="http://www.w3.org/2003/04/emma" version="1.0">
+        <emma:interpretation id="{62FDB817-393A-4315-96C4-BD2646560E69}" emma:medium="tactile" emma:mode="ink">
+          <msink:context xmlns:msink="http://schemas.microsoft.com/ink/2010/main" type="writingRegion" rotatedBoundingBox="24769,6601 25716,6601 25716,7959 24769,7959"/>
+        </emma:interpretation>
+      </emma:emma>
+    </inkml:annotationXML>
+    <inkml:traceGroup>
+      <inkml:annotationXML>
+        <emma:emma xmlns:emma="http://www.w3.org/2003/04/emma" version="1.0">
+          <emma:interpretation id="{98E71FE6-6F8B-4EBD-BECB-60F0F807D990}" emma:medium="tactile" emma:mode="ink">
+            <msink:context xmlns:msink="http://schemas.microsoft.com/ink/2010/main" type="paragraph" rotatedBoundingBox="24769,6601 25716,6601 25716,7959 24769,7959" alignmentLevel="1"/>
+          </emma:interpretation>
+        </emma:emma>
+      </inkml:annotationXML>
+      <inkml:traceGroup>
+        <inkml:annotationXML>
+          <emma:emma xmlns:emma="http://www.w3.org/2003/04/emma" version="1.0">
+            <emma:interpretation id="{7BC5E020-90CD-42FD-AA5A-3F220BE9FF15}" emma:medium="tactile" emma:mode="ink">
+              <msink:context xmlns:msink="http://schemas.microsoft.com/ink/2010/main" type="line" rotatedBoundingBox="24769,6601 25716,6601 25716,7959 24769,7959"/>
+            </emma:interpretation>
+          </emma:emma>
+        </inkml:annotationXML>
+        <inkml:traceGroup>
+          <inkml:annotationXML>
+            <emma:emma xmlns:emma="http://www.w3.org/2003/04/emma" version="1.0">
+              <emma:interpretation id="{E303286D-F411-4C92-8808-18A8E0D69848}" emma:medium="tactile" emma:mode="ink">
+                <msink:context xmlns:msink="http://schemas.microsoft.com/ink/2010/main" type="inkWord" rotatedBoundingBox="24769,6601 25716,6601 25716,7959 24769,7959"/>
+              </emma:interpretation>
+              <emma:one-of disjunction-type="recognition" id="oneOf0">
+                <emma:interpretation id="interp0" emma:lang="" emma:confidence="0.5">
+                  <emma:literal>6</emma:literal>
+                </emma:interpretation>
+                <emma:interpretation id="interp1" emma:lang="" emma:confidence="0">
+                  <emma:literal>,</emma:literal>
+                </emma:interpretation>
+                <emma:interpretation id="interp2" emma:lang="" emma:confidence="0">
+                  <emma:literal>h</emma:literal>
+                </emma:interpretation>
+                <emma:interpretation id="interp3" emma:lang="" emma:confidence="0">
+                  <emma:literal>G</emma:literal>
+                </emma:interpretation>
+                <emma:interpretation id="interp4" emma:lang="" emma:confidence="0">
+                  <emma:literal>)</emma:literal>
+                </emma:interpretation>
+              </emma:one-of>
+            </emma:emma>
+          </inkml:annotationXML>
+          <inkml:trace contextRef="#ctx0" brushRef="#br0">359 0 371 0,'0'0'120'0,"0"0"-30"0,0 0-18 15,0 0 0 1,0 0-24-16,0 0-27 0,-120 15-8 16,86 12 2-16,-3 9 1 15,-2 10 17-15,1 12-9 16,3 10-8-16,8 11 13 16,10 8-12-16,7 2-1 15,10 0-6-15,0-5-9 16,27-6 4-16,11-6-5 15,11-8-11-15,7-7 1 16,9-7-16-16,3-10 25 16,4-8-5-16,-1-6-10 15,0-8 16-15,-4-4-7 16,-2-5 2-16,-7-8 4 16,-5-1-35-16,-11 0 35 15,-5 0-13-15,-11 0 14 16,-8 0 2-16,-10-8 8 0,-3 0-4 15,-5-4 23-15,0-2-19 16,-9-6 3-16,-13-1 0 16,-4-6-12-16,-1 1 10 15,2 0-10-15,7 3 11 16,7 5 9-16,11 4-6 16,0 5-8-16,9 0-7 15,20 4-16-15,4 5 15 16,3 0-9-16,-7 1 4 15,-5 21-3-15,-5 6-14 16,-11 10 18-16,-6 1 5 16,-2 5 0-16,-2 2 12 0,-13-4 1 15,-3 1-7-15,-5-7 11 16,-4-3-17-16,-21 6 0 16,3-9-88-16,3-12-193 0</inkml:trace>
+        </inkml:traceGroup>
+      </inkml:traceGroup>
+    </inkml:traceGroup>
+  </inkml:traceGroup>
+</inkml:ink>
+</file>
+
+<file path=ppt/ink/ink6.xml><?xml version="1.0" encoding="utf-8"?>
+<inkml:ink xmlns:inkml="http://www.w3.org/2003/InkML">
+  <inkml:definitions>
+    <inkml:context xml:id="ctx0">
+      <inkml:inkSource xml:id="inkSrc0">
+        <inkml:traceFormat>
+          <inkml:channel name="X" type="integer" max="32767" units="cm"/>
+          <inkml:channel name="Y" type="integer" max="32767" units="cm"/>
+          <inkml:channel name="F" type="integer" max="4095" units="deg"/>
+          <inkml:channel name="T" type="integer" max="2.14748E9" units="dev"/>
+        </inkml:traceFormat>
+        <inkml:channelProperties>
+          <inkml:channelProperty channel="X" name="resolution" value="2155.72363" units="1/cm"/>
+          <inkml:channelProperty channel="Y" name="resolution" value="3449.15796" units="1/cm"/>
+          <inkml:channelProperty channel="F" name="resolution" value="11.375" units="1/deg"/>
+          <inkml:channelProperty channel="T" name="resolution" value="1" units="1/dev"/>
+        </inkml:channelProperties>
+      </inkml:inkSource>
+      <inkml:timestamp xml:id="ts0" timeString="2022-04-09T06:12:40.608"/>
+    </inkml:context>
+    <inkml:brush xml:id="br0">
+      <inkml:brushProperty name="width" value="0.06667" units="cm"/>
+      <inkml:brushProperty name="height" value="0.06667" units="cm"/>
+      <inkml:brushProperty name="fitToCurve" value="1"/>
+    </inkml:brush>
+  </inkml:definitions>
+  <inkml:traceGroup>
+    <inkml:annotationXML>
+      <emma:emma xmlns:emma="http://www.w3.org/2003/04/emma" version="1.0">
+        <emma:interpretation id="{7CC6C5A7-DC72-4D77-87EB-CF9ECBD77C4D}" emma:medium="tactile" emma:mode="ink">
+          <msink:context xmlns:msink="http://schemas.microsoft.com/ink/2010/main" type="writingRegion" rotatedBoundingBox="28461,7594 28932,7594 28932,7626 28461,7626"/>
+        </emma:interpretation>
+      </emma:emma>
+    </inkml:annotationXML>
+    <inkml:traceGroup>
+      <inkml:annotationXML>
+        <emma:emma xmlns:emma="http://www.w3.org/2003/04/emma" version="1.0">
+          <emma:interpretation id="{60570F3B-00BE-4300-A1E4-1E6770CD308A}" emma:medium="tactile" emma:mode="ink">
+            <msink:context xmlns:msink="http://schemas.microsoft.com/ink/2010/main" type="paragraph" rotatedBoundingBox="28461,7594 28932,7594 28932,7626 28461,7626" alignmentLevel="1"/>
+          </emma:interpretation>
+        </emma:emma>
+      </inkml:annotationXML>
+      <inkml:traceGroup>
+        <inkml:annotationXML>
+          <emma:emma xmlns:emma="http://www.w3.org/2003/04/emma" version="1.0">
+            <emma:interpretation id="{2E9FB1E5-8CC7-406E-A697-E7E2B278DE00}" emma:medium="tactile" emma:mode="ink">
+              <msink:context xmlns:msink="http://schemas.microsoft.com/ink/2010/main" type="line" rotatedBoundingBox="28461,7594 28932,7594 28932,7626 28461,7626"/>
+            </emma:interpretation>
+          </emma:emma>
+        </inkml:annotationXML>
+        <inkml:traceGroup>
+          <inkml:annotationXML>
+            <emma:emma xmlns:emma="http://www.w3.org/2003/04/emma" version="1.0">
+              <emma:interpretation id="{76402C27-97E6-4CB9-8C63-09DFE4649170}" emma:medium="tactile" emma:mode="ink">
+                <msink:context xmlns:msink="http://schemas.microsoft.com/ink/2010/main" type="inkWord" rotatedBoundingBox="28461,7594 28932,7594 28932,7626 28461,7626"/>
+              </emma:interpretation>
+              <emma:one-of disjunction-type="recognition" id="oneOf0">
+                <emma:interpretation id="interp0" emma:lang="" emma:confidence="0.5">
+                  <emma:literal>-</emma:literal>
+                </emma:interpretation>
+                <emma:interpretation id="interp1" emma:lang="" emma:confidence="0">
+                  <emma:literal>_</emma:literal>
+                </emma:interpretation>
+                <emma:interpretation id="interp2" emma:lang="" emma:confidence="0">
+                  <emma:literal>.</emma:literal>
+                </emma:interpretation>
+                <emma:interpretation id="interp3" emma:lang="" emma:confidence="0">
+                  <emma:literal>,</emma:literal>
+                </emma:interpretation>
+                <emma:interpretation id="interp4" emma:lang="" emma:confidence="0">
+                  <emma:literal>~</emma:literal>
+                </emma:interpretation>
+              </emma:one-of>
+            </emma:emma>
+          </inkml:annotationXML>
+          <inkml:trace contextRef="#ctx0" brushRef="#br0">0 33 385 0,'0'0'242'0,"0"0"-136"16,0 0 19-16,0 0-29 15,0 0 2-15,0 0-23 16,0 0-39-16,-7-22-7 16,9 22-19-16,27-4-10 15,19 0 14-15,18 2-13 16,59 2-2-16,-15 0-39 16,-19 10-185-16</inkml:trace>
+        </inkml:traceGroup>
+      </inkml:traceGroup>
+    </inkml:traceGroup>
+  </inkml:traceGroup>
+</inkml:ink>
+</file>
+
+<file path=ppt/ink/ink7.xml><?xml version="1.0" encoding="utf-8"?>
+<inkml:ink xmlns:inkml="http://www.w3.org/2003/InkML">
+  <inkml:definitions>
+    <inkml:context xml:id="ctx0">
+      <inkml:inkSource xml:id="inkSrc0">
+        <inkml:traceFormat>
+          <inkml:channel name="X" type="integer" max="32767" units="cm"/>
+          <inkml:channel name="Y" type="integer" max="32767" units="cm"/>
+          <inkml:channel name="F" type="integer" max="4095" units="deg"/>
+          <inkml:channel name="T" type="integer" max="2.14748E9" units="dev"/>
+        </inkml:traceFormat>
+        <inkml:channelProperties>
+          <inkml:channelProperty channel="X" name="resolution" value="2155.72363" units="1/cm"/>
+          <inkml:channelProperty channel="Y" name="resolution" value="3449.15796" units="1/cm"/>
+          <inkml:channelProperty channel="F" name="resolution" value="11.375" units="1/deg"/>
+          <inkml:channelProperty channel="T" name="resolution" value="1" units="1/dev"/>
+        </inkml:channelProperties>
+      </inkml:inkSource>
+      <inkml:timestamp xml:id="ts0" timeString="2022-04-09T08:46:40.640"/>
+    </inkml:context>
+    <inkml:brush xml:id="br0">
+      <inkml:brushProperty name="width" value="0.04667" units="cm"/>
+      <inkml:brushProperty name="height" value="0.04667" units="cm"/>
+      <inkml:brushProperty name="fitToCurve" value="1"/>
+    </inkml:brush>
+  </inkml:definitions>
+  <inkml:traceGroup>
+    <inkml:annotationXML>
+      <emma:emma xmlns:emma="http://www.w3.org/2003/04/emma" version="1.0">
+        <emma:interpretation id="{56997586-C8A7-4FBE-B762-980362397B7B}" emma:medium="tactile" emma:mode="ink">
+          <msink:context xmlns:msink="http://schemas.microsoft.com/ink/2010/main" type="writingRegion" rotatedBoundingBox="9493,12267 9508,12267 9508,12282 9493,12282"/>
+        </emma:interpretation>
+      </emma:emma>
+    </inkml:annotationXML>
+    <inkml:traceGroup>
+      <inkml:annotationXML>
+        <emma:emma xmlns:emma="http://www.w3.org/2003/04/emma" version="1.0">
+          <emma:interpretation id="{120D16AF-6573-47F2-B095-8FF5D9BAF913}" emma:medium="tactile" emma:mode="ink">
+            <msink:context xmlns:msink="http://schemas.microsoft.com/ink/2010/main" type="paragraph" rotatedBoundingBox="9493,12267 9508,12267 9508,12282 9493,12282" alignmentLevel="1"/>
+          </emma:interpretation>
+        </emma:emma>
+      </inkml:annotationXML>
+      <inkml:traceGroup>
+        <inkml:annotationXML>
+          <emma:emma xmlns:emma="http://www.w3.org/2003/04/emma" version="1.0">
+            <emma:interpretation id="{ED5D2D63-D057-4A0C-B4EC-C5AD37CF5C03}" emma:medium="tactile" emma:mode="ink">
+              <msink:context xmlns:msink="http://schemas.microsoft.com/ink/2010/main" type="line" rotatedBoundingBox="9493,12267 9508,12267 9508,12282 9493,12282"/>
+            </emma:interpretation>
+          </emma:emma>
+        </inkml:annotationXML>
+        <inkml:traceGroup>
+          <inkml:annotationXML>
+            <emma:emma xmlns:emma="http://www.w3.org/2003/04/emma" version="1.0">
+              <emma:interpretation id="{30B95C45-E15F-4485-8268-7EC4D799E2BD}" emma:medium="tactile" emma:mode="ink">
+                <msink:context xmlns:msink="http://schemas.microsoft.com/ink/2010/main" type="inkWord" rotatedBoundingBox="9493,12267 9508,12267 9508,12282 9493,12282"/>
+              </emma:interpretation>
+              <emma:one-of disjunction-type="recognition" id="oneOf0">
+                <emma:interpretation id="interp0" emma:lang="" emma:confidence="1">
+                  <emma:literal/>
+                </emma:interpretation>
+              </emma:one-of>
+            </emma:emma>
+          </inkml:annotationXML>
+          <inkml:trace contextRef="#ctx0" brushRef="#br0">5572 1951 489 0,'0'0'26'16,"0"0"-26"-16,0 0-36 15,0 0-26-15,0 0-38 16,0 0-40-16</inkml:trace>
+        </inkml:traceGroup>
+      </inkml:traceGroup>
+    </inkml:traceGroup>
+  </inkml:traceGroup>
+</inkml:ink>
 </file>
 
 <file path=ppt/slideLayouts/slideLayout1.xml><?xml version="1.0" encoding="utf-8"?>
@@ -3515,8 +4119,8 @@
               <a:t>from </a:t>
             </a:r>
             <a:r>
-              <a:rPr lang="en-US" dirty="0" err="1" smtClean="0"/>
-              <a:t>github</a:t>
+              <a:rPr lang="en-US" dirty="0" smtClean="0"/>
+              <a:t>web</a:t>
             </a:r>
             <a:endParaRPr lang="en-US" dirty="0"/>
           </a:p>
@@ -3589,6 +4193,1327 @@
 </file>
 
 <file path=ppt/slides/slide15.xml><?xml version="1.0" encoding="utf-8"?>
+<p:sld xmlns:a="http://schemas.openxmlformats.org/drawingml/2006/main" xmlns:r="http://schemas.openxmlformats.org/officeDocument/2006/relationships" xmlns:p="http://schemas.openxmlformats.org/presentationml/2006/main">
+  <p:cSld>
+    <p:spTree>
+      <p:nvGrpSpPr>
+        <p:cNvPr id="1" name=""/>
+        <p:cNvGrpSpPr/>
+        <p:nvPr/>
+      </p:nvGrpSpPr>
+      <p:grpSpPr>
+        <a:xfrm>
+          <a:off x="0" y="0"/>
+          <a:ext cx="0" cy="0"/>
+          <a:chOff x="0" y="0"/>
+          <a:chExt cx="0" cy="0"/>
+        </a:xfrm>
+      </p:grpSpPr>
+      <p:sp>
+        <p:nvSpPr>
+          <p:cNvPr id="2" name="Title 1"/>
+          <p:cNvSpPr>
+            <a:spLocks noGrp="1"/>
+          </p:cNvSpPr>
+          <p:nvPr>
+            <p:ph type="title"/>
+          </p:nvPr>
+        </p:nvSpPr>
+        <p:spPr/>
+        <p:txBody>
+          <a:bodyPr/>
+          <a:lstStyle/>
+          <a:p>
+            <a:pPr algn="ctr"/>
+            <a:r>
+              <a:rPr lang="en-US" dirty="0" smtClean="0"/>
+              <a:t>Python script I</a:t>
+            </a:r>
+            <a:endParaRPr lang="en-US" dirty="0"/>
+          </a:p>
+        </p:txBody>
+      </p:sp>
+      <p:pic>
+        <p:nvPicPr>
+          <p:cNvPr id="3" name="Picture 2"/>
+          <p:cNvPicPr>
+            <a:picLocks noChangeAspect="1"/>
+          </p:cNvPicPr>
+          <p:nvPr/>
+        </p:nvPicPr>
+        <p:blipFill>
+          <a:blip r:embed="rId2"/>
+          <a:stretch>
+            <a:fillRect/>
+          </a:stretch>
+        </p:blipFill>
+        <p:spPr>
+          <a:xfrm>
+            <a:off x="838200" y="2190471"/>
+            <a:ext cx="7182852" cy="4001058"/>
+          </a:xfrm>
+          <a:prstGeom prst="rect">
+            <a:avLst/>
+          </a:prstGeom>
+        </p:spPr>
+      </p:pic>
+      <p:sp>
+        <p:nvSpPr>
+          <p:cNvPr id="4" name="Rectangle 3"/>
+          <p:cNvSpPr/>
+          <p:nvPr/>
+        </p:nvSpPr>
+        <p:spPr>
+          <a:xfrm>
+            <a:off x="8021052" y="2594738"/>
+            <a:ext cx="4082048" cy="2929761"/>
+          </a:xfrm>
+          <a:prstGeom prst="rect">
+            <a:avLst/>
+          </a:prstGeom>
+        </p:spPr>
+        <p:txBody>
+          <a:bodyPr wrap="square">
+            <a:spAutoFit/>
+          </a:bodyPr>
+          <a:lstStyle/>
+          <a:p>
+            <a:r>
+              <a:rPr lang="en-US" b="0" dirty="0" smtClean="0">
+                <a:solidFill>
+                  <a:srgbClr val="0000FF"/>
+                </a:solidFill>
+                <a:effectLst/>
+                <a:latin typeface="Consolas" panose="020B0609020204030204" pitchFamily="49" charset="0"/>
+              </a:rPr>
+              <a:t>import</a:t>
+            </a:r>
+            <a:r>
+              <a:rPr lang="en-US" b="0" dirty="0" smtClean="0">
+                <a:solidFill>
+                  <a:srgbClr val="000000"/>
+                </a:solidFill>
+                <a:effectLst/>
+                <a:latin typeface="Consolas" panose="020B0609020204030204" pitchFamily="49" charset="0"/>
+              </a:rPr>
+              <a:t> </a:t>
+            </a:r>
+            <a:r>
+              <a:rPr lang="en-US" b="0" dirty="0" err="1" smtClean="0">
+                <a:solidFill>
+                  <a:srgbClr val="001080"/>
+                </a:solidFill>
+                <a:effectLst/>
+                <a:latin typeface="Consolas" panose="020B0609020204030204" pitchFamily="49" charset="0"/>
+              </a:rPr>
+              <a:t>matplotlib</a:t>
+            </a:r>
+            <a:r>
+              <a:rPr lang="en-US" b="0" dirty="0" err="1" smtClean="0">
+                <a:solidFill>
+                  <a:srgbClr val="000000"/>
+                </a:solidFill>
+                <a:effectLst/>
+                <a:latin typeface="Consolas" panose="020B0609020204030204" pitchFamily="49" charset="0"/>
+              </a:rPr>
+              <a:t>.</a:t>
+            </a:r>
+            <a:r>
+              <a:rPr lang="en-US" b="0" dirty="0" err="1" smtClean="0">
+                <a:solidFill>
+                  <a:srgbClr val="001080"/>
+                </a:solidFill>
+                <a:effectLst/>
+                <a:latin typeface="Consolas" panose="020B0609020204030204" pitchFamily="49" charset="0"/>
+              </a:rPr>
+              <a:t>pyplot</a:t>
+            </a:r>
+            <a:r>
+              <a:rPr lang="en-US" b="0" dirty="0" smtClean="0">
+                <a:solidFill>
+                  <a:srgbClr val="000000"/>
+                </a:solidFill>
+                <a:effectLst/>
+                <a:latin typeface="Consolas" panose="020B0609020204030204" pitchFamily="49" charset="0"/>
+              </a:rPr>
+              <a:t> </a:t>
+            </a:r>
+            <a:r>
+              <a:rPr lang="en-US" b="0" dirty="0" smtClean="0">
+                <a:solidFill>
+                  <a:srgbClr val="0000FF"/>
+                </a:solidFill>
+                <a:effectLst/>
+                <a:latin typeface="Consolas" panose="020B0609020204030204" pitchFamily="49" charset="0"/>
+              </a:rPr>
+              <a:t>as</a:t>
+            </a:r>
+            <a:r>
+              <a:rPr lang="en-US" b="0" dirty="0" smtClean="0">
+                <a:solidFill>
+                  <a:srgbClr val="000000"/>
+                </a:solidFill>
+                <a:effectLst/>
+                <a:latin typeface="Consolas" panose="020B0609020204030204" pitchFamily="49" charset="0"/>
+              </a:rPr>
+              <a:t> </a:t>
+            </a:r>
+            <a:r>
+              <a:rPr lang="en-US" b="0" dirty="0" err="1" smtClean="0">
+                <a:solidFill>
+                  <a:srgbClr val="001080"/>
+                </a:solidFill>
+                <a:effectLst/>
+                <a:latin typeface="Consolas" panose="020B0609020204030204" pitchFamily="49" charset="0"/>
+              </a:rPr>
+              <a:t>plt</a:t>
+            </a:r>
+            <a:endParaRPr lang="en-US" b="0" dirty="0" smtClean="0">
+              <a:solidFill>
+                <a:srgbClr val="000000"/>
+              </a:solidFill>
+              <a:effectLst/>
+              <a:latin typeface="Consolas" panose="020B0609020204030204" pitchFamily="49" charset="0"/>
+            </a:endParaRPr>
+          </a:p>
+          <a:p>
+            <a:r>
+              <a:rPr lang="en-US" b="0" dirty="0" smtClean="0">
+                <a:solidFill>
+                  <a:srgbClr val="0000FF"/>
+                </a:solidFill>
+                <a:effectLst/>
+                <a:latin typeface="Consolas" panose="020B0609020204030204" pitchFamily="49" charset="0"/>
+              </a:rPr>
+              <a:t>import</a:t>
+            </a:r>
+            <a:r>
+              <a:rPr lang="en-US" b="0" dirty="0" smtClean="0">
+                <a:solidFill>
+                  <a:srgbClr val="000000"/>
+                </a:solidFill>
+                <a:effectLst/>
+                <a:latin typeface="Consolas" panose="020B0609020204030204" pitchFamily="49" charset="0"/>
+              </a:rPr>
+              <a:t> </a:t>
+            </a:r>
+            <a:r>
+              <a:rPr lang="en-US" b="0" dirty="0" err="1" smtClean="0">
+                <a:solidFill>
+                  <a:srgbClr val="001080"/>
+                </a:solidFill>
+                <a:effectLst/>
+                <a:latin typeface="Consolas" panose="020B0609020204030204" pitchFamily="49" charset="0"/>
+              </a:rPr>
+              <a:t>numpy</a:t>
+            </a:r>
+            <a:r>
+              <a:rPr lang="en-US" b="0" dirty="0" smtClean="0">
+                <a:solidFill>
+                  <a:srgbClr val="000000"/>
+                </a:solidFill>
+                <a:effectLst/>
+                <a:latin typeface="Consolas" panose="020B0609020204030204" pitchFamily="49" charset="0"/>
+              </a:rPr>
+              <a:t> </a:t>
+            </a:r>
+            <a:r>
+              <a:rPr lang="en-US" b="0" dirty="0" smtClean="0">
+                <a:solidFill>
+                  <a:srgbClr val="0000FF"/>
+                </a:solidFill>
+                <a:effectLst/>
+                <a:latin typeface="Consolas" panose="020B0609020204030204" pitchFamily="49" charset="0"/>
+              </a:rPr>
+              <a:t>as</a:t>
+            </a:r>
+            <a:r>
+              <a:rPr lang="en-US" b="0" dirty="0" smtClean="0">
+                <a:solidFill>
+                  <a:srgbClr val="000000"/>
+                </a:solidFill>
+                <a:effectLst/>
+                <a:latin typeface="Consolas" panose="020B0609020204030204" pitchFamily="49" charset="0"/>
+              </a:rPr>
+              <a:t> </a:t>
+            </a:r>
+            <a:r>
+              <a:rPr lang="en-US" b="0" dirty="0" smtClean="0">
+                <a:solidFill>
+                  <a:srgbClr val="001080"/>
+                </a:solidFill>
+                <a:effectLst/>
+                <a:latin typeface="Consolas" panose="020B0609020204030204" pitchFamily="49" charset="0"/>
+              </a:rPr>
+              <a:t>np</a:t>
+            </a:r>
+            <a:endParaRPr lang="en-US" b="0" dirty="0" smtClean="0">
+              <a:solidFill>
+                <a:srgbClr val="000000"/>
+              </a:solidFill>
+              <a:effectLst/>
+              <a:latin typeface="Consolas" panose="020B0609020204030204" pitchFamily="49" charset="0"/>
+            </a:endParaRPr>
+          </a:p>
+          <a:p>
+            <a:r>
+              <a:rPr lang="en-US" b="0" dirty="0" smtClean="0">
+                <a:solidFill>
+                  <a:srgbClr val="000000"/>
+                </a:solidFill>
+                <a:effectLst/>
+                <a:latin typeface="Consolas" panose="020B0609020204030204" pitchFamily="49" charset="0"/>
+              </a:rPr>
+              <a:t/>
+            </a:r>
+            <a:br>
+              <a:rPr lang="en-US" b="0" dirty="0" smtClean="0">
+                <a:solidFill>
+                  <a:srgbClr val="000000"/>
+                </a:solidFill>
+                <a:effectLst/>
+                <a:latin typeface="Consolas" panose="020B0609020204030204" pitchFamily="49" charset="0"/>
+              </a:rPr>
+            </a:br>
+            <a:r>
+              <a:rPr lang="en-US" b="0" dirty="0" smtClean="0">
+                <a:solidFill>
+                  <a:srgbClr val="001080"/>
+                </a:solidFill>
+                <a:effectLst/>
+                <a:latin typeface="Consolas" panose="020B0609020204030204" pitchFamily="49" charset="0"/>
+              </a:rPr>
+              <a:t>x1</a:t>
+            </a:r>
+            <a:r>
+              <a:rPr lang="en-US" b="0" dirty="0" smtClean="0">
+                <a:solidFill>
+                  <a:srgbClr val="000000"/>
+                </a:solidFill>
+                <a:effectLst/>
+                <a:latin typeface="Consolas" panose="020B0609020204030204" pitchFamily="49" charset="0"/>
+              </a:rPr>
+              <a:t> = </a:t>
+            </a:r>
+            <a:r>
+              <a:rPr lang="en-US" b="0" dirty="0" smtClean="0">
+                <a:solidFill>
+                  <a:srgbClr val="001080"/>
+                </a:solidFill>
+                <a:effectLst/>
+                <a:latin typeface="Consolas" panose="020B0609020204030204" pitchFamily="49" charset="0"/>
+              </a:rPr>
+              <a:t>dataset</a:t>
+            </a:r>
+            <a:r>
+              <a:rPr lang="en-US" b="0" dirty="0" smtClean="0">
+                <a:solidFill>
+                  <a:srgbClr val="000000"/>
+                </a:solidFill>
+                <a:effectLst/>
+                <a:latin typeface="Consolas" panose="020B0609020204030204" pitchFamily="49" charset="0"/>
+              </a:rPr>
+              <a:t>[</a:t>
+            </a:r>
+            <a:r>
+              <a:rPr lang="en-US" b="0" dirty="0" smtClean="0">
+                <a:solidFill>
+                  <a:srgbClr val="A31515"/>
+                </a:solidFill>
+                <a:effectLst/>
+                <a:latin typeface="Consolas" panose="020B0609020204030204" pitchFamily="49" charset="0"/>
+              </a:rPr>
+              <a:t>"salary"</a:t>
+            </a:r>
+            <a:r>
+              <a:rPr lang="en-US" b="0" dirty="0" smtClean="0">
+                <a:solidFill>
+                  <a:srgbClr val="000000"/>
+                </a:solidFill>
+                <a:effectLst/>
+                <a:latin typeface="Consolas" panose="020B0609020204030204" pitchFamily="49" charset="0"/>
+              </a:rPr>
+              <a:t>][</a:t>
+            </a:r>
+            <a:r>
+              <a:rPr lang="en-US" b="0" dirty="0" smtClean="0">
+                <a:solidFill>
+                  <a:srgbClr val="09885A"/>
+                </a:solidFill>
+                <a:effectLst/>
+                <a:latin typeface="Consolas" panose="020B0609020204030204" pitchFamily="49" charset="0"/>
+              </a:rPr>
+              <a:t>0</a:t>
+            </a:r>
+            <a:r>
+              <a:rPr lang="en-US" b="0" dirty="0" smtClean="0">
+                <a:solidFill>
+                  <a:srgbClr val="000000"/>
+                </a:solidFill>
+                <a:effectLst/>
+                <a:latin typeface="Consolas" panose="020B0609020204030204" pitchFamily="49" charset="0"/>
+              </a:rPr>
+              <a:t>]</a:t>
+            </a:r>
+          </a:p>
+          <a:p>
+            <a:r>
+              <a:rPr lang="en-US" b="0" dirty="0" smtClean="0">
+                <a:solidFill>
+                  <a:srgbClr val="000000"/>
+                </a:solidFill>
+                <a:effectLst/>
+                <a:latin typeface="Consolas" panose="020B0609020204030204" pitchFamily="49" charset="0"/>
+              </a:rPr>
+              <a:t/>
+            </a:r>
+            <a:br>
+              <a:rPr lang="en-US" b="0" dirty="0" smtClean="0">
+                <a:solidFill>
+                  <a:srgbClr val="000000"/>
+                </a:solidFill>
+                <a:effectLst/>
+                <a:latin typeface="Consolas" panose="020B0609020204030204" pitchFamily="49" charset="0"/>
+              </a:rPr>
+            </a:br>
+            <a:r>
+              <a:rPr lang="en-US" b="0" dirty="0" err="1" smtClean="0">
+                <a:solidFill>
+                  <a:srgbClr val="001080"/>
+                </a:solidFill>
+                <a:effectLst/>
+                <a:latin typeface="Consolas" panose="020B0609020204030204" pitchFamily="49" charset="0"/>
+              </a:rPr>
+              <a:t>xpoints</a:t>
+            </a:r>
+            <a:r>
+              <a:rPr lang="en-US" b="0" dirty="0" smtClean="0">
+                <a:solidFill>
+                  <a:srgbClr val="000000"/>
+                </a:solidFill>
+                <a:effectLst/>
+                <a:latin typeface="Consolas" panose="020B0609020204030204" pitchFamily="49" charset="0"/>
+              </a:rPr>
+              <a:t> = </a:t>
+            </a:r>
+            <a:r>
+              <a:rPr lang="en-US" b="0" dirty="0" err="1" smtClean="0">
+                <a:solidFill>
+                  <a:srgbClr val="001080"/>
+                </a:solidFill>
+                <a:effectLst/>
+                <a:latin typeface="Consolas" panose="020B0609020204030204" pitchFamily="49" charset="0"/>
+              </a:rPr>
+              <a:t>np</a:t>
+            </a:r>
+            <a:r>
+              <a:rPr lang="en-US" b="0" dirty="0" err="1" smtClean="0">
+                <a:solidFill>
+                  <a:srgbClr val="000000"/>
+                </a:solidFill>
+                <a:effectLst/>
+                <a:latin typeface="Consolas" panose="020B0609020204030204" pitchFamily="49" charset="0"/>
+              </a:rPr>
+              <a:t>.</a:t>
+            </a:r>
+            <a:r>
+              <a:rPr lang="en-US" b="0" dirty="0" err="1" smtClean="0">
+                <a:solidFill>
+                  <a:srgbClr val="001080"/>
+                </a:solidFill>
+                <a:effectLst/>
+                <a:latin typeface="Consolas" panose="020B0609020204030204" pitchFamily="49" charset="0"/>
+              </a:rPr>
+              <a:t>array</a:t>
+            </a:r>
+            <a:r>
+              <a:rPr lang="en-US" b="0" dirty="0" smtClean="0">
+                <a:solidFill>
+                  <a:srgbClr val="000000"/>
+                </a:solidFill>
+                <a:effectLst/>
+                <a:latin typeface="Consolas" panose="020B0609020204030204" pitchFamily="49" charset="0"/>
+              </a:rPr>
+              <a:t>([</a:t>
+            </a:r>
+            <a:r>
+              <a:rPr lang="en-US" b="0" dirty="0" smtClean="0">
+                <a:solidFill>
+                  <a:srgbClr val="09885A"/>
+                </a:solidFill>
+                <a:effectLst/>
+                <a:latin typeface="Consolas" panose="020B0609020204030204" pitchFamily="49" charset="0"/>
+              </a:rPr>
+              <a:t>1</a:t>
+            </a:r>
+            <a:r>
+              <a:rPr lang="en-US" b="0" dirty="0" smtClean="0">
+                <a:solidFill>
+                  <a:srgbClr val="000000"/>
+                </a:solidFill>
+                <a:effectLst/>
+                <a:latin typeface="Consolas" panose="020B0609020204030204" pitchFamily="49" charset="0"/>
+              </a:rPr>
+              <a:t>, </a:t>
+            </a:r>
+            <a:r>
+              <a:rPr lang="en-US" b="0" dirty="0" smtClean="0">
+                <a:solidFill>
+                  <a:srgbClr val="09885A"/>
+                </a:solidFill>
+                <a:effectLst/>
+                <a:latin typeface="Consolas" panose="020B0609020204030204" pitchFamily="49" charset="0"/>
+              </a:rPr>
+              <a:t>8</a:t>
+            </a:r>
+            <a:r>
+              <a:rPr lang="en-US" b="0" dirty="0" smtClean="0">
+                <a:solidFill>
+                  <a:srgbClr val="000000"/>
+                </a:solidFill>
+                <a:effectLst/>
+                <a:latin typeface="Consolas" panose="020B0609020204030204" pitchFamily="49" charset="0"/>
+              </a:rPr>
+              <a:t>])</a:t>
+            </a:r>
+          </a:p>
+          <a:p>
+            <a:r>
+              <a:rPr lang="en-US" b="0" dirty="0" err="1" smtClean="0">
+                <a:solidFill>
+                  <a:srgbClr val="001080"/>
+                </a:solidFill>
+                <a:effectLst/>
+                <a:latin typeface="Consolas" panose="020B0609020204030204" pitchFamily="49" charset="0"/>
+              </a:rPr>
+              <a:t>ypoints</a:t>
+            </a:r>
+            <a:r>
+              <a:rPr lang="en-US" b="0" dirty="0" smtClean="0">
+                <a:solidFill>
+                  <a:srgbClr val="000000"/>
+                </a:solidFill>
+                <a:effectLst/>
+                <a:latin typeface="Consolas" panose="020B0609020204030204" pitchFamily="49" charset="0"/>
+              </a:rPr>
+              <a:t> = </a:t>
+            </a:r>
+            <a:r>
+              <a:rPr lang="en-US" b="0" dirty="0" err="1" smtClean="0">
+                <a:solidFill>
+                  <a:srgbClr val="001080"/>
+                </a:solidFill>
+                <a:effectLst/>
+                <a:latin typeface="Consolas" panose="020B0609020204030204" pitchFamily="49" charset="0"/>
+              </a:rPr>
+              <a:t>np</a:t>
+            </a:r>
+            <a:r>
+              <a:rPr lang="en-US" b="0" dirty="0" err="1" smtClean="0">
+                <a:solidFill>
+                  <a:srgbClr val="000000"/>
+                </a:solidFill>
+                <a:effectLst/>
+                <a:latin typeface="Consolas" panose="020B0609020204030204" pitchFamily="49" charset="0"/>
+              </a:rPr>
+              <a:t>.</a:t>
+            </a:r>
+            <a:r>
+              <a:rPr lang="en-US" b="0" dirty="0" err="1" smtClean="0">
+                <a:solidFill>
+                  <a:srgbClr val="001080"/>
+                </a:solidFill>
+                <a:effectLst/>
+                <a:latin typeface="Consolas" panose="020B0609020204030204" pitchFamily="49" charset="0"/>
+              </a:rPr>
+              <a:t>array</a:t>
+            </a:r>
+            <a:r>
+              <a:rPr lang="en-US" b="0" dirty="0" smtClean="0">
+                <a:solidFill>
+                  <a:srgbClr val="000000"/>
+                </a:solidFill>
+                <a:effectLst/>
+                <a:latin typeface="Consolas" panose="020B0609020204030204" pitchFamily="49" charset="0"/>
+              </a:rPr>
+              <a:t>([</a:t>
+            </a:r>
+            <a:r>
+              <a:rPr lang="en-US" b="0" dirty="0" smtClean="0">
+                <a:solidFill>
+                  <a:srgbClr val="001080"/>
+                </a:solidFill>
+                <a:effectLst/>
+                <a:latin typeface="Consolas" panose="020B0609020204030204" pitchFamily="49" charset="0"/>
+              </a:rPr>
+              <a:t>x1</a:t>
+            </a:r>
+            <a:r>
+              <a:rPr lang="en-US" b="0" dirty="0" smtClean="0">
+                <a:solidFill>
+                  <a:srgbClr val="000000"/>
+                </a:solidFill>
+                <a:effectLst/>
+                <a:latin typeface="Consolas" panose="020B0609020204030204" pitchFamily="49" charset="0"/>
+              </a:rPr>
+              <a:t>, </a:t>
+            </a:r>
+            <a:r>
+              <a:rPr lang="en-US" b="0" dirty="0" smtClean="0">
+                <a:solidFill>
+                  <a:srgbClr val="09885A"/>
+                </a:solidFill>
+                <a:effectLst/>
+                <a:latin typeface="Consolas" panose="020B0609020204030204" pitchFamily="49" charset="0"/>
+              </a:rPr>
+              <a:t>10</a:t>
+            </a:r>
+            <a:r>
+              <a:rPr lang="en-US" b="0" dirty="0" smtClean="0">
+                <a:solidFill>
+                  <a:srgbClr val="000000"/>
+                </a:solidFill>
+                <a:effectLst/>
+                <a:latin typeface="Consolas" panose="020B0609020204030204" pitchFamily="49" charset="0"/>
+              </a:rPr>
+              <a:t>])</a:t>
+            </a:r>
+          </a:p>
+          <a:p>
+            <a:r>
+              <a:rPr lang="en-US" b="0" dirty="0" smtClean="0">
+                <a:solidFill>
+                  <a:srgbClr val="000000"/>
+                </a:solidFill>
+                <a:effectLst/>
+                <a:latin typeface="Consolas" panose="020B0609020204030204" pitchFamily="49" charset="0"/>
+              </a:rPr>
+              <a:t/>
+            </a:r>
+            <a:br>
+              <a:rPr lang="en-US" b="0" dirty="0" smtClean="0">
+                <a:solidFill>
+                  <a:srgbClr val="000000"/>
+                </a:solidFill>
+                <a:effectLst/>
+                <a:latin typeface="Consolas" panose="020B0609020204030204" pitchFamily="49" charset="0"/>
+              </a:rPr>
+            </a:br>
+            <a:r>
+              <a:rPr lang="en-US" b="0" dirty="0" err="1" smtClean="0">
+                <a:solidFill>
+                  <a:srgbClr val="001080"/>
+                </a:solidFill>
+                <a:effectLst/>
+                <a:latin typeface="Consolas" panose="020B0609020204030204" pitchFamily="49" charset="0"/>
+              </a:rPr>
+              <a:t>plt</a:t>
+            </a:r>
+            <a:r>
+              <a:rPr lang="en-US" b="0" dirty="0" err="1" smtClean="0">
+                <a:solidFill>
+                  <a:srgbClr val="000000"/>
+                </a:solidFill>
+                <a:effectLst/>
+                <a:latin typeface="Consolas" panose="020B0609020204030204" pitchFamily="49" charset="0"/>
+              </a:rPr>
+              <a:t>.</a:t>
+            </a:r>
+            <a:r>
+              <a:rPr lang="en-US" b="0" dirty="0" err="1" smtClean="0">
+                <a:solidFill>
+                  <a:srgbClr val="001080"/>
+                </a:solidFill>
+                <a:effectLst/>
+                <a:latin typeface="Consolas" panose="020B0609020204030204" pitchFamily="49" charset="0"/>
+              </a:rPr>
+              <a:t>plot</a:t>
+            </a:r>
+            <a:r>
+              <a:rPr lang="en-US" b="0" dirty="0" smtClean="0">
+                <a:solidFill>
+                  <a:srgbClr val="000000"/>
+                </a:solidFill>
+                <a:effectLst/>
+                <a:latin typeface="Consolas" panose="020B0609020204030204" pitchFamily="49" charset="0"/>
+              </a:rPr>
+              <a:t>(</a:t>
+            </a:r>
+            <a:r>
+              <a:rPr lang="en-US" b="0" dirty="0" err="1" smtClean="0">
+                <a:solidFill>
+                  <a:srgbClr val="001080"/>
+                </a:solidFill>
+                <a:effectLst/>
+                <a:latin typeface="Consolas" panose="020B0609020204030204" pitchFamily="49" charset="0"/>
+              </a:rPr>
+              <a:t>xpoints</a:t>
+            </a:r>
+            <a:r>
+              <a:rPr lang="en-US" b="0" dirty="0" smtClean="0">
+                <a:solidFill>
+                  <a:srgbClr val="000000"/>
+                </a:solidFill>
+                <a:effectLst/>
+                <a:latin typeface="Consolas" panose="020B0609020204030204" pitchFamily="49" charset="0"/>
+              </a:rPr>
+              <a:t>, </a:t>
+            </a:r>
+            <a:r>
+              <a:rPr lang="en-US" b="0" dirty="0" err="1" smtClean="0">
+                <a:solidFill>
+                  <a:srgbClr val="001080"/>
+                </a:solidFill>
+                <a:effectLst/>
+                <a:latin typeface="Consolas" panose="020B0609020204030204" pitchFamily="49" charset="0"/>
+              </a:rPr>
+              <a:t>ypoints</a:t>
+            </a:r>
+            <a:r>
+              <a:rPr lang="en-US" b="0" dirty="0" smtClean="0">
+                <a:solidFill>
+                  <a:srgbClr val="000000"/>
+                </a:solidFill>
+                <a:effectLst/>
+                <a:latin typeface="Consolas" panose="020B0609020204030204" pitchFamily="49" charset="0"/>
+              </a:rPr>
+              <a:t>)</a:t>
+            </a:r>
+          </a:p>
+          <a:p>
+            <a:r>
+              <a:rPr lang="en-US" b="0" dirty="0" err="1" smtClean="0">
+                <a:solidFill>
+                  <a:srgbClr val="001080"/>
+                </a:solidFill>
+                <a:effectLst/>
+                <a:latin typeface="Consolas" panose="020B0609020204030204" pitchFamily="49" charset="0"/>
+              </a:rPr>
+              <a:t>plt</a:t>
+            </a:r>
+            <a:r>
+              <a:rPr lang="en-US" b="0" dirty="0" err="1" smtClean="0">
+                <a:solidFill>
+                  <a:srgbClr val="000000"/>
+                </a:solidFill>
+                <a:effectLst/>
+                <a:latin typeface="Consolas" panose="020B0609020204030204" pitchFamily="49" charset="0"/>
+              </a:rPr>
+              <a:t>.</a:t>
+            </a:r>
+            <a:r>
+              <a:rPr lang="en-US" b="0" dirty="0" err="1" smtClean="0">
+                <a:solidFill>
+                  <a:srgbClr val="001080"/>
+                </a:solidFill>
+                <a:effectLst/>
+                <a:latin typeface="Consolas" panose="020B0609020204030204" pitchFamily="49" charset="0"/>
+              </a:rPr>
+              <a:t>show</a:t>
+            </a:r>
+            <a:r>
+              <a:rPr lang="en-US" b="0" dirty="0" smtClean="0">
+                <a:solidFill>
+                  <a:srgbClr val="000000"/>
+                </a:solidFill>
+                <a:effectLst/>
+                <a:latin typeface="Consolas" panose="020B0609020204030204" pitchFamily="49" charset="0"/>
+              </a:rPr>
+              <a:t>()</a:t>
+            </a:r>
+            <a:endParaRPr lang="en-US" b="0" dirty="0">
+              <a:solidFill>
+                <a:srgbClr val="000000"/>
+              </a:solidFill>
+              <a:effectLst/>
+              <a:latin typeface="Consolas" panose="020B0609020204030204" pitchFamily="49" charset="0"/>
+            </a:endParaRPr>
+          </a:p>
+        </p:txBody>
+      </p:sp>
+    </p:spTree>
+    <p:extLst>
+      <p:ext uri="{BB962C8B-B14F-4D97-AF65-F5344CB8AC3E}">
+        <p14:creationId xmlns:p14="http://schemas.microsoft.com/office/powerpoint/2010/main" val="2901981085"/>
+      </p:ext>
+    </p:extLst>
+  </p:cSld>
+  <p:clrMapOvr>
+    <a:masterClrMapping/>
+  </p:clrMapOvr>
+</p:sld>
+</file>
+
+<file path=ppt/slides/slide16.xml><?xml version="1.0" encoding="utf-8"?>
+<p:sld xmlns:a="http://schemas.openxmlformats.org/drawingml/2006/main" xmlns:r="http://schemas.openxmlformats.org/officeDocument/2006/relationships" xmlns:p="http://schemas.openxmlformats.org/presentationml/2006/main">
+  <p:cSld>
+    <p:spTree>
+      <p:nvGrpSpPr>
+        <p:cNvPr id="1" name=""/>
+        <p:cNvGrpSpPr/>
+        <p:nvPr/>
+      </p:nvGrpSpPr>
+      <p:grpSpPr>
+        <a:xfrm>
+          <a:off x="0" y="0"/>
+          <a:ext cx="0" cy="0"/>
+          <a:chOff x="0" y="0"/>
+          <a:chExt cx="0" cy="0"/>
+        </a:xfrm>
+      </p:grpSpPr>
+      <p:sp>
+        <p:nvSpPr>
+          <p:cNvPr id="2" name="Title 1"/>
+          <p:cNvSpPr>
+            <a:spLocks noGrp="1"/>
+          </p:cNvSpPr>
+          <p:nvPr>
+            <p:ph type="title"/>
+          </p:nvPr>
+        </p:nvSpPr>
+        <p:spPr/>
+        <p:txBody>
+          <a:bodyPr/>
+          <a:lstStyle/>
+          <a:p>
+            <a:pPr algn="ctr"/>
+            <a:r>
+              <a:rPr lang="en-US" dirty="0" smtClean="0"/>
+              <a:t>Python script II</a:t>
+            </a:r>
+            <a:endParaRPr lang="en-US" dirty="0"/>
+          </a:p>
+        </p:txBody>
+      </p:sp>
+      <p:pic>
+        <p:nvPicPr>
+          <p:cNvPr id="3" name="Picture 2"/>
+          <p:cNvPicPr>
+            <a:picLocks noChangeAspect="1"/>
+          </p:cNvPicPr>
+          <p:nvPr/>
+        </p:nvPicPr>
+        <p:blipFill>
+          <a:blip r:embed="rId2"/>
+          <a:stretch>
+            <a:fillRect/>
+          </a:stretch>
+        </p:blipFill>
+        <p:spPr>
+          <a:xfrm>
+            <a:off x="838200" y="1988865"/>
+            <a:ext cx="7106642" cy="3896269"/>
+          </a:xfrm>
+          <a:prstGeom prst="rect">
+            <a:avLst/>
+          </a:prstGeom>
+        </p:spPr>
+      </p:pic>
+      <p:sp>
+        <p:nvSpPr>
+          <p:cNvPr id="4" name="Rectangle 3"/>
+          <p:cNvSpPr/>
+          <p:nvPr/>
+        </p:nvSpPr>
+        <p:spPr>
+          <a:xfrm>
+            <a:off x="7944842" y="3853809"/>
+            <a:ext cx="4318000" cy="2031325"/>
+          </a:xfrm>
+          <a:prstGeom prst="rect">
+            <a:avLst/>
+          </a:prstGeom>
+        </p:spPr>
+        <p:txBody>
+          <a:bodyPr wrap="square">
+            <a:spAutoFit/>
+          </a:bodyPr>
+          <a:lstStyle/>
+          <a:p>
+            <a:r>
+              <a:rPr lang="en-US" b="0" dirty="0" smtClean="0">
+                <a:solidFill>
+                  <a:srgbClr val="0000FF"/>
+                </a:solidFill>
+                <a:effectLst/>
+                <a:latin typeface="Consolas" panose="020B0609020204030204" pitchFamily="49" charset="0"/>
+              </a:rPr>
+              <a:t>import</a:t>
+            </a:r>
+            <a:r>
+              <a:rPr lang="en-US" b="0" dirty="0" smtClean="0">
+                <a:solidFill>
+                  <a:srgbClr val="000000"/>
+                </a:solidFill>
+                <a:effectLst/>
+                <a:latin typeface="Consolas" panose="020B0609020204030204" pitchFamily="49" charset="0"/>
+              </a:rPr>
+              <a:t> </a:t>
+            </a:r>
+            <a:r>
+              <a:rPr lang="en-US" b="0" dirty="0" err="1" smtClean="0">
+                <a:solidFill>
+                  <a:srgbClr val="001080"/>
+                </a:solidFill>
+                <a:effectLst/>
+                <a:latin typeface="Consolas" panose="020B0609020204030204" pitchFamily="49" charset="0"/>
+              </a:rPr>
+              <a:t>matplotlib</a:t>
+            </a:r>
+            <a:r>
+              <a:rPr lang="en-US" b="0" dirty="0" err="1" smtClean="0">
+                <a:solidFill>
+                  <a:srgbClr val="000000"/>
+                </a:solidFill>
+                <a:effectLst/>
+                <a:latin typeface="Consolas" panose="020B0609020204030204" pitchFamily="49" charset="0"/>
+              </a:rPr>
+              <a:t>.</a:t>
+            </a:r>
+            <a:r>
+              <a:rPr lang="en-US" b="0" dirty="0" err="1" smtClean="0">
+                <a:solidFill>
+                  <a:srgbClr val="001080"/>
+                </a:solidFill>
+                <a:effectLst/>
+                <a:latin typeface="Consolas" panose="020B0609020204030204" pitchFamily="49" charset="0"/>
+              </a:rPr>
+              <a:t>pyplot</a:t>
+            </a:r>
+            <a:r>
+              <a:rPr lang="en-US" b="0" dirty="0" smtClean="0">
+                <a:solidFill>
+                  <a:srgbClr val="000000"/>
+                </a:solidFill>
+                <a:effectLst/>
+                <a:latin typeface="Consolas" panose="020B0609020204030204" pitchFamily="49" charset="0"/>
+              </a:rPr>
+              <a:t> </a:t>
+            </a:r>
+            <a:r>
+              <a:rPr lang="en-US" b="0" dirty="0" smtClean="0">
+                <a:solidFill>
+                  <a:srgbClr val="0000FF"/>
+                </a:solidFill>
+                <a:effectLst/>
+                <a:latin typeface="Consolas" panose="020B0609020204030204" pitchFamily="49" charset="0"/>
+              </a:rPr>
+              <a:t>as</a:t>
+            </a:r>
+            <a:r>
+              <a:rPr lang="en-US" b="0" dirty="0" smtClean="0">
+                <a:solidFill>
+                  <a:srgbClr val="000000"/>
+                </a:solidFill>
+                <a:effectLst/>
+                <a:latin typeface="Consolas" panose="020B0609020204030204" pitchFamily="49" charset="0"/>
+              </a:rPr>
+              <a:t> </a:t>
+            </a:r>
+            <a:r>
+              <a:rPr lang="en-US" b="0" dirty="0" err="1" smtClean="0">
+                <a:solidFill>
+                  <a:srgbClr val="001080"/>
+                </a:solidFill>
+                <a:effectLst/>
+                <a:latin typeface="Consolas" panose="020B0609020204030204" pitchFamily="49" charset="0"/>
+              </a:rPr>
+              <a:t>plt</a:t>
+            </a:r>
+            <a:endParaRPr lang="en-US" b="0" dirty="0" smtClean="0">
+              <a:solidFill>
+                <a:srgbClr val="000000"/>
+              </a:solidFill>
+              <a:effectLst/>
+              <a:latin typeface="Consolas" panose="020B0609020204030204" pitchFamily="49" charset="0"/>
+            </a:endParaRPr>
+          </a:p>
+          <a:p>
+            <a:r>
+              <a:rPr lang="en-US" b="0" dirty="0" smtClean="0">
+                <a:solidFill>
+                  <a:srgbClr val="0000FF"/>
+                </a:solidFill>
+                <a:effectLst/>
+                <a:latin typeface="Consolas" panose="020B0609020204030204" pitchFamily="49" charset="0"/>
+              </a:rPr>
+              <a:t>import</a:t>
+            </a:r>
+            <a:r>
+              <a:rPr lang="en-US" b="0" dirty="0" smtClean="0">
+                <a:solidFill>
+                  <a:srgbClr val="000000"/>
+                </a:solidFill>
+                <a:effectLst/>
+                <a:latin typeface="Consolas" panose="020B0609020204030204" pitchFamily="49" charset="0"/>
+              </a:rPr>
+              <a:t> </a:t>
+            </a:r>
+            <a:r>
+              <a:rPr lang="en-US" b="0" dirty="0" err="1" smtClean="0">
+                <a:solidFill>
+                  <a:srgbClr val="001080"/>
+                </a:solidFill>
+                <a:effectLst/>
+                <a:latin typeface="Consolas" panose="020B0609020204030204" pitchFamily="49" charset="0"/>
+              </a:rPr>
+              <a:t>numpy</a:t>
+            </a:r>
+            <a:r>
+              <a:rPr lang="en-US" b="0" dirty="0" smtClean="0">
+                <a:solidFill>
+                  <a:srgbClr val="000000"/>
+                </a:solidFill>
+                <a:effectLst/>
+                <a:latin typeface="Consolas" panose="020B0609020204030204" pitchFamily="49" charset="0"/>
+              </a:rPr>
+              <a:t> </a:t>
+            </a:r>
+            <a:r>
+              <a:rPr lang="en-US" b="0" dirty="0" smtClean="0">
+                <a:solidFill>
+                  <a:srgbClr val="0000FF"/>
+                </a:solidFill>
+                <a:effectLst/>
+                <a:latin typeface="Consolas" panose="020B0609020204030204" pitchFamily="49" charset="0"/>
+              </a:rPr>
+              <a:t>as</a:t>
+            </a:r>
+            <a:r>
+              <a:rPr lang="en-US" b="0" dirty="0" smtClean="0">
+                <a:solidFill>
+                  <a:srgbClr val="000000"/>
+                </a:solidFill>
+                <a:effectLst/>
+                <a:latin typeface="Consolas" panose="020B0609020204030204" pitchFamily="49" charset="0"/>
+              </a:rPr>
+              <a:t> </a:t>
+            </a:r>
+            <a:r>
+              <a:rPr lang="en-US" b="0" dirty="0" smtClean="0">
+                <a:solidFill>
+                  <a:srgbClr val="001080"/>
+                </a:solidFill>
+                <a:effectLst/>
+                <a:latin typeface="Consolas" panose="020B0609020204030204" pitchFamily="49" charset="0"/>
+              </a:rPr>
+              <a:t>np</a:t>
+            </a:r>
+            <a:endParaRPr lang="en-US" b="0" dirty="0" smtClean="0">
+              <a:solidFill>
+                <a:srgbClr val="000000"/>
+              </a:solidFill>
+              <a:effectLst/>
+              <a:latin typeface="Consolas" panose="020B0609020204030204" pitchFamily="49" charset="0"/>
+            </a:endParaRPr>
+          </a:p>
+          <a:p>
+            <a:r>
+              <a:rPr lang="en-US" b="0" dirty="0" smtClean="0">
+                <a:solidFill>
+                  <a:srgbClr val="000000"/>
+                </a:solidFill>
+                <a:effectLst/>
+                <a:latin typeface="Consolas" panose="020B0609020204030204" pitchFamily="49" charset="0"/>
+              </a:rPr>
+              <a:t/>
+            </a:r>
+            <a:br>
+              <a:rPr lang="en-US" b="0" dirty="0" smtClean="0">
+                <a:solidFill>
+                  <a:srgbClr val="000000"/>
+                </a:solidFill>
+                <a:effectLst/>
+                <a:latin typeface="Consolas" panose="020B0609020204030204" pitchFamily="49" charset="0"/>
+              </a:rPr>
+            </a:br>
+            <a:r>
+              <a:rPr lang="en-US" b="0" dirty="0" smtClean="0">
+                <a:solidFill>
+                  <a:srgbClr val="001080"/>
+                </a:solidFill>
+                <a:effectLst/>
+                <a:latin typeface="Consolas" panose="020B0609020204030204" pitchFamily="49" charset="0"/>
+              </a:rPr>
+              <a:t>y</a:t>
+            </a:r>
+            <a:r>
+              <a:rPr lang="en-US" b="0" dirty="0" smtClean="0">
+                <a:solidFill>
+                  <a:srgbClr val="000000"/>
+                </a:solidFill>
+                <a:effectLst/>
+                <a:latin typeface="Consolas" panose="020B0609020204030204" pitchFamily="49" charset="0"/>
+              </a:rPr>
+              <a:t> = </a:t>
+            </a:r>
+            <a:r>
+              <a:rPr lang="en-US" b="0" dirty="0" err="1" smtClean="0">
+                <a:solidFill>
+                  <a:srgbClr val="001080"/>
+                </a:solidFill>
+                <a:effectLst/>
+                <a:latin typeface="Consolas" panose="020B0609020204030204" pitchFamily="49" charset="0"/>
+              </a:rPr>
+              <a:t>np</a:t>
+            </a:r>
+            <a:r>
+              <a:rPr lang="en-US" b="0" dirty="0" err="1" smtClean="0">
+                <a:solidFill>
+                  <a:srgbClr val="000000"/>
+                </a:solidFill>
+                <a:effectLst/>
+                <a:latin typeface="Consolas" panose="020B0609020204030204" pitchFamily="49" charset="0"/>
+              </a:rPr>
+              <a:t>.</a:t>
+            </a:r>
+            <a:r>
+              <a:rPr lang="en-US" b="0" dirty="0" err="1" smtClean="0">
+                <a:solidFill>
+                  <a:srgbClr val="001080"/>
+                </a:solidFill>
+                <a:effectLst/>
+                <a:latin typeface="Consolas" panose="020B0609020204030204" pitchFamily="49" charset="0"/>
+              </a:rPr>
+              <a:t>array</a:t>
+            </a:r>
+            <a:r>
+              <a:rPr lang="en-US" b="0" dirty="0" smtClean="0">
+                <a:solidFill>
+                  <a:srgbClr val="000000"/>
+                </a:solidFill>
+                <a:effectLst/>
+                <a:latin typeface="Consolas" panose="020B0609020204030204" pitchFamily="49" charset="0"/>
+              </a:rPr>
+              <a:t>([</a:t>
+            </a:r>
+            <a:r>
+              <a:rPr lang="en-US" b="0" dirty="0" smtClean="0">
+                <a:solidFill>
+                  <a:srgbClr val="09885A"/>
+                </a:solidFill>
+                <a:effectLst/>
+                <a:latin typeface="Consolas" panose="020B0609020204030204" pitchFamily="49" charset="0"/>
+              </a:rPr>
+              <a:t>35</a:t>
+            </a:r>
+            <a:r>
+              <a:rPr lang="en-US" b="0" dirty="0" smtClean="0">
+                <a:solidFill>
+                  <a:srgbClr val="000000"/>
+                </a:solidFill>
+                <a:effectLst/>
+                <a:latin typeface="Consolas" panose="020B0609020204030204" pitchFamily="49" charset="0"/>
+              </a:rPr>
+              <a:t>, </a:t>
+            </a:r>
+            <a:r>
+              <a:rPr lang="en-US" b="0" dirty="0" smtClean="0">
+                <a:solidFill>
+                  <a:srgbClr val="09885A"/>
+                </a:solidFill>
+                <a:effectLst/>
+                <a:latin typeface="Consolas" panose="020B0609020204030204" pitchFamily="49" charset="0"/>
+              </a:rPr>
+              <a:t>25</a:t>
+            </a:r>
+            <a:r>
+              <a:rPr lang="en-US" b="0" dirty="0" smtClean="0">
+                <a:solidFill>
+                  <a:srgbClr val="000000"/>
+                </a:solidFill>
+                <a:effectLst/>
+                <a:latin typeface="Consolas" panose="020B0609020204030204" pitchFamily="49" charset="0"/>
+              </a:rPr>
+              <a:t>, </a:t>
+            </a:r>
+            <a:r>
+              <a:rPr lang="en-US" b="0" dirty="0" smtClean="0">
+                <a:solidFill>
+                  <a:srgbClr val="09885A"/>
+                </a:solidFill>
+                <a:effectLst/>
+                <a:latin typeface="Consolas" panose="020B0609020204030204" pitchFamily="49" charset="0"/>
+              </a:rPr>
+              <a:t>25</a:t>
+            </a:r>
+            <a:r>
+              <a:rPr lang="en-US" b="0" dirty="0" smtClean="0">
+                <a:solidFill>
+                  <a:srgbClr val="000000"/>
+                </a:solidFill>
+                <a:effectLst/>
+                <a:latin typeface="Consolas" panose="020B0609020204030204" pitchFamily="49" charset="0"/>
+              </a:rPr>
+              <a:t>, </a:t>
+            </a:r>
+            <a:r>
+              <a:rPr lang="en-US" b="0" dirty="0" smtClean="0">
+                <a:solidFill>
+                  <a:srgbClr val="09885A"/>
+                </a:solidFill>
+                <a:effectLst/>
+                <a:latin typeface="Consolas" panose="020B0609020204030204" pitchFamily="49" charset="0"/>
+              </a:rPr>
+              <a:t>15</a:t>
+            </a:r>
+            <a:r>
+              <a:rPr lang="en-US" b="0" dirty="0" smtClean="0">
+                <a:solidFill>
+                  <a:srgbClr val="000000"/>
+                </a:solidFill>
+                <a:effectLst/>
+                <a:latin typeface="Consolas" panose="020B0609020204030204" pitchFamily="49" charset="0"/>
+              </a:rPr>
+              <a:t>])</a:t>
+            </a:r>
+          </a:p>
+          <a:p>
+            <a:r>
+              <a:rPr lang="en-US" b="0" dirty="0" smtClean="0">
+                <a:solidFill>
+                  <a:srgbClr val="000000"/>
+                </a:solidFill>
+                <a:effectLst/>
+                <a:latin typeface="Consolas" panose="020B0609020204030204" pitchFamily="49" charset="0"/>
+              </a:rPr>
+              <a:t/>
+            </a:r>
+            <a:br>
+              <a:rPr lang="en-US" b="0" dirty="0" smtClean="0">
+                <a:solidFill>
+                  <a:srgbClr val="000000"/>
+                </a:solidFill>
+                <a:effectLst/>
+                <a:latin typeface="Consolas" panose="020B0609020204030204" pitchFamily="49" charset="0"/>
+              </a:rPr>
+            </a:br>
+            <a:r>
+              <a:rPr lang="en-US" b="0" dirty="0" err="1" smtClean="0">
+                <a:solidFill>
+                  <a:srgbClr val="001080"/>
+                </a:solidFill>
+                <a:effectLst/>
+                <a:latin typeface="Consolas" panose="020B0609020204030204" pitchFamily="49" charset="0"/>
+              </a:rPr>
+              <a:t>plt</a:t>
+            </a:r>
+            <a:r>
+              <a:rPr lang="en-US" b="0" dirty="0" err="1" smtClean="0">
+                <a:solidFill>
+                  <a:srgbClr val="000000"/>
+                </a:solidFill>
+                <a:effectLst/>
+                <a:latin typeface="Consolas" panose="020B0609020204030204" pitchFamily="49" charset="0"/>
+              </a:rPr>
+              <a:t>.</a:t>
+            </a:r>
+            <a:r>
+              <a:rPr lang="en-US" b="0" dirty="0" err="1" smtClean="0">
+                <a:solidFill>
+                  <a:srgbClr val="001080"/>
+                </a:solidFill>
+                <a:effectLst/>
+                <a:latin typeface="Consolas" panose="020B0609020204030204" pitchFamily="49" charset="0"/>
+              </a:rPr>
+              <a:t>pie</a:t>
+            </a:r>
+            <a:r>
+              <a:rPr lang="en-US" b="0" dirty="0" smtClean="0">
+                <a:solidFill>
+                  <a:srgbClr val="000000"/>
+                </a:solidFill>
+                <a:effectLst/>
+                <a:latin typeface="Consolas" panose="020B0609020204030204" pitchFamily="49" charset="0"/>
+              </a:rPr>
+              <a:t>(</a:t>
+            </a:r>
+            <a:r>
+              <a:rPr lang="en-US" b="0" dirty="0" smtClean="0">
+                <a:solidFill>
+                  <a:srgbClr val="001080"/>
+                </a:solidFill>
+                <a:effectLst/>
+                <a:latin typeface="Consolas" panose="020B0609020204030204" pitchFamily="49" charset="0"/>
+              </a:rPr>
+              <a:t>y</a:t>
+            </a:r>
+            <a:r>
+              <a:rPr lang="en-US" b="0" dirty="0" smtClean="0">
+                <a:solidFill>
+                  <a:srgbClr val="000000"/>
+                </a:solidFill>
+                <a:effectLst/>
+                <a:latin typeface="Consolas" panose="020B0609020204030204" pitchFamily="49" charset="0"/>
+              </a:rPr>
+              <a:t>)</a:t>
+            </a:r>
+          </a:p>
+          <a:p>
+            <a:r>
+              <a:rPr lang="en-US" b="0" dirty="0" err="1" smtClean="0">
+                <a:solidFill>
+                  <a:srgbClr val="001080"/>
+                </a:solidFill>
+                <a:effectLst/>
+                <a:latin typeface="Consolas" panose="020B0609020204030204" pitchFamily="49" charset="0"/>
+              </a:rPr>
+              <a:t>plt</a:t>
+            </a:r>
+            <a:r>
+              <a:rPr lang="en-US" b="0" dirty="0" err="1" smtClean="0">
+                <a:solidFill>
+                  <a:srgbClr val="000000"/>
+                </a:solidFill>
+                <a:effectLst/>
+                <a:latin typeface="Consolas" panose="020B0609020204030204" pitchFamily="49" charset="0"/>
+              </a:rPr>
+              <a:t>.</a:t>
+            </a:r>
+            <a:r>
+              <a:rPr lang="en-US" b="0" dirty="0" err="1" smtClean="0">
+                <a:solidFill>
+                  <a:srgbClr val="001080"/>
+                </a:solidFill>
+                <a:effectLst/>
+                <a:latin typeface="Consolas" panose="020B0609020204030204" pitchFamily="49" charset="0"/>
+              </a:rPr>
+              <a:t>show</a:t>
+            </a:r>
+            <a:r>
+              <a:rPr lang="en-US" b="0" dirty="0" smtClean="0">
+                <a:solidFill>
+                  <a:srgbClr val="000000"/>
+                </a:solidFill>
+                <a:effectLst/>
+                <a:latin typeface="Consolas" panose="020B0609020204030204" pitchFamily="49" charset="0"/>
+              </a:rPr>
+              <a:t>() </a:t>
+            </a:r>
+            <a:endParaRPr lang="en-US" b="0" dirty="0">
+              <a:solidFill>
+                <a:srgbClr val="000000"/>
+              </a:solidFill>
+              <a:effectLst/>
+              <a:latin typeface="Consolas" panose="020B0609020204030204" pitchFamily="49" charset="0"/>
+            </a:endParaRPr>
+          </a:p>
+        </p:txBody>
+      </p:sp>
+    </p:spTree>
+    <p:extLst>
+      <p:ext uri="{BB962C8B-B14F-4D97-AF65-F5344CB8AC3E}">
+        <p14:creationId xmlns:p14="http://schemas.microsoft.com/office/powerpoint/2010/main" val="2891012784"/>
+      </p:ext>
+    </p:extLst>
+  </p:cSld>
+  <p:clrMapOvr>
+    <a:masterClrMapping/>
+  </p:clrMapOvr>
+</p:sld>
+</file>
+
+<file path=ppt/slides/slide17.xml><?xml version="1.0" encoding="utf-8"?>
 <p:sld xmlns:a="http://schemas.openxmlformats.org/drawingml/2006/main" xmlns:r="http://schemas.openxmlformats.org/officeDocument/2006/relationships" xmlns:p="http://schemas.openxmlformats.org/presentationml/2006/main">
   <p:cSld>
     <p:spTree>
@@ -3697,169 +5622,95 @@
           </a:effectLst>
         </p:spPr>
       </p:pic>
-    </p:spTree>
-    <p:extLst>
-      <p:ext uri="{BB962C8B-B14F-4D97-AF65-F5344CB8AC3E}">
-        <p14:creationId xmlns:p14="http://schemas.microsoft.com/office/powerpoint/2010/main" val="3008068798"/>
-      </p:ext>
-    </p:extLst>
-  </p:cSld>
-  <p:clrMapOvr>
-    <a:masterClrMapping/>
-  </p:clrMapOvr>
-</p:sld>
-</file>
-
-<file path=ppt/slides/slide16.xml><?xml version="1.0" encoding="utf-8"?>
-<p:sld xmlns:a="http://schemas.openxmlformats.org/drawingml/2006/main" xmlns:r="http://schemas.openxmlformats.org/officeDocument/2006/relationships" xmlns:p="http://schemas.openxmlformats.org/presentationml/2006/main">
-  <p:cSld>
-    <p:spTree>
-      <p:nvGrpSpPr>
-        <p:cNvPr id="1" name=""/>
-        <p:cNvGrpSpPr/>
-        <p:nvPr/>
-      </p:nvGrpSpPr>
-      <p:grpSpPr>
-        <a:xfrm>
-          <a:off x="0" y="0"/>
-          <a:ext cx="0" cy="0"/>
-          <a:chOff x="0" y="0"/>
-          <a:chExt cx="0" cy="0"/>
-        </a:xfrm>
-      </p:grpSpPr>
-      <p:sp>
-        <p:nvSpPr>
-          <p:cNvPr id="2" name="Title 1"/>
-          <p:cNvSpPr>
-            <a:spLocks noGrp="1"/>
-          </p:cNvSpPr>
-          <p:nvPr>
-            <p:ph type="title"/>
-          </p:nvPr>
-        </p:nvSpPr>
-        <p:spPr/>
-        <p:txBody>
-          <a:bodyPr/>
-          <a:lstStyle/>
-          <a:p>
-            <a:pPr algn="ctr"/>
-            <a:r>
-              <a:rPr lang="en-US" dirty="0" smtClean="0"/>
-              <a:t>Table tool: new column</a:t>
-            </a:r>
-            <a:endParaRPr lang="en-US" dirty="0"/>
-          </a:p>
-        </p:txBody>
-      </p:sp>
-      <p:pic>
-        <p:nvPicPr>
-          <p:cNvPr id="5" name="Picture 4"/>
-          <p:cNvPicPr>
-            <a:picLocks noChangeAspect="1"/>
-          </p:cNvPicPr>
+      <p:sp>
+        <p:nvSpPr>
+          <p:cNvPr id="5" name="Rectangle 4"/>
+          <p:cNvSpPr/>
           <p:nvPr/>
-        </p:nvPicPr>
-        <p:blipFill>
-          <a:blip r:embed="rId2"/>
-          <a:stretch>
-            <a:fillRect/>
-          </a:stretch>
-        </p:blipFill>
+        </p:nvSpPr>
         <p:spPr>
           <a:xfrm>
-            <a:off x="3028522" y="2089090"/>
-            <a:ext cx="6134956" cy="3743847"/>
+            <a:off x="645826" y="6488668"/>
+            <a:ext cx="5250155" cy="369332"/>
           </a:xfrm>
           <a:prstGeom prst="rect">
             <a:avLst/>
           </a:prstGeom>
         </p:spPr>
-      </p:pic>
+        <p:txBody>
+          <a:bodyPr wrap="none">
+            <a:spAutoFit/>
+          </a:bodyPr>
+          <a:lstStyle/>
+          <a:p>
+            <a:r>
+              <a:rPr lang="en-US" dirty="0" err="1">
+                <a:solidFill>
+                  <a:srgbClr val="000000"/>
+                </a:solidFill>
+                <a:latin typeface="Consolas" panose="020B0609020204030204" pitchFamily="49" charset="0"/>
+              </a:rPr>
+              <a:t>num_paper</a:t>
+            </a:r>
+            <a:r>
+              <a:rPr lang="en-US" dirty="0">
+                <a:solidFill>
+                  <a:srgbClr val="000000"/>
+                </a:solidFill>
+                <a:latin typeface="Consolas" panose="020B0609020204030204" pitchFamily="49" charset="0"/>
+              </a:rPr>
+              <a:t> = </a:t>
+            </a:r>
+            <a:r>
+              <a:rPr lang="en-US" dirty="0">
+                <a:solidFill>
+                  <a:srgbClr val="3165BB"/>
+                </a:solidFill>
+                <a:latin typeface="Consolas" panose="020B0609020204030204" pitchFamily="49" charset="0"/>
+              </a:rPr>
+              <a:t>COUNT</a:t>
+            </a:r>
+            <a:r>
+              <a:rPr lang="en-US" dirty="0">
+                <a:solidFill>
+                  <a:srgbClr val="000000"/>
+                </a:solidFill>
+                <a:latin typeface="Consolas" panose="020B0609020204030204" pitchFamily="49" charset="0"/>
+              </a:rPr>
+              <a:t>(</a:t>
+            </a:r>
+            <a:r>
+              <a:rPr lang="en-US" dirty="0">
+                <a:solidFill>
+                  <a:srgbClr val="001080"/>
+                </a:solidFill>
+                <a:latin typeface="Consolas" panose="020B0609020204030204" pitchFamily="49" charset="0"/>
+              </a:rPr>
+              <a:t>paper[Researcher ID]</a:t>
+            </a:r>
+            <a:r>
+              <a:rPr lang="en-US" dirty="0">
+                <a:solidFill>
+                  <a:srgbClr val="000000"/>
+                </a:solidFill>
+                <a:latin typeface="Consolas" panose="020B0609020204030204" pitchFamily="49" charset="0"/>
+              </a:rPr>
+              <a:t>) </a:t>
+            </a:r>
+            <a:endParaRPr lang="en-US" b="0" dirty="0">
+              <a:solidFill>
+                <a:srgbClr val="000000"/>
+              </a:solidFill>
+              <a:effectLst/>
+              <a:latin typeface="Consolas" panose="020B0609020204030204" pitchFamily="49" charset="0"/>
+            </a:endParaRPr>
+          </a:p>
+        </p:txBody>
+      </p:sp>
     </p:spTree>
     <p:extLst>
       <p:ext uri="{BB962C8B-B14F-4D97-AF65-F5344CB8AC3E}">
-        <p14:creationId xmlns:p14="http://schemas.microsoft.com/office/powerpoint/2010/main" val="586078296"/>
-      </p:ext>
-    </p:extLst>
-  </p:cSld>
-  <p:clrMapOvr>
-    <a:masterClrMapping/>
-  </p:clrMapOvr>
-</p:sld>
-</file>
-
-<file path=ppt/slides/slide17.xml><?xml version="1.0" encoding="utf-8"?>
-<p:sld xmlns:a="http://schemas.openxmlformats.org/drawingml/2006/main" xmlns:r="http://schemas.openxmlformats.org/officeDocument/2006/relationships" xmlns:p="http://schemas.openxmlformats.org/presentationml/2006/main">
-  <p:cSld>
-    <p:spTree>
-      <p:nvGrpSpPr>
-        <p:cNvPr id="1" name=""/>
-        <p:cNvGrpSpPr/>
-        <p:nvPr/>
-      </p:nvGrpSpPr>
-      <p:grpSpPr>
-        <a:xfrm>
-          <a:off x="0" y="0"/>
-          <a:ext cx="0" cy="0"/>
-          <a:chOff x="0" y="0"/>
-          <a:chExt cx="0" cy="0"/>
-        </a:xfrm>
-      </p:grpSpPr>
-      <p:sp>
-        <p:nvSpPr>
-          <p:cNvPr id="2" name="Title 1"/>
-          <p:cNvSpPr>
-            <a:spLocks noGrp="1"/>
-          </p:cNvSpPr>
-          <p:nvPr>
-            <p:ph type="title"/>
-          </p:nvPr>
-        </p:nvSpPr>
-        <p:spPr/>
-        <p:txBody>
-          <a:bodyPr/>
-          <a:lstStyle/>
-          <a:p>
-            <a:pPr algn="ctr"/>
-            <a:r>
-              <a:rPr lang="en-US" b="1" dirty="0" smtClean="0"/>
-              <a:t>Exercise 2</a:t>
-            </a:r>
-            <a:endParaRPr lang="en-US" b="1" dirty="0"/>
-          </a:p>
-        </p:txBody>
-      </p:sp>
-      <p:sp>
-        <p:nvSpPr>
-          <p:cNvPr id="3" name="Content Placeholder 2"/>
-          <p:cNvSpPr>
-            <a:spLocks noGrp="1"/>
-          </p:cNvSpPr>
-          <p:nvPr>
-            <p:ph idx="1"/>
-          </p:nvPr>
-        </p:nvSpPr>
-        <p:spPr/>
-        <p:txBody>
-          <a:bodyPr/>
-          <a:lstStyle/>
-          <a:p>
-            <a:pPr marL="514350" indent="-514350">
-              <a:buFont typeface="+mj-lt"/>
-              <a:buAutoNum type="arabicPeriod"/>
-            </a:pPr>
-            <a:r>
-              <a:rPr lang="en-US" dirty="0" smtClean="0"/>
-              <a:t>Create your own data and plot some graphs</a:t>
-            </a:r>
-            <a:endParaRPr lang="en-US" dirty="0"/>
-          </a:p>
-        </p:txBody>
-      </p:sp>
-    </p:spTree>
-    <p:extLst>
-      <p:ext uri="{BB962C8B-B14F-4D97-AF65-F5344CB8AC3E}">
-        <p14:creationId xmlns:p14="http://schemas.microsoft.com/office/powerpoint/2010/main" val="885873826"/>
+        <p14:creationId xmlns:p14="http://schemas.microsoft.com/office/powerpoint/2010/main" val="3008068798"/>
       </p:ext>
     </p:extLst>
   </p:cSld>
@@ -3904,7 +5755,7 @@
             <a:pPr algn="ctr"/>
             <a:r>
               <a:rPr lang="en-US" dirty="0" smtClean="0"/>
-              <a:t>Python script I</a:t>
+              <a:t>Table tool: new column</a:t>
             </a:r>
             <a:endParaRPr lang="en-US" dirty="0"/>
           </a:p>
@@ -3912,7 +5763,7 @@
       </p:sp>
       <p:pic>
         <p:nvPicPr>
-          <p:cNvPr id="3" name="Picture 2"/>
+          <p:cNvPr id="5" name="Picture 4"/>
           <p:cNvPicPr>
             <a:picLocks noChangeAspect="1"/>
           </p:cNvPicPr>
@@ -3926,8 +5777,8 @@
         </p:blipFill>
         <p:spPr>
           <a:xfrm>
-            <a:off x="838200" y="2190471"/>
-            <a:ext cx="7182852" cy="4001058"/>
+            <a:off x="3272362" y="1898590"/>
+            <a:ext cx="6134956" cy="3743847"/>
           </a:xfrm>
           <a:prstGeom prst="rect">
             <a:avLst/>
@@ -3936,667 +5787,123 @@
       </p:pic>
       <p:sp>
         <p:nvSpPr>
-          <p:cNvPr id="4" name="Rectangle 3"/>
+          <p:cNvPr id="6" name="Rectangle 5"/>
           <p:cNvSpPr/>
           <p:nvPr/>
         </p:nvSpPr>
         <p:spPr>
           <a:xfrm>
-            <a:off x="8021052" y="2594738"/>
-            <a:ext cx="4082048" cy="2929761"/>
+            <a:off x="4407094" y="5857007"/>
+            <a:ext cx="4490332" cy="369332"/>
           </a:xfrm>
           <a:prstGeom prst="rect">
             <a:avLst/>
           </a:prstGeom>
         </p:spPr>
         <p:txBody>
-          <a:bodyPr wrap="square">
+          <a:bodyPr wrap="none">
             <a:spAutoFit/>
           </a:bodyPr>
           <a:lstStyle/>
           <a:p>
             <a:r>
-              <a:rPr lang="en-US" b="0" dirty="0" smtClean="0">
-                <a:solidFill>
-                  <a:srgbClr val="0000FF"/>
-                </a:solidFill>
-                <a:effectLst/>
-                <a:latin typeface="Consolas" panose="020B0609020204030204" pitchFamily="49" charset="0"/>
-              </a:rPr>
-              <a:t>import</a:t>
-            </a:r>
-            <a:r>
-              <a:rPr lang="en-US" b="0" dirty="0" smtClean="0">
+              <a:rPr lang="en-US" dirty="0">
                 <a:solidFill>
                   <a:srgbClr val="000000"/>
                 </a:solidFill>
-                <a:effectLst/>
-                <a:latin typeface="Consolas" panose="020B0609020204030204" pitchFamily="49" charset="0"/>
-              </a:rPr>
-              <a:t> </a:t>
-            </a:r>
-            <a:r>
-              <a:rPr lang="en-US" b="0" dirty="0" err="1" smtClean="0">
+                <a:latin typeface="Consolas" panose="020B0609020204030204" pitchFamily="49" charset="0"/>
+              </a:rPr>
+              <a:t>Level = </a:t>
+            </a:r>
+            <a:r>
+              <a:rPr lang="en-US" dirty="0">
+                <a:solidFill>
+                  <a:srgbClr val="3165BB"/>
+                </a:solidFill>
+                <a:latin typeface="Consolas" panose="020B0609020204030204" pitchFamily="49" charset="0"/>
+              </a:rPr>
+              <a:t>IF</a:t>
+            </a:r>
+            <a:r>
+              <a:rPr lang="en-US" dirty="0">
+                <a:solidFill>
+                  <a:srgbClr val="000000"/>
+                </a:solidFill>
+                <a:latin typeface="Consolas" panose="020B0609020204030204" pitchFamily="49" charset="0"/>
+              </a:rPr>
+              <a:t>(</a:t>
+            </a:r>
+            <a:r>
+              <a:rPr lang="en-US" dirty="0">
                 <a:solidFill>
                   <a:srgbClr val="001080"/>
                 </a:solidFill>
-                <a:effectLst/>
-                <a:latin typeface="Consolas" panose="020B0609020204030204" pitchFamily="49" charset="0"/>
-              </a:rPr>
-              <a:t>matplotlib</a:t>
-            </a:r>
-            <a:r>
-              <a:rPr lang="en-US" b="0" dirty="0" err="1" smtClean="0">
+                <a:latin typeface="Consolas" panose="020B0609020204030204" pitchFamily="49" charset="0"/>
+              </a:rPr>
+              <a:t>[salary]</a:t>
+            </a:r>
+            <a:r>
+              <a:rPr lang="en-US" dirty="0">
                 <a:solidFill>
                   <a:srgbClr val="000000"/>
                 </a:solidFill>
-                <a:effectLst/>
-                <a:latin typeface="Consolas" panose="020B0609020204030204" pitchFamily="49" charset="0"/>
-              </a:rPr>
-              <a:t>.</a:t>
-            </a:r>
-            <a:r>
-              <a:rPr lang="en-US" b="0" dirty="0" err="1" smtClean="0">
-                <a:solidFill>
-                  <a:srgbClr val="001080"/>
-                </a:solidFill>
-                <a:effectLst/>
-                <a:latin typeface="Consolas" panose="020B0609020204030204" pitchFamily="49" charset="0"/>
-              </a:rPr>
-              <a:t>pyplot</a:t>
-            </a:r>
-            <a:r>
-              <a:rPr lang="en-US" b="0" dirty="0" smtClean="0">
+                <a:latin typeface="Consolas" panose="020B0609020204030204" pitchFamily="49" charset="0"/>
+              </a:rPr>
+              <a:t>&gt;</a:t>
+            </a:r>
+            <a:r>
+              <a:rPr lang="en-US" dirty="0">
+                <a:solidFill>
+                  <a:srgbClr val="09885A"/>
+                </a:solidFill>
+                <a:latin typeface="Consolas" panose="020B0609020204030204" pitchFamily="49" charset="0"/>
+              </a:rPr>
+              <a:t>50000</a:t>
+            </a:r>
+            <a:r>
+              <a:rPr lang="en-US" dirty="0">
                 <a:solidFill>
                   <a:srgbClr val="000000"/>
                 </a:solidFill>
-                <a:effectLst/>
-                <a:latin typeface="Consolas" panose="020B0609020204030204" pitchFamily="49" charset="0"/>
-              </a:rPr>
-              <a:t> </a:t>
-            </a:r>
-            <a:r>
-              <a:rPr lang="en-US" b="0" dirty="0" smtClean="0">
-                <a:solidFill>
-                  <a:srgbClr val="0000FF"/>
-                </a:solidFill>
-                <a:effectLst/>
-                <a:latin typeface="Consolas" panose="020B0609020204030204" pitchFamily="49" charset="0"/>
-              </a:rPr>
-              <a:t>as</a:t>
-            </a:r>
-            <a:r>
-              <a:rPr lang="en-US" b="0" dirty="0" smtClean="0">
+                <a:latin typeface="Consolas" panose="020B0609020204030204" pitchFamily="49" charset="0"/>
+              </a:rPr>
+              <a:t>,</a:t>
+            </a:r>
+            <a:r>
+              <a:rPr lang="en-US" dirty="0">
+                <a:solidFill>
+                  <a:srgbClr val="A31515"/>
+                </a:solidFill>
+                <a:latin typeface="Consolas" panose="020B0609020204030204" pitchFamily="49" charset="0"/>
+              </a:rPr>
+              <a:t>"H"</a:t>
+            </a:r>
+            <a:r>
+              <a:rPr lang="en-US" dirty="0">
                 <a:solidFill>
                   <a:srgbClr val="000000"/>
                 </a:solidFill>
-                <a:effectLst/>
-                <a:latin typeface="Consolas" panose="020B0609020204030204" pitchFamily="49" charset="0"/>
-              </a:rPr>
-              <a:t> </a:t>
-            </a:r>
-            <a:r>
-              <a:rPr lang="en-US" b="0" dirty="0" err="1" smtClean="0">
-                <a:solidFill>
-                  <a:srgbClr val="001080"/>
-                </a:solidFill>
-                <a:effectLst/>
-                <a:latin typeface="Consolas" panose="020B0609020204030204" pitchFamily="49" charset="0"/>
-              </a:rPr>
-              <a:t>plt</a:t>
-            </a:r>
-            <a:endParaRPr lang="en-US" b="0" dirty="0" smtClean="0">
-              <a:solidFill>
-                <a:srgbClr val="000000"/>
-              </a:solidFill>
-              <a:effectLst/>
-              <a:latin typeface="Consolas" panose="020B0609020204030204" pitchFamily="49" charset="0"/>
-            </a:endParaRPr>
-          </a:p>
-          <a:p>
-            <a:r>
-              <a:rPr lang="en-US" b="0" dirty="0" smtClean="0">
-                <a:solidFill>
-                  <a:srgbClr val="0000FF"/>
-                </a:solidFill>
-                <a:effectLst/>
-                <a:latin typeface="Consolas" panose="020B0609020204030204" pitchFamily="49" charset="0"/>
-              </a:rPr>
-              <a:t>import</a:t>
-            </a:r>
-            <a:r>
-              <a:rPr lang="en-US" b="0" dirty="0" smtClean="0">
+                <a:latin typeface="Consolas" panose="020B0609020204030204" pitchFamily="49" charset="0"/>
+              </a:rPr>
+              <a:t>,</a:t>
+            </a:r>
+            <a:r>
+              <a:rPr lang="en-US" dirty="0">
+                <a:solidFill>
+                  <a:srgbClr val="A31515"/>
+                </a:solidFill>
+                <a:latin typeface="Consolas" panose="020B0609020204030204" pitchFamily="49" charset="0"/>
+              </a:rPr>
+              <a:t>"L"</a:t>
+            </a:r>
+            <a:r>
+              <a:rPr lang="en-US" dirty="0">
                 <a:solidFill>
                   <a:srgbClr val="000000"/>
                 </a:solidFill>
-                <a:effectLst/>
-                <a:latin typeface="Consolas" panose="020B0609020204030204" pitchFamily="49" charset="0"/>
-              </a:rPr>
-              <a:t> </a:t>
-            </a:r>
-            <a:r>
-              <a:rPr lang="en-US" b="0" dirty="0" err="1" smtClean="0">
-                <a:solidFill>
-                  <a:srgbClr val="001080"/>
-                </a:solidFill>
-                <a:effectLst/>
-                <a:latin typeface="Consolas" panose="020B0609020204030204" pitchFamily="49" charset="0"/>
-              </a:rPr>
-              <a:t>numpy</a:t>
-            </a:r>
-            <a:r>
-              <a:rPr lang="en-US" b="0" dirty="0" smtClean="0">
-                <a:solidFill>
-                  <a:srgbClr val="000000"/>
-                </a:solidFill>
-                <a:effectLst/>
-                <a:latin typeface="Consolas" panose="020B0609020204030204" pitchFamily="49" charset="0"/>
-              </a:rPr>
-              <a:t> </a:t>
-            </a:r>
-            <a:r>
-              <a:rPr lang="en-US" b="0" dirty="0" smtClean="0">
-                <a:solidFill>
-                  <a:srgbClr val="0000FF"/>
-                </a:solidFill>
-                <a:effectLst/>
-                <a:latin typeface="Consolas" panose="020B0609020204030204" pitchFamily="49" charset="0"/>
-              </a:rPr>
-              <a:t>as</a:t>
-            </a:r>
-            <a:r>
-              <a:rPr lang="en-US" b="0" dirty="0" smtClean="0">
-                <a:solidFill>
-                  <a:srgbClr val="000000"/>
-                </a:solidFill>
-                <a:effectLst/>
-                <a:latin typeface="Consolas" panose="020B0609020204030204" pitchFamily="49" charset="0"/>
-              </a:rPr>
-              <a:t> </a:t>
-            </a:r>
-            <a:r>
-              <a:rPr lang="en-US" b="0" dirty="0" smtClean="0">
-                <a:solidFill>
-                  <a:srgbClr val="001080"/>
-                </a:solidFill>
-                <a:effectLst/>
-                <a:latin typeface="Consolas" panose="020B0609020204030204" pitchFamily="49" charset="0"/>
-              </a:rPr>
-              <a:t>np</a:t>
-            </a:r>
-            <a:endParaRPr lang="en-US" b="0" dirty="0" smtClean="0">
-              <a:solidFill>
-                <a:srgbClr val="000000"/>
-              </a:solidFill>
-              <a:effectLst/>
-              <a:latin typeface="Consolas" panose="020B0609020204030204" pitchFamily="49" charset="0"/>
-            </a:endParaRPr>
-          </a:p>
-          <a:p>
-            <a:r>
-              <a:rPr lang="en-US" b="0" dirty="0" smtClean="0">
-                <a:solidFill>
-                  <a:srgbClr val="000000"/>
-                </a:solidFill>
-                <a:effectLst/>
-                <a:latin typeface="Consolas" panose="020B0609020204030204" pitchFamily="49" charset="0"/>
-              </a:rPr>
-              <a:t/>
-            </a:r>
-            <a:br>
-              <a:rPr lang="en-US" b="0" dirty="0" smtClean="0">
-                <a:solidFill>
-                  <a:srgbClr val="000000"/>
-                </a:solidFill>
-                <a:effectLst/>
-                <a:latin typeface="Consolas" panose="020B0609020204030204" pitchFamily="49" charset="0"/>
-              </a:rPr>
-            </a:br>
-            <a:r>
-              <a:rPr lang="en-US" b="0" dirty="0" smtClean="0">
-                <a:solidFill>
-                  <a:srgbClr val="001080"/>
-                </a:solidFill>
-                <a:effectLst/>
-                <a:latin typeface="Consolas" panose="020B0609020204030204" pitchFamily="49" charset="0"/>
-              </a:rPr>
-              <a:t>x1</a:t>
-            </a:r>
-            <a:r>
-              <a:rPr lang="en-US" b="0" dirty="0" smtClean="0">
-                <a:solidFill>
-                  <a:srgbClr val="000000"/>
-                </a:solidFill>
-                <a:effectLst/>
-                <a:latin typeface="Consolas" panose="020B0609020204030204" pitchFamily="49" charset="0"/>
-              </a:rPr>
-              <a:t> = </a:t>
-            </a:r>
-            <a:r>
-              <a:rPr lang="en-US" b="0" dirty="0" smtClean="0">
-                <a:solidFill>
-                  <a:srgbClr val="001080"/>
-                </a:solidFill>
-                <a:effectLst/>
-                <a:latin typeface="Consolas" panose="020B0609020204030204" pitchFamily="49" charset="0"/>
-              </a:rPr>
-              <a:t>dataset</a:t>
-            </a:r>
-            <a:r>
-              <a:rPr lang="en-US" b="0" dirty="0" smtClean="0">
-                <a:solidFill>
-                  <a:srgbClr val="000000"/>
-                </a:solidFill>
-                <a:effectLst/>
-                <a:latin typeface="Consolas" panose="020B0609020204030204" pitchFamily="49" charset="0"/>
-              </a:rPr>
-              <a:t>[</a:t>
-            </a:r>
-            <a:r>
-              <a:rPr lang="en-US" b="0" dirty="0" smtClean="0">
-                <a:solidFill>
-                  <a:srgbClr val="A31515"/>
-                </a:solidFill>
-                <a:effectLst/>
-                <a:latin typeface="Consolas" panose="020B0609020204030204" pitchFamily="49" charset="0"/>
-              </a:rPr>
-              <a:t>"salary"</a:t>
-            </a:r>
-            <a:r>
-              <a:rPr lang="en-US" b="0" dirty="0" smtClean="0">
-                <a:solidFill>
-                  <a:srgbClr val="000000"/>
-                </a:solidFill>
-                <a:effectLst/>
-                <a:latin typeface="Consolas" panose="020B0609020204030204" pitchFamily="49" charset="0"/>
-              </a:rPr>
-              <a:t>][</a:t>
-            </a:r>
-            <a:r>
-              <a:rPr lang="en-US" b="0" dirty="0" smtClean="0">
-                <a:solidFill>
-                  <a:srgbClr val="09885A"/>
-                </a:solidFill>
-                <a:effectLst/>
-                <a:latin typeface="Consolas" panose="020B0609020204030204" pitchFamily="49" charset="0"/>
-              </a:rPr>
-              <a:t>0</a:t>
-            </a:r>
-            <a:r>
-              <a:rPr lang="en-US" b="0" dirty="0" smtClean="0">
-                <a:solidFill>
-                  <a:srgbClr val="000000"/>
-                </a:solidFill>
-                <a:effectLst/>
-                <a:latin typeface="Consolas" panose="020B0609020204030204" pitchFamily="49" charset="0"/>
-              </a:rPr>
-              <a:t>]</a:t>
-            </a:r>
-          </a:p>
-          <a:p>
-            <a:r>
-              <a:rPr lang="en-US" b="0" dirty="0" smtClean="0">
-                <a:solidFill>
-                  <a:srgbClr val="000000"/>
-                </a:solidFill>
-                <a:effectLst/>
-                <a:latin typeface="Consolas" panose="020B0609020204030204" pitchFamily="49" charset="0"/>
-              </a:rPr>
-              <a:t/>
-            </a:r>
-            <a:br>
-              <a:rPr lang="en-US" b="0" dirty="0" smtClean="0">
-                <a:solidFill>
-                  <a:srgbClr val="000000"/>
-                </a:solidFill>
-                <a:effectLst/>
-                <a:latin typeface="Consolas" panose="020B0609020204030204" pitchFamily="49" charset="0"/>
-              </a:rPr>
-            </a:br>
-            <a:r>
-              <a:rPr lang="en-US" b="0" dirty="0" err="1" smtClean="0">
-                <a:solidFill>
-                  <a:srgbClr val="001080"/>
-                </a:solidFill>
-                <a:effectLst/>
-                <a:latin typeface="Consolas" panose="020B0609020204030204" pitchFamily="49" charset="0"/>
-              </a:rPr>
-              <a:t>xpoints</a:t>
-            </a:r>
-            <a:r>
-              <a:rPr lang="en-US" b="0" dirty="0" smtClean="0">
-                <a:solidFill>
-                  <a:srgbClr val="000000"/>
-                </a:solidFill>
-                <a:effectLst/>
-                <a:latin typeface="Consolas" panose="020B0609020204030204" pitchFamily="49" charset="0"/>
-              </a:rPr>
-              <a:t> = </a:t>
-            </a:r>
-            <a:r>
-              <a:rPr lang="en-US" b="0" dirty="0" err="1" smtClean="0">
-                <a:solidFill>
-                  <a:srgbClr val="001080"/>
-                </a:solidFill>
-                <a:effectLst/>
-                <a:latin typeface="Consolas" panose="020B0609020204030204" pitchFamily="49" charset="0"/>
-              </a:rPr>
-              <a:t>np</a:t>
-            </a:r>
-            <a:r>
-              <a:rPr lang="en-US" b="0" dirty="0" err="1" smtClean="0">
-                <a:solidFill>
-                  <a:srgbClr val="000000"/>
-                </a:solidFill>
-                <a:effectLst/>
-                <a:latin typeface="Consolas" panose="020B0609020204030204" pitchFamily="49" charset="0"/>
-              </a:rPr>
-              <a:t>.</a:t>
-            </a:r>
-            <a:r>
-              <a:rPr lang="en-US" b="0" dirty="0" err="1" smtClean="0">
-                <a:solidFill>
-                  <a:srgbClr val="001080"/>
-                </a:solidFill>
-                <a:effectLst/>
-                <a:latin typeface="Consolas" panose="020B0609020204030204" pitchFamily="49" charset="0"/>
-              </a:rPr>
-              <a:t>array</a:t>
-            </a:r>
-            <a:r>
-              <a:rPr lang="en-US" b="0" dirty="0" smtClean="0">
-                <a:solidFill>
-                  <a:srgbClr val="000000"/>
-                </a:solidFill>
-                <a:effectLst/>
-                <a:latin typeface="Consolas" panose="020B0609020204030204" pitchFamily="49" charset="0"/>
-              </a:rPr>
-              <a:t>([</a:t>
-            </a:r>
-            <a:r>
-              <a:rPr lang="en-US" b="0" dirty="0" smtClean="0">
-                <a:solidFill>
-                  <a:srgbClr val="09885A"/>
-                </a:solidFill>
-                <a:effectLst/>
-                <a:latin typeface="Consolas" panose="020B0609020204030204" pitchFamily="49" charset="0"/>
-              </a:rPr>
-              <a:t>1</a:t>
-            </a:r>
-            <a:r>
-              <a:rPr lang="en-US" b="0" dirty="0" smtClean="0">
-                <a:solidFill>
-                  <a:srgbClr val="000000"/>
-                </a:solidFill>
-                <a:effectLst/>
-                <a:latin typeface="Consolas" panose="020B0609020204030204" pitchFamily="49" charset="0"/>
-              </a:rPr>
-              <a:t>, </a:t>
-            </a:r>
-            <a:r>
-              <a:rPr lang="en-US" b="0" dirty="0" smtClean="0">
-                <a:solidFill>
-                  <a:srgbClr val="09885A"/>
-                </a:solidFill>
-                <a:effectLst/>
-                <a:latin typeface="Consolas" panose="020B0609020204030204" pitchFamily="49" charset="0"/>
-              </a:rPr>
-              <a:t>8</a:t>
-            </a:r>
-            <a:r>
-              <a:rPr lang="en-US" b="0" dirty="0" smtClean="0">
-                <a:solidFill>
-                  <a:srgbClr val="000000"/>
-                </a:solidFill>
-                <a:effectLst/>
-                <a:latin typeface="Consolas" panose="020B0609020204030204" pitchFamily="49" charset="0"/>
-              </a:rPr>
-              <a:t>])</a:t>
-            </a:r>
-          </a:p>
-          <a:p>
-            <a:r>
-              <a:rPr lang="en-US" b="0" dirty="0" err="1" smtClean="0">
-                <a:solidFill>
-                  <a:srgbClr val="001080"/>
-                </a:solidFill>
-                <a:effectLst/>
-                <a:latin typeface="Consolas" panose="020B0609020204030204" pitchFamily="49" charset="0"/>
-              </a:rPr>
-              <a:t>ypoints</a:t>
-            </a:r>
-            <a:r>
-              <a:rPr lang="en-US" b="0" dirty="0" smtClean="0">
-                <a:solidFill>
-                  <a:srgbClr val="000000"/>
-                </a:solidFill>
-                <a:effectLst/>
-                <a:latin typeface="Consolas" panose="020B0609020204030204" pitchFamily="49" charset="0"/>
-              </a:rPr>
-              <a:t> = </a:t>
-            </a:r>
-            <a:r>
-              <a:rPr lang="en-US" b="0" dirty="0" err="1" smtClean="0">
-                <a:solidFill>
-                  <a:srgbClr val="001080"/>
-                </a:solidFill>
-                <a:effectLst/>
-                <a:latin typeface="Consolas" panose="020B0609020204030204" pitchFamily="49" charset="0"/>
-              </a:rPr>
-              <a:t>np</a:t>
-            </a:r>
-            <a:r>
-              <a:rPr lang="en-US" b="0" dirty="0" err="1" smtClean="0">
-                <a:solidFill>
-                  <a:srgbClr val="000000"/>
-                </a:solidFill>
-                <a:effectLst/>
-                <a:latin typeface="Consolas" panose="020B0609020204030204" pitchFamily="49" charset="0"/>
-              </a:rPr>
-              <a:t>.</a:t>
-            </a:r>
-            <a:r>
-              <a:rPr lang="en-US" b="0" dirty="0" err="1" smtClean="0">
-                <a:solidFill>
-                  <a:srgbClr val="001080"/>
-                </a:solidFill>
-                <a:effectLst/>
-                <a:latin typeface="Consolas" panose="020B0609020204030204" pitchFamily="49" charset="0"/>
-              </a:rPr>
-              <a:t>array</a:t>
-            </a:r>
-            <a:r>
-              <a:rPr lang="en-US" b="0" dirty="0" smtClean="0">
-                <a:solidFill>
-                  <a:srgbClr val="000000"/>
-                </a:solidFill>
-                <a:effectLst/>
-                <a:latin typeface="Consolas" panose="020B0609020204030204" pitchFamily="49" charset="0"/>
-              </a:rPr>
-              <a:t>([</a:t>
-            </a:r>
-            <a:r>
-              <a:rPr lang="en-US" b="0" dirty="0" smtClean="0">
-                <a:solidFill>
-                  <a:srgbClr val="001080"/>
-                </a:solidFill>
-                <a:effectLst/>
-                <a:latin typeface="Consolas" panose="020B0609020204030204" pitchFamily="49" charset="0"/>
-              </a:rPr>
-              <a:t>x1</a:t>
-            </a:r>
-            <a:r>
-              <a:rPr lang="en-US" b="0" dirty="0" smtClean="0">
-                <a:solidFill>
-                  <a:srgbClr val="000000"/>
-                </a:solidFill>
-                <a:effectLst/>
-                <a:latin typeface="Consolas" panose="020B0609020204030204" pitchFamily="49" charset="0"/>
-              </a:rPr>
-              <a:t>, </a:t>
-            </a:r>
-            <a:r>
-              <a:rPr lang="en-US" b="0" dirty="0" smtClean="0">
-                <a:solidFill>
-                  <a:srgbClr val="09885A"/>
-                </a:solidFill>
-                <a:effectLst/>
-                <a:latin typeface="Consolas" panose="020B0609020204030204" pitchFamily="49" charset="0"/>
-              </a:rPr>
-              <a:t>10</a:t>
-            </a:r>
-            <a:r>
-              <a:rPr lang="en-US" b="0" dirty="0" smtClean="0">
-                <a:solidFill>
-                  <a:srgbClr val="000000"/>
-                </a:solidFill>
-                <a:effectLst/>
-                <a:latin typeface="Consolas" panose="020B0609020204030204" pitchFamily="49" charset="0"/>
-              </a:rPr>
-              <a:t>])</a:t>
-            </a:r>
-          </a:p>
-          <a:p>
-            <a:r>
-              <a:rPr lang="en-US" b="0" dirty="0" smtClean="0">
-                <a:solidFill>
-                  <a:srgbClr val="000000"/>
-                </a:solidFill>
-                <a:effectLst/>
-                <a:latin typeface="Consolas" panose="020B0609020204030204" pitchFamily="49" charset="0"/>
-              </a:rPr>
-              <a:t/>
-            </a:r>
-            <a:br>
-              <a:rPr lang="en-US" b="0" dirty="0" smtClean="0">
-                <a:solidFill>
-                  <a:srgbClr val="000000"/>
-                </a:solidFill>
-                <a:effectLst/>
-                <a:latin typeface="Consolas" panose="020B0609020204030204" pitchFamily="49" charset="0"/>
-              </a:rPr>
-            </a:br>
-            <a:r>
-              <a:rPr lang="en-US" b="0" dirty="0" err="1" smtClean="0">
-                <a:solidFill>
-                  <a:srgbClr val="001080"/>
-                </a:solidFill>
-                <a:effectLst/>
-                <a:latin typeface="Consolas" panose="020B0609020204030204" pitchFamily="49" charset="0"/>
-              </a:rPr>
-              <a:t>plt</a:t>
-            </a:r>
-            <a:r>
-              <a:rPr lang="en-US" b="0" dirty="0" err="1" smtClean="0">
-                <a:solidFill>
-                  <a:srgbClr val="000000"/>
-                </a:solidFill>
-                <a:effectLst/>
-                <a:latin typeface="Consolas" panose="020B0609020204030204" pitchFamily="49" charset="0"/>
-              </a:rPr>
-              <a:t>.</a:t>
-            </a:r>
-            <a:r>
-              <a:rPr lang="en-US" b="0" dirty="0" err="1" smtClean="0">
-                <a:solidFill>
-                  <a:srgbClr val="001080"/>
-                </a:solidFill>
-                <a:effectLst/>
-                <a:latin typeface="Consolas" panose="020B0609020204030204" pitchFamily="49" charset="0"/>
-              </a:rPr>
-              <a:t>plot</a:t>
-            </a:r>
-            <a:r>
-              <a:rPr lang="en-US" b="0" dirty="0" smtClean="0">
-                <a:solidFill>
-                  <a:srgbClr val="000000"/>
-                </a:solidFill>
-                <a:effectLst/>
-                <a:latin typeface="Consolas" panose="020B0609020204030204" pitchFamily="49" charset="0"/>
-              </a:rPr>
-              <a:t>(</a:t>
-            </a:r>
-            <a:r>
-              <a:rPr lang="en-US" b="0" dirty="0" err="1" smtClean="0">
-                <a:solidFill>
-                  <a:srgbClr val="001080"/>
-                </a:solidFill>
-                <a:effectLst/>
-                <a:latin typeface="Consolas" panose="020B0609020204030204" pitchFamily="49" charset="0"/>
-              </a:rPr>
-              <a:t>xpoints</a:t>
-            </a:r>
-            <a:r>
-              <a:rPr lang="en-US" b="0" dirty="0" smtClean="0">
-                <a:solidFill>
-                  <a:srgbClr val="000000"/>
-                </a:solidFill>
-                <a:effectLst/>
-                <a:latin typeface="Consolas" panose="020B0609020204030204" pitchFamily="49" charset="0"/>
-              </a:rPr>
-              <a:t>, </a:t>
-            </a:r>
-            <a:r>
-              <a:rPr lang="en-US" b="0" dirty="0" err="1" smtClean="0">
-                <a:solidFill>
-                  <a:srgbClr val="001080"/>
-                </a:solidFill>
-                <a:effectLst/>
-                <a:latin typeface="Consolas" panose="020B0609020204030204" pitchFamily="49" charset="0"/>
-              </a:rPr>
-              <a:t>ypoints</a:t>
-            </a:r>
-            <a:r>
-              <a:rPr lang="en-US" b="0" dirty="0" smtClean="0">
-                <a:solidFill>
-                  <a:srgbClr val="000000"/>
-                </a:solidFill>
-                <a:effectLst/>
                 <a:latin typeface="Consolas" panose="020B0609020204030204" pitchFamily="49" charset="0"/>
               </a:rPr>
               <a:t>)</a:t>
-            </a:r>
-          </a:p>
-          <a:p>
-            <a:r>
-              <a:rPr lang="en-US" b="0" dirty="0" err="1" smtClean="0">
-                <a:solidFill>
-                  <a:srgbClr val="001080"/>
-                </a:solidFill>
-                <a:effectLst/>
-                <a:latin typeface="Consolas" panose="020B0609020204030204" pitchFamily="49" charset="0"/>
-              </a:rPr>
-              <a:t>plt</a:t>
-            </a:r>
-            <a:r>
-              <a:rPr lang="en-US" b="0" dirty="0" err="1" smtClean="0">
-                <a:solidFill>
-                  <a:srgbClr val="000000"/>
-                </a:solidFill>
-                <a:effectLst/>
-                <a:latin typeface="Consolas" panose="020B0609020204030204" pitchFamily="49" charset="0"/>
-              </a:rPr>
-              <a:t>.</a:t>
-            </a:r>
-            <a:r>
-              <a:rPr lang="en-US" b="0" dirty="0" err="1" smtClean="0">
-                <a:solidFill>
-                  <a:srgbClr val="001080"/>
-                </a:solidFill>
-                <a:effectLst/>
-                <a:latin typeface="Consolas" panose="020B0609020204030204" pitchFamily="49" charset="0"/>
-              </a:rPr>
-              <a:t>show</a:t>
-            </a:r>
-            <a:r>
-              <a:rPr lang="en-US" b="0" dirty="0" smtClean="0">
-                <a:solidFill>
-                  <a:srgbClr val="000000"/>
-                </a:solidFill>
-                <a:effectLst/>
-                <a:latin typeface="Consolas" panose="020B0609020204030204" pitchFamily="49" charset="0"/>
-              </a:rPr>
-              <a:t>()</a:t>
             </a:r>
             <a:endParaRPr lang="en-US" b="0" dirty="0">
               <a:solidFill>
@@ -4611,7 +5918,7 @@
     </p:spTree>
     <p:extLst>
       <p:ext uri="{BB962C8B-B14F-4D97-AF65-F5344CB8AC3E}">
-        <p14:creationId xmlns:p14="http://schemas.microsoft.com/office/powerpoint/2010/main" val="2901981085"/>
+        <p14:creationId xmlns:p14="http://schemas.microsoft.com/office/powerpoint/2010/main" val="586078296"/>
       </p:ext>
     </p:extLst>
   </p:cSld>
@@ -4655,532 +5962,83 @@
           <a:p>
             <a:pPr algn="ctr"/>
             <a:r>
+              <a:rPr lang="en-US" b="1" dirty="0" smtClean="0"/>
+              <a:t>Exercise 2</a:t>
+            </a:r>
+            <a:endParaRPr lang="en-US" b="1" dirty="0"/>
+          </a:p>
+        </p:txBody>
+      </p:sp>
+      <p:sp>
+        <p:nvSpPr>
+          <p:cNvPr id="3" name="Content Placeholder 2"/>
+          <p:cNvSpPr>
+            <a:spLocks noGrp="1"/>
+          </p:cNvSpPr>
+          <p:nvPr>
+            <p:ph idx="1"/>
+          </p:nvPr>
+        </p:nvSpPr>
+        <p:spPr/>
+        <p:txBody>
+          <a:bodyPr/>
+          <a:lstStyle/>
+          <a:p>
+            <a:pPr marL="514350" indent="-514350">
+              <a:buFont typeface="+mj-lt"/>
+              <a:buAutoNum type="arabicPeriod"/>
+            </a:pPr>
+            <a:r>
               <a:rPr lang="en-US" dirty="0" smtClean="0"/>
-              <a:t>Python script II</a:t>
+              <a:t>Create your own data and plot some graphs</a:t>
             </a:r>
             <a:endParaRPr lang="en-US" dirty="0"/>
           </a:p>
         </p:txBody>
       </p:sp>
-      <p:pic>
-        <p:nvPicPr>
-          <p:cNvPr id="3" name="Picture 2"/>
-          <p:cNvPicPr>
-            <a:picLocks noChangeAspect="1"/>
-          </p:cNvPicPr>
-          <p:nvPr/>
-        </p:nvPicPr>
-        <p:blipFill>
-          <a:blip r:embed="rId2"/>
-          <a:stretch>
-            <a:fillRect/>
-          </a:stretch>
-        </p:blipFill>
-        <p:spPr>
-          <a:xfrm>
-            <a:off x="838200" y="1988865"/>
-            <a:ext cx="7106642" cy="3896269"/>
-          </a:xfrm>
-          <a:prstGeom prst="rect">
-            <a:avLst/>
-          </a:prstGeom>
-        </p:spPr>
-      </p:pic>
-      <p:sp>
-        <p:nvSpPr>
-          <p:cNvPr id="4" name="Rectangle 3"/>
-          <p:cNvSpPr/>
-          <p:nvPr/>
-        </p:nvSpPr>
-        <p:spPr>
-          <a:xfrm>
-            <a:off x="7944842" y="3853809"/>
-            <a:ext cx="4318000" cy="2031325"/>
-          </a:xfrm>
-          <a:prstGeom prst="rect">
-            <a:avLst/>
-          </a:prstGeom>
-        </p:spPr>
-        <p:txBody>
-          <a:bodyPr wrap="square">
-            <a:spAutoFit/>
-          </a:bodyPr>
-          <a:lstStyle/>
-          <a:p>
-            <a:r>
-              <a:rPr lang="en-US" b="0" dirty="0" smtClean="0">
-                <a:solidFill>
-                  <a:srgbClr val="0000FF"/>
-                </a:solidFill>
-                <a:effectLst/>
-                <a:latin typeface="Consolas" panose="020B0609020204030204" pitchFamily="49" charset="0"/>
-              </a:rPr>
-              <a:t>import</a:t>
-            </a:r>
-            <a:r>
-              <a:rPr lang="en-US" b="0" dirty="0" smtClean="0">
-                <a:solidFill>
-                  <a:srgbClr val="000000"/>
-                </a:solidFill>
-                <a:effectLst/>
-                <a:latin typeface="Consolas" panose="020B0609020204030204" pitchFamily="49" charset="0"/>
-              </a:rPr>
-              <a:t> </a:t>
-            </a:r>
-            <a:r>
-              <a:rPr lang="en-US" b="0" dirty="0" err="1" smtClean="0">
-                <a:solidFill>
-                  <a:srgbClr val="001080"/>
-                </a:solidFill>
-                <a:effectLst/>
-                <a:latin typeface="Consolas" panose="020B0609020204030204" pitchFamily="49" charset="0"/>
-              </a:rPr>
-              <a:t>matplotlib</a:t>
-            </a:r>
-            <a:r>
-              <a:rPr lang="en-US" b="0" dirty="0" err="1" smtClean="0">
-                <a:solidFill>
-                  <a:srgbClr val="000000"/>
-                </a:solidFill>
-                <a:effectLst/>
-                <a:latin typeface="Consolas" panose="020B0609020204030204" pitchFamily="49" charset="0"/>
-              </a:rPr>
-              <a:t>.</a:t>
-            </a:r>
-            <a:r>
-              <a:rPr lang="en-US" b="0" dirty="0" err="1" smtClean="0">
-                <a:solidFill>
-                  <a:srgbClr val="001080"/>
-                </a:solidFill>
-                <a:effectLst/>
-                <a:latin typeface="Consolas" panose="020B0609020204030204" pitchFamily="49" charset="0"/>
-              </a:rPr>
-              <a:t>pyplot</a:t>
-            </a:r>
-            <a:r>
-              <a:rPr lang="en-US" b="0" dirty="0" smtClean="0">
-                <a:solidFill>
-                  <a:srgbClr val="000000"/>
-                </a:solidFill>
-                <a:effectLst/>
-                <a:latin typeface="Consolas" panose="020B0609020204030204" pitchFamily="49" charset="0"/>
-              </a:rPr>
-              <a:t> </a:t>
-            </a:r>
-            <a:r>
-              <a:rPr lang="en-US" b="0" dirty="0" smtClean="0">
-                <a:solidFill>
-                  <a:srgbClr val="0000FF"/>
-                </a:solidFill>
-                <a:effectLst/>
-                <a:latin typeface="Consolas" panose="020B0609020204030204" pitchFamily="49" charset="0"/>
-              </a:rPr>
-              <a:t>as</a:t>
-            </a:r>
-            <a:r>
-              <a:rPr lang="en-US" b="0" dirty="0" smtClean="0">
-                <a:solidFill>
-                  <a:srgbClr val="000000"/>
-                </a:solidFill>
-                <a:effectLst/>
-                <a:latin typeface="Consolas" panose="020B0609020204030204" pitchFamily="49" charset="0"/>
-              </a:rPr>
-              <a:t> </a:t>
-            </a:r>
-            <a:r>
-              <a:rPr lang="en-US" b="0" dirty="0" err="1" smtClean="0">
-                <a:solidFill>
-                  <a:srgbClr val="001080"/>
-                </a:solidFill>
-                <a:effectLst/>
-                <a:latin typeface="Consolas" panose="020B0609020204030204" pitchFamily="49" charset="0"/>
-              </a:rPr>
-              <a:t>plt</a:t>
-            </a:r>
-            <a:endParaRPr lang="en-US" b="0" dirty="0" smtClean="0">
-              <a:solidFill>
-                <a:srgbClr val="000000"/>
-              </a:solidFill>
-              <a:effectLst/>
-              <a:latin typeface="Consolas" panose="020B0609020204030204" pitchFamily="49" charset="0"/>
-            </a:endParaRPr>
-          </a:p>
-          <a:p>
-            <a:r>
-              <a:rPr lang="en-US" b="0" dirty="0" smtClean="0">
-                <a:solidFill>
-                  <a:srgbClr val="0000FF"/>
-                </a:solidFill>
-                <a:effectLst/>
-                <a:latin typeface="Consolas" panose="020B0609020204030204" pitchFamily="49" charset="0"/>
-              </a:rPr>
-              <a:t>import</a:t>
-            </a:r>
-            <a:r>
-              <a:rPr lang="en-US" b="0" dirty="0" smtClean="0">
-                <a:solidFill>
-                  <a:srgbClr val="000000"/>
-                </a:solidFill>
-                <a:effectLst/>
-                <a:latin typeface="Consolas" panose="020B0609020204030204" pitchFamily="49" charset="0"/>
-              </a:rPr>
-              <a:t> </a:t>
-            </a:r>
-            <a:r>
-              <a:rPr lang="en-US" b="0" dirty="0" err="1" smtClean="0">
-                <a:solidFill>
-                  <a:srgbClr val="001080"/>
-                </a:solidFill>
-                <a:effectLst/>
-                <a:latin typeface="Consolas" panose="020B0609020204030204" pitchFamily="49" charset="0"/>
-              </a:rPr>
-              <a:t>numpy</a:t>
-            </a:r>
-            <a:r>
-              <a:rPr lang="en-US" b="0" dirty="0" smtClean="0">
-                <a:solidFill>
-                  <a:srgbClr val="000000"/>
-                </a:solidFill>
-                <a:effectLst/>
-                <a:latin typeface="Consolas" panose="020B0609020204030204" pitchFamily="49" charset="0"/>
-              </a:rPr>
-              <a:t> </a:t>
-            </a:r>
-            <a:r>
-              <a:rPr lang="en-US" b="0" dirty="0" smtClean="0">
-                <a:solidFill>
-                  <a:srgbClr val="0000FF"/>
-                </a:solidFill>
-                <a:effectLst/>
-                <a:latin typeface="Consolas" panose="020B0609020204030204" pitchFamily="49" charset="0"/>
-              </a:rPr>
-              <a:t>as</a:t>
-            </a:r>
-            <a:r>
-              <a:rPr lang="en-US" b="0" dirty="0" smtClean="0">
-                <a:solidFill>
-                  <a:srgbClr val="000000"/>
-                </a:solidFill>
-                <a:effectLst/>
-                <a:latin typeface="Consolas" panose="020B0609020204030204" pitchFamily="49" charset="0"/>
-              </a:rPr>
-              <a:t> </a:t>
-            </a:r>
-            <a:r>
-              <a:rPr lang="en-US" b="0" dirty="0" smtClean="0">
-                <a:solidFill>
-                  <a:srgbClr val="001080"/>
-                </a:solidFill>
-                <a:effectLst/>
-                <a:latin typeface="Consolas" panose="020B0609020204030204" pitchFamily="49" charset="0"/>
-              </a:rPr>
-              <a:t>np</a:t>
-            </a:r>
-            <a:endParaRPr lang="en-US" b="0" dirty="0" smtClean="0">
-              <a:solidFill>
-                <a:srgbClr val="000000"/>
-              </a:solidFill>
-              <a:effectLst/>
-              <a:latin typeface="Consolas" panose="020B0609020204030204" pitchFamily="49" charset="0"/>
-            </a:endParaRPr>
-          </a:p>
-          <a:p>
-            <a:r>
-              <a:rPr lang="en-US" b="0" dirty="0" smtClean="0">
-                <a:solidFill>
-                  <a:srgbClr val="000000"/>
-                </a:solidFill>
-                <a:effectLst/>
-                <a:latin typeface="Consolas" panose="020B0609020204030204" pitchFamily="49" charset="0"/>
-              </a:rPr>
-              <a:t/>
-            </a:r>
-            <a:br>
-              <a:rPr lang="en-US" b="0" dirty="0" smtClean="0">
-                <a:solidFill>
-                  <a:srgbClr val="000000"/>
-                </a:solidFill>
-                <a:effectLst/>
-                <a:latin typeface="Consolas" panose="020B0609020204030204" pitchFamily="49" charset="0"/>
-              </a:rPr>
-            </a:br>
-            <a:r>
-              <a:rPr lang="en-US" b="0" dirty="0" smtClean="0">
-                <a:solidFill>
-                  <a:srgbClr val="001080"/>
-                </a:solidFill>
-                <a:effectLst/>
-                <a:latin typeface="Consolas" panose="020B0609020204030204" pitchFamily="49" charset="0"/>
-              </a:rPr>
-              <a:t>y</a:t>
-            </a:r>
-            <a:r>
-              <a:rPr lang="en-US" b="0" dirty="0" smtClean="0">
-                <a:solidFill>
-                  <a:srgbClr val="000000"/>
-                </a:solidFill>
-                <a:effectLst/>
-                <a:latin typeface="Consolas" panose="020B0609020204030204" pitchFamily="49" charset="0"/>
-              </a:rPr>
-              <a:t> = </a:t>
-            </a:r>
-            <a:r>
-              <a:rPr lang="en-US" b="0" dirty="0" err="1" smtClean="0">
-                <a:solidFill>
-                  <a:srgbClr val="001080"/>
-                </a:solidFill>
-                <a:effectLst/>
-                <a:latin typeface="Consolas" panose="020B0609020204030204" pitchFamily="49" charset="0"/>
-              </a:rPr>
-              <a:t>np</a:t>
-            </a:r>
-            <a:r>
-              <a:rPr lang="en-US" b="0" dirty="0" err="1" smtClean="0">
-                <a:solidFill>
-                  <a:srgbClr val="000000"/>
-                </a:solidFill>
-                <a:effectLst/>
-                <a:latin typeface="Consolas" panose="020B0609020204030204" pitchFamily="49" charset="0"/>
-              </a:rPr>
-              <a:t>.</a:t>
-            </a:r>
-            <a:r>
-              <a:rPr lang="en-US" b="0" dirty="0" err="1" smtClean="0">
-                <a:solidFill>
-                  <a:srgbClr val="001080"/>
-                </a:solidFill>
-                <a:effectLst/>
-                <a:latin typeface="Consolas" panose="020B0609020204030204" pitchFamily="49" charset="0"/>
-              </a:rPr>
-              <a:t>array</a:t>
-            </a:r>
-            <a:r>
-              <a:rPr lang="en-US" b="0" dirty="0" smtClean="0">
-                <a:solidFill>
-                  <a:srgbClr val="000000"/>
-                </a:solidFill>
-                <a:effectLst/>
-                <a:latin typeface="Consolas" panose="020B0609020204030204" pitchFamily="49" charset="0"/>
-              </a:rPr>
-              <a:t>([</a:t>
-            </a:r>
-            <a:r>
-              <a:rPr lang="en-US" b="0" dirty="0" smtClean="0">
-                <a:solidFill>
-                  <a:srgbClr val="09885A"/>
-                </a:solidFill>
-                <a:effectLst/>
-                <a:latin typeface="Consolas" panose="020B0609020204030204" pitchFamily="49" charset="0"/>
-              </a:rPr>
-              <a:t>35</a:t>
-            </a:r>
-            <a:r>
-              <a:rPr lang="en-US" b="0" dirty="0" smtClean="0">
-                <a:solidFill>
-                  <a:srgbClr val="000000"/>
-                </a:solidFill>
-                <a:effectLst/>
-                <a:latin typeface="Consolas" panose="020B0609020204030204" pitchFamily="49" charset="0"/>
-              </a:rPr>
-              <a:t>, </a:t>
-            </a:r>
-            <a:r>
-              <a:rPr lang="en-US" b="0" dirty="0" smtClean="0">
-                <a:solidFill>
-                  <a:srgbClr val="09885A"/>
-                </a:solidFill>
-                <a:effectLst/>
-                <a:latin typeface="Consolas" panose="020B0609020204030204" pitchFamily="49" charset="0"/>
-              </a:rPr>
-              <a:t>25</a:t>
-            </a:r>
-            <a:r>
-              <a:rPr lang="en-US" b="0" dirty="0" smtClean="0">
-                <a:solidFill>
-                  <a:srgbClr val="000000"/>
-                </a:solidFill>
-                <a:effectLst/>
-                <a:latin typeface="Consolas" panose="020B0609020204030204" pitchFamily="49" charset="0"/>
-              </a:rPr>
-              <a:t>, </a:t>
-            </a:r>
-            <a:r>
-              <a:rPr lang="en-US" b="0" dirty="0" smtClean="0">
-                <a:solidFill>
-                  <a:srgbClr val="09885A"/>
-                </a:solidFill>
-                <a:effectLst/>
-                <a:latin typeface="Consolas" panose="020B0609020204030204" pitchFamily="49" charset="0"/>
-              </a:rPr>
-              <a:t>25</a:t>
-            </a:r>
-            <a:r>
-              <a:rPr lang="en-US" b="0" dirty="0" smtClean="0">
-                <a:solidFill>
-                  <a:srgbClr val="000000"/>
-                </a:solidFill>
-                <a:effectLst/>
-                <a:latin typeface="Consolas" panose="020B0609020204030204" pitchFamily="49" charset="0"/>
-              </a:rPr>
-              <a:t>, </a:t>
-            </a:r>
-            <a:r>
-              <a:rPr lang="en-US" b="0" dirty="0" smtClean="0">
-                <a:solidFill>
-                  <a:srgbClr val="09885A"/>
-                </a:solidFill>
-                <a:effectLst/>
-                <a:latin typeface="Consolas" panose="020B0609020204030204" pitchFamily="49" charset="0"/>
-              </a:rPr>
-              <a:t>15</a:t>
-            </a:r>
-            <a:r>
-              <a:rPr lang="en-US" b="0" dirty="0" smtClean="0">
-                <a:solidFill>
-                  <a:srgbClr val="000000"/>
-                </a:solidFill>
-                <a:effectLst/>
-                <a:latin typeface="Consolas" panose="020B0609020204030204" pitchFamily="49" charset="0"/>
-              </a:rPr>
-              <a:t>])</a:t>
-            </a:r>
-          </a:p>
-          <a:p>
-            <a:r>
-              <a:rPr lang="en-US" b="0" dirty="0" smtClean="0">
-                <a:solidFill>
-                  <a:srgbClr val="000000"/>
-                </a:solidFill>
-                <a:effectLst/>
-                <a:latin typeface="Consolas" panose="020B0609020204030204" pitchFamily="49" charset="0"/>
-              </a:rPr>
-              <a:t/>
-            </a:r>
-            <a:br>
-              <a:rPr lang="en-US" b="0" dirty="0" smtClean="0">
-                <a:solidFill>
-                  <a:srgbClr val="000000"/>
-                </a:solidFill>
-                <a:effectLst/>
-                <a:latin typeface="Consolas" panose="020B0609020204030204" pitchFamily="49" charset="0"/>
-              </a:rPr>
-            </a:br>
-            <a:r>
-              <a:rPr lang="en-US" b="0" dirty="0" err="1" smtClean="0">
-                <a:solidFill>
-                  <a:srgbClr val="001080"/>
-                </a:solidFill>
-                <a:effectLst/>
-                <a:latin typeface="Consolas" panose="020B0609020204030204" pitchFamily="49" charset="0"/>
-              </a:rPr>
-              <a:t>plt</a:t>
-            </a:r>
-            <a:r>
-              <a:rPr lang="en-US" b="0" dirty="0" err="1" smtClean="0">
-                <a:solidFill>
-                  <a:srgbClr val="000000"/>
-                </a:solidFill>
-                <a:effectLst/>
-                <a:latin typeface="Consolas" panose="020B0609020204030204" pitchFamily="49" charset="0"/>
-              </a:rPr>
-              <a:t>.</a:t>
-            </a:r>
-            <a:r>
-              <a:rPr lang="en-US" b="0" dirty="0" err="1" smtClean="0">
-                <a:solidFill>
-                  <a:srgbClr val="001080"/>
-                </a:solidFill>
-                <a:effectLst/>
-                <a:latin typeface="Consolas" panose="020B0609020204030204" pitchFamily="49" charset="0"/>
-              </a:rPr>
-              <a:t>pie</a:t>
-            </a:r>
-            <a:r>
-              <a:rPr lang="en-US" b="0" dirty="0" smtClean="0">
-                <a:solidFill>
-                  <a:srgbClr val="000000"/>
-                </a:solidFill>
-                <a:effectLst/>
-                <a:latin typeface="Consolas" panose="020B0609020204030204" pitchFamily="49" charset="0"/>
-              </a:rPr>
-              <a:t>(</a:t>
-            </a:r>
-            <a:r>
-              <a:rPr lang="en-US" b="0" dirty="0" smtClean="0">
-                <a:solidFill>
-                  <a:srgbClr val="001080"/>
-                </a:solidFill>
-                <a:effectLst/>
-                <a:latin typeface="Consolas" panose="020B0609020204030204" pitchFamily="49" charset="0"/>
-              </a:rPr>
-              <a:t>y</a:t>
-            </a:r>
-            <a:r>
-              <a:rPr lang="en-US" b="0" dirty="0" smtClean="0">
-                <a:solidFill>
-                  <a:srgbClr val="000000"/>
-                </a:solidFill>
-                <a:effectLst/>
-                <a:latin typeface="Consolas" panose="020B0609020204030204" pitchFamily="49" charset="0"/>
-              </a:rPr>
-              <a:t>)</a:t>
-            </a:r>
-          </a:p>
-          <a:p>
-            <a:r>
-              <a:rPr lang="en-US" b="0" dirty="0" err="1" smtClean="0">
-                <a:solidFill>
-                  <a:srgbClr val="001080"/>
-                </a:solidFill>
-                <a:effectLst/>
-                <a:latin typeface="Consolas" panose="020B0609020204030204" pitchFamily="49" charset="0"/>
-              </a:rPr>
-              <a:t>plt</a:t>
-            </a:r>
-            <a:r>
-              <a:rPr lang="en-US" b="0" dirty="0" err="1" smtClean="0">
-                <a:solidFill>
-                  <a:srgbClr val="000000"/>
-                </a:solidFill>
-                <a:effectLst/>
-                <a:latin typeface="Consolas" panose="020B0609020204030204" pitchFamily="49" charset="0"/>
-              </a:rPr>
-              <a:t>.</a:t>
-            </a:r>
-            <a:r>
-              <a:rPr lang="en-US" b="0" dirty="0" err="1" smtClean="0">
-                <a:solidFill>
-                  <a:srgbClr val="001080"/>
-                </a:solidFill>
-                <a:effectLst/>
-                <a:latin typeface="Consolas" panose="020B0609020204030204" pitchFamily="49" charset="0"/>
-              </a:rPr>
-              <a:t>show</a:t>
-            </a:r>
-            <a:r>
-              <a:rPr lang="en-US" b="0" dirty="0" smtClean="0">
-                <a:solidFill>
-                  <a:srgbClr val="000000"/>
-                </a:solidFill>
-                <a:effectLst/>
-                <a:latin typeface="Consolas" panose="020B0609020204030204" pitchFamily="49" charset="0"/>
-              </a:rPr>
-              <a:t>() </a:t>
-            </a:r>
-            <a:endParaRPr lang="en-US" b="0" dirty="0">
-              <a:solidFill>
-                <a:srgbClr val="000000"/>
-              </a:solidFill>
-              <a:effectLst/>
-              <a:latin typeface="Consolas" panose="020B0609020204030204" pitchFamily="49" charset="0"/>
-            </a:endParaRPr>
-          </a:p>
-        </p:txBody>
-      </p:sp>
+      <mc:AlternateContent xmlns:mc="http://schemas.openxmlformats.org/markup-compatibility/2006">
+        <mc:Choice xmlns:p14="http://schemas.microsoft.com/office/powerpoint/2010/main" Requires="p14">
+          <p:contentPart p14:bwMode="auto" r:id="rId2">
+            <p14:nvContentPartPr>
+              <p14:cNvPr id="76" name="Ink 75"/>
+              <p14:cNvContentPartPr/>
+              <p14:nvPr/>
+            </p14:nvContentPartPr>
+            <p14:xfrm>
+              <a:off x="3417660" y="4416360"/>
+              <a:ext cx="360" cy="360"/>
+            </p14:xfrm>
+          </p:contentPart>
+        </mc:Choice>
+        <mc:Fallback>
+          <p:pic>
+            <p:nvPicPr>
+              <p:cNvPr id="76" name="Ink 75"/>
+              <p:cNvPicPr/>
+              <p:nvPr/>
+            </p:nvPicPr>
+            <p:blipFill>
+              <a:blip r:embed="rId3"/>
+              <a:stretch>
+                <a:fillRect/>
+              </a:stretch>
+            </p:blipFill>
+            <p:spPr>
+              <a:xfrm>
+                <a:off x="3414060" y="4412760"/>
+                <a:ext cx="7560" cy="7560"/>
+              </a:xfrm>
+              <a:prstGeom prst="rect">
+                <a:avLst/>
+              </a:prstGeom>
+            </p:spPr>
+          </p:pic>
+        </mc:Fallback>
+      </mc:AlternateContent>
     </p:spTree>
     <p:extLst>
       <p:ext uri="{BB962C8B-B14F-4D97-AF65-F5344CB8AC3E}">
-        <p14:creationId xmlns:p14="http://schemas.microsoft.com/office/powerpoint/2010/main" val="2891012784"/>
+        <p14:creationId xmlns:p14="http://schemas.microsoft.com/office/powerpoint/2010/main" val="885873826"/>
       </p:ext>
     </p:extLst>
   </p:cSld>
@@ -5240,7 +6098,7 @@
         <p:spPr>
           <a:xfrm>
             <a:off x="3505034" y="5936734"/>
-            <a:ext cx="5181931" cy="646331"/>
+            <a:ext cx="5181931" cy="923330"/>
           </a:xfrm>
           <a:prstGeom prst="rect">
             <a:avLst/>
@@ -5256,8 +6114,17 @@
               <a:rPr lang="en-US" dirty="0" smtClean="0">
                 <a:hlinkClick r:id="rId2"/>
               </a:rPr>
-              <a:t>https://powerbi.microsoft.com/en-us/why-power-bi/</a:t>
-            </a:r>
+              <a:t>https://powerbi.microsoft.com/en-us/why-power-bi</a:t>
+            </a:r>
+            <a:r>
+              <a:rPr lang="en-US" dirty="0" smtClean="0">
+                <a:hlinkClick r:id="rId2"/>
+              </a:rPr>
+              <a:t>/</a:t>
+            </a:r>
+            <a:endParaRPr lang="en-US" dirty="0" smtClean="0"/>
+          </a:p>
+          <a:p>
             <a:endParaRPr lang="en-US" dirty="0" smtClean="0"/>
           </a:p>
           <a:p>
@@ -5513,6 +6380,240 @@
           </a:p>
         </p:txBody>
       </p:sp>
+      <mc:AlternateContent xmlns:mc="http://schemas.openxmlformats.org/markup-compatibility/2006">
+        <mc:Choice xmlns:p14="http://schemas.microsoft.com/office/powerpoint/2010/main" Requires="p14">
+          <p:contentPart p14:bwMode="auto" r:id="rId3">
+            <p14:nvContentPartPr>
+              <p14:cNvPr id="7" name="Ink 6"/>
+              <p14:cNvContentPartPr/>
+              <p14:nvPr/>
+            </p14:nvContentPartPr>
+            <p14:xfrm>
+              <a:off x="2064880" y="2335350"/>
+              <a:ext cx="1450440" cy="1171440"/>
+            </p14:xfrm>
+          </p:contentPart>
+        </mc:Choice>
+        <mc:Fallback>
+          <p:pic>
+            <p:nvPicPr>
+              <p:cNvPr id="7" name="Ink 6"/>
+              <p:cNvPicPr/>
+              <p:nvPr/>
+            </p:nvPicPr>
+            <p:blipFill>
+              <a:blip r:embed="rId4"/>
+              <a:stretch>
+                <a:fillRect/>
+              </a:stretch>
+            </p:blipFill>
+            <p:spPr>
+              <a:xfrm>
+                <a:off x="2057320" y="2328510"/>
+                <a:ext cx="1463040" cy="1184400"/>
+              </a:xfrm>
+              <a:prstGeom prst="rect">
+                <a:avLst/>
+              </a:prstGeom>
+            </p:spPr>
+          </p:pic>
+        </mc:Fallback>
+      </mc:AlternateContent>
+      <mc:AlternateContent xmlns:mc="http://schemas.openxmlformats.org/markup-compatibility/2006">
+        <mc:Choice xmlns:p14="http://schemas.microsoft.com/office/powerpoint/2010/main" Requires="p14">
+          <p:contentPart p14:bwMode="auto" r:id="rId5">
+            <p14:nvContentPartPr>
+              <p14:cNvPr id="19" name="Ink 18"/>
+              <p14:cNvContentPartPr/>
+              <p14:nvPr/>
+            </p14:nvContentPartPr>
+            <p14:xfrm>
+              <a:off x="2100520" y="2549550"/>
+              <a:ext cx="551520" cy="222120"/>
+            </p14:xfrm>
+          </p:contentPart>
+        </mc:Choice>
+        <mc:Fallback>
+          <p:pic>
+            <p:nvPicPr>
+              <p:cNvPr id="19" name="Ink 18"/>
+              <p:cNvPicPr/>
+              <p:nvPr/>
+            </p:nvPicPr>
+            <p:blipFill>
+              <a:blip r:embed="rId6"/>
+              <a:stretch>
+                <a:fillRect/>
+              </a:stretch>
+            </p:blipFill>
+            <p:spPr>
+              <a:xfrm>
+                <a:off x="2095480" y="2544510"/>
+                <a:ext cx="563040" cy="231480"/>
+              </a:xfrm>
+              <a:prstGeom prst="rect">
+                <a:avLst/>
+              </a:prstGeom>
+            </p:spPr>
+          </p:pic>
+        </mc:Fallback>
+      </mc:AlternateContent>
+      <mc:AlternateContent xmlns:mc="http://schemas.openxmlformats.org/markup-compatibility/2006">
+        <mc:Choice xmlns:p14="http://schemas.microsoft.com/office/powerpoint/2010/main" Requires="p14">
+          <p:contentPart p14:bwMode="auto" r:id="rId7">
+            <p14:nvContentPartPr>
+              <p14:cNvPr id="21" name="Ink 20"/>
+              <p14:cNvContentPartPr/>
+              <p14:nvPr/>
+            </p14:nvContentPartPr>
+            <p14:xfrm>
+              <a:off x="2038600" y="2775990"/>
+              <a:ext cx="461160" cy="348120"/>
+            </p14:xfrm>
+          </p:contentPart>
+        </mc:Choice>
+        <mc:Fallback>
+          <p:pic>
+            <p:nvPicPr>
+              <p:cNvPr id="21" name="Ink 20"/>
+              <p:cNvPicPr/>
+              <p:nvPr/>
+            </p:nvPicPr>
+            <p:blipFill>
+              <a:blip r:embed="rId8"/>
+              <a:stretch>
+                <a:fillRect/>
+              </a:stretch>
+            </p:blipFill>
+            <p:spPr>
+              <a:xfrm>
+                <a:off x="2033200" y="2770230"/>
+                <a:ext cx="473400" cy="360000"/>
+              </a:xfrm>
+              <a:prstGeom prst="rect">
+                <a:avLst/>
+              </a:prstGeom>
+            </p:spPr>
+          </p:pic>
+        </mc:Fallback>
+      </mc:AlternateContent>
+      <mc:AlternateContent xmlns:mc="http://schemas.openxmlformats.org/markup-compatibility/2006">
+        <mc:Choice xmlns:p14="http://schemas.microsoft.com/office/powerpoint/2010/main" Requires="p14">
+          <p:contentPart p14:bwMode="auto" r:id="rId9">
+            <p14:nvContentPartPr>
+              <p14:cNvPr id="30" name="Ink 29"/>
+              <p14:cNvContentPartPr/>
+              <p14:nvPr/>
+            </p14:nvContentPartPr>
+            <p14:xfrm>
+              <a:off x="9357760" y="1867350"/>
+              <a:ext cx="849960" cy="385920"/>
+            </p14:xfrm>
+          </p:contentPart>
+        </mc:Choice>
+        <mc:Fallback>
+          <p:pic>
+            <p:nvPicPr>
+              <p:cNvPr id="30" name="Ink 29"/>
+              <p:cNvPicPr/>
+              <p:nvPr/>
+            </p:nvPicPr>
+            <p:blipFill>
+              <a:blip r:embed="rId10"/>
+              <a:stretch>
+                <a:fillRect/>
+              </a:stretch>
+            </p:blipFill>
+            <p:spPr>
+              <a:xfrm>
+                <a:off x="9349120" y="1860150"/>
+                <a:ext cx="864000" cy="401400"/>
+              </a:xfrm>
+              <a:prstGeom prst="rect">
+                <a:avLst/>
+              </a:prstGeom>
+            </p:spPr>
+          </p:pic>
+        </mc:Fallback>
+      </mc:AlternateContent>
+      <mc:AlternateContent xmlns:mc="http://schemas.openxmlformats.org/markup-compatibility/2006">
+        <mc:Choice xmlns:p14="http://schemas.microsoft.com/office/powerpoint/2010/main" Requires="p14">
+          <p:contentPart p14:bwMode="auto" r:id="rId11">
+            <p14:nvContentPartPr>
+              <p14:cNvPr id="35" name="Ink 34"/>
+              <p14:cNvContentPartPr/>
+              <p14:nvPr/>
+            </p14:nvContentPartPr>
+            <p14:xfrm>
+              <a:off x="8916400" y="2376390"/>
+              <a:ext cx="343080" cy="489240"/>
+            </p14:xfrm>
+          </p:contentPart>
+        </mc:Choice>
+        <mc:Fallback>
+          <p:pic>
+            <p:nvPicPr>
+              <p:cNvPr id="35" name="Ink 34"/>
+              <p:cNvPicPr/>
+              <p:nvPr/>
+            </p:nvPicPr>
+            <p:blipFill>
+              <a:blip r:embed="rId12"/>
+              <a:stretch>
+                <a:fillRect/>
+              </a:stretch>
+            </p:blipFill>
+            <p:spPr>
+              <a:xfrm>
+                <a:off x="8909200" y="2369910"/>
+                <a:ext cx="357480" cy="501480"/>
+              </a:xfrm>
+              <a:prstGeom prst="rect">
+                <a:avLst/>
+              </a:prstGeom>
+            </p:spPr>
+          </p:pic>
+        </mc:Fallback>
+      </mc:AlternateContent>
+      <mc:AlternateContent xmlns:mc="http://schemas.openxmlformats.org/markup-compatibility/2006">
+        <mc:Choice xmlns:p14="http://schemas.microsoft.com/office/powerpoint/2010/main" Requires="p14">
+          <p:contentPart p14:bwMode="auto" r:id="rId13">
+            <p14:nvContentPartPr>
+              <p14:cNvPr id="37" name="Ink 36"/>
+              <p14:cNvContentPartPr/>
+              <p14:nvPr/>
+            </p14:nvContentPartPr>
+            <p14:xfrm>
+              <a:off x="10248760" y="2733510"/>
+              <a:ext cx="167400" cy="12240"/>
+            </p14:xfrm>
+          </p:contentPart>
+        </mc:Choice>
+        <mc:Fallback>
+          <p:pic>
+            <p:nvPicPr>
+              <p:cNvPr id="37" name="Ink 36"/>
+              <p:cNvPicPr/>
+              <p:nvPr/>
+            </p:nvPicPr>
+            <p:blipFill>
+              <a:blip r:embed="rId14"/>
+              <a:stretch>
+                <a:fillRect/>
+              </a:stretch>
+            </p:blipFill>
+            <p:spPr>
+              <a:xfrm>
+                <a:off x="10240480" y="2725230"/>
+                <a:ext cx="182880" cy="28800"/>
+              </a:xfrm>
+              <a:prstGeom prst="rect">
+                <a:avLst/>
+              </a:prstGeom>
+            </p:spPr>
+          </p:pic>
+        </mc:Fallback>
+      </mc:AlternateContent>
     </p:spTree>
     <p:extLst>
       <p:ext uri="{BB962C8B-B14F-4D97-AF65-F5344CB8AC3E}">

--- a/12-PowerBI/DSTools-Power-BI.pptx
+++ b/12-PowerBI/DSTools-Power-BI.pptx
@@ -11,20 +11,22 @@
     <p:sldId id="259" r:id="rId5"/>
     <p:sldId id="261" r:id="rId6"/>
     <p:sldId id="262" r:id="rId7"/>
-    <p:sldId id="263" r:id="rId8"/>
-    <p:sldId id="264" r:id="rId9"/>
-    <p:sldId id="265" r:id="rId10"/>
-    <p:sldId id="266" r:id="rId11"/>
-    <p:sldId id="274" r:id="rId12"/>
-    <p:sldId id="267" r:id="rId13"/>
-    <p:sldId id="268" r:id="rId14"/>
-    <p:sldId id="269" r:id="rId15"/>
-    <p:sldId id="271" r:id="rId16"/>
-    <p:sldId id="272" r:id="rId17"/>
-    <p:sldId id="276" r:id="rId18"/>
-    <p:sldId id="270" r:id="rId19"/>
-    <p:sldId id="275" r:id="rId20"/>
-    <p:sldId id="273" r:id="rId21"/>
+    <p:sldId id="277" r:id="rId8"/>
+    <p:sldId id="263" r:id="rId9"/>
+    <p:sldId id="264" r:id="rId10"/>
+    <p:sldId id="265" r:id="rId11"/>
+    <p:sldId id="266" r:id="rId12"/>
+    <p:sldId id="278" r:id="rId13"/>
+    <p:sldId id="274" r:id="rId14"/>
+    <p:sldId id="267" r:id="rId15"/>
+    <p:sldId id="268" r:id="rId16"/>
+    <p:sldId id="269" r:id="rId17"/>
+    <p:sldId id="271" r:id="rId18"/>
+    <p:sldId id="272" r:id="rId19"/>
+    <p:sldId id="276" r:id="rId20"/>
+    <p:sldId id="270" r:id="rId21"/>
+    <p:sldId id="275" r:id="rId22"/>
+    <p:sldId id="273" r:id="rId23"/>
   </p:sldIdLst>
   <p:sldSz cx="12192000" cy="6858000"/>
   <p:notesSz cx="6858000" cy="9144000"/>
@@ -490,7 +492,7 @@
           <inkml:trace contextRef="#ctx0" brushRef="#br0" timeOffset="963.6917">2130 29 666 0,'0'0'105'0,"0"0"-75"16,0 0-29-16,149-4-1 15,-104 15-69-15,-9 4-150 0</inkml:trace>
           <inkml:trace contextRef="#ctx0" brushRef="#br0" timeOffset="-908.0003">31 13 560 0,'0'0'173'0,"0"0"-27"16,0 0-75-16,0 0 39 15,0 0-41-15,0 0 3 16,0-18-15-16,0 18-56 0,0 0 20 16,0 0-21-16,0 0 1 15,0 0-7-15,0 0 6 16,0 0-13-16,0 0 11 15,-2 8-3-15,-3 7 5 16,1 10 6-16,-2 0-6 16,0 4 6-16,4-1-6 15,0 0 2-15,2-2-2 16,0 0 1-16,0 0-1 16,0 0 0-16,0-6-25 15,6 0 18-15,4-6-23 16,1-6-11-16,3-2-18 15,1-3 26-15,3-3 31 16,2 0 2-16,6-13 23 16,1-9 2-16,2-4-24 0,-4-5 10 15,-6 0-8-15,-5-3 3 16,-7-1-7-16,-3 2 1 16,-4 1 0-16,0 4 0 15,0 7 0-15,0 8-23 16,0 5 23-16,0 8 0 15,0 0-15-15,0 0-63 16,0 17 45-16,0 12 25 16,0 5 8-16,0 6 0 15,7 2 8-15,11 0-7 16,4-2 6-16,0-8-7 16,5-6-12-16,-2-8 2 0,-3-10-22 15,-3-8 32-15,2 0 21 16,-5-14 41-16,-3-14 10 15,-9-6-24-15,-4-4-6 16,0-4-23-16,-2 4-19 16,-9 4 0-16,3 7-29 15,2 10-61-15,4 7-59 16,2 6-199-16</inkml:trace>
           <inkml:trace contextRef="#ctx0" brushRef="#br0" timeOffset="-733.9994">590 236 198 0,'0'0'115'0,"0"0"-54"15,0 0 11-15,23 103-3 16,-13-75-2-16,0-5-18 16,1-2-39-16,-3-4 6 15,0-14-16-15,-4-3-104 16,0 0-309-16</inkml:trace>
-          <inkml:trace contextRef="#ctx0" brushRef="#br0" timeOffset="-593.002">662-45 375 0,'0'0'255'0,"0"0"-186"16,0 0-69-16,0 0-167 0,0 0 63 15,0 0-111-15</inkml:trace>
+          <inkml:trace contextRef="#ctx0" brushRef="#br0" timeOffset="-593.0019">662-45 375 0,'0'0'255'0,"0"0"-186"16,0 0-69-16,0 0-167 0,0 0 63 15,0 0-111-15</inkml:trace>
         </inkml:traceGroup>
       </inkml:traceGroup>
     </inkml:traceGroup>
@@ -866,7 +868,7 @@
           <a:p>
             <a:fld id="{18D589B2-6934-4E05-84FF-09678E8D5775}" type="datetimeFigureOut">
               <a:rPr lang="en-US" smtClean="0"/>
-              <a:t>4/9/2022</a:t>
+              <a:t>5/30/2022</a:t>
             </a:fld>
             <a:endParaRPr lang="en-US"/>
           </a:p>
@@ -1036,7 +1038,7 @@
           <a:p>
             <a:fld id="{18D589B2-6934-4E05-84FF-09678E8D5775}" type="datetimeFigureOut">
               <a:rPr lang="en-US" smtClean="0"/>
-              <a:t>4/9/2022</a:t>
+              <a:t>5/30/2022</a:t>
             </a:fld>
             <a:endParaRPr lang="en-US"/>
           </a:p>
@@ -1216,7 +1218,7 @@
           <a:p>
             <a:fld id="{18D589B2-6934-4E05-84FF-09678E8D5775}" type="datetimeFigureOut">
               <a:rPr lang="en-US" smtClean="0"/>
-              <a:t>4/9/2022</a:t>
+              <a:t>5/30/2022</a:t>
             </a:fld>
             <a:endParaRPr lang="en-US"/>
           </a:p>
@@ -1386,7 +1388,7 @@
           <a:p>
             <a:fld id="{18D589B2-6934-4E05-84FF-09678E8D5775}" type="datetimeFigureOut">
               <a:rPr lang="en-US" smtClean="0"/>
-              <a:t>4/9/2022</a:t>
+              <a:t>5/30/2022</a:t>
             </a:fld>
             <a:endParaRPr lang="en-US"/>
           </a:p>
@@ -1632,7 +1634,7 @@
           <a:p>
             <a:fld id="{18D589B2-6934-4E05-84FF-09678E8D5775}" type="datetimeFigureOut">
               <a:rPr lang="en-US" smtClean="0"/>
-              <a:t>4/9/2022</a:t>
+              <a:t>5/30/2022</a:t>
             </a:fld>
             <a:endParaRPr lang="en-US"/>
           </a:p>
@@ -1864,7 +1866,7 @@
           <a:p>
             <a:fld id="{18D589B2-6934-4E05-84FF-09678E8D5775}" type="datetimeFigureOut">
               <a:rPr lang="en-US" smtClean="0"/>
-              <a:t>4/9/2022</a:t>
+              <a:t>5/30/2022</a:t>
             </a:fld>
             <a:endParaRPr lang="en-US"/>
           </a:p>
@@ -2231,7 +2233,7 @@
           <a:p>
             <a:fld id="{18D589B2-6934-4E05-84FF-09678E8D5775}" type="datetimeFigureOut">
               <a:rPr lang="en-US" smtClean="0"/>
-              <a:t>4/9/2022</a:t>
+              <a:t>5/30/2022</a:t>
             </a:fld>
             <a:endParaRPr lang="en-US"/>
           </a:p>
@@ -2349,7 +2351,7 @@
           <a:p>
             <a:fld id="{18D589B2-6934-4E05-84FF-09678E8D5775}" type="datetimeFigureOut">
               <a:rPr lang="en-US" smtClean="0"/>
-              <a:t>4/9/2022</a:t>
+              <a:t>5/30/2022</a:t>
             </a:fld>
             <a:endParaRPr lang="en-US"/>
           </a:p>
@@ -2444,7 +2446,7 @@
           <a:p>
             <a:fld id="{18D589B2-6934-4E05-84FF-09678E8D5775}" type="datetimeFigureOut">
               <a:rPr lang="en-US" smtClean="0"/>
-              <a:t>4/9/2022</a:t>
+              <a:t>5/30/2022</a:t>
             </a:fld>
             <a:endParaRPr lang="en-US"/>
           </a:p>
@@ -2721,7 +2723,7 @@
           <a:p>
             <a:fld id="{18D589B2-6934-4E05-84FF-09678E8D5775}" type="datetimeFigureOut">
               <a:rPr lang="en-US" smtClean="0"/>
-              <a:t>4/9/2022</a:t>
+              <a:t>5/30/2022</a:t>
             </a:fld>
             <a:endParaRPr lang="en-US"/>
           </a:p>
@@ -2974,7 +2976,7 @@
           <a:p>
             <a:fld id="{18D589B2-6934-4E05-84FF-09678E8D5775}" type="datetimeFigureOut">
               <a:rPr lang="en-US" smtClean="0"/>
-              <a:t>4/9/2022</a:t>
+              <a:t>5/30/2022</a:t>
             </a:fld>
             <a:endParaRPr lang="en-US"/>
           </a:p>
@@ -3187,7 +3189,7 @@
           <a:p>
             <a:fld id="{18D589B2-6934-4E05-84FF-09678E8D5775}" type="datetimeFigureOut">
               <a:rPr lang="en-US" smtClean="0"/>
-              <a:t>4/9/2022</a:t>
+              <a:t>5/30/2022</a:t>
             </a:fld>
             <a:endParaRPr lang="en-US"/>
           </a:p>
@@ -3701,8 +3703,8 @@
         </p:blipFill>
         <p:spPr>
           <a:xfrm>
-            <a:off x="1931086" y="1972851"/>
-            <a:ext cx="8329827" cy="4700033"/>
+            <a:off x="1832945" y="1821629"/>
+            <a:ext cx="8526109" cy="4709599"/>
           </a:xfrm>
           <a:prstGeom prst="rect">
             <a:avLst/>
@@ -3732,46 +3734,24 @@
             <a:pPr algn="ctr"/>
             <a:r>
               <a:rPr lang="en-US" b="1" dirty="0" smtClean="0"/>
-              <a:t>Report 4: Graduate country</a:t>
+              <a:t>Report 3: salary by </a:t>
+            </a:r>
+            <a:r>
+              <a:rPr lang="en-US" b="1" dirty="0" smtClean="0"/>
+              <a:t>Graduated </a:t>
+            </a:r>
+            <a:r>
+              <a:rPr lang="en-US" b="1" dirty="0" smtClean="0"/>
+              <a:t>country</a:t>
             </a:r>
             <a:endParaRPr lang="en-US" b="1" dirty="0"/>
-          </a:p>
-        </p:txBody>
-      </p:sp>
-      <p:sp>
-        <p:nvSpPr>
-          <p:cNvPr id="5" name="TextBox 4"/>
-          <p:cNvSpPr txBox="1"/>
-          <p:nvPr/>
-        </p:nvSpPr>
-        <p:spPr>
-          <a:xfrm>
-            <a:off x="10655300" y="4495800"/>
-            <a:ext cx="864019" cy="369332"/>
-          </a:xfrm>
-          <a:prstGeom prst="rect">
-            <a:avLst/>
-          </a:prstGeom>
-          <a:noFill/>
-        </p:spPr>
-        <p:txBody>
-          <a:bodyPr wrap="none" rtlCol="0">
-            <a:spAutoFit/>
-          </a:bodyPr>
-          <a:lstStyle/>
-          <a:p>
-            <a:r>
-              <a:rPr lang="en-US" dirty="0" smtClean="0"/>
-              <a:t>Legend</a:t>
-            </a:r>
-            <a:endParaRPr lang="en-US" dirty="0"/>
           </a:p>
         </p:txBody>
       </p:sp>
     </p:spTree>
     <p:extLst>
       <p:ext uri="{BB962C8B-B14F-4D97-AF65-F5344CB8AC3E}">
-        <p14:creationId xmlns:p14="http://schemas.microsoft.com/office/powerpoint/2010/main" val="1153407689"/>
+        <p14:creationId xmlns:p14="http://schemas.microsoft.com/office/powerpoint/2010/main" val="3789670181"/>
       </p:ext>
     </p:extLst>
   </p:cSld>
@@ -3798,6 +3778,196 @@
           <a:chExt cx="0" cy="0"/>
         </a:xfrm>
       </p:grpSpPr>
+      <p:pic>
+        <p:nvPicPr>
+          <p:cNvPr id="3" name="Picture 2"/>
+          <p:cNvPicPr>
+            <a:picLocks noChangeAspect="1"/>
+          </p:cNvPicPr>
+          <p:nvPr/>
+        </p:nvPicPr>
+        <p:blipFill>
+          <a:blip r:embed="rId2"/>
+          <a:stretch>
+            <a:fillRect/>
+          </a:stretch>
+        </p:blipFill>
+        <p:spPr>
+          <a:xfrm>
+            <a:off x="1931086" y="1972851"/>
+            <a:ext cx="8329827" cy="4700033"/>
+          </a:xfrm>
+          <a:prstGeom prst="rect">
+            <a:avLst/>
+          </a:prstGeom>
+        </p:spPr>
+      </p:pic>
+      <p:sp>
+        <p:nvSpPr>
+          <p:cNvPr id="4" name="Title 1"/>
+          <p:cNvSpPr>
+            <a:spLocks noGrp="1"/>
+          </p:cNvSpPr>
+          <p:nvPr>
+            <p:ph type="title"/>
+          </p:nvPr>
+        </p:nvSpPr>
+        <p:spPr>
+          <a:xfrm>
+            <a:off x="838200" y="365125"/>
+            <a:ext cx="10515600" cy="1325563"/>
+          </a:xfrm>
+        </p:spPr>
+        <p:txBody>
+          <a:bodyPr/>
+          <a:lstStyle/>
+          <a:p>
+            <a:pPr algn="ctr"/>
+            <a:r>
+              <a:rPr lang="en-US" b="1" dirty="0" smtClean="0"/>
+              <a:t>Report 4: </a:t>
+            </a:r>
+            <a:r>
+              <a:rPr lang="en-US" b="1" dirty="0" smtClean="0"/>
+              <a:t>Map of g</a:t>
+            </a:r>
+            <a:r>
+              <a:rPr lang="en-US" b="1" dirty="0" smtClean="0"/>
+              <a:t>raduated </a:t>
+            </a:r>
+            <a:r>
+              <a:rPr lang="en-US" b="1" dirty="0" smtClean="0"/>
+              <a:t>country</a:t>
+            </a:r>
+            <a:endParaRPr lang="en-US" b="1" dirty="0"/>
+          </a:p>
+        </p:txBody>
+      </p:sp>
+    </p:spTree>
+    <p:extLst>
+      <p:ext uri="{BB962C8B-B14F-4D97-AF65-F5344CB8AC3E}">
+        <p14:creationId xmlns:p14="http://schemas.microsoft.com/office/powerpoint/2010/main" val="1153407689"/>
+      </p:ext>
+    </p:extLst>
+  </p:cSld>
+  <p:clrMapOvr>
+    <a:masterClrMapping/>
+  </p:clrMapOvr>
+</p:sld>
+</file>
+
+<file path=ppt/slides/slide12.xml><?xml version="1.0" encoding="utf-8"?>
+<p:sld xmlns:a="http://schemas.openxmlformats.org/drawingml/2006/main" xmlns:r="http://schemas.openxmlformats.org/officeDocument/2006/relationships" xmlns:p="http://schemas.openxmlformats.org/presentationml/2006/main">
+  <p:cSld>
+    <p:spTree>
+      <p:nvGrpSpPr>
+        <p:cNvPr id="1" name=""/>
+        <p:cNvGrpSpPr/>
+        <p:nvPr/>
+      </p:nvGrpSpPr>
+      <p:grpSpPr>
+        <a:xfrm>
+          <a:off x="0" y="0"/>
+          <a:ext cx="0" cy="0"/>
+          <a:chOff x="0" y="0"/>
+          <a:chExt cx="0" cy="0"/>
+        </a:xfrm>
+      </p:grpSpPr>
+      <p:sp>
+        <p:nvSpPr>
+          <p:cNvPr id="4" name="Title 1"/>
+          <p:cNvSpPr>
+            <a:spLocks noGrp="1"/>
+          </p:cNvSpPr>
+          <p:nvPr>
+            <p:ph type="title"/>
+          </p:nvPr>
+        </p:nvSpPr>
+        <p:spPr>
+          <a:xfrm>
+            <a:off x="838200" y="365125"/>
+            <a:ext cx="10515600" cy="1325563"/>
+          </a:xfrm>
+        </p:spPr>
+        <p:txBody>
+          <a:bodyPr/>
+          <a:lstStyle/>
+          <a:p>
+            <a:pPr algn="ctr"/>
+            <a:r>
+              <a:rPr lang="en-US" b="1" dirty="0" smtClean="0"/>
+              <a:t>Report 4: </a:t>
+            </a:r>
+            <a:r>
+              <a:rPr lang="en-US" b="1" dirty="0" smtClean="0"/>
+              <a:t>Map of g</a:t>
+            </a:r>
+            <a:r>
+              <a:rPr lang="en-US" b="1" dirty="0" smtClean="0"/>
+              <a:t>raduated </a:t>
+            </a:r>
+            <a:r>
+              <a:rPr lang="en-US" b="1" dirty="0" smtClean="0"/>
+              <a:t>country</a:t>
+            </a:r>
+            <a:endParaRPr lang="en-US" b="1" dirty="0"/>
+          </a:p>
+        </p:txBody>
+      </p:sp>
+      <p:pic>
+        <p:nvPicPr>
+          <p:cNvPr id="2" name="Picture 1"/>
+          <p:cNvPicPr>
+            <a:picLocks noChangeAspect="1"/>
+          </p:cNvPicPr>
+          <p:nvPr/>
+        </p:nvPicPr>
+        <p:blipFill>
+          <a:blip r:embed="rId2"/>
+          <a:stretch>
+            <a:fillRect/>
+          </a:stretch>
+        </p:blipFill>
+        <p:spPr>
+          <a:xfrm>
+            <a:off x="651702" y="1690688"/>
+            <a:ext cx="10888595" cy="4115374"/>
+          </a:xfrm>
+          <a:prstGeom prst="rect">
+            <a:avLst/>
+          </a:prstGeom>
+        </p:spPr>
+      </p:pic>
+    </p:spTree>
+    <p:extLst>
+      <p:ext uri="{BB962C8B-B14F-4D97-AF65-F5344CB8AC3E}">
+        <p14:creationId xmlns:p14="http://schemas.microsoft.com/office/powerpoint/2010/main" val="448366807"/>
+      </p:ext>
+    </p:extLst>
+  </p:cSld>
+  <p:clrMapOvr>
+    <a:masterClrMapping/>
+  </p:clrMapOvr>
+</p:sld>
+</file>
+
+<file path=ppt/slides/slide13.xml><?xml version="1.0" encoding="utf-8"?>
+<p:sld xmlns:a="http://schemas.openxmlformats.org/drawingml/2006/main" xmlns:r="http://schemas.openxmlformats.org/officeDocument/2006/relationships" xmlns:p="http://schemas.openxmlformats.org/presentationml/2006/main">
+  <p:cSld>
+    <p:spTree>
+      <p:nvGrpSpPr>
+        <p:cNvPr id="1" name=""/>
+        <p:cNvGrpSpPr/>
+        <p:nvPr/>
+      </p:nvGrpSpPr>
+      <p:grpSpPr>
+        <a:xfrm>
+          <a:off x="0" y="0"/>
+          <a:ext cx="0" cy="0"/>
+          <a:chOff x="0" y="0"/>
+          <a:chExt cx="0" cy="0"/>
+        </a:xfrm>
+      </p:grpSpPr>
       <p:sp>
         <p:nvSpPr>
           <p:cNvPr id="2" name="Title 1"/>
@@ -3843,19 +4013,25 @@
             </a:pPr>
             <a:r>
               <a:rPr lang="en-US" dirty="0" smtClean="0"/>
-              <a:t>Plot some graphs to show the relationship of other attributes.</a:t>
-            </a:r>
-          </a:p>
-          <a:p>
-            <a:pPr marL="514350" indent="-514350">
-              <a:buFont typeface="+mj-lt"/>
-              <a:buAutoNum type="arabicPeriod"/>
-            </a:pPr>
+              <a:t>In the “research name column”, change “</a:t>
+            </a:r>
+            <a:r>
+              <a:rPr lang="en-US" dirty="0" err="1" smtClean="0"/>
+              <a:t>byan</a:t>
+            </a:r>
             <a:r>
               <a:rPr lang="en-US" dirty="0" smtClean="0"/>
-              <a:t>Create a new table whose attributes are related to some attributes of the existing tables.</a:t>
-            </a:r>
-            <a:endParaRPr lang="en-US" dirty="0"/>
+              <a:t>” to “</a:t>
+            </a:r>
+            <a:r>
+              <a:rPr lang="en-US" dirty="0" err="1" smtClean="0"/>
+              <a:t>bryan</a:t>
+            </a:r>
+            <a:r>
+              <a:rPr lang="en-US" dirty="0" smtClean="0"/>
+              <a:t>”</a:t>
+            </a:r>
+            <a:endParaRPr lang="en-US" dirty="0" smtClean="0"/>
           </a:p>
         </p:txBody>
       </p:sp>
@@ -3872,7 +4048,7 @@
 </p:sld>
 </file>
 
-<file path=ppt/slides/slide12.xml><?xml version="1.0" encoding="utf-8"?>
+<file path=ppt/slides/slide14.xml><?xml version="1.0" encoding="utf-8"?>
 <p:sld xmlns:a="http://schemas.openxmlformats.org/drawingml/2006/main" xmlns:r="http://schemas.openxmlformats.org/officeDocument/2006/relationships" xmlns:p="http://schemas.openxmlformats.org/presentationml/2006/main">
   <p:cSld>
     <p:spTree>
@@ -3950,7 +4126,7 @@
 </p:sld>
 </file>
 
-<file path=ppt/slides/slide13.xml><?xml version="1.0" encoding="utf-8"?>
+<file path=ppt/slides/slide15.xml><?xml version="1.0" encoding="utf-8"?>
 <p:sld xmlns:a="http://schemas.openxmlformats.org/drawingml/2006/main" xmlns:r="http://schemas.openxmlformats.org/officeDocument/2006/relationships" xmlns:p="http://schemas.openxmlformats.org/presentationml/2006/main">
   <p:cSld>
     <p:spTree>
@@ -4052,7 +4228,7 @@
 </p:sld>
 </file>
 
-<file path=ppt/slides/slide14.xml><?xml version="1.0" encoding="utf-8"?>
+<file path=ppt/slides/slide16.xml><?xml version="1.0" encoding="utf-8"?>
 <p:sld xmlns:a="http://schemas.openxmlformats.org/drawingml/2006/main" xmlns:r="http://schemas.openxmlformats.org/officeDocument/2006/relationships" xmlns:p="http://schemas.openxmlformats.org/presentationml/2006/main">
   <p:cSld>
     <p:spTree>
@@ -4116,11 +4292,7 @@
           <a:p>
             <a:r>
               <a:rPr lang="en-US" dirty="0" smtClean="0"/>
-              <a:t>from </a:t>
-            </a:r>
-            <a:r>
-              <a:rPr lang="en-US" dirty="0" smtClean="0"/>
-              <a:t>web</a:t>
+              <a:t>from web</a:t>
             </a:r>
             <a:endParaRPr lang="en-US" dirty="0"/>
           </a:p>
@@ -4192,7 +4364,7 @@
 </p:sld>
 </file>
 
-<file path=ppt/slides/slide15.xml><?xml version="1.0" encoding="utf-8"?>
+<file path=ppt/slides/slide17.xml><?xml version="1.0" encoding="utf-8"?>
 <p:sld xmlns:a="http://schemas.openxmlformats.org/drawingml/2006/main" xmlns:r="http://schemas.openxmlformats.org/officeDocument/2006/relationships" xmlns:p="http://schemas.openxmlformats.org/presentationml/2006/main">
   <p:cSld>
     <p:spTree>
@@ -4944,7 +5116,7 @@
 </p:sld>
 </file>
 
-<file path=ppt/slides/slide16.xml><?xml version="1.0" encoding="utf-8"?>
+<file path=ppt/slides/slide18.xml><?xml version="1.0" encoding="utf-8"?>
 <p:sld xmlns:a="http://schemas.openxmlformats.org/drawingml/2006/main" xmlns:r="http://schemas.openxmlformats.org/officeDocument/2006/relationships" xmlns:p="http://schemas.openxmlformats.org/presentationml/2006/main">
   <p:cSld>
     <p:spTree>
@@ -5513,7 +5685,7 @@
 </p:sld>
 </file>
 
-<file path=ppt/slides/slide17.xml><?xml version="1.0" encoding="utf-8"?>
+<file path=ppt/slides/slide19.xml><?xml version="1.0" encoding="utf-8"?>
 <p:sld xmlns:a="http://schemas.openxmlformats.org/drawingml/2006/main" xmlns:r="http://schemas.openxmlformats.org/officeDocument/2006/relationships" xmlns:p="http://schemas.openxmlformats.org/presentationml/2006/main">
   <p:cSld>
     <p:spTree>
@@ -5720,334 +5892,6 @@
 </p:sld>
 </file>
 
-<file path=ppt/slides/slide18.xml><?xml version="1.0" encoding="utf-8"?>
-<p:sld xmlns:a="http://schemas.openxmlformats.org/drawingml/2006/main" xmlns:r="http://schemas.openxmlformats.org/officeDocument/2006/relationships" xmlns:p="http://schemas.openxmlformats.org/presentationml/2006/main">
-  <p:cSld>
-    <p:spTree>
-      <p:nvGrpSpPr>
-        <p:cNvPr id="1" name=""/>
-        <p:cNvGrpSpPr/>
-        <p:nvPr/>
-      </p:nvGrpSpPr>
-      <p:grpSpPr>
-        <a:xfrm>
-          <a:off x="0" y="0"/>
-          <a:ext cx="0" cy="0"/>
-          <a:chOff x="0" y="0"/>
-          <a:chExt cx="0" cy="0"/>
-        </a:xfrm>
-      </p:grpSpPr>
-      <p:sp>
-        <p:nvSpPr>
-          <p:cNvPr id="2" name="Title 1"/>
-          <p:cNvSpPr>
-            <a:spLocks noGrp="1"/>
-          </p:cNvSpPr>
-          <p:nvPr>
-            <p:ph type="title"/>
-          </p:nvPr>
-        </p:nvSpPr>
-        <p:spPr/>
-        <p:txBody>
-          <a:bodyPr/>
-          <a:lstStyle/>
-          <a:p>
-            <a:pPr algn="ctr"/>
-            <a:r>
-              <a:rPr lang="en-US" dirty="0" smtClean="0"/>
-              <a:t>Table tool: new column</a:t>
-            </a:r>
-            <a:endParaRPr lang="en-US" dirty="0"/>
-          </a:p>
-        </p:txBody>
-      </p:sp>
-      <p:pic>
-        <p:nvPicPr>
-          <p:cNvPr id="5" name="Picture 4"/>
-          <p:cNvPicPr>
-            <a:picLocks noChangeAspect="1"/>
-          </p:cNvPicPr>
-          <p:nvPr/>
-        </p:nvPicPr>
-        <p:blipFill>
-          <a:blip r:embed="rId2"/>
-          <a:stretch>
-            <a:fillRect/>
-          </a:stretch>
-        </p:blipFill>
-        <p:spPr>
-          <a:xfrm>
-            <a:off x="3272362" y="1898590"/>
-            <a:ext cx="6134956" cy="3743847"/>
-          </a:xfrm>
-          <a:prstGeom prst="rect">
-            <a:avLst/>
-          </a:prstGeom>
-        </p:spPr>
-      </p:pic>
-      <p:sp>
-        <p:nvSpPr>
-          <p:cNvPr id="6" name="Rectangle 5"/>
-          <p:cNvSpPr/>
-          <p:nvPr/>
-        </p:nvSpPr>
-        <p:spPr>
-          <a:xfrm>
-            <a:off x="4407094" y="5857007"/>
-            <a:ext cx="4490332" cy="369332"/>
-          </a:xfrm>
-          <a:prstGeom prst="rect">
-            <a:avLst/>
-          </a:prstGeom>
-        </p:spPr>
-        <p:txBody>
-          <a:bodyPr wrap="none">
-            <a:spAutoFit/>
-          </a:bodyPr>
-          <a:lstStyle/>
-          <a:p>
-            <a:r>
-              <a:rPr lang="en-US" dirty="0">
-                <a:solidFill>
-                  <a:srgbClr val="000000"/>
-                </a:solidFill>
-                <a:latin typeface="Consolas" panose="020B0609020204030204" pitchFamily="49" charset="0"/>
-              </a:rPr>
-              <a:t>Level = </a:t>
-            </a:r>
-            <a:r>
-              <a:rPr lang="en-US" dirty="0">
-                <a:solidFill>
-                  <a:srgbClr val="3165BB"/>
-                </a:solidFill>
-                <a:latin typeface="Consolas" panose="020B0609020204030204" pitchFamily="49" charset="0"/>
-              </a:rPr>
-              <a:t>IF</a:t>
-            </a:r>
-            <a:r>
-              <a:rPr lang="en-US" dirty="0">
-                <a:solidFill>
-                  <a:srgbClr val="000000"/>
-                </a:solidFill>
-                <a:latin typeface="Consolas" panose="020B0609020204030204" pitchFamily="49" charset="0"/>
-              </a:rPr>
-              <a:t>(</a:t>
-            </a:r>
-            <a:r>
-              <a:rPr lang="en-US" dirty="0">
-                <a:solidFill>
-                  <a:srgbClr val="001080"/>
-                </a:solidFill>
-                <a:latin typeface="Consolas" panose="020B0609020204030204" pitchFamily="49" charset="0"/>
-              </a:rPr>
-              <a:t>[salary]</a:t>
-            </a:r>
-            <a:r>
-              <a:rPr lang="en-US" dirty="0">
-                <a:solidFill>
-                  <a:srgbClr val="000000"/>
-                </a:solidFill>
-                <a:latin typeface="Consolas" panose="020B0609020204030204" pitchFamily="49" charset="0"/>
-              </a:rPr>
-              <a:t>&gt;</a:t>
-            </a:r>
-            <a:r>
-              <a:rPr lang="en-US" dirty="0">
-                <a:solidFill>
-                  <a:srgbClr val="09885A"/>
-                </a:solidFill>
-                <a:latin typeface="Consolas" panose="020B0609020204030204" pitchFamily="49" charset="0"/>
-              </a:rPr>
-              <a:t>50000</a:t>
-            </a:r>
-            <a:r>
-              <a:rPr lang="en-US" dirty="0">
-                <a:solidFill>
-                  <a:srgbClr val="000000"/>
-                </a:solidFill>
-                <a:latin typeface="Consolas" panose="020B0609020204030204" pitchFamily="49" charset="0"/>
-              </a:rPr>
-              <a:t>,</a:t>
-            </a:r>
-            <a:r>
-              <a:rPr lang="en-US" dirty="0">
-                <a:solidFill>
-                  <a:srgbClr val="A31515"/>
-                </a:solidFill>
-                <a:latin typeface="Consolas" panose="020B0609020204030204" pitchFamily="49" charset="0"/>
-              </a:rPr>
-              <a:t>"H"</a:t>
-            </a:r>
-            <a:r>
-              <a:rPr lang="en-US" dirty="0">
-                <a:solidFill>
-                  <a:srgbClr val="000000"/>
-                </a:solidFill>
-                <a:latin typeface="Consolas" panose="020B0609020204030204" pitchFamily="49" charset="0"/>
-              </a:rPr>
-              <a:t>,</a:t>
-            </a:r>
-            <a:r>
-              <a:rPr lang="en-US" dirty="0">
-                <a:solidFill>
-                  <a:srgbClr val="A31515"/>
-                </a:solidFill>
-                <a:latin typeface="Consolas" panose="020B0609020204030204" pitchFamily="49" charset="0"/>
-              </a:rPr>
-              <a:t>"L"</a:t>
-            </a:r>
-            <a:r>
-              <a:rPr lang="en-US" dirty="0">
-                <a:solidFill>
-                  <a:srgbClr val="000000"/>
-                </a:solidFill>
-                <a:latin typeface="Consolas" panose="020B0609020204030204" pitchFamily="49" charset="0"/>
-              </a:rPr>
-              <a:t>)</a:t>
-            </a:r>
-            <a:endParaRPr lang="en-US" b="0" dirty="0">
-              <a:solidFill>
-                <a:srgbClr val="000000"/>
-              </a:solidFill>
-              <a:effectLst/>
-              <a:latin typeface="Consolas" panose="020B0609020204030204" pitchFamily="49" charset="0"/>
-            </a:endParaRPr>
-          </a:p>
-        </p:txBody>
-      </p:sp>
-    </p:spTree>
-    <p:extLst>
-      <p:ext uri="{BB962C8B-B14F-4D97-AF65-F5344CB8AC3E}">
-        <p14:creationId xmlns:p14="http://schemas.microsoft.com/office/powerpoint/2010/main" val="586078296"/>
-      </p:ext>
-    </p:extLst>
-  </p:cSld>
-  <p:clrMapOvr>
-    <a:masterClrMapping/>
-  </p:clrMapOvr>
-</p:sld>
-</file>
-
-<file path=ppt/slides/slide19.xml><?xml version="1.0" encoding="utf-8"?>
-<p:sld xmlns:a="http://schemas.openxmlformats.org/drawingml/2006/main" xmlns:r="http://schemas.openxmlformats.org/officeDocument/2006/relationships" xmlns:p="http://schemas.openxmlformats.org/presentationml/2006/main">
-  <p:cSld>
-    <p:spTree>
-      <p:nvGrpSpPr>
-        <p:cNvPr id="1" name=""/>
-        <p:cNvGrpSpPr/>
-        <p:nvPr/>
-      </p:nvGrpSpPr>
-      <p:grpSpPr>
-        <a:xfrm>
-          <a:off x="0" y="0"/>
-          <a:ext cx="0" cy="0"/>
-          <a:chOff x="0" y="0"/>
-          <a:chExt cx="0" cy="0"/>
-        </a:xfrm>
-      </p:grpSpPr>
-      <p:sp>
-        <p:nvSpPr>
-          <p:cNvPr id="2" name="Title 1"/>
-          <p:cNvSpPr>
-            <a:spLocks noGrp="1"/>
-          </p:cNvSpPr>
-          <p:nvPr>
-            <p:ph type="title"/>
-          </p:nvPr>
-        </p:nvSpPr>
-        <p:spPr/>
-        <p:txBody>
-          <a:bodyPr/>
-          <a:lstStyle/>
-          <a:p>
-            <a:pPr algn="ctr"/>
-            <a:r>
-              <a:rPr lang="en-US" b="1" dirty="0" smtClean="0"/>
-              <a:t>Exercise 2</a:t>
-            </a:r>
-            <a:endParaRPr lang="en-US" b="1" dirty="0"/>
-          </a:p>
-        </p:txBody>
-      </p:sp>
-      <p:sp>
-        <p:nvSpPr>
-          <p:cNvPr id="3" name="Content Placeholder 2"/>
-          <p:cNvSpPr>
-            <a:spLocks noGrp="1"/>
-          </p:cNvSpPr>
-          <p:nvPr>
-            <p:ph idx="1"/>
-          </p:nvPr>
-        </p:nvSpPr>
-        <p:spPr/>
-        <p:txBody>
-          <a:bodyPr/>
-          <a:lstStyle/>
-          <a:p>
-            <a:pPr marL="514350" indent="-514350">
-              <a:buFont typeface="+mj-lt"/>
-              <a:buAutoNum type="arabicPeriod"/>
-            </a:pPr>
-            <a:r>
-              <a:rPr lang="en-US" dirty="0" smtClean="0"/>
-              <a:t>Create your own data and plot some graphs</a:t>
-            </a:r>
-            <a:endParaRPr lang="en-US" dirty="0"/>
-          </a:p>
-        </p:txBody>
-      </p:sp>
-      <mc:AlternateContent xmlns:mc="http://schemas.openxmlformats.org/markup-compatibility/2006">
-        <mc:Choice xmlns:p14="http://schemas.microsoft.com/office/powerpoint/2010/main" Requires="p14">
-          <p:contentPart p14:bwMode="auto" r:id="rId2">
-            <p14:nvContentPartPr>
-              <p14:cNvPr id="76" name="Ink 75"/>
-              <p14:cNvContentPartPr/>
-              <p14:nvPr/>
-            </p14:nvContentPartPr>
-            <p14:xfrm>
-              <a:off x="3417660" y="4416360"/>
-              <a:ext cx="360" cy="360"/>
-            </p14:xfrm>
-          </p:contentPart>
-        </mc:Choice>
-        <mc:Fallback>
-          <p:pic>
-            <p:nvPicPr>
-              <p:cNvPr id="76" name="Ink 75"/>
-              <p:cNvPicPr/>
-              <p:nvPr/>
-            </p:nvPicPr>
-            <p:blipFill>
-              <a:blip r:embed="rId3"/>
-              <a:stretch>
-                <a:fillRect/>
-              </a:stretch>
-            </p:blipFill>
-            <p:spPr>
-              <a:xfrm>
-                <a:off x="3414060" y="4412760"/>
-                <a:ext cx="7560" cy="7560"/>
-              </a:xfrm>
-              <a:prstGeom prst="rect">
-                <a:avLst/>
-              </a:prstGeom>
-            </p:spPr>
-          </p:pic>
-        </mc:Fallback>
-      </mc:AlternateContent>
-    </p:spTree>
-    <p:extLst>
-      <p:ext uri="{BB962C8B-B14F-4D97-AF65-F5344CB8AC3E}">
-        <p14:creationId xmlns:p14="http://schemas.microsoft.com/office/powerpoint/2010/main" val="885873826"/>
-      </p:ext>
-    </p:extLst>
-  </p:cSld>
-  <p:clrMapOvr>
-    <a:masterClrMapping/>
-  </p:clrMapOvr>
-</p:sld>
-</file>
-
 <file path=ppt/slides/slide2.xml><?xml version="1.0" encoding="utf-8"?>
 <p:sld xmlns:a="http://schemas.openxmlformats.org/drawingml/2006/main" xmlns:r="http://schemas.openxmlformats.org/officeDocument/2006/relationships" xmlns:p="http://schemas.openxmlformats.org/presentationml/2006/main">
   <p:cSld>
@@ -6114,13 +5958,7 @@
               <a:rPr lang="en-US" dirty="0" smtClean="0">
                 <a:hlinkClick r:id="rId2"/>
               </a:rPr>
-              <a:t>https://powerbi.microsoft.com/en-us/why-power-bi</a:t>
-            </a:r>
-            <a:r>
-              <a:rPr lang="en-US" dirty="0" smtClean="0">
-                <a:hlinkClick r:id="rId2"/>
-              </a:rPr>
-              <a:t>/</a:t>
+              <a:t>https://powerbi.microsoft.com/en-us/why-power-bi/</a:t>
             </a:r>
             <a:endParaRPr lang="en-US" dirty="0" smtClean="0"/>
           </a:p>
@@ -6232,6 +6070,334 @@
           <a:p>
             <a:pPr algn="ctr"/>
             <a:r>
+              <a:rPr lang="en-US" dirty="0" smtClean="0"/>
+              <a:t>Table tool: new column</a:t>
+            </a:r>
+            <a:endParaRPr lang="en-US" dirty="0"/>
+          </a:p>
+        </p:txBody>
+      </p:sp>
+      <p:pic>
+        <p:nvPicPr>
+          <p:cNvPr id="5" name="Picture 4"/>
+          <p:cNvPicPr>
+            <a:picLocks noChangeAspect="1"/>
+          </p:cNvPicPr>
+          <p:nvPr/>
+        </p:nvPicPr>
+        <p:blipFill>
+          <a:blip r:embed="rId2"/>
+          <a:stretch>
+            <a:fillRect/>
+          </a:stretch>
+        </p:blipFill>
+        <p:spPr>
+          <a:xfrm>
+            <a:off x="3272362" y="1898590"/>
+            <a:ext cx="6134956" cy="3743847"/>
+          </a:xfrm>
+          <a:prstGeom prst="rect">
+            <a:avLst/>
+          </a:prstGeom>
+        </p:spPr>
+      </p:pic>
+      <p:sp>
+        <p:nvSpPr>
+          <p:cNvPr id="6" name="Rectangle 5"/>
+          <p:cNvSpPr/>
+          <p:nvPr/>
+        </p:nvSpPr>
+        <p:spPr>
+          <a:xfrm>
+            <a:off x="4407094" y="5857007"/>
+            <a:ext cx="4490332" cy="369332"/>
+          </a:xfrm>
+          <a:prstGeom prst="rect">
+            <a:avLst/>
+          </a:prstGeom>
+        </p:spPr>
+        <p:txBody>
+          <a:bodyPr wrap="none">
+            <a:spAutoFit/>
+          </a:bodyPr>
+          <a:lstStyle/>
+          <a:p>
+            <a:r>
+              <a:rPr lang="en-US" dirty="0">
+                <a:solidFill>
+                  <a:srgbClr val="000000"/>
+                </a:solidFill>
+                <a:latin typeface="Consolas" panose="020B0609020204030204" pitchFamily="49" charset="0"/>
+              </a:rPr>
+              <a:t>Level = </a:t>
+            </a:r>
+            <a:r>
+              <a:rPr lang="en-US" dirty="0">
+                <a:solidFill>
+                  <a:srgbClr val="3165BB"/>
+                </a:solidFill>
+                <a:latin typeface="Consolas" panose="020B0609020204030204" pitchFamily="49" charset="0"/>
+              </a:rPr>
+              <a:t>IF</a:t>
+            </a:r>
+            <a:r>
+              <a:rPr lang="en-US" dirty="0">
+                <a:solidFill>
+                  <a:srgbClr val="000000"/>
+                </a:solidFill>
+                <a:latin typeface="Consolas" panose="020B0609020204030204" pitchFamily="49" charset="0"/>
+              </a:rPr>
+              <a:t>(</a:t>
+            </a:r>
+            <a:r>
+              <a:rPr lang="en-US" dirty="0">
+                <a:solidFill>
+                  <a:srgbClr val="001080"/>
+                </a:solidFill>
+                <a:latin typeface="Consolas" panose="020B0609020204030204" pitchFamily="49" charset="0"/>
+              </a:rPr>
+              <a:t>[salary]</a:t>
+            </a:r>
+            <a:r>
+              <a:rPr lang="en-US" dirty="0">
+                <a:solidFill>
+                  <a:srgbClr val="000000"/>
+                </a:solidFill>
+                <a:latin typeface="Consolas" panose="020B0609020204030204" pitchFamily="49" charset="0"/>
+              </a:rPr>
+              <a:t>&gt;</a:t>
+            </a:r>
+            <a:r>
+              <a:rPr lang="en-US" dirty="0">
+                <a:solidFill>
+                  <a:srgbClr val="09885A"/>
+                </a:solidFill>
+                <a:latin typeface="Consolas" panose="020B0609020204030204" pitchFamily="49" charset="0"/>
+              </a:rPr>
+              <a:t>50000</a:t>
+            </a:r>
+            <a:r>
+              <a:rPr lang="en-US" dirty="0">
+                <a:solidFill>
+                  <a:srgbClr val="000000"/>
+                </a:solidFill>
+                <a:latin typeface="Consolas" panose="020B0609020204030204" pitchFamily="49" charset="0"/>
+              </a:rPr>
+              <a:t>,</a:t>
+            </a:r>
+            <a:r>
+              <a:rPr lang="en-US" dirty="0">
+                <a:solidFill>
+                  <a:srgbClr val="A31515"/>
+                </a:solidFill>
+                <a:latin typeface="Consolas" panose="020B0609020204030204" pitchFamily="49" charset="0"/>
+              </a:rPr>
+              <a:t>"H"</a:t>
+            </a:r>
+            <a:r>
+              <a:rPr lang="en-US" dirty="0">
+                <a:solidFill>
+                  <a:srgbClr val="000000"/>
+                </a:solidFill>
+                <a:latin typeface="Consolas" panose="020B0609020204030204" pitchFamily="49" charset="0"/>
+              </a:rPr>
+              <a:t>,</a:t>
+            </a:r>
+            <a:r>
+              <a:rPr lang="en-US" dirty="0">
+                <a:solidFill>
+                  <a:srgbClr val="A31515"/>
+                </a:solidFill>
+                <a:latin typeface="Consolas" panose="020B0609020204030204" pitchFamily="49" charset="0"/>
+              </a:rPr>
+              <a:t>"L"</a:t>
+            </a:r>
+            <a:r>
+              <a:rPr lang="en-US" dirty="0">
+                <a:solidFill>
+                  <a:srgbClr val="000000"/>
+                </a:solidFill>
+                <a:latin typeface="Consolas" panose="020B0609020204030204" pitchFamily="49" charset="0"/>
+              </a:rPr>
+              <a:t>)</a:t>
+            </a:r>
+            <a:endParaRPr lang="en-US" b="0" dirty="0">
+              <a:solidFill>
+                <a:srgbClr val="000000"/>
+              </a:solidFill>
+              <a:effectLst/>
+              <a:latin typeface="Consolas" panose="020B0609020204030204" pitchFamily="49" charset="0"/>
+            </a:endParaRPr>
+          </a:p>
+        </p:txBody>
+      </p:sp>
+    </p:spTree>
+    <p:extLst>
+      <p:ext uri="{BB962C8B-B14F-4D97-AF65-F5344CB8AC3E}">
+        <p14:creationId xmlns:p14="http://schemas.microsoft.com/office/powerpoint/2010/main" val="586078296"/>
+      </p:ext>
+    </p:extLst>
+  </p:cSld>
+  <p:clrMapOvr>
+    <a:masterClrMapping/>
+  </p:clrMapOvr>
+</p:sld>
+</file>
+
+<file path=ppt/slides/slide21.xml><?xml version="1.0" encoding="utf-8"?>
+<p:sld xmlns:a="http://schemas.openxmlformats.org/drawingml/2006/main" xmlns:r="http://schemas.openxmlformats.org/officeDocument/2006/relationships" xmlns:p="http://schemas.openxmlformats.org/presentationml/2006/main">
+  <p:cSld>
+    <p:spTree>
+      <p:nvGrpSpPr>
+        <p:cNvPr id="1" name=""/>
+        <p:cNvGrpSpPr/>
+        <p:nvPr/>
+      </p:nvGrpSpPr>
+      <p:grpSpPr>
+        <a:xfrm>
+          <a:off x="0" y="0"/>
+          <a:ext cx="0" cy="0"/>
+          <a:chOff x="0" y="0"/>
+          <a:chExt cx="0" cy="0"/>
+        </a:xfrm>
+      </p:grpSpPr>
+      <p:sp>
+        <p:nvSpPr>
+          <p:cNvPr id="2" name="Title 1"/>
+          <p:cNvSpPr>
+            <a:spLocks noGrp="1"/>
+          </p:cNvSpPr>
+          <p:nvPr>
+            <p:ph type="title"/>
+          </p:nvPr>
+        </p:nvSpPr>
+        <p:spPr/>
+        <p:txBody>
+          <a:bodyPr/>
+          <a:lstStyle/>
+          <a:p>
+            <a:pPr algn="ctr"/>
+            <a:r>
+              <a:rPr lang="en-US" b="1" dirty="0" smtClean="0"/>
+              <a:t>Exercise 2</a:t>
+            </a:r>
+            <a:endParaRPr lang="en-US" b="1" dirty="0"/>
+          </a:p>
+        </p:txBody>
+      </p:sp>
+      <p:sp>
+        <p:nvSpPr>
+          <p:cNvPr id="3" name="Content Placeholder 2"/>
+          <p:cNvSpPr>
+            <a:spLocks noGrp="1"/>
+          </p:cNvSpPr>
+          <p:nvPr>
+            <p:ph idx="1"/>
+          </p:nvPr>
+        </p:nvSpPr>
+        <p:spPr/>
+        <p:txBody>
+          <a:bodyPr/>
+          <a:lstStyle/>
+          <a:p>
+            <a:pPr marL="514350" indent="-514350">
+              <a:buFont typeface="+mj-lt"/>
+              <a:buAutoNum type="arabicPeriod"/>
+            </a:pPr>
+            <a:r>
+              <a:rPr lang="en-US" dirty="0" smtClean="0"/>
+              <a:t>Create your own data and plot some graphs</a:t>
+            </a:r>
+            <a:endParaRPr lang="en-US" dirty="0"/>
+          </a:p>
+        </p:txBody>
+      </p:sp>
+      <mc:AlternateContent xmlns:mc="http://schemas.openxmlformats.org/markup-compatibility/2006" xmlns:p14="http://schemas.microsoft.com/office/powerpoint/2010/main">
+        <mc:Choice Requires="p14">
+          <p:contentPart p14:bwMode="auto" r:id="rId2">
+            <p14:nvContentPartPr>
+              <p14:cNvPr id="76" name="Ink 75"/>
+              <p14:cNvContentPartPr/>
+              <p14:nvPr/>
+            </p14:nvContentPartPr>
+            <p14:xfrm>
+              <a:off x="3417660" y="4416360"/>
+              <a:ext cx="360" cy="360"/>
+            </p14:xfrm>
+          </p:contentPart>
+        </mc:Choice>
+        <mc:Fallback xmlns="">
+          <p:pic>
+            <p:nvPicPr>
+              <p:cNvPr id="76" name="Ink 75"/>
+              <p:cNvPicPr/>
+              <p:nvPr/>
+            </p:nvPicPr>
+            <p:blipFill>
+              <a:blip r:embed="rId3"/>
+              <a:stretch>
+                <a:fillRect/>
+              </a:stretch>
+            </p:blipFill>
+            <p:spPr>
+              <a:xfrm>
+                <a:off x="3414060" y="4412760"/>
+                <a:ext cx="7560" cy="7560"/>
+              </a:xfrm>
+              <a:prstGeom prst="rect">
+                <a:avLst/>
+              </a:prstGeom>
+            </p:spPr>
+          </p:pic>
+        </mc:Fallback>
+      </mc:AlternateContent>
+    </p:spTree>
+    <p:extLst>
+      <p:ext uri="{BB962C8B-B14F-4D97-AF65-F5344CB8AC3E}">
+        <p14:creationId xmlns:p14="http://schemas.microsoft.com/office/powerpoint/2010/main" val="885873826"/>
+      </p:ext>
+    </p:extLst>
+  </p:cSld>
+  <p:clrMapOvr>
+    <a:masterClrMapping/>
+  </p:clrMapOvr>
+</p:sld>
+</file>
+
+<file path=ppt/slides/slide22.xml><?xml version="1.0" encoding="utf-8"?>
+<p:sld xmlns:a="http://schemas.openxmlformats.org/drawingml/2006/main" xmlns:r="http://schemas.openxmlformats.org/officeDocument/2006/relationships" xmlns:p="http://schemas.openxmlformats.org/presentationml/2006/main">
+  <p:cSld>
+    <p:spTree>
+      <p:nvGrpSpPr>
+        <p:cNvPr id="1" name=""/>
+        <p:cNvGrpSpPr/>
+        <p:nvPr/>
+      </p:nvGrpSpPr>
+      <p:grpSpPr>
+        <a:xfrm>
+          <a:off x="0" y="0"/>
+          <a:ext cx="0" cy="0"/>
+          <a:chOff x="0" y="0"/>
+          <a:chExt cx="0" cy="0"/>
+        </a:xfrm>
+      </p:grpSpPr>
+      <p:sp>
+        <p:nvSpPr>
+          <p:cNvPr id="2" name="Title 1"/>
+          <p:cNvSpPr>
+            <a:spLocks noGrp="1"/>
+          </p:cNvSpPr>
+          <p:nvPr>
+            <p:ph type="title"/>
+          </p:nvPr>
+        </p:nvSpPr>
+        <p:spPr/>
+        <p:txBody>
+          <a:bodyPr/>
+          <a:lstStyle/>
+          <a:p>
+            <a:pPr algn="ctr"/>
+            <a:r>
               <a:rPr lang="en-US" b="1" dirty="0" smtClean="0"/>
               <a:t>Publish your work</a:t>
             </a:r>
@@ -6373,15 +6539,15 @@
           <a:p>
             <a:pPr algn="ctr"/>
             <a:r>
-              <a:rPr lang="en-US" dirty="0" smtClean="0"/>
+              <a:rPr lang="en-US" b="1" dirty="0" smtClean="0"/>
               <a:t>Power BI interface</a:t>
             </a:r>
-            <a:endParaRPr lang="en-US" dirty="0"/>
-          </a:p>
-        </p:txBody>
-      </p:sp>
-      <mc:AlternateContent xmlns:mc="http://schemas.openxmlformats.org/markup-compatibility/2006">
-        <mc:Choice xmlns:p14="http://schemas.microsoft.com/office/powerpoint/2010/main" Requires="p14">
+            <a:endParaRPr lang="en-US" b="1" dirty="0"/>
+          </a:p>
+        </p:txBody>
+      </p:sp>
+      <mc:AlternateContent xmlns:mc="http://schemas.openxmlformats.org/markup-compatibility/2006" xmlns:p14="http://schemas.microsoft.com/office/powerpoint/2010/main">
+        <mc:Choice Requires="p14">
           <p:contentPart p14:bwMode="auto" r:id="rId3">
             <p14:nvContentPartPr>
               <p14:cNvPr id="7" name="Ink 6"/>
@@ -6394,7 +6560,7 @@
             </p14:xfrm>
           </p:contentPart>
         </mc:Choice>
-        <mc:Fallback>
+        <mc:Fallback xmlns="">
           <p:pic>
             <p:nvPicPr>
               <p:cNvPr id="7" name="Ink 6"/>
@@ -6419,8 +6585,8 @@
           </p:pic>
         </mc:Fallback>
       </mc:AlternateContent>
-      <mc:AlternateContent xmlns:mc="http://schemas.openxmlformats.org/markup-compatibility/2006">
-        <mc:Choice xmlns:p14="http://schemas.microsoft.com/office/powerpoint/2010/main" Requires="p14">
+      <mc:AlternateContent xmlns:mc="http://schemas.openxmlformats.org/markup-compatibility/2006" xmlns:p14="http://schemas.microsoft.com/office/powerpoint/2010/main">
+        <mc:Choice Requires="p14">
           <p:contentPart p14:bwMode="auto" r:id="rId5">
             <p14:nvContentPartPr>
               <p14:cNvPr id="19" name="Ink 18"/>
@@ -6433,7 +6599,7 @@
             </p14:xfrm>
           </p:contentPart>
         </mc:Choice>
-        <mc:Fallback>
+        <mc:Fallback xmlns="">
           <p:pic>
             <p:nvPicPr>
               <p:cNvPr id="19" name="Ink 18"/>
@@ -6458,8 +6624,8 @@
           </p:pic>
         </mc:Fallback>
       </mc:AlternateContent>
-      <mc:AlternateContent xmlns:mc="http://schemas.openxmlformats.org/markup-compatibility/2006">
-        <mc:Choice xmlns:p14="http://schemas.microsoft.com/office/powerpoint/2010/main" Requires="p14">
+      <mc:AlternateContent xmlns:mc="http://schemas.openxmlformats.org/markup-compatibility/2006" xmlns:p14="http://schemas.microsoft.com/office/powerpoint/2010/main">
+        <mc:Choice Requires="p14">
           <p:contentPart p14:bwMode="auto" r:id="rId7">
             <p14:nvContentPartPr>
               <p14:cNvPr id="21" name="Ink 20"/>
@@ -6472,7 +6638,7 @@
             </p14:xfrm>
           </p:contentPart>
         </mc:Choice>
-        <mc:Fallback>
+        <mc:Fallback xmlns="">
           <p:pic>
             <p:nvPicPr>
               <p:cNvPr id="21" name="Ink 20"/>
@@ -6497,8 +6663,8 @@
           </p:pic>
         </mc:Fallback>
       </mc:AlternateContent>
-      <mc:AlternateContent xmlns:mc="http://schemas.openxmlformats.org/markup-compatibility/2006">
-        <mc:Choice xmlns:p14="http://schemas.microsoft.com/office/powerpoint/2010/main" Requires="p14">
+      <mc:AlternateContent xmlns:mc="http://schemas.openxmlformats.org/markup-compatibility/2006" xmlns:p14="http://schemas.microsoft.com/office/powerpoint/2010/main">
+        <mc:Choice Requires="p14">
           <p:contentPart p14:bwMode="auto" r:id="rId9">
             <p14:nvContentPartPr>
               <p14:cNvPr id="30" name="Ink 29"/>
@@ -6511,7 +6677,7 @@
             </p14:xfrm>
           </p:contentPart>
         </mc:Choice>
-        <mc:Fallback>
+        <mc:Fallback xmlns="">
           <p:pic>
             <p:nvPicPr>
               <p:cNvPr id="30" name="Ink 29"/>
@@ -6536,8 +6702,8 @@
           </p:pic>
         </mc:Fallback>
       </mc:AlternateContent>
-      <mc:AlternateContent xmlns:mc="http://schemas.openxmlformats.org/markup-compatibility/2006">
-        <mc:Choice xmlns:p14="http://schemas.microsoft.com/office/powerpoint/2010/main" Requires="p14">
+      <mc:AlternateContent xmlns:mc="http://schemas.openxmlformats.org/markup-compatibility/2006" xmlns:p14="http://schemas.microsoft.com/office/powerpoint/2010/main">
+        <mc:Choice Requires="p14">
           <p:contentPart p14:bwMode="auto" r:id="rId11">
             <p14:nvContentPartPr>
               <p14:cNvPr id="35" name="Ink 34"/>
@@ -6550,7 +6716,7 @@
             </p14:xfrm>
           </p:contentPart>
         </mc:Choice>
-        <mc:Fallback>
+        <mc:Fallback xmlns="">
           <p:pic>
             <p:nvPicPr>
               <p:cNvPr id="35" name="Ink 34"/>
@@ -6575,8 +6741,8 @@
           </p:pic>
         </mc:Fallback>
       </mc:AlternateContent>
-      <mc:AlternateContent xmlns:mc="http://schemas.openxmlformats.org/markup-compatibility/2006">
-        <mc:Choice xmlns:p14="http://schemas.microsoft.com/office/powerpoint/2010/main" Requires="p14">
+      <mc:AlternateContent xmlns:mc="http://schemas.openxmlformats.org/markup-compatibility/2006" xmlns:p14="http://schemas.microsoft.com/office/powerpoint/2010/main">
+        <mc:Choice Requires="p14">
           <p:contentPart p14:bwMode="auto" r:id="rId13">
             <p14:nvContentPartPr>
               <p14:cNvPr id="37" name="Ink 36"/>
@@ -6589,7 +6755,7 @@
             </p14:xfrm>
           </p:contentPart>
         </mc:Choice>
-        <mc:Fallback>
+        <mc:Fallback xmlns="">
           <p:pic>
             <p:nvPicPr>
               <p:cNvPr id="37" name="Ink 36"/>
@@ -6825,8 +6991,8 @@
         </p:nvSpPr>
         <p:spPr>
           <a:xfrm>
-            <a:off x="5330584" y="274321"/>
-            <a:ext cx="1460913" cy="584775"/>
+            <a:off x="5322271" y="347928"/>
+            <a:ext cx="1820883" cy="707886"/>
           </a:xfrm>
           <a:prstGeom prst="rect">
             <a:avLst/>
@@ -6840,10 +7006,10 @@
           <a:lstStyle/>
           <a:p>
             <a:r>
-              <a:rPr lang="en-US" sz="3200" dirty="0" smtClean="0"/>
+              <a:rPr lang="en-US" sz="4000" b="1" dirty="0" smtClean="0"/>
               <a:t>Dataset</a:t>
             </a:r>
-            <a:endParaRPr lang="en-US" sz="3200" dirty="0"/>
+            <a:endParaRPr lang="en-US" sz="4000" b="1" dirty="0"/>
           </a:p>
         </p:txBody>
       </p:sp>
@@ -6899,10 +7065,10 @@
           <a:p>
             <a:pPr algn="ctr"/>
             <a:r>
-              <a:rPr lang="en-US" dirty="0" smtClean="0"/>
+              <a:rPr lang="en-US" b="1" dirty="0" smtClean="0"/>
               <a:t>Data model</a:t>
             </a:r>
-            <a:endParaRPr lang="en-US" dirty="0"/>
+            <a:endParaRPr lang="en-US" b="1" dirty="0"/>
           </a:p>
         </p:txBody>
       </p:sp>
@@ -6977,10 +7143,10 @@
           <a:p>
             <a:pPr algn="ctr"/>
             <a:r>
-              <a:rPr lang="en-US" dirty="0" smtClean="0"/>
+              <a:rPr lang="en-US" b="1" dirty="0" smtClean="0"/>
               <a:t>Transform</a:t>
             </a:r>
-            <a:endParaRPr lang="en-US" dirty="0"/>
+            <a:endParaRPr lang="en-US" b="1" dirty="0"/>
           </a:p>
         </p:txBody>
       </p:sp>
@@ -7000,7 +7166,7 @@
         </p:blipFill>
         <p:spPr>
           <a:xfrm>
-            <a:off x="6849687" y="2680179"/>
+            <a:off x="6882938" y="4073237"/>
             <a:ext cx="4940366" cy="2220389"/>
           </a:xfrm>
           <a:prstGeom prst="rect">
@@ -7024,7 +7190,7 @@
         </p:blipFill>
         <p:spPr>
           <a:xfrm>
-            <a:off x="588818" y="2661503"/>
+            <a:off x="610421" y="4073237"/>
             <a:ext cx="5068007" cy="2257740"/>
           </a:xfrm>
           <a:prstGeom prst="rect">
@@ -7040,7 +7206,7 @@
         </p:nvSpPr>
         <p:spPr>
           <a:xfrm>
-            <a:off x="5893722" y="3665683"/>
+            <a:off x="5865044" y="4998330"/>
             <a:ext cx="740671" cy="407554"/>
           </a:xfrm>
           <a:prstGeom prst="rightArrow">
@@ -7072,6 +7238,30 @@
           </a:p>
         </p:txBody>
       </p:sp>
+      <p:pic>
+        <p:nvPicPr>
+          <p:cNvPr id="6" name="Picture 5"/>
+          <p:cNvPicPr>
+            <a:picLocks noChangeAspect="1"/>
+          </p:cNvPicPr>
+          <p:nvPr/>
+        </p:nvPicPr>
+        <p:blipFill>
+          <a:blip r:embed="rId4"/>
+          <a:stretch>
+            <a:fillRect/>
+          </a:stretch>
+        </p:blipFill>
+        <p:spPr>
+          <a:xfrm>
+            <a:off x="3561996" y="1690688"/>
+            <a:ext cx="5068007" cy="2092375"/>
+          </a:xfrm>
+          <a:prstGeom prst="rect">
+            <a:avLst/>
+          </a:prstGeom>
+        </p:spPr>
+      </p:pic>
     </p:spTree>
     <p:extLst>
       <p:ext uri="{BB962C8B-B14F-4D97-AF65-F5344CB8AC3E}">
@@ -7120,7 +7310,7 @@
             <a:pPr algn="ctr"/>
             <a:r>
               <a:rPr lang="en-US" b="1" dirty="0" smtClean="0"/>
-              <a:t>Report 1: salary by researcher name</a:t>
+              <a:t>Summarization</a:t>
             </a:r>
             <a:endParaRPr lang="en-US" b="1" dirty="0"/>
           </a:p>
@@ -7142,14 +7332,262 @@
         </p:blipFill>
         <p:spPr>
           <a:xfrm>
-            <a:off x="1587730" y="1492390"/>
-            <a:ext cx="9518215" cy="5191065"/>
+            <a:off x="3625817" y="4206241"/>
+            <a:ext cx="4940366" cy="2220389"/>
           </a:xfrm>
           <a:prstGeom prst="rect">
             <a:avLst/>
           </a:prstGeom>
         </p:spPr>
       </p:pic>
+      <p:pic>
+        <p:nvPicPr>
+          <p:cNvPr id="7" name="Picture 6"/>
+          <p:cNvPicPr>
+            <a:picLocks noChangeAspect="1"/>
+          </p:cNvPicPr>
+          <p:nvPr/>
+        </p:nvPicPr>
+        <p:blipFill>
+          <a:blip r:embed="rId3"/>
+          <a:stretch>
+            <a:fillRect/>
+          </a:stretch>
+        </p:blipFill>
+        <p:spPr>
+          <a:xfrm>
+            <a:off x="2976890" y="1690688"/>
+            <a:ext cx="6238219" cy="2161759"/>
+          </a:xfrm>
+          <a:prstGeom prst="rect">
+            <a:avLst/>
+          </a:prstGeom>
+        </p:spPr>
+      </p:pic>
+      <p:cxnSp>
+        <p:nvCxnSpPr>
+          <p:cNvPr id="8" name="Straight Arrow Connector 7"/>
+          <p:cNvCxnSpPr/>
+          <p:nvPr/>
+        </p:nvCxnSpPr>
+        <p:spPr>
+          <a:xfrm flipH="1">
+            <a:off x="8645236" y="1336894"/>
+            <a:ext cx="274320" cy="640080"/>
+          </a:xfrm>
+          <a:prstGeom prst="straightConnector1">
+            <a:avLst/>
+          </a:prstGeom>
+          <a:ln w="38100">
+            <a:solidFill>
+              <a:srgbClr val="FF0000"/>
+            </a:solidFill>
+            <a:tailEnd type="triangle"/>
+          </a:ln>
+        </p:spPr>
+        <p:style>
+          <a:lnRef idx="1">
+            <a:schemeClr val="accent1"/>
+          </a:lnRef>
+          <a:fillRef idx="0">
+            <a:schemeClr val="accent1"/>
+          </a:fillRef>
+          <a:effectRef idx="0">
+            <a:schemeClr val="accent1"/>
+          </a:effectRef>
+          <a:fontRef idx="minor">
+            <a:schemeClr val="tx1"/>
+          </a:fontRef>
+        </p:style>
+      </p:cxnSp>
+    </p:spTree>
+    <p:extLst>
+      <p:ext uri="{BB962C8B-B14F-4D97-AF65-F5344CB8AC3E}">
+        <p14:creationId xmlns:p14="http://schemas.microsoft.com/office/powerpoint/2010/main" val="680101906"/>
+      </p:ext>
+    </p:extLst>
+  </p:cSld>
+  <p:clrMapOvr>
+    <a:masterClrMapping/>
+  </p:clrMapOvr>
+</p:sld>
+</file>
+
+<file path=ppt/slides/slide8.xml><?xml version="1.0" encoding="utf-8"?>
+<p:sld xmlns:a="http://schemas.openxmlformats.org/drawingml/2006/main" xmlns:r="http://schemas.openxmlformats.org/officeDocument/2006/relationships" xmlns:p="http://schemas.openxmlformats.org/presentationml/2006/main">
+  <p:cSld>
+    <p:spTree>
+      <p:nvGrpSpPr>
+        <p:cNvPr id="1" name=""/>
+        <p:cNvGrpSpPr/>
+        <p:nvPr/>
+      </p:nvGrpSpPr>
+      <p:grpSpPr>
+        <a:xfrm>
+          <a:off x="0" y="0"/>
+          <a:ext cx="0" cy="0"/>
+          <a:chOff x="0" y="0"/>
+          <a:chExt cx="0" cy="0"/>
+        </a:xfrm>
+      </p:grpSpPr>
+      <p:sp>
+        <p:nvSpPr>
+          <p:cNvPr id="2" name="Title 1"/>
+          <p:cNvSpPr>
+            <a:spLocks noGrp="1"/>
+          </p:cNvSpPr>
+          <p:nvPr>
+            <p:ph type="title"/>
+          </p:nvPr>
+        </p:nvSpPr>
+        <p:spPr/>
+        <p:txBody>
+          <a:bodyPr>
+            <a:normAutofit/>
+          </a:bodyPr>
+          <a:lstStyle/>
+          <a:p>
+            <a:pPr algn="ctr"/>
+            <a:r>
+              <a:rPr lang="en-US" sz="3600" b="1" dirty="0" smtClean="0"/>
+              <a:t>Report 1: salary by researcher name</a:t>
+            </a:r>
+            <a:endParaRPr lang="en-US" sz="3600" b="1" dirty="0"/>
+          </a:p>
+        </p:txBody>
+      </p:sp>
+      <p:pic>
+        <p:nvPicPr>
+          <p:cNvPr id="3" name="Picture 2"/>
+          <p:cNvPicPr>
+            <a:picLocks noChangeAspect="1"/>
+          </p:cNvPicPr>
+          <p:nvPr/>
+        </p:nvPicPr>
+        <p:blipFill>
+          <a:blip r:embed="rId2"/>
+          <a:stretch>
+            <a:fillRect/>
+          </a:stretch>
+        </p:blipFill>
+        <p:spPr>
+          <a:xfrm>
+            <a:off x="1553024" y="1690688"/>
+            <a:ext cx="9085952" cy="4955316"/>
+          </a:xfrm>
+          <a:prstGeom prst="rect">
+            <a:avLst/>
+          </a:prstGeom>
+        </p:spPr>
+      </p:pic>
+      <p:cxnSp>
+        <p:nvCxnSpPr>
+          <p:cNvPr id="5" name="Straight Arrow Connector 4"/>
+          <p:cNvCxnSpPr/>
+          <p:nvPr/>
+        </p:nvCxnSpPr>
+        <p:spPr>
+          <a:xfrm flipH="1">
+            <a:off x="7897091" y="1953491"/>
+            <a:ext cx="274320" cy="640080"/>
+          </a:xfrm>
+          <a:prstGeom prst="straightConnector1">
+            <a:avLst/>
+          </a:prstGeom>
+          <a:ln w="38100">
+            <a:solidFill>
+              <a:srgbClr val="FF0000"/>
+            </a:solidFill>
+            <a:tailEnd type="triangle"/>
+          </a:ln>
+        </p:spPr>
+        <p:style>
+          <a:lnRef idx="1">
+            <a:schemeClr val="accent1"/>
+          </a:lnRef>
+          <a:fillRef idx="0">
+            <a:schemeClr val="accent1"/>
+          </a:fillRef>
+          <a:effectRef idx="0">
+            <a:schemeClr val="accent1"/>
+          </a:effectRef>
+          <a:fontRef idx="minor">
+            <a:schemeClr val="tx1"/>
+          </a:fontRef>
+        </p:style>
+      </p:cxnSp>
+      <p:cxnSp>
+        <p:nvCxnSpPr>
+          <p:cNvPr id="7" name="Straight Arrow Connector 6"/>
+          <p:cNvCxnSpPr/>
+          <p:nvPr/>
+        </p:nvCxnSpPr>
+        <p:spPr>
+          <a:xfrm flipH="1">
+            <a:off x="8589818" y="3524596"/>
+            <a:ext cx="1061258" cy="323710"/>
+          </a:xfrm>
+          <a:prstGeom prst="straightConnector1">
+            <a:avLst/>
+          </a:prstGeom>
+          <a:ln w="38100">
+            <a:solidFill>
+              <a:srgbClr val="FF0000"/>
+            </a:solidFill>
+            <a:tailEnd type="triangle"/>
+          </a:ln>
+        </p:spPr>
+        <p:style>
+          <a:lnRef idx="1">
+            <a:schemeClr val="accent1"/>
+          </a:lnRef>
+          <a:fillRef idx="0">
+            <a:schemeClr val="accent1"/>
+          </a:fillRef>
+          <a:effectRef idx="0">
+            <a:schemeClr val="accent1"/>
+          </a:effectRef>
+          <a:fontRef idx="minor">
+            <a:schemeClr val="tx1"/>
+          </a:fontRef>
+        </p:style>
+      </p:cxnSp>
+      <p:cxnSp>
+        <p:nvCxnSpPr>
+          <p:cNvPr id="9" name="Straight Arrow Connector 8"/>
+          <p:cNvCxnSpPr/>
+          <p:nvPr/>
+        </p:nvCxnSpPr>
+        <p:spPr>
+          <a:xfrm flipH="1">
+            <a:off x="8731135" y="3848306"/>
+            <a:ext cx="1327265" cy="960120"/>
+          </a:xfrm>
+          <a:prstGeom prst="straightConnector1">
+            <a:avLst/>
+          </a:prstGeom>
+          <a:ln w="38100">
+            <a:solidFill>
+              <a:srgbClr val="FF0000"/>
+            </a:solidFill>
+            <a:tailEnd type="triangle"/>
+          </a:ln>
+        </p:spPr>
+        <p:style>
+          <a:lnRef idx="1">
+            <a:schemeClr val="accent1"/>
+          </a:lnRef>
+          <a:fillRef idx="0">
+            <a:schemeClr val="accent1"/>
+          </a:fillRef>
+          <a:effectRef idx="0">
+            <a:schemeClr val="accent1"/>
+          </a:effectRef>
+          <a:fontRef idx="minor">
+            <a:schemeClr val="tx1"/>
+          </a:fontRef>
+        </p:style>
+      </p:cxnSp>
     </p:spTree>
     <p:extLst>
       <p:ext uri="{BB962C8B-B14F-4D97-AF65-F5344CB8AC3E}">
@@ -7163,7 +7601,7 @@
 </p:sld>
 </file>
 
-<file path=ppt/slides/slide8.xml><?xml version="1.0" encoding="utf-8"?>
+<file path=ppt/slides/slide9.xml><?xml version="1.0" encoding="utf-8"?>
 <p:sld xmlns:a="http://schemas.openxmlformats.org/drawingml/2006/main" xmlns:r="http://schemas.openxmlformats.org/officeDocument/2006/relationships" xmlns:p="http://schemas.openxmlformats.org/presentationml/2006/main">
   <p:cSld>
     <p:spTree>
@@ -7232,89 +7670,6 @@
     <p:extLst>
       <p:ext uri="{BB962C8B-B14F-4D97-AF65-F5344CB8AC3E}">
         <p14:creationId xmlns:p14="http://schemas.microsoft.com/office/powerpoint/2010/main" val="3611500536"/>
-      </p:ext>
-    </p:extLst>
-  </p:cSld>
-  <p:clrMapOvr>
-    <a:masterClrMapping/>
-  </p:clrMapOvr>
-</p:sld>
-</file>
-
-<file path=ppt/slides/slide9.xml><?xml version="1.0" encoding="utf-8"?>
-<p:sld xmlns:a="http://schemas.openxmlformats.org/drawingml/2006/main" xmlns:r="http://schemas.openxmlformats.org/officeDocument/2006/relationships" xmlns:p="http://schemas.openxmlformats.org/presentationml/2006/main">
-  <p:cSld>
-    <p:spTree>
-      <p:nvGrpSpPr>
-        <p:cNvPr id="1" name=""/>
-        <p:cNvGrpSpPr/>
-        <p:nvPr/>
-      </p:nvGrpSpPr>
-      <p:grpSpPr>
-        <a:xfrm>
-          <a:off x="0" y="0"/>
-          <a:ext cx="0" cy="0"/>
-          <a:chOff x="0" y="0"/>
-          <a:chExt cx="0" cy="0"/>
-        </a:xfrm>
-      </p:grpSpPr>
-      <p:pic>
-        <p:nvPicPr>
-          <p:cNvPr id="3" name="Picture 2"/>
-          <p:cNvPicPr>
-            <a:picLocks noChangeAspect="1"/>
-          </p:cNvPicPr>
-          <p:nvPr/>
-        </p:nvPicPr>
-        <p:blipFill>
-          <a:blip r:embed="rId2"/>
-          <a:stretch>
-            <a:fillRect/>
-          </a:stretch>
-        </p:blipFill>
-        <p:spPr>
-          <a:xfrm>
-            <a:off x="1832945" y="1821629"/>
-            <a:ext cx="8526109" cy="4709599"/>
-          </a:xfrm>
-          <a:prstGeom prst="rect">
-            <a:avLst/>
-          </a:prstGeom>
-        </p:spPr>
-      </p:pic>
-      <p:sp>
-        <p:nvSpPr>
-          <p:cNvPr id="4" name="Title 1"/>
-          <p:cNvSpPr>
-            <a:spLocks noGrp="1"/>
-          </p:cNvSpPr>
-          <p:nvPr>
-            <p:ph type="title"/>
-          </p:nvPr>
-        </p:nvSpPr>
-        <p:spPr>
-          <a:xfrm>
-            <a:off x="838200" y="365125"/>
-            <a:ext cx="10515600" cy="1325563"/>
-          </a:xfrm>
-        </p:spPr>
-        <p:txBody>
-          <a:bodyPr/>
-          <a:lstStyle/>
-          <a:p>
-            <a:pPr algn="ctr"/>
-            <a:r>
-              <a:rPr lang="en-US" b="1" dirty="0" smtClean="0"/>
-              <a:t>Report 3: salary by Graduate country</a:t>
-            </a:r>
-            <a:endParaRPr lang="en-US" b="1" dirty="0"/>
-          </a:p>
-        </p:txBody>
-      </p:sp>
-    </p:spTree>
-    <p:extLst>
-      <p:ext uri="{BB962C8B-B14F-4D97-AF65-F5344CB8AC3E}">
-        <p14:creationId xmlns:p14="http://schemas.microsoft.com/office/powerpoint/2010/main" val="3789670181"/>
       </p:ext>
     </p:extLst>
   </p:cSld>

--- a/12-PowerBI/DSTools-Power-BI.pptx
+++ b/12-PowerBI/DSTools-Power-BI.pptx
@@ -4,6 +4,9 @@
   <p:sldMasterIdLst>
     <p:sldMasterId id="2147483648" r:id="rId1"/>
   </p:sldMasterIdLst>
+  <p:notesMasterIdLst>
+    <p:notesMasterId r:id="rId24"/>
+  </p:notesMasterIdLst>
   <p:sldIdLst>
     <p:sldId id="256" r:id="rId2"/>
     <p:sldId id="260" r:id="rId3"/>
@@ -20,12 +23,12 @@
     <p:sldId id="274" r:id="rId14"/>
     <p:sldId id="267" r:id="rId15"/>
     <p:sldId id="268" r:id="rId16"/>
-    <p:sldId id="269" r:id="rId17"/>
+    <p:sldId id="279" r:id="rId17"/>
     <p:sldId id="271" r:id="rId18"/>
-    <p:sldId id="272" r:id="rId19"/>
+    <p:sldId id="275" r:id="rId19"/>
     <p:sldId id="276" r:id="rId20"/>
     <p:sldId id="270" r:id="rId21"/>
-    <p:sldId id="275" r:id="rId22"/>
+    <p:sldId id="280" r:id="rId22"/>
     <p:sldId id="273" r:id="rId23"/>
   </p:sldIdLst>
   <p:sldSz cx="12192000" cy="6858000"/>
@@ -737,6 +740,536 @@
 </inkml:ink>
 </file>
 
+<file path=ppt/ink/ink8.xml><?xml version="1.0" encoding="utf-8"?>
+<inkml:ink xmlns:inkml="http://www.w3.org/2003/InkML">
+  <inkml:definitions>
+    <inkml:context xml:id="ctx0">
+      <inkml:inkSource xml:id="inkSrc0">
+        <inkml:traceFormat>
+          <inkml:channel name="X" type="integer" max="32767" units="cm"/>
+          <inkml:channel name="Y" type="integer" max="32767" units="cm"/>
+          <inkml:channel name="F" type="integer" max="4095" units="deg"/>
+          <inkml:channel name="T" type="integer" max="2.14748E9" units="dev"/>
+        </inkml:traceFormat>
+        <inkml:channelProperties>
+          <inkml:channelProperty channel="X" name="resolution" value="2155.72363" units="1/cm"/>
+          <inkml:channelProperty channel="Y" name="resolution" value="3449.15796" units="1/cm"/>
+          <inkml:channelProperty channel="F" name="resolution" value="11.375" units="1/deg"/>
+          <inkml:channelProperty channel="T" name="resolution" value="1" units="1/dev"/>
+        </inkml:channelProperties>
+      </inkml:inkSource>
+      <inkml:timestamp xml:id="ts0" timeString="2022-04-09T08:46:40.640"/>
+    </inkml:context>
+    <inkml:brush xml:id="br0">
+      <inkml:brushProperty name="width" value="0.04667" units="cm"/>
+      <inkml:brushProperty name="height" value="0.04667" units="cm"/>
+      <inkml:brushProperty name="fitToCurve" value="1"/>
+    </inkml:brush>
+  </inkml:definitions>
+  <inkml:trace contextRef="#ctx0" brushRef="#br0">5572 1951 489 0,'0'0'26'16,"0"0"-26"-16,0 0-36 15,0 0-26-15,0 0-38 16,0 0-40-16</inkml:trace>
+</inkml:ink>
+</file>
+
+<file path=ppt/notesMasters/notesMaster1.xml><?xml version="1.0" encoding="utf-8"?>
+<p:notesMaster xmlns:a="http://schemas.openxmlformats.org/drawingml/2006/main" xmlns:r="http://schemas.openxmlformats.org/officeDocument/2006/relationships" xmlns:p="http://schemas.openxmlformats.org/presentationml/2006/main">
+  <p:cSld>
+    <p:bg>
+      <p:bgRef idx="1001">
+        <a:schemeClr val="bg1"/>
+      </p:bgRef>
+    </p:bg>
+    <p:spTree>
+      <p:nvGrpSpPr>
+        <p:cNvPr id="1" name=""/>
+        <p:cNvGrpSpPr/>
+        <p:nvPr/>
+      </p:nvGrpSpPr>
+      <p:grpSpPr>
+        <a:xfrm>
+          <a:off x="0" y="0"/>
+          <a:ext cx="0" cy="0"/>
+          <a:chOff x="0" y="0"/>
+          <a:chExt cx="0" cy="0"/>
+        </a:xfrm>
+      </p:grpSpPr>
+      <p:sp>
+        <p:nvSpPr>
+          <p:cNvPr id="2" name="Header Placeholder 1"/>
+          <p:cNvSpPr>
+            <a:spLocks noGrp="1"/>
+          </p:cNvSpPr>
+          <p:nvPr>
+            <p:ph type="hdr" sz="quarter"/>
+          </p:nvPr>
+        </p:nvSpPr>
+        <p:spPr>
+          <a:xfrm>
+            <a:off x="0" y="0"/>
+            <a:ext cx="2971800" cy="458788"/>
+          </a:xfrm>
+          <a:prstGeom prst="rect">
+            <a:avLst/>
+          </a:prstGeom>
+        </p:spPr>
+        <p:txBody>
+          <a:bodyPr vert="horz" lIns="91440" tIns="45720" rIns="91440" bIns="45720" rtlCol="0"/>
+          <a:lstStyle>
+            <a:lvl1pPr algn="l">
+              <a:defRPr sz="1200"/>
+            </a:lvl1pPr>
+          </a:lstStyle>
+          <a:p>
+            <a:endParaRPr lang="en-US"/>
+          </a:p>
+        </p:txBody>
+      </p:sp>
+      <p:sp>
+        <p:nvSpPr>
+          <p:cNvPr id="3" name="Date Placeholder 2"/>
+          <p:cNvSpPr>
+            <a:spLocks noGrp="1"/>
+          </p:cNvSpPr>
+          <p:nvPr>
+            <p:ph type="dt" idx="1"/>
+          </p:nvPr>
+        </p:nvSpPr>
+        <p:spPr>
+          <a:xfrm>
+            <a:off x="3884613" y="0"/>
+            <a:ext cx="2971800" cy="458788"/>
+          </a:xfrm>
+          <a:prstGeom prst="rect">
+            <a:avLst/>
+          </a:prstGeom>
+        </p:spPr>
+        <p:txBody>
+          <a:bodyPr vert="horz" lIns="91440" tIns="45720" rIns="91440" bIns="45720" rtlCol="0"/>
+          <a:lstStyle>
+            <a:lvl1pPr algn="r">
+              <a:defRPr sz="1200"/>
+            </a:lvl1pPr>
+          </a:lstStyle>
+          <a:p>
+            <a:fld id="{6B599380-7559-415A-84A9-B39CD49769A7}" type="datetimeFigureOut">
+              <a:rPr lang="en-US" smtClean="0"/>
+              <a:t>5/30/2022</a:t>
+            </a:fld>
+            <a:endParaRPr lang="en-US"/>
+          </a:p>
+        </p:txBody>
+      </p:sp>
+      <p:sp>
+        <p:nvSpPr>
+          <p:cNvPr id="4" name="Slide Image Placeholder 3"/>
+          <p:cNvSpPr>
+            <a:spLocks noGrp="1" noRot="1" noChangeAspect="1"/>
+          </p:cNvSpPr>
+          <p:nvPr>
+            <p:ph type="sldImg" idx="2"/>
+          </p:nvPr>
+        </p:nvSpPr>
+        <p:spPr>
+          <a:xfrm>
+            <a:off x="685800" y="1143000"/>
+            <a:ext cx="5486400" cy="3086100"/>
+          </a:xfrm>
+          <a:prstGeom prst="rect">
+            <a:avLst/>
+          </a:prstGeom>
+          <a:noFill/>
+          <a:ln w="12700">
+            <a:solidFill>
+              <a:prstClr val="black"/>
+            </a:solidFill>
+          </a:ln>
+        </p:spPr>
+        <p:txBody>
+          <a:bodyPr vert="horz" lIns="91440" tIns="45720" rIns="91440" bIns="45720" rtlCol="0" anchor="ctr"/>
+          <a:lstStyle/>
+          <a:p>
+            <a:endParaRPr lang="en-US"/>
+          </a:p>
+        </p:txBody>
+      </p:sp>
+      <p:sp>
+        <p:nvSpPr>
+          <p:cNvPr id="5" name="Notes Placeholder 4"/>
+          <p:cNvSpPr>
+            <a:spLocks noGrp="1"/>
+          </p:cNvSpPr>
+          <p:nvPr>
+            <p:ph type="body" sz="quarter" idx="3"/>
+          </p:nvPr>
+        </p:nvSpPr>
+        <p:spPr>
+          <a:xfrm>
+            <a:off x="685800" y="4400550"/>
+            <a:ext cx="5486400" cy="3600450"/>
+          </a:xfrm>
+          <a:prstGeom prst="rect">
+            <a:avLst/>
+          </a:prstGeom>
+        </p:spPr>
+        <p:txBody>
+          <a:bodyPr vert="horz" lIns="91440" tIns="45720" rIns="91440" bIns="45720" rtlCol="0"/>
+          <a:lstStyle/>
+          <a:p>
+            <a:pPr lvl="0"/>
+            <a:r>
+              <a:rPr lang="en-US" smtClean="0"/>
+              <a:t>Edit Master text styles</a:t>
+            </a:r>
+          </a:p>
+          <a:p>
+            <a:pPr lvl="1"/>
+            <a:r>
+              <a:rPr lang="en-US" smtClean="0"/>
+              <a:t>Second level</a:t>
+            </a:r>
+          </a:p>
+          <a:p>
+            <a:pPr lvl="2"/>
+            <a:r>
+              <a:rPr lang="en-US" smtClean="0"/>
+              <a:t>Third level</a:t>
+            </a:r>
+          </a:p>
+          <a:p>
+            <a:pPr lvl="3"/>
+            <a:r>
+              <a:rPr lang="en-US" smtClean="0"/>
+              <a:t>Fourth level</a:t>
+            </a:r>
+          </a:p>
+          <a:p>
+            <a:pPr lvl="4"/>
+            <a:r>
+              <a:rPr lang="en-US" smtClean="0"/>
+              <a:t>Fifth level</a:t>
+            </a:r>
+            <a:endParaRPr lang="en-US"/>
+          </a:p>
+        </p:txBody>
+      </p:sp>
+      <p:sp>
+        <p:nvSpPr>
+          <p:cNvPr id="6" name="Footer Placeholder 5"/>
+          <p:cNvSpPr>
+            <a:spLocks noGrp="1"/>
+          </p:cNvSpPr>
+          <p:nvPr>
+            <p:ph type="ftr" sz="quarter" idx="4"/>
+          </p:nvPr>
+        </p:nvSpPr>
+        <p:spPr>
+          <a:xfrm>
+            <a:off x="0" y="8685213"/>
+            <a:ext cx="2971800" cy="458787"/>
+          </a:xfrm>
+          <a:prstGeom prst="rect">
+            <a:avLst/>
+          </a:prstGeom>
+        </p:spPr>
+        <p:txBody>
+          <a:bodyPr vert="horz" lIns="91440" tIns="45720" rIns="91440" bIns="45720" rtlCol="0" anchor="b"/>
+          <a:lstStyle>
+            <a:lvl1pPr algn="l">
+              <a:defRPr sz="1200"/>
+            </a:lvl1pPr>
+          </a:lstStyle>
+          <a:p>
+            <a:endParaRPr lang="en-US"/>
+          </a:p>
+        </p:txBody>
+      </p:sp>
+      <p:sp>
+        <p:nvSpPr>
+          <p:cNvPr id="7" name="Slide Number Placeholder 6"/>
+          <p:cNvSpPr>
+            <a:spLocks noGrp="1"/>
+          </p:cNvSpPr>
+          <p:nvPr>
+            <p:ph type="sldNum" sz="quarter" idx="5"/>
+          </p:nvPr>
+        </p:nvSpPr>
+        <p:spPr>
+          <a:xfrm>
+            <a:off x="3884613" y="8685213"/>
+            <a:ext cx="2971800" cy="458787"/>
+          </a:xfrm>
+          <a:prstGeom prst="rect">
+            <a:avLst/>
+          </a:prstGeom>
+        </p:spPr>
+        <p:txBody>
+          <a:bodyPr vert="horz" lIns="91440" tIns="45720" rIns="91440" bIns="45720" rtlCol="0" anchor="b"/>
+          <a:lstStyle>
+            <a:lvl1pPr algn="r">
+              <a:defRPr sz="1200"/>
+            </a:lvl1pPr>
+          </a:lstStyle>
+          <a:p>
+            <a:fld id="{DAE87AE8-675A-4C54-86D1-805E98968A10}" type="slidenum">
+              <a:rPr lang="en-US" smtClean="0"/>
+              <a:t>‹#›</a:t>
+            </a:fld>
+            <a:endParaRPr lang="en-US"/>
+          </a:p>
+        </p:txBody>
+      </p:sp>
+    </p:spTree>
+    <p:extLst>
+      <p:ext uri="{BB962C8B-B14F-4D97-AF65-F5344CB8AC3E}">
+        <p14:creationId xmlns:p14="http://schemas.microsoft.com/office/powerpoint/2010/main" val="1703350172"/>
+      </p:ext>
+    </p:extLst>
+  </p:cSld>
+  <p:clrMap bg1="lt1" tx1="dk1" bg2="lt2" tx2="dk2" accent1="accent1" accent2="accent2" accent3="accent3" accent4="accent4" accent5="accent5" accent6="accent6" hlink="hlink" folHlink="folHlink"/>
+  <p:notesStyle>
+    <a:lvl1pPr marL="0" algn="l" defTabSz="914400" rtl="0" eaLnBrk="1" latinLnBrk="0" hangingPunct="1">
+      <a:defRPr sz="1200" kern="1200">
+        <a:solidFill>
+          <a:schemeClr val="tx1"/>
+        </a:solidFill>
+        <a:latin typeface="+mn-lt"/>
+        <a:ea typeface="+mn-ea"/>
+        <a:cs typeface="+mn-cs"/>
+      </a:defRPr>
+    </a:lvl1pPr>
+    <a:lvl2pPr marL="457200" algn="l" defTabSz="914400" rtl="0" eaLnBrk="1" latinLnBrk="0" hangingPunct="1">
+      <a:defRPr sz="1200" kern="1200">
+        <a:solidFill>
+          <a:schemeClr val="tx1"/>
+        </a:solidFill>
+        <a:latin typeface="+mn-lt"/>
+        <a:ea typeface="+mn-ea"/>
+        <a:cs typeface="+mn-cs"/>
+      </a:defRPr>
+    </a:lvl2pPr>
+    <a:lvl3pPr marL="914400" algn="l" defTabSz="914400" rtl="0" eaLnBrk="1" latinLnBrk="0" hangingPunct="1">
+      <a:defRPr sz="1200" kern="1200">
+        <a:solidFill>
+          <a:schemeClr val="tx1"/>
+        </a:solidFill>
+        <a:latin typeface="+mn-lt"/>
+        <a:ea typeface="+mn-ea"/>
+        <a:cs typeface="+mn-cs"/>
+      </a:defRPr>
+    </a:lvl3pPr>
+    <a:lvl4pPr marL="1371600" algn="l" defTabSz="914400" rtl="0" eaLnBrk="1" latinLnBrk="0" hangingPunct="1">
+      <a:defRPr sz="1200" kern="1200">
+        <a:solidFill>
+          <a:schemeClr val="tx1"/>
+        </a:solidFill>
+        <a:latin typeface="+mn-lt"/>
+        <a:ea typeface="+mn-ea"/>
+        <a:cs typeface="+mn-cs"/>
+      </a:defRPr>
+    </a:lvl4pPr>
+    <a:lvl5pPr marL="1828800" algn="l" defTabSz="914400" rtl="0" eaLnBrk="1" latinLnBrk="0" hangingPunct="1">
+      <a:defRPr sz="1200" kern="1200">
+        <a:solidFill>
+          <a:schemeClr val="tx1"/>
+        </a:solidFill>
+        <a:latin typeface="+mn-lt"/>
+        <a:ea typeface="+mn-ea"/>
+        <a:cs typeface="+mn-cs"/>
+      </a:defRPr>
+    </a:lvl5pPr>
+    <a:lvl6pPr marL="2286000" algn="l" defTabSz="914400" rtl="0" eaLnBrk="1" latinLnBrk="0" hangingPunct="1">
+      <a:defRPr sz="1200" kern="1200">
+        <a:solidFill>
+          <a:schemeClr val="tx1"/>
+        </a:solidFill>
+        <a:latin typeface="+mn-lt"/>
+        <a:ea typeface="+mn-ea"/>
+        <a:cs typeface="+mn-cs"/>
+      </a:defRPr>
+    </a:lvl6pPr>
+    <a:lvl7pPr marL="2743200" algn="l" defTabSz="914400" rtl="0" eaLnBrk="1" latinLnBrk="0" hangingPunct="1">
+      <a:defRPr sz="1200" kern="1200">
+        <a:solidFill>
+          <a:schemeClr val="tx1"/>
+        </a:solidFill>
+        <a:latin typeface="+mn-lt"/>
+        <a:ea typeface="+mn-ea"/>
+        <a:cs typeface="+mn-cs"/>
+      </a:defRPr>
+    </a:lvl7pPr>
+    <a:lvl8pPr marL="3200400" algn="l" defTabSz="914400" rtl="0" eaLnBrk="1" latinLnBrk="0" hangingPunct="1">
+      <a:defRPr sz="1200" kern="1200">
+        <a:solidFill>
+          <a:schemeClr val="tx1"/>
+        </a:solidFill>
+        <a:latin typeface="+mn-lt"/>
+        <a:ea typeface="+mn-ea"/>
+        <a:cs typeface="+mn-cs"/>
+      </a:defRPr>
+    </a:lvl8pPr>
+    <a:lvl9pPr marL="3657600" algn="l" defTabSz="914400" rtl="0" eaLnBrk="1" latinLnBrk="0" hangingPunct="1">
+      <a:defRPr sz="1200" kern="1200">
+        <a:solidFill>
+          <a:schemeClr val="tx1"/>
+        </a:solidFill>
+        <a:latin typeface="+mn-lt"/>
+        <a:ea typeface="+mn-ea"/>
+        <a:cs typeface="+mn-cs"/>
+      </a:defRPr>
+    </a:lvl9pPr>
+  </p:notesStyle>
+</p:notesMaster>
+</file>
+
+<file path=ppt/notesSlides/notesSlide1.xml><?xml version="1.0" encoding="utf-8"?>
+<p:notes xmlns:a="http://schemas.openxmlformats.org/drawingml/2006/main" xmlns:r="http://schemas.openxmlformats.org/officeDocument/2006/relationships" xmlns:p="http://schemas.openxmlformats.org/presentationml/2006/main">
+  <p:cSld>
+    <p:spTree>
+      <p:nvGrpSpPr>
+        <p:cNvPr id="1" name=""/>
+        <p:cNvGrpSpPr/>
+        <p:nvPr/>
+      </p:nvGrpSpPr>
+      <p:grpSpPr>
+        <a:xfrm>
+          <a:off x="0" y="0"/>
+          <a:ext cx="0" cy="0"/>
+          <a:chOff x="0" y="0"/>
+          <a:chExt cx="0" cy="0"/>
+        </a:xfrm>
+      </p:grpSpPr>
+      <p:sp>
+        <p:nvSpPr>
+          <p:cNvPr id="2" name="Slide Image Placeholder 1"/>
+          <p:cNvSpPr>
+            <a:spLocks noGrp="1" noRot="1" noChangeAspect="1"/>
+          </p:cNvSpPr>
+          <p:nvPr>
+            <p:ph type="sldImg"/>
+          </p:nvPr>
+        </p:nvSpPr>
+        <p:spPr/>
+      </p:sp>
+      <p:sp>
+        <p:nvSpPr>
+          <p:cNvPr id="3" name="Notes Placeholder 2"/>
+          <p:cNvSpPr>
+            <a:spLocks noGrp="1"/>
+          </p:cNvSpPr>
+          <p:nvPr>
+            <p:ph type="body" idx="1"/>
+          </p:nvPr>
+        </p:nvSpPr>
+        <p:spPr/>
+        <p:txBody>
+          <a:bodyPr/>
+          <a:lstStyle/>
+          <a:p>
+            <a:r>
+              <a:rPr lang="en-US" sz="1200" b="0" i="0" kern="1200" dirty="0" smtClean="0">
+                <a:solidFill>
+                  <a:schemeClr val="tx1"/>
+                </a:solidFill>
+                <a:effectLst/>
+                <a:latin typeface="+mn-lt"/>
+                <a:ea typeface="+mn-ea"/>
+                <a:cs typeface="+mn-cs"/>
+              </a:rPr>
+              <a:t>What is the difference between a table and a matrix?</a:t>
+            </a:r>
+          </a:p>
+          <a:p>
+            <a:r>
+              <a:rPr lang="en-US" sz="1200" b="0" i="0" kern="1200" dirty="0" smtClean="0">
+                <a:solidFill>
+                  <a:schemeClr val="tx1"/>
+                </a:solidFill>
+                <a:effectLst/>
+                <a:latin typeface="+mn-lt"/>
+                <a:ea typeface="+mn-ea"/>
+                <a:cs typeface="+mn-cs"/>
+              </a:rPr>
+              <a:t>Tables and matrices have a tabular layout and their data comes from a single dataset, built on a single data source. </a:t>
+            </a:r>
+          </a:p>
+          <a:p>
+            <a:r>
+              <a:rPr lang="en-US" sz="1200" b="0" i="0" kern="1200" dirty="0" smtClean="0">
+                <a:solidFill>
+                  <a:schemeClr val="tx1"/>
+                </a:solidFill>
+                <a:effectLst/>
+                <a:latin typeface="+mn-lt"/>
+                <a:ea typeface="+mn-ea"/>
+                <a:cs typeface="+mn-cs"/>
+              </a:rPr>
+              <a:t>The key difference between tables and matrices is that </a:t>
+            </a:r>
+            <a:r>
+              <a:rPr lang="en-US" sz="1200" b="1" i="0" kern="1200" dirty="0" smtClean="0">
+                <a:solidFill>
+                  <a:schemeClr val="tx1"/>
+                </a:solidFill>
+                <a:effectLst/>
+                <a:latin typeface="+mn-lt"/>
+                <a:ea typeface="+mn-ea"/>
+                <a:cs typeface="+mn-cs"/>
+              </a:rPr>
+              <a:t>tables can include only row groups, where as matrices have row groups and column groups</a:t>
+            </a:r>
+            <a:r>
+              <a:rPr lang="en-US" sz="1200" b="0" i="0" kern="1200" dirty="0" smtClean="0">
+                <a:solidFill>
+                  <a:schemeClr val="tx1"/>
+                </a:solidFill>
+                <a:effectLst/>
+                <a:latin typeface="+mn-lt"/>
+                <a:ea typeface="+mn-ea"/>
+                <a:cs typeface="+mn-cs"/>
+              </a:rPr>
+              <a:t>.</a:t>
+            </a:r>
+          </a:p>
+          <a:p>
+            <a:endParaRPr lang="en-US" dirty="0"/>
+          </a:p>
+        </p:txBody>
+      </p:sp>
+      <p:sp>
+        <p:nvSpPr>
+          <p:cNvPr id="4" name="Slide Number Placeholder 3"/>
+          <p:cNvSpPr>
+            <a:spLocks noGrp="1"/>
+          </p:cNvSpPr>
+          <p:nvPr>
+            <p:ph type="sldNum" sz="quarter" idx="10"/>
+          </p:nvPr>
+        </p:nvSpPr>
+        <p:spPr/>
+        <p:txBody>
+          <a:bodyPr/>
+          <a:lstStyle/>
+          <a:p>
+            <a:fld id="{DAE87AE8-675A-4C54-86D1-805E98968A10}" type="slidenum">
+              <a:rPr lang="en-US" smtClean="0"/>
+              <a:t>14</a:t>
+            </a:fld>
+            <a:endParaRPr lang="en-US"/>
+          </a:p>
+        </p:txBody>
+      </p:sp>
+    </p:spTree>
+    <p:extLst>
+      <p:ext uri="{BB962C8B-B14F-4D97-AF65-F5344CB8AC3E}">
+        <p14:creationId xmlns:p14="http://schemas.microsoft.com/office/powerpoint/2010/main" val="3949140773"/>
+      </p:ext>
+    </p:extLst>
+  </p:cSld>
+  <p:clrMapOvr>
+    <a:masterClrMapping/>
+  </p:clrMapOvr>
+</p:notes>
+</file>
+
 <file path=ppt/slideLayouts/slideLayout1.xml><?xml version="1.0" encoding="utf-8"?>
 <p:sldLayout xmlns:a="http://schemas.openxmlformats.org/drawingml/2006/main" xmlns:r="http://schemas.openxmlformats.org/officeDocument/2006/relationships" xmlns:p="http://schemas.openxmlformats.org/presentationml/2006/main" type="title" preserve="1">
   <p:cSld name="Title Slide">
@@ -3734,15 +4267,7 @@
             <a:pPr algn="ctr"/>
             <a:r>
               <a:rPr lang="en-US" b="1" dirty="0" smtClean="0"/>
-              <a:t>Report 3: salary by </a:t>
-            </a:r>
-            <a:r>
-              <a:rPr lang="en-US" b="1" dirty="0" smtClean="0"/>
-              <a:t>Graduated </a:t>
-            </a:r>
-            <a:r>
-              <a:rPr lang="en-US" b="1" dirty="0" smtClean="0"/>
-              <a:t>country</a:t>
+              <a:t>Report 3: salary by Graduated country</a:t>
             </a:r>
             <a:endParaRPr lang="en-US" b="1" dirty="0"/>
           </a:p>
@@ -3825,19 +4350,7 @@
             <a:pPr algn="ctr"/>
             <a:r>
               <a:rPr lang="en-US" b="1" dirty="0" smtClean="0"/>
-              <a:t>Report 4: </a:t>
-            </a:r>
-            <a:r>
-              <a:rPr lang="en-US" b="1" dirty="0" smtClean="0"/>
-              <a:t>Map of g</a:t>
-            </a:r>
-            <a:r>
-              <a:rPr lang="en-US" b="1" dirty="0" smtClean="0"/>
-              <a:t>raduated </a:t>
-            </a:r>
-            <a:r>
-              <a:rPr lang="en-US" b="1" dirty="0" smtClean="0"/>
-              <a:t>country</a:t>
+              <a:t>Report 4: Map of graduated country</a:t>
             </a:r>
             <a:endParaRPr lang="en-US" b="1" dirty="0"/>
           </a:p>
@@ -3896,19 +4409,7 @@
             <a:pPr algn="ctr"/>
             <a:r>
               <a:rPr lang="en-US" b="1" dirty="0" smtClean="0"/>
-              <a:t>Report 4: </a:t>
-            </a:r>
-            <a:r>
-              <a:rPr lang="en-US" b="1" dirty="0" smtClean="0"/>
-              <a:t>Map of g</a:t>
-            </a:r>
-            <a:r>
-              <a:rPr lang="en-US" b="1" dirty="0" smtClean="0"/>
-              <a:t>raduated </a:t>
-            </a:r>
-            <a:r>
-              <a:rPr lang="en-US" b="1" dirty="0" smtClean="0"/>
-              <a:t>country</a:t>
+              <a:t>Report 4: Map of graduated country</a:t>
             </a:r>
             <a:endParaRPr lang="en-US" b="1" dirty="0"/>
           </a:p>
@@ -4031,7 +4532,6 @@
               <a:rPr lang="en-US" dirty="0" smtClean="0"/>
               <a:t>”</a:t>
             </a:r>
-            <a:endParaRPr lang="en-US" dirty="0" smtClean="0"/>
           </a:p>
         </p:txBody>
       </p:sp>
@@ -4082,10 +4582,14 @@
           <a:p>
             <a:pPr algn="ctr"/>
             <a:r>
-              <a:rPr lang="en-US" dirty="0" smtClean="0"/>
-              <a:t>Page 2</a:t>
-            </a:r>
-            <a:endParaRPr lang="en-US" dirty="0"/>
+              <a:rPr lang="en-US" b="1" dirty="0" smtClean="0"/>
+              <a:t>Page </a:t>
+            </a:r>
+            <a:r>
+              <a:rPr lang="en-US" b="1" dirty="0" smtClean="0"/>
+              <a:t>2 (Matrix)</a:t>
+            </a:r>
+            <a:endParaRPr lang="en-US" b="1" dirty="0"/>
           </a:p>
         </p:txBody>
       </p:sp>
@@ -4098,7 +4602,7 @@
           <p:nvPr/>
         </p:nvPicPr>
         <p:blipFill>
-          <a:blip r:embed="rId2"/>
+          <a:blip r:embed="rId3"/>
           <a:stretch>
             <a:fillRect/>
           </a:stretch>
@@ -4113,6 +4617,254 @@
           </a:prstGeom>
         </p:spPr>
       </p:pic>
+      <p:cxnSp>
+        <p:nvCxnSpPr>
+          <p:cNvPr id="4" name="Straight Arrow Connector 3"/>
+          <p:cNvCxnSpPr/>
+          <p:nvPr/>
+        </p:nvCxnSpPr>
+        <p:spPr>
+          <a:xfrm flipH="1">
+            <a:off x="6769331" y="2793076"/>
+            <a:ext cx="3422073" cy="1198763"/>
+          </a:xfrm>
+          <a:prstGeom prst="straightConnector1">
+            <a:avLst/>
+          </a:prstGeom>
+          <a:ln w="38100">
+            <a:solidFill>
+              <a:srgbClr val="FF0000"/>
+            </a:solidFill>
+            <a:tailEnd type="triangle"/>
+          </a:ln>
+        </p:spPr>
+        <p:style>
+          <a:lnRef idx="1">
+            <a:schemeClr val="accent1"/>
+          </a:lnRef>
+          <a:fillRef idx="0">
+            <a:schemeClr val="accent1"/>
+          </a:fillRef>
+          <a:effectRef idx="0">
+            <a:schemeClr val="accent1"/>
+          </a:effectRef>
+          <a:fontRef idx="minor">
+            <a:schemeClr val="tx1"/>
+          </a:fontRef>
+        </p:style>
+      </p:cxnSp>
+      <p:sp>
+        <p:nvSpPr>
+          <p:cNvPr id="9" name="Oval 8"/>
+          <p:cNvSpPr/>
+          <p:nvPr/>
+        </p:nvSpPr>
+        <p:spPr>
+          <a:xfrm>
+            <a:off x="9908771" y="3209577"/>
+            <a:ext cx="415637" cy="365760"/>
+          </a:xfrm>
+          <a:prstGeom prst="ellipse">
+            <a:avLst/>
+          </a:prstGeom>
+          <a:noFill/>
+          <a:ln w="28575">
+            <a:solidFill>
+              <a:srgbClr val="FF0000"/>
+            </a:solidFill>
+          </a:ln>
+        </p:spPr>
+        <p:style>
+          <a:lnRef idx="2">
+            <a:schemeClr val="accent1">
+              <a:shade val="50000"/>
+            </a:schemeClr>
+          </a:lnRef>
+          <a:fillRef idx="1">
+            <a:schemeClr val="accent1"/>
+          </a:fillRef>
+          <a:effectRef idx="0">
+            <a:schemeClr val="accent1"/>
+          </a:effectRef>
+          <a:fontRef idx="minor">
+            <a:schemeClr val="lt1"/>
+          </a:fontRef>
+        </p:style>
+        <p:txBody>
+          <a:bodyPr rtlCol="0" anchor="ctr"/>
+          <a:lstStyle/>
+          <a:p>
+            <a:pPr algn="ctr"/>
+            <a:r>
+              <a:rPr lang="en-US" dirty="0" smtClean="0">
+                <a:solidFill>
+                  <a:srgbClr val="FF0000"/>
+                </a:solidFill>
+              </a:rPr>
+              <a:t>1</a:t>
+            </a:r>
+            <a:endParaRPr lang="en-US" dirty="0">
+              <a:solidFill>
+                <a:srgbClr val="FF0000"/>
+              </a:solidFill>
+            </a:endParaRPr>
+          </a:p>
+        </p:txBody>
+      </p:sp>
+      <p:sp>
+        <p:nvSpPr>
+          <p:cNvPr id="10" name="Oval 9"/>
+          <p:cNvSpPr/>
+          <p:nvPr/>
+        </p:nvSpPr>
+        <p:spPr>
+          <a:xfrm>
+            <a:off x="9908771" y="3651450"/>
+            <a:ext cx="415637" cy="365760"/>
+          </a:xfrm>
+          <a:prstGeom prst="ellipse">
+            <a:avLst/>
+          </a:prstGeom>
+          <a:noFill/>
+          <a:ln w="28575">
+            <a:solidFill>
+              <a:srgbClr val="FF0000"/>
+            </a:solidFill>
+          </a:ln>
+        </p:spPr>
+        <p:style>
+          <a:lnRef idx="2">
+            <a:schemeClr val="accent1">
+              <a:shade val="50000"/>
+            </a:schemeClr>
+          </a:lnRef>
+          <a:fillRef idx="1">
+            <a:schemeClr val="accent1"/>
+          </a:fillRef>
+          <a:effectRef idx="0">
+            <a:schemeClr val="accent1"/>
+          </a:effectRef>
+          <a:fontRef idx="minor">
+            <a:schemeClr val="lt1"/>
+          </a:fontRef>
+        </p:style>
+        <p:txBody>
+          <a:bodyPr rtlCol="0" anchor="ctr"/>
+          <a:lstStyle/>
+          <a:p>
+            <a:pPr algn="ctr"/>
+            <a:r>
+              <a:rPr lang="en-US" dirty="0">
+                <a:solidFill>
+                  <a:srgbClr val="FF0000"/>
+                </a:solidFill>
+              </a:rPr>
+              <a:t>2</a:t>
+            </a:r>
+            <a:endParaRPr lang="en-US" dirty="0">
+              <a:solidFill>
+                <a:srgbClr val="FF0000"/>
+              </a:solidFill>
+            </a:endParaRPr>
+          </a:p>
+        </p:txBody>
+      </p:sp>
+      <p:sp>
+        <p:nvSpPr>
+          <p:cNvPr id="11" name="Oval 10"/>
+          <p:cNvSpPr/>
+          <p:nvPr/>
+        </p:nvSpPr>
+        <p:spPr>
+          <a:xfrm>
+            <a:off x="9908771" y="4089400"/>
+            <a:ext cx="415637" cy="365760"/>
+          </a:xfrm>
+          <a:prstGeom prst="ellipse">
+            <a:avLst/>
+          </a:prstGeom>
+          <a:noFill/>
+          <a:ln w="28575">
+            <a:solidFill>
+              <a:srgbClr val="FF0000"/>
+            </a:solidFill>
+          </a:ln>
+        </p:spPr>
+        <p:style>
+          <a:lnRef idx="2">
+            <a:schemeClr val="accent1">
+              <a:shade val="50000"/>
+            </a:schemeClr>
+          </a:lnRef>
+          <a:fillRef idx="1">
+            <a:schemeClr val="accent1"/>
+          </a:fillRef>
+          <a:effectRef idx="0">
+            <a:schemeClr val="accent1"/>
+          </a:effectRef>
+          <a:fontRef idx="minor">
+            <a:schemeClr val="lt1"/>
+          </a:fontRef>
+        </p:style>
+        <p:txBody>
+          <a:bodyPr rtlCol="0" anchor="ctr"/>
+          <a:lstStyle/>
+          <a:p>
+            <a:pPr algn="ctr"/>
+            <a:r>
+              <a:rPr lang="en-US" dirty="0">
+                <a:solidFill>
+                  <a:srgbClr val="FF0000"/>
+                </a:solidFill>
+              </a:rPr>
+              <a:t>3</a:t>
+            </a:r>
+            <a:endParaRPr lang="en-US" dirty="0">
+              <a:solidFill>
+                <a:srgbClr val="FF0000"/>
+              </a:solidFill>
+            </a:endParaRPr>
+          </a:p>
+        </p:txBody>
+      </p:sp>
+      <p:sp>
+        <p:nvSpPr>
+          <p:cNvPr id="12" name="TextBox 11"/>
+          <p:cNvSpPr txBox="1"/>
+          <p:nvPr/>
+        </p:nvSpPr>
+        <p:spPr>
+          <a:xfrm>
+            <a:off x="7539644" y="5968537"/>
+            <a:ext cx="3518207" cy="369332"/>
+          </a:xfrm>
+          <a:prstGeom prst="rect">
+            <a:avLst/>
+          </a:prstGeom>
+          <a:noFill/>
+        </p:spPr>
+        <p:txBody>
+          <a:bodyPr wrap="none" rtlCol="0">
+            <a:spAutoFit/>
+          </a:bodyPr>
+          <a:lstStyle/>
+          <a:p>
+            <a:r>
+              <a:rPr lang="en-US" dirty="0" smtClean="0">
+                <a:solidFill>
+                  <a:srgbClr val="FF0000"/>
+                </a:solidFill>
+              </a:rPr>
+              <a:t>How about Table? Try it by yourself.</a:t>
+            </a:r>
+            <a:endParaRPr lang="en-US" dirty="0">
+              <a:solidFill>
+                <a:srgbClr val="FF0000"/>
+              </a:solidFill>
+            </a:endParaRPr>
+          </a:p>
+        </p:txBody>
+      </p:sp>
     </p:spTree>
     <p:extLst>
       <p:ext uri="{BB962C8B-B14F-4D97-AF65-F5344CB8AC3E}">
@@ -4208,10 +4960,14 @@
           <a:p>
             <a:pPr algn="ctr"/>
             <a:r>
-              <a:rPr lang="en-US" dirty="0" smtClean="0"/>
-              <a:t>Page 2: slicer</a:t>
-            </a:r>
-            <a:endParaRPr lang="en-US" dirty="0"/>
+              <a:rPr lang="en-US" b="1" dirty="0" smtClean="0"/>
+              <a:t>Page </a:t>
+            </a:r>
+            <a:r>
+              <a:rPr lang="en-US" b="1" dirty="0" smtClean="0"/>
+              <a:t>2 (Slicer)</a:t>
+            </a:r>
+            <a:endParaRPr lang="en-US" b="1" dirty="0"/>
           </a:p>
         </p:txBody>
       </p:sp>
@@ -4262,45 +5018,20 @@
           <a:p>
             <a:pPr algn="ctr"/>
             <a:r>
-              <a:rPr lang="en-US" dirty="0" smtClean="0"/>
-              <a:t>Get data</a:t>
-            </a:r>
-            <a:endParaRPr lang="en-US" dirty="0"/>
-          </a:p>
-        </p:txBody>
-      </p:sp>
-      <p:sp>
-        <p:nvSpPr>
-          <p:cNvPr id="3" name="Content Placeholder 2"/>
-          <p:cNvSpPr>
-            <a:spLocks noGrp="1"/>
-          </p:cNvSpPr>
-          <p:nvPr>
-            <p:ph idx="1"/>
-          </p:nvPr>
-        </p:nvSpPr>
-        <p:spPr/>
-        <p:txBody>
-          <a:bodyPr/>
-          <a:lstStyle/>
-          <a:p>
-            <a:r>
-              <a:rPr lang="en-US" dirty="0" smtClean="0"/>
-              <a:t>Load dataset </a:t>
-            </a:r>
-          </a:p>
-          <a:p>
-            <a:r>
-              <a:rPr lang="en-US" dirty="0" smtClean="0"/>
-              <a:t>from web</a:t>
-            </a:r>
-            <a:endParaRPr lang="en-US" dirty="0"/>
+              <a:rPr lang="en-US" b="1" dirty="0" smtClean="0"/>
+              <a:t>Python </a:t>
+            </a:r>
+            <a:r>
+              <a:rPr lang="en-US" b="1" dirty="0" smtClean="0"/>
+              <a:t>script setup</a:t>
+            </a:r>
+            <a:endParaRPr lang="en-US" b="1" dirty="0"/>
           </a:p>
         </p:txBody>
       </p:sp>
       <p:pic>
         <p:nvPicPr>
-          <p:cNvPr id="4" name="Picture 3"/>
+          <p:cNvPr id="5" name="Picture 4"/>
           <p:cNvPicPr>
             <a:picLocks noChangeAspect="1"/>
           </p:cNvPicPr>
@@ -4314,47 +5045,18 @@
         </p:blipFill>
         <p:spPr>
           <a:xfrm>
-            <a:off x="3441699" y="1765508"/>
-            <a:ext cx="6617419" cy="4627355"/>
+            <a:off x="2903092" y="1690688"/>
+            <a:ext cx="6385816" cy="4895305"/>
           </a:xfrm>
           <a:prstGeom prst="rect">
             <a:avLst/>
           </a:prstGeom>
         </p:spPr>
       </p:pic>
-      <p:sp>
-        <p:nvSpPr>
-          <p:cNvPr id="5" name="Rectangle 4"/>
-          <p:cNvSpPr/>
-          <p:nvPr/>
-        </p:nvSpPr>
-        <p:spPr>
-          <a:xfrm>
-            <a:off x="431441" y="6392863"/>
-            <a:ext cx="11329118" cy="307777"/>
-          </a:xfrm>
-          <a:prstGeom prst="rect">
-            <a:avLst/>
-          </a:prstGeom>
-        </p:spPr>
-        <p:txBody>
-          <a:bodyPr wrap="square">
-            <a:spAutoFit/>
-          </a:bodyPr>
-          <a:lstStyle/>
-          <a:p>
-            <a:r>
-              <a:rPr lang="en-US" sz="1400" dirty="0" smtClean="0"/>
-              <a:t>https://raw.githubusercontent.com/ekaratnida/DADS5001-Data-Analytics-and-Data-Science-Tools-and-Programming/main/datasets/iris.data</a:t>
-            </a:r>
-            <a:endParaRPr lang="en-US" sz="1400" dirty="0"/>
-          </a:p>
-        </p:txBody>
-      </p:sp>
     </p:spTree>
     <p:extLst>
       <p:ext uri="{BB962C8B-B14F-4D97-AF65-F5344CB8AC3E}">
-        <p14:creationId xmlns:p14="http://schemas.microsoft.com/office/powerpoint/2010/main" val="1685653936"/>
+        <p14:creationId xmlns:p14="http://schemas.microsoft.com/office/powerpoint/2010/main" val="1700509162"/>
       </p:ext>
     </p:extLst>
   </p:cSld>
@@ -4398,31 +5100,34 @@
           <a:p>
             <a:pPr algn="ctr"/>
             <a:r>
-              <a:rPr lang="en-US" dirty="0" smtClean="0"/>
-              <a:t>Python script I</a:t>
-            </a:r>
-            <a:endParaRPr lang="en-US" dirty="0"/>
+              <a:rPr lang="en-US" b="1" dirty="0" smtClean="0"/>
+              <a:t>Python </a:t>
+            </a:r>
+            <a:r>
+              <a:rPr lang="en-US" b="1" dirty="0" smtClean="0"/>
+              <a:t>script</a:t>
+            </a:r>
+            <a:endParaRPr lang="en-US" b="1" dirty="0"/>
           </a:p>
         </p:txBody>
       </p:sp>
       <p:pic>
         <p:nvPicPr>
-          <p:cNvPr id="3" name="Picture 2"/>
+          <p:cNvPr id="5" name="Picture 4"/>
           <p:cNvPicPr>
             <a:picLocks noChangeAspect="1"/>
           </p:cNvPicPr>
           <p:nvPr/>
         </p:nvPicPr>
-        <p:blipFill>
+        <p:blipFill rotWithShape="1">
           <a:blip r:embed="rId2"/>
-          <a:stretch>
-            <a:fillRect/>
-          </a:stretch>
+          <a:srcRect l="2110" t="6903" r="2395" b="8528"/>
+          <a:stretch/>
         </p:blipFill>
         <p:spPr>
           <a:xfrm>
-            <a:off x="838200" y="2190471"/>
-            <a:ext cx="7182852" cy="4001058"/>
+            <a:off x="1828800" y="1690688"/>
+            <a:ext cx="8865219" cy="3468029"/>
           </a:xfrm>
           <a:prstGeom prst="rect">
             <a:avLst/>
@@ -4431,18 +5136,23 @@
       </p:pic>
       <p:sp>
         <p:nvSpPr>
-          <p:cNvPr id="4" name="Rectangle 3"/>
+          <p:cNvPr id="6" name="Rectangle 5"/>
           <p:cNvSpPr/>
           <p:nvPr/>
         </p:nvSpPr>
         <p:spPr>
           <a:xfrm>
-            <a:off x="8021052" y="2594738"/>
-            <a:ext cx="4082048" cy="2929761"/>
+            <a:off x="646771" y="5530173"/>
+            <a:ext cx="4895386" cy="954107"/>
           </a:xfrm>
           <a:prstGeom prst="rect">
             <a:avLst/>
           </a:prstGeom>
+          <a:ln>
+            <a:solidFill>
+              <a:schemeClr val="tx1"/>
+            </a:solidFill>
+          </a:ln>
         </p:spPr>
         <p:txBody>
           <a:bodyPr wrap="square">
@@ -4451,96 +5161,316 @@
           <a:lstStyle/>
           <a:p>
             <a:r>
-              <a:rPr lang="en-US" b="0" dirty="0" smtClean="0">
+              <a:rPr lang="en-US" sz="1400" dirty="0">
                 <a:solidFill>
                   <a:srgbClr val="0000FF"/>
                 </a:solidFill>
-                <a:effectLst/>
                 <a:latin typeface="Consolas" panose="020B0609020204030204" pitchFamily="49" charset="0"/>
               </a:rPr>
               <a:t>import</a:t>
             </a:r>
             <a:r>
-              <a:rPr lang="en-US" b="0" dirty="0" smtClean="0">
+              <a:rPr lang="en-US" sz="1400" dirty="0">
                 <a:solidFill>
                   <a:srgbClr val="000000"/>
                 </a:solidFill>
-                <a:effectLst/>
                 <a:latin typeface="Consolas" panose="020B0609020204030204" pitchFamily="49" charset="0"/>
               </a:rPr>
               <a:t> </a:t>
             </a:r>
             <a:r>
-              <a:rPr lang="en-US" b="0" dirty="0" err="1" smtClean="0">
+              <a:rPr lang="en-US" sz="1400" dirty="0" err="1">
                 <a:solidFill>
                   <a:srgbClr val="001080"/>
                 </a:solidFill>
-                <a:effectLst/>
                 <a:latin typeface="Consolas" panose="020B0609020204030204" pitchFamily="49" charset="0"/>
               </a:rPr>
               <a:t>matplotlib</a:t>
             </a:r>
             <a:r>
-              <a:rPr lang="en-US" b="0" dirty="0" err="1" smtClean="0">
+              <a:rPr lang="en-US" sz="1400" dirty="0" err="1">
                 <a:solidFill>
                   <a:srgbClr val="000000"/>
                 </a:solidFill>
-                <a:effectLst/>
                 <a:latin typeface="Consolas" panose="020B0609020204030204" pitchFamily="49" charset="0"/>
               </a:rPr>
               <a:t>.</a:t>
             </a:r>
             <a:r>
-              <a:rPr lang="en-US" b="0" dirty="0" err="1" smtClean="0">
+              <a:rPr lang="en-US" sz="1400" dirty="0" err="1">
                 <a:solidFill>
                   <a:srgbClr val="001080"/>
                 </a:solidFill>
-                <a:effectLst/>
                 <a:latin typeface="Consolas" panose="020B0609020204030204" pitchFamily="49" charset="0"/>
               </a:rPr>
               <a:t>pyplot</a:t>
             </a:r>
             <a:r>
-              <a:rPr lang="en-US" b="0" dirty="0" smtClean="0">
+              <a:rPr lang="en-US" sz="1400" dirty="0">
                 <a:solidFill>
                   <a:srgbClr val="000000"/>
                 </a:solidFill>
-                <a:effectLst/>
                 <a:latin typeface="Consolas" panose="020B0609020204030204" pitchFamily="49" charset="0"/>
               </a:rPr>
               <a:t> </a:t>
             </a:r>
             <a:r>
-              <a:rPr lang="en-US" b="0" dirty="0" smtClean="0">
+              <a:rPr lang="en-US" sz="1400" dirty="0">
                 <a:solidFill>
                   <a:srgbClr val="0000FF"/>
                 </a:solidFill>
-                <a:effectLst/>
                 <a:latin typeface="Consolas" panose="020B0609020204030204" pitchFamily="49" charset="0"/>
               </a:rPr>
               <a:t>as</a:t>
             </a:r>
             <a:r>
-              <a:rPr lang="en-US" b="0" dirty="0" smtClean="0">
+              <a:rPr lang="en-US" sz="1400" dirty="0">
                 <a:solidFill>
                   <a:srgbClr val="000000"/>
                 </a:solidFill>
-                <a:effectLst/>
                 <a:latin typeface="Consolas" panose="020B0609020204030204" pitchFamily="49" charset="0"/>
               </a:rPr>
               <a:t> </a:t>
             </a:r>
             <a:r>
-              <a:rPr lang="en-US" b="0" dirty="0" err="1" smtClean="0">
+              <a:rPr lang="en-US" sz="1400" dirty="0" err="1">
                 <a:solidFill>
                   <a:srgbClr val="001080"/>
                 </a:solidFill>
-                <a:effectLst/>
                 <a:latin typeface="Consolas" panose="020B0609020204030204" pitchFamily="49" charset="0"/>
               </a:rPr>
               <a:t>plt</a:t>
             </a:r>
-            <a:endParaRPr lang="en-US" b="0" dirty="0" smtClean="0">
+            <a:r>
+              <a:rPr lang="en-US" sz="1400" dirty="0">
+                <a:solidFill>
+                  <a:srgbClr val="000000"/>
+                </a:solidFill>
+                <a:latin typeface="Consolas" panose="020B0609020204030204" pitchFamily="49" charset="0"/>
+              </a:rPr>
+              <a:t> </a:t>
+            </a:r>
+          </a:p>
+          <a:p>
+            <a:r>
+              <a:rPr lang="en-US" sz="1400" dirty="0" err="1">
+                <a:solidFill>
+                  <a:srgbClr val="001080"/>
+                </a:solidFill>
+                <a:latin typeface="Consolas" panose="020B0609020204030204" pitchFamily="49" charset="0"/>
+              </a:rPr>
+              <a:t>dataset</a:t>
+            </a:r>
+            <a:r>
+              <a:rPr lang="en-US" sz="1400" dirty="0" err="1">
+                <a:solidFill>
+                  <a:srgbClr val="000000"/>
+                </a:solidFill>
+                <a:latin typeface="Consolas" panose="020B0609020204030204" pitchFamily="49" charset="0"/>
+              </a:rPr>
+              <a:t>.</a:t>
+            </a:r>
+            <a:r>
+              <a:rPr lang="en-US" sz="1400" dirty="0" err="1">
+                <a:solidFill>
+                  <a:srgbClr val="001080"/>
+                </a:solidFill>
+                <a:latin typeface="Consolas" panose="020B0609020204030204" pitchFamily="49" charset="0"/>
+              </a:rPr>
+              <a:t>plot</a:t>
+            </a:r>
+            <a:r>
+              <a:rPr lang="en-US" sz="1400" dirty="0">
+                <a:solidFill>
+                  <a:srgbClr val="000000"/>
+                </a:solidFill>
+                <a:latin typeface="Consolas" panose="020B0609020204030204" pitchFamily="49" charset="0"/>
+              </a:rPr>
+              <a:t>(</a:t>
+            </a:r>
+            <a:r>
+              <a:rPr lang="en-US" sz="1400" dirty="0">
+                <a:solidFill>
+                  <a:srgbClr val="001080"/>
+                </a:solidFill>
+                <a:latin typeface="Consolas" panose="020B0609020204030204" pitchFamily="49" charset="0"/>
+              </a:rPr>
+              <a:t>kind</a:t>
+            </a:r>
+            <a:r>
+              <a:rPr lang="en-US" sz="1400" dirty="0">
+                <a:solidFill>
+                  <a:srgbClr val="000000"/>
+                </a:solidFill>
+                <a:latin typeface="Consolas" panose="020B0609020204030204" pitchFamily="49" charset="0"/>
+              </a:rPr>
+              <a:t>=</a:t>
+            </a:r>
+            <a:r>
+              <a:rPr lang="en-US" sz="1400" dirty="0">
+                <a:solidFill>
+                  <a:srgbClr val="A31515"/>
+                </a:solidFill>
+                <a:latin typeface="Consolas" panose="020B0609020204030204" pitchFamily="49" charset="0"/>
+              </a:rPr>
+              <a:t>'scatter'</a:t>
+            </a:r>
+            <a:r>
+              <a:rPr lang="en-US" sz="1400" dirty="0">
+                <a:solidFill>
+                  <a:srgbClr val="000000"/>
+                </a:solidFill>
+                <a:latin typeface="Consolas" panose="020B0609020204030204" pitchFamily="49" charset="0"/>
+              </a:rPr>
+              <a:t>, </a:t>
+            </a:r>
+            <a:r>
+              <a:rPr lang="en-US" sz="1400" dirty="0">
+                <a:solidFill>
+                  <a:srgbClr val="001080"/>
+                </a:solidFill>
+                <a:latin typeface="Consolas" panose="020B0609020204030204" pitchFamily="49" charset="0"/>
+              </a:rPr>
+              <a:t>x</a:t>
+            </a:r>
+            <a:r>
+              <a:rPr lang="en-US" sz="1400" dirty="0">
+                <a:solidFill>
+                  <a:srgbClr val="000000"/>
+                </a:solidFill>
+                <a:latin typeface="Consolas" panose="020B0609020204030204" pitchFamily="49" charset="0"/>
+              </a:rPr>
+              <a:t>=</a:t>
+            </a:r>
+            <a:r>
+              <a:rPr lang="en-US" sz="1400" dirty="0">
+                <a:solidFill>
+                  <a:srgbClr val="A31515"/>
+                </a:solidFill>
+                <a:latin typeface="Consolas" panose="020B0609020204030204" pitchFamily="49" charset="0"/>
+              </a:rPr>
+              <a:t>'Researcher Name'</a:t>
+            </a:r>
+            <a:r>
+              <a:rPr lang="en-US" sz="1400" dirty="0">
+                <a:solidFill>
+                  <a:srgbClr val="000000"/>
+                </a:solidFill>
+                <a:latin typeface="Consolas" panose="020B0609020204030204" pitchFamily="49" charset="0"/>
+              </a:rPr>
+              <a:t>, </a:t>
+            </a:r>
+            <a:r>
+              <a:rPr lang="en-US" sz="1400" dirty="0">
+                <a:solidFill>
+                  <a:srgbClr val="001080"/>
+                </a:solidFill>
+                <a:latin typeface="Consolas" panose="020B0609020204030204" pitchFamily="49" charset="0"/>
+              </a:rPr>
+              <a:t>y</a:t>
+            </a:r>
+            <a:r>
+              <a:rPr lang="en-US" sz="1400" dirty="0">
+                <a:solidFill>
+                  <a:srgbClr val="000000"/>
+                </a:solidFill>
+                <a:latin typeface="Consolas" panose="020B0609020204030204" pitchFamily="49" charset="0"/>
+              </a:rPr>
+              <a:t>=</a:t>
+            </a:r>
+            <a:r>
+              <a:rPr lang="en-US" sz="1400" dirty="0">
+                <a:solidFill>
+                  <a:srgbClr val="A31515"/>
+                </a:solidFill>
+                <a:latin typeface="Consolas" panose="020B0609020204030204" pitchFamily="49" charset="0"/>
+              </a:rPr>
+              <a:t>'salary'</a:t>
+            </a:r>
+            <a:r>
+              <a:rPr lang="en-US" sz="1400" dirty="0">
+                <a:solidFill>
+                  <a:srgbClr val="000000"/>
+                </a:solidFill>
+                <a:latin typeface="Consolas" panose="020B0609020204030204" pitchFamily="49" charset="0"/>
+              </a:rPr>
+              <a:t>, </a:t>
+            </a:r>
+            <a:r>
+              <a:rPr lang="en-US" sz="1400" dirty="0">
+                <a:solidFill>
+                  <a:srgbClr val="001080"/>
+                </a:solidFill>
+                <a:latin typeface="Consolas" panose="020B0609020204030204" pitchFamily="49" charset="0"/>
+              </a:rPr>
+              <a:t>color</a:t>
+            </a:r>
+            <a:r>
+              <a:rPr lang="en-US" sz="1400" dirty="0">
+                <a:solidFill>
+                  <a:srgbClr val="000000"/>
+                </a:solidFill>
+                <a:latin typeface="Consolas" panose="020B0609020204030204" pitchFamily="49" charset="0"/>
+              </a:rPr>
+              <a:t>=</a:t>
+            </a:r>
+            <a:r>
+              <a:rPr lang="en-US" sz="1400" dirty="0">
+                <a:solidFill>
+                  <a:srgbClr val="A31515"/>
+                </a:solidFill>
+                <a:latin typeface="Consolas" panose="020B0609020204030204" pitchFamily="49" charset="0"/>
+              </a:rPr>
+              <a:t>'red'</a:t>
+            </a:r>
+            <a:r>
+              <a:rPr lang="en-US" sz="1400" dirty="0">
+                <a:solidFill>
+                  <a:srgbClr val="000000"/>
+                </a:solidFill>
+                <a:latin typeface="Consolas" panose="020B0609020204030204" pitchFamily="49" charset="0"/>
+              </a:rPr>
+              <a:t>)</a:t>
+            </a:r>
+          </a:p>
+          <a:p>
+            <a:r>
+              <a:rPr lang="en-US" sz="1400" dirty="0" err="1">
+                <a:solidFill>
+                  <a:srgbClr val="001080"/>
+                </a:solidFill>
+                <a:latin typeface="Consolas" panose="020B0609020204030204" pitchFamily="49" charset="0"/>
+              </a:rPr>
+              <a:t>plt</a:t>
+            </a:r>
+            <a:r>
+              <a:rPr lang="en-US" sz="1400" dirty="0" err="1">
+                <a:solidFill>
+                  <a:srgbClr val="000000"/>
+                </a:solidFill>
+                <a:latin typeface="Consolas" panose="020B0609020204030204" pitchFamily="49" charset="0"/>
+              </a:rPr>
+              <a:t>.</a:t>
+            </a:r>
+            <a:r>
+              <a:rPr lang="en-US" sz="1400" dirty="0" err="1">
+                <a:solidFill>
+                  <a:srgbClr val="001080"/>
+                </a:solidFill>
+                <a:latin typeface="Consolas" panose="020B0609020204030204" pitchFamily="49" charset="0"/>
+              </a:rPr>
+              <a:t>show</a:t>
+            </a:r>
+            <a:r>
+              <a:rPr lang="en-US" sz="1400" dirty="0">
+                <a:solidFill>
+                  <a:srgbClr val="000000"/>
+                </a:solidFill>
+                <a:latin typeface="Consolas" panose="020B0609020204030204" pitchFamily="49" charset="0"/>
+              </a:rPr>
+              <a:t>()</a:t>
+            </a:r>
+            <a:endParaRPr lang="en-US" sz="1400" b="0" dirty="0">
               <a:solidFill>
                 <a:srgbClr val="000000"/>
               </a:solidFill>
@@ -4548,552 +5478,363 @@
               <a:latin typeface="Consolas" panose="020B0609020204030204" pitchFamily="49" charset="0"/>
             </a:endParaRPr>
           </a:p>
-          <a:p>
-            <a:r>
-              <a:rPr lang="en-US" b="0" dirty="0" smtClean="0">
+        </p:txBody>
+      </p:sp>
+      <p:sp>
+        <p:nvSpPr>
+          <p:cNvPr id="7" name="Rectangle 6"/>
+          <p:cNvSpPr/>
+          <p:nvPr/>
+        </p:nvSpPr>
+        <p:spPr>
+          <a:xfrm>
+            <a:off x="6133170" y="5530172"/>
+            <a:ext cx="5642517" cy="954107"/>
+          </a:xfrm>
+          <a:prstGeom prst="rect">
+            <a:avLst/>
+          </a:prstGeom>
+          <a:ln>
+            <a:solidFill>
+              <a:schemeClr val="tx1"/>
+            </a:solidFill>
+          </a:ln>
+        </p:spPr>
+        <p:txBody>
+          <a:bodyPr wrap="square">
+            <a:spAutoFit/>
+          </a:bodyPr>
+          <a:lstStyle/>
+          <a:p>
+            <a:r>
+              <a:rPr lang="en-US" sz="1400" dirty="0">
                 <a:solidFill>
                   <a:srgbClr val="0000FF"/>
                 </a:solidFill>
-                <a:effectLst/>
                 <a:latin typeface="Consolas" panose="020B0609020204030204" pitchFamily="49" charset="0"/>
               </a:rPr>
               <a:t>import</a:t>
             </a:r>
             <a:r>
-              <a:rPr lang="en-US" b="0" dirty="0" smtClean="0">
+              <a:rPr lang="en-US" sz="1400" dirty="0">
                 <a:solidFill>
                   <a:srgbClr val="000000"/>
                 </a:solidFill>
-                <a:effectLst/>
                 <a:latin typeface="Consolas" panose="020B0609020204030204" pitchFamily="49" charset="0"/>
               </a:rPr>
               <a:t> </a:t>
             </a:r>
             <a:r>
-              <a:rPr lang="en-US" b="0" dirty="0" err="1" smtClean="0">
+              <a:rPr lang="en-US" sz="1400" dirty="0" err="1">
                 <a:solidFill>
                   <a:srgbClr val="001080"/>
                 </a:solidFill>
-                <a:effectLst/>
-                <a:latin typeface="Consolas" panose="020B0609020204030204" pitchFamily="49" charset="0"/>
-              </a:rPr>
-              <a:t>numpy</a:t>
-            </a:r>
-            <a:r>
-              <a:rPr lang="en-US" b="0" dirty="0" smtClean="0">
+                <a:latin typeface="Consolas" panose="020B0609020204030204" pitchFamily="49" charset="0"/>
+              </a:rPr>
+              <a:t>matplotlib</a:t>
+            </a:r>
+            <a:r>
+              <a:rPr lang="en-US" sz="1400" dirty="0" err="1">
                 <a:solidFill>
                   <a:srgbClr val="000000"/>
                 </a:solidFill>
-                <a:effectLst/>
+                <a:latin typeface="Consolas" panose="020B0609020204030204" pitchFamily="49" charset="0"/>
+              </a:rPr>
+              <a:t>.</a:t>
+            </a:r>
+            <a:r>
+              <a:rPr lang="en-US" sz="1400" dirty="0" err="1">
+                <a:solidFill>
+                  <a:srgbClr val="001080"/>
+                </a:solidFill>
+                <a:latin typeface="Consolas" panose="020B0609020204030204" pitchFamily="49" charset="0"/>
+              </a:rPr>
+              <a:t>pyplot</a:t>
+            </a:r>
+            <a:r>
+              <a:rPr lang="en-US" sz="1400" dirty="0">
+                <a:solidFill>
+                  <a:srgbClr val="000000"/>
+                </a:solidFill>
                 <a:latin typeface="Consolas" panose="020B0609020204030204" pitchFamily="49" charset="0"/>
               </a:rPr>
               <a:t> </a:t>
             </a:r>
             <a:r>
-              <a:rPr lang="en-US" b="0" dirty="0" smtClean="0">
+              <a:rPr lang="en-US" sz="1400" dirty="0">
                 <a:solidFill>
                   <a:srgbClr val="0000FF"/>
                 </a:solidFill>
-                <a:effectLst/>
                 <a:latin typeface="Consolas" panose="020B0609020204030204" pitchFamily="49" charset="0"/>
               </a:rPr>
               <a:t>as</a:t>
             </a:r>
             <a:r>
-              <a:rPr lang="en-US" b="0" dirty="0" smtClean="0">
+              <a:rPr lang="en-US" sz="1400" dirty="0">
                 <a:solidFill>
                   <a:srgbClr val="000000"/>
                 </a:solidFill>
-                <a:effectLst/>
                 <a:latin typeface="Consolas" panose="020B0609020204030204" pitchFamily="49" charset="0"/>
               </a:rPr>
               <a:t> </a:t>
             </a:r>
             <a:r>
-              <a:rPr lang="en-US" b="0" dirty="0" smtClean="0">
+              <a:rPr lang="en-US" sz="1400" dirty="0" err="1">
                 <a:solidFill>
                   <a:srgbClr val="001080"/>
                 </a:solidFill>
-                <a:effectLst/>
-                <a:latin typeface="Consolas" panose="020B0609020204030204" pitchFamily="49" charset="0"/>
-              </a:rPr>
-              <a:t>np</a:t>
-            </a:r>
-            <a:endParaRPr lang="en-US" b="0" dirty="0" smtClean="0">
-              <a:solidFill>
-                <a:srgbClr val="000000"/>
-              </a:solidFill>
-              <a:effectLst/>
-              <a:latin typeface="Consolas" panose="020B0609020204030204" pitchFamily="49" charset="0"/>
-            </a:endParaRPr>
-          </a:p>
-          <a:p>
-            <a:r>
-              <a:rPr lang="en-US" b="0" dirty="0" smtClean="0">
+                <a:latin typeface="Consolas" panose="020B0609020204030204" pitchFamily="49" charset="0"/>
+              </a:rPr>
+              <a:t>plt</a:t>
+            </a:r>
+            <a:r>
+              <a:rPr lang="en-US" sz="1400" dirty="0">
                 <a:solidFill>
                   <a:srgbClr val="000000"/>
                 </a:solidFill>
-                <a:effectLst/>
-                <a:latin typeface="Consolas" panose="020B0609020204030204" pitchFamily="49" charset="0"/>
-              </a:rPr>
-              <a:t/>
-            </a:r>
-            <a:br>
-              <a:rPr lang="en-US" b="0" dirty="0" smtClean="0">
+                <a:latin typeface="Consolas" panose="020B0609020204030204" pitchFamily="49" charset="0"/>
+              </a:rPr>
+              <a:t> </a:t>
+            </a:r>
+          </a:p>
+          <a:p>
+            <a:r>
+              <a:rPr lang="en-US" sz="1400" dirty="0" err="1">
+                <a:solidFill>
+                  <a:srgbClr val="001080"/>
+                </a:solidFill>
+                <a:latin typeface="Consolas" panose="020B0609020204030204" pitchFamily="49" charset="0"/>
+              </a:rPr>
+              <a:t>dataset</a:t>
+            </a:r>
+            <a:r>
+              <a:rPr lang="en-US" sz="1400" dirty="0" err="1">
                 <a:solidFill>
                   <a:srgbClr val="000000"/>
                 </a:solidFill>
-                <a:effectLst/>
-                <a:latin typeface="Consolas" panose="020B0609020204030204" pitchFamily="49" charset="0"/>
-              </a:rPr>
-            </a:br>
-            <a:r>
-              <a:rPr lang="en-US" b="0" dirty="0" smtClean="0">
+                <a:latin typeface="Consolas" panose="020B0609020204030204" pitchFamily="49" charset="0"/>
+              </a:rPr>
+              <a:t>.</a:t>
+            </a:r>
+            <a:r>
+              <a:rPr lang="en-US" sz="1400" dirty="0" err="1">
                 <a:solidFill>
                   <a:srgbClr val="001080"/>
                 </a:solidFill>
-                <a:effectLst/>
-                <a:latin typeface="Consolas" panose="020B0609020204030204" pitchFamily="49" charset="0"/>
-              </a:rPr>
-              <a:t>x1</a:t>
-            </a:r>
-            <a:r>
-              <a:rPr lang="en-US" b="0" dirty="0" smtClean="0">
+                <a:latin typeface="Consolas" panose="020B0609020204030204" pitchFamily="49" charset="0"/>
+              </a:rPr>
+              <a:t>plot</a:t>
+            </a:r>
+            <a:r>
+              <a:rPr lang="en-US" sz="1400" dirty="0">
                 <a:solidFill>
                   <a:srgbClr val="000000"/>
                 </a:solidFill>
-                <a:effectLst/>
-                <a:latin typeface="Consolas" panose="020B0609020204030204" pitchFamily="49" charset="0"/>
-              </a:rPr>
-              <a:t> = </a:t>
-            </a:r>
-            <a:r>
-              <a:rPr lang="en-US" b="0" dirty="0" smtClean="0">
+                <a:latin typeface="Consolas" panose="020B0609020204030204" pitchFamily="49" charset="0"/>
+              </a:rPr>
+              <a:t>(</a:t>
+            </a:r>
+            <a:r>
+              <a:rPr lang="en-US" sz="1400" dirty="0">
                 <a:solidFill>
                   <a:srgbClr val="001080"/>
                 </a:solidFill>
-                <a:effectLst/>
-                <a:latin typeface="Consolas" panose="020B0609020204030204" pitchFamily="49" charset="0"/>
-              </a:rPr>
-              <a:t>dataset</a:t>
-            </a:r>
-            <a:r>
-              <a:rPr lang="en-US" b="0" dirty="0" smtClean="0">
+                <a:latin typeface="Consolas" panose="020B0609020204030204" pitchFamily="49" charset="0"/>
+              </a:rPr>
+              <a:t>kind</a:t>
+            </a:r>
+            <a:r>
+              <a:rPr lang="en-US" sz="1400" dirty="0">
                 <a:solidFill>
                   <a:srgbClr val="000000"/>
                 </a:solidFill>
-                <a:effectLst/>
-                <a:latin typeface="Consolas" panose="020B0609020204030204" pitchFamily="49" charset="0"/>
-              </a:rPr>
-              <a:t>[</a:t>
-            </a:r>
-            <a:r>
-              <a:rPr lang="en-US" b="0" dirty="0" smtClean="0">
+                <a:latin typeface="Consolas" panose="020B0609020204030204" pitchFamily="49" charset="0"/>
+              </a:rPr>
+              <a:t>=</a:t>
+            </a:r>
+            <a:r>
+              <a:rPr lang="en-US" sz="1400" dirty="0">
                 <a:solidFill>
                   <a:srgbClr val="A31515"/>
                 </a:solidFill>
-                <a:effectLst/>
-                <a:latin typeface="Consolas" panose="020B0609020204030204" pitchFamily="49" charset="0"/>
-              </a:rPr>
-              <a:t>"salary"</a:t>
-            </a:r>
-            <a:r>
-              <a:rPr lang="en-US" b="0" dirty="0" smtClean="0">
+                <a:latin typeface="Consolas" panose="020B0609020204030204" pitchFamily="49" charset="0"/>
+              </a:rPr>
+              <a:t>'</a:t>
+            </a:r>
+            <a:r>
+              <a:rPr lang="en-US" sz="1400" dirty="0" err="1">
+                <a:solidFill>
+                  <a:srgbClr val="A31515"/>
+                </a:solidFill>
+                <a:latin typeface="Consolas" panose="020B0609020204030204" pitchFamily="49" charset="0"/>
+              </a:rPr>
+              <a:t>bar'</a:t>
+            </a:r>
+            <a:r>
+              <a:rPr lang="en-US" sz="1400" dirty="0" err="1">
                 <a:solidFill>
                   <a:srgbClr val="000000"/>
                 </a:solidFill>
-                <a:effectLst/>
-                <a:latin typeface="Consolas" panose="020B0609020204030204" pitchFamily="49" charset="0"/>
-              </a:rPr>
-              <a:t>][</a:t>
-            </a:r>
-            <a:r>
-              <a:rPr lang="en-US" b="0" dirty="0" smtClean="0">
+                <a:latin typeface="Consolas" panose="020B0609020204030204" pitchFamily="49" charset="0"/>
+              </a:rPr>
+              <a:t>,</a:t>
+            </a:r>
+            <a:r>
+              <a:rPr lang="en-US" sz="1400" dirty="0" err="1">
+                <a:solidFill>
+                  <a:srgbClr val="001080"/>
+                </a:solidFill>
+                <a:latin typeface="Consolas" panose="020B0609020204030204" pitchFamily="49" charset="0"/>
+              </a:rPr>
+              <a:t>x</a:t>
+            </a:r>
+            <a:r>
+              <a:rPr lang="en-US" sz="1400" dirty="0">
+                <a:solidFill>
+                  <a:srgbClr val="000000"/>
+                </a:solidFill>
+                <a:latin typeface="Consolas" panose="020B0609020204030204" pitchFamily="49" charset="0"/>
+              </a:rPr>
+              <a:t>=</a:t>
+            </a:r>
+            <a:r>
+              <a:rPr lang="en-US" sz="1400" dirty="0">
+                <a:solidFill>
+                  <a:srgbClr val="A31515"/>
+                </a:solidFill>
+                <a:latin typeface="Consolas" panose="020B0609020204030204" pitchFamily="49" charset="0"/>
+              </a:rPr>
+              <a:t>'Department </a:t>
+            </a:r>
+            <a:r>
+              <a:rPr lang="en-US" sz="1400" dirty="0" err="1">
+                <a:solidFill>
+                  <a:srgbClr val="A31515"/>
+                </a:solidFill>
+                <a:latin typeface="Consolas" panose="020B0609020204030204" pitchFamily="49" charset="0"/>
+              </a:rPr>
+              <a:t>Name'</a:t>
+            </a:r>
+            <a:r>
+              <a:rPr lang="en-US" sz="1400" dirty="0" err="1">
+                <a:solidFill>
+                  <a:srgbClr val="000000"/>
+                </a:solidFill>
+                <a:latin typeface="Consolas" panose="020B0609020204030204" pitchFamily="49" charset="0"/>
+              </a:rPr>
+              <a:t>,</a:t>
+            </a:r>
+            <a:r>
+              <a:rPr lang="en-US" sz="1400" dirty="0" err="1">
+                <a:solidFill>
+                  <a:srgbClr val="001080"/>
+                </a:solidFill>
+                <a:latin typeface="Consolas" panose="020B0609020204030204" pitchFamily="49" charset="0"/>
+              </a:rPr>
+              <a:t>y</a:t>
+            </a:r>
+            <a:r>
+              <a:rPr lang="en-US" sz="1400" dirty="0">
+                <a:solidFill>
+                  <a:srgbClr val="000000"/>
+                </a:solidFill>
+                <a:latin typeface="Consolas" panose="020B0609020204030204" pitchFamily="49" charset="0"/>
+              </a:rPr>
+              <a:t>=</a:t>
+            </a:r>
+            <a:r>
+              <a:rPr lang="en-US" sz="1400" dirty="0">
+                <a:solidFill>
+                  <a:srgbClr val="A31515"/>
+                </a:solidFill>
+                <a:latin typeface="Consolas" panose="020B0609020204030204" pitchFamily="49" charset="0"/>
+              </a:rPr>
+              <a:t>'salary'</a:t>
+            </a:r>
+            <a:r>
+              <a:rPr lang="en-US" sz="1400" dirty="0">
+                <a:solidFill>
+                  <a:srgbClr val="000000"/>
+                </a:solidFill>
+                <a:latin typeface="Consolas" panose="020B0609020204030204" pitchFamily="49" charset="0"/>
+              </a:rPr>
+              <a:t>, </a:t>
+            </a:r>
+            <a:r>
+              <a:rPr lang="en-US" sz="1400" dirty="0">
+                <a:solidFill>
+                  <a:srgbClr val="001080"/>
+                </a:solidFill>
+                <a:latin typeface="Consolas" panose="020B0609020204030204" pitchFamily="49" charset="0"/>
+              </a:rPr>
+              <a:t>rot</a:t>
+            </a:r>
+            <a:r>
+              <a:rPr lang="en-US" sz="1400" dirty="0">
+                <a:solidFill>
+                  <a:srgbClr val="000000"/>
+                </a:solidFill>
+                <a:latin typeface="Consolas" panose="020B0609020204030204" pitchFamily="49" charset="0"/>
+              </a:rPr>
+              <a:t>=</a:t>
+            </a:r>
+            <a:r>
+              <a:rPr lang="en-US" sz="1400" dirty="0">
                 <a:solidFill>
                   <a:srgbClr val="09885A"/>
                 </a:solidFill>
-                <a:effectLst/>
                 <a:latin typeface="Consolas" panose="020B0609020204030204" pitchFamily="49" charset="0"/>
               </a:rPr>
               <a:t>0</a:t>
             </a:r>
             <a:r>
-              <a:rPr lang="en-US" b="0" dirty="0" smtClean="0">
+              <a:rPr lang="en-US" sz="1400" dirty="0">
                 <a:solidFill>
                   <a:srgbClr val="000000"/>
                 </a:solidFill>
-                <a:effectLst/>
-                <a:latin typeface="Consolas" panose="020B0609020204030204" pitchFamily="49" charset="0"/>
-              </a:rPr>
-              <a:t>]</a:t>
-            </a:r>
-          </a:p>
-          <a:p>
-            <a:r>
-              <a:rPr lang="en-US" b="0" dirty="0" smtClean="0">
+                <a:latin typeface="Consolas" panose="020B0609020204030204" pitchFamily="49" charset="0"/>
+              </a:rPr>
+              <a:t>)</a:t>
+            </a:r>
+          </a:p>
+          <a:p>
+            <a:r>
+              <a:rPr lang="en-US" sz="1400" dirty="0" err="1">
+                <a:solidFill>
+                  <a:srgbClr val="001080"/>
+                </a:solidFill>
+                <a:latin typeface="Consolas" panose="020B0609020204030204" pitchFamily="49" charset="0"/>
+              </a:rPr>
+              <a:t>plt</a:t>
+            </a:r>
+            <a:r>
+              <a:rPr lang="en-US" sz="1400" dirty="0" err="1">
                 <a:solidFill>
                   <a:srgbClr val="000000"/>
                 </a:solidFill>
-                <a:effectLst/>
-                <a:latin typeface="Consolas" panose="020B0609020204030204" pitchFamily="49" charset="0"/>
-              </a:rPr>
-              <a:t/>
-            </a:r>
-            <a:br>
-              <a:rPr lang="en-US" b="0" dirty="0" smtClean="0">
+                <a:latin typeface="Consolas" panose="020B0609020204030204" pitchFamily="49" charset="0"/>
+              </a:rPr>
+              <a:t>.</a:t>
+            </a:r>
+            <a:r>
+              <a:rPr lang="en-US" sz="1400" dirty="0" err="1">
+                <a:solidFill>
+                  <a:srgbClr val="001080"/>
+                </a:solidFill>
+                <a:latin typeface="Consolas" panose="020B0609020204030204" pitchFamily="49" charset="0"/>
+              </a:rPr>
+              <a:t>show</a:t>
+            </a:r>
+            <a:r>
+              <a:rPr lang="en-US" sz="1400" dirty="0">
                 <a:solidFill>
                   <a:srgbClr val="000000"/>
                 </a:solidFill>
-                <a:effectLst/>
-                <a:latin typeface="Consolas" panose="020B0609020204030204" pitchFamily="49" charset="0"/>
-              </a:rPr>
-            </a:br>
-            <a:r>
-              <a:rPr lang="en-US" b="0" dirty="0" err="1" smtClean="0">
-                <a:solidFill>
-                  <a:srgbClr val="001080"/>
-                </a:solidFill>
-                <a:effectLst/>
-                <a:latin typeface="Consolas" panose="020B0609020204030204" pitchFamily="49" charset="0"/>
-              </a:rPr>
-              <a:t>xpoints</a:t>
-            </a:r>
-            <a:r>
-              <a:rPr lang="en-US" b="0" dirty="0" smtClean="0">
-                <a:solidFill>
-                  <a:srgbClr val="000000"/>
-                </a:solidFill>
-                <a:effectLst/>
-                <a:latin typeface="Consolas" panose="020B0609020204030204" pitchFamily="49" charset="0"/>
-              </a:rPr>
-              <a:t> = </a:t>
-            </a:r>
-            <a:r>
-              <a:rPr lang="en-US" b="0" dirty="0" err="1" smtClean="0">
-                <a:solidFill>
-                  <a:srgbClr val="001080"/>
-                </a:solidFill>
-                <a:effectLst/>
-                <a:latin typeface="Consolas" panose="020B0609020204030204" pitchFamily="49" charset="0"/>
-              </a:rPr>
-              <a:t>np</a:t>
-            </a:r>
-            <a:r>
-              <a:rPr lang="en-US" b="0" dirty="0" err="1" smtClean="0">
-                <a:solidFill>
-                  <a:srgbClr val="000000"/>
-                </a:solidFill>
-                <a:effectLst/>
-                <a:latin typeface="Consolas" panose="020B0609020204030204" pitchFamily="49" charset="0"/>
-              </a:rPr>
-              <a:t>.</a:t>
-            </a:r>
-            <a:r>
-              <a:rPr lang="en-US" b="0" dirty="0" err="1" smtClean="0">
-                <a:solidFill>
-                  <a:srgbClr val="001080"/>
-                </a:solidFill>
-                <a:effectLst/>
-                <a:latin typeface="Consolas" panose="020B0609020204030204" pitchFamily="49" charset="0"/>
-              </a:rPr>
-              <a:t>array</a:t>
-            </a:r>
-            <a:r>
-              <a:rPr lang="en-US" b="0" dirty="0" smtClean="0">
-                <a:solidFill>
-                  <a:srgbClr val="000000"/>
-                </a:solidFill>
-                <a:effectLst/>
-                <a:latin typeface="Consolas" panose="020B0609020204030204" pitchFamily="49" charset="0"/>
-              </a:rPr>
-              <a:t>([</a:t>
-            </a:r>
-            <a:r>
-              <a:rPr lang="en-US" b="0" dirty="0" smtClean="0">
-                <a:solidFill>
-                  <a:srgbClr val="09885A"/>
-                </a:solidFill>
-                <a:effectLst/>
-                <a:latin typeface="Consolas" panose="020B0609020204030204" pitchFamily="49" charset="0"/>
-              </a:rPr>
-              <a:t>1</a:t>
-            </a:r>
-            <a:r>
-              <a:rPr lang="en-US" b="0" dirty="0" smtClean="0">
-                <a:solidFill>
-                  <a:srgbClr val="000000"/>
-                </a:solidFill>
-                <a:effectLst/>
-                <a:latin typeface="Consolas" panose="020B0609020204030204" pitchFamily="49" charset="0"/>
-              </a:rPr>
-              <a:t>, </a:t>
-            </a:r>
-            <a:r>
-              <a:rPr lang="en-US" b="0" dirty="0" smtClean="0">
-                <a:solidFill>
-                  <a:srgbClr val="09885A"/>
-                </a:solidFill>
-                <a:effectLst/>
-                <a:latin typeface="Consolas" panose="020B0609020204030204" pitchFamily="49" charset="0"/>
-              </a:rPr>
-              <a:t>8</a:t>
-            </a:r>
-            <a:r>
-              <a:rPr lang="en-US" b="0" dirty="0" smtClean="0">
-                <a:solidFill>
-                  <a:srgbClr val="000000"/>
-                </a:solidFill>
-                <a:effectLst/>
-                <a:latin typeface="Consolas" panose="020B0609020204030204" pitchFamily="49" charset="0"/>
-              </a:rPr>
-              <a:t>])</a:t>
-            </a:r>
-          </a:p>
-          <a:p>
-            <a:r>
-              <a:rPr lang="en-US" b="0" dirty="0" err="1" smtClean="0">
-                <a:solidFill>
-                  <a:srgbClr val="001080"/>
-                </a:solidFill>
-                <a:effectLst/>
-                <a:latin typeface="Consolas" panose="020B0609020204030204" pitchFamily="49" charset="0"/>
-              </a:rPr>
-              <a:t>ypoints</a:t>
-            </a:r>
-            <a:r>
-              <a:rPr lang="en-US" b="0" dirty="0" smtClean="0">
-                <a:solidFill>
-                  <a:srgbClr val="000000"/>
-                </a:solidFill>
-                <a:effectLst/>
-                <a:latin typeface="Consolas" panose="020B0609020204030204" pitchFamily="49" charset="0"/>
-              </a:rPr>
-              <a:t> = </a:t>
-            </a:r>
-            <a:r>
-              <a:rPr lang="en-US" b="0" dirty="0" err="1" smtClean="0">
-                <a:solidFill>
-                  <a:srgbClr val="001080"/>
-                </a:solidFill>
-                <a:effectLst/>
-                <a:latin typeface="Consolas" panose="020B0609020204030204" pitchFamily="49" charset="0"/>
-              </a:rPr>
-              <a:t>np</a:t>
-            </a:r>
-            <a:r>
-              <a:rPr lang="en-US" b="0" dirty="0" err="1" smtClean="0">
-                <a:solidFill>
-                  <a:srgbClr val="000000"/>
-                </a:solidFill>
-                <a:effectLst/>
-                <a:latin typeface="Consolas" panose="020B0609020204030204" pitchFamily="49" charset="0"/>
-              </a:rPr>
-              <a:t>.</a:t>
-            </a:r>
-            <a:r>
-              <a:rPr lang="en-US" b="0" dirty="0" err="1" smtClean="0">
-                <a:solidFill>
-                  <a:srgbClr val="001080"/>
-                </a:solidFill>
-                <a:effectLst/>
-                <a:latin typeface="Consolas" panose="020B0609020204030204" pitchFamily="49" charset="0"/>
-              </a:rPr>
-              <a:t>array</a:t>
-            </a:r>
-            <a:r>
-              <a:rPr lang="en-US" b="0" dirty="0" smtClean="0">
-                <a:solidFill>
-                  <a:srgbClr val="000000"/>
-                </a:solidFill>
-                <a:effectLst/>
-                <a:latin typeface="Consolas" panose="020B0609020204030204" pitchFamily="49" charset="0"/>
-              </a:rPr>
-              <a:t>([</a:t>
-            </a:r>
-            <a:r>
-              <a:rPr lang="en-US" b="0" dirty="0" smtClean="0">
-                <a:solidFill>
-                  <a:srgbClr val="001080"/>
-                </a:solidFill>
-                <a:effectLst/>
-                <a:latin typeface="Consolas" panose="020B0609020204030204" pitchFamily="49" charset="0"/>
-              </a:rPr>
-              <a:t>x1</a:t>
-            </a:r>
-            <a:r>
-              <a:rPr lang="en-US" b="0" dirty="0" smtClean="0">
-                <a:solidFill>
-                  <a:srgbClr val="000000"/>
-                </a:solidFill>
-                <a:effectLst/>
-                <a:latin typeface="Consolas" panose="020B0609020204030204" pitchFamily="49" charset="0"/>
-              </a:rPr>
-              <a:t>, </a:t>
-            </a:r>
-            <a:r>
-              <a:rPr lang="en-US" b="0" dirty="0" smtClean="0">
-                <a:solidFill>
-                  <a:srgbClr val="09885A"/>
-                </a:solidFill>
-                <a:effectLst/>
-                <a:latin typeface="Consolas" panose="020B0609020204030204" pitchFamily="49" charset="0"/>
-              </a:rPr>
-              <a:t>10</a:t>
-            </a:r>
-            <a:r>
-              <a:rPr lang="en-US" b="0" dirty="0" smtClean="0">
-                <a:solidFill>
-                  <a:srgbClr val="000000"/>
-                </a:solidFill>
-                <a:effectLst/>
-                <a:latin typeface="Consolas" panose="020B0609020204030204" pitchFamily="49" charset="0"/>
-              </a:rPr>
-              <a:t>])</a:t>
-            </a:r>
-          </a:p>
-          <a:p>
-            <a:r>
-              <a:rPr lang="en-US" b="0" dirty="0" smtClean="0">
-                <a:solidFill>
-                  <a:srgbClr val="000000"/>
-                </a:solidFill>
-                <a:effectLst/>
-                <a:latin typeface="Consolas" panose="020B0609020204030204" pitchFamily="49" charset="0"/>
-              </a:rPr>
-              <a:t/>
-            </a:r>
-            <a:br>
-              <a:rPr lang="en-US" b="0" dirty="0" smtClean="0">
-                <a:solidFill>
-                  <a:srgbClr val="000000"/>
-                </a:solidFill>
-                <a:effectLst/>
-                <a:latin typeface="Consolas" panose="020B0609020204030204" pitchFamily="49" charset="0"/>
-              </a:rPr>
-            </a:br>
-            <a:r>
-              <a:rPr lang="en-US" b="0" dirty="0" err="1" smtClean="0">
-                <a:solidFill>
-                  <a:srgbClr val="001080"/>
-                </a:solidFill>
-                <a:effectLst/>
-                <a:latin typeface="Consolas" panose="020B0609020204030204" pitchFamily="49" charset="0"/>
-              </a:rPr>
-              <a:t>plt</a:t>
-            </a:r>
-            <a:r>
-              <a:rPr lang="en-US" b="0" dirty="0" err="1" smtClean="0">
-                <a:solidFill>
-                  <a:srgbClr val="000000"/>
-                </a:solidFill>
-                <a:effectLst/>
-                <a:latin typeface="Consolas" panose="020B0609020204030204" pitchFamily="49" charset="0"/>
-              </a:rPr>
-              <a:t>.</a:t>
-            </a:r>
-            <a:r>
-              <a:rPr lang="en-US" b="0" dirty="0" err="1" smtClean="0">
-                <a:solidFill>
-                  <a:srgbClr val="001080"/>
-                </a:solidFill>
-                <a:effectLst/>
-                <a:latin typeface="Consolas" panose="020B0609020204030204" pitchFamily="49" charset="0"/>
-              </a:rPr>
-              <a:t>plot</a:t>
-            </a:r>
-            <a:r>
-              <a:rPr lang="en-US" b="0" dirty="0" smtClean="0">
-                <a:solidFill>
-                  <a:srgbClr val="000000"/>
-                </a:solidFill>
-                <a:effectLst/>
-                <a:latin typeface="Consolas" panose="020B0609020204030204" pitchFamily="49" charset="0"/>
-              </a:rPr>
-              <a:t>(</a:t>
-            </a:r>
-            <a:r>
-              <a:rPr lang="en-US" b="0" dirty="0" err="1" smtClean="0">
-                <a:solidFill>
-                  <a:srgbClr val="001080"/>
-                </a:solidFill>
-                <a:effectLst/>
-                <a:latin typeface="Consolas" panose="020B0609020204030204" pitchFamily="49" charset="0"/>
-              </a:rPr>
-              <a:t>xpoints</a:t>
-            </a:r>
-            <a:r>
-              <a:rPr lang="en-US" b="0" dirty="0" smtClean="0">
-                <a:solidFill>
-                  <a:srgbClr val="000000"/>
-                </a:solidFill>
-                <a:effectLst/>
-                <a:latin typeface="Consolas" panose="020B0609020204030204" pitchFamily="49" charset="0"/>
-              </a:rPr>
-              <a:t>, </a:t>
-            </a:r>
-            <a:r>
-              <a:rPr lang="en-US" b="0" dirty="0" err="1" smtClean="0">
-                <a:solidFill>
-                  <a:srgbClr val="001080"/>
-                </a:solidFill>
-                <a:effectLst/>
-                <a:latin typeface="Consolas" panose="020B0609020204030204" pitchFamily="49" charset="0"/>
-              </a:rPr>
-              <a:t>ypoints</a:t>
-            </a:r>
-            <a:r>
-              <a:rPr lang="en-US" b="0" dirty="0" smtClean="0">
-                <a:solidFill>
-                  <a:srgbClr val="000000"/>
-                </a:solidFill>
-                <a:effectLst/>
-                <a:latin typeface="Consolas" panose="020B0609020204030204" pitchFamily="49" charset="0"/>
-              </a:rPr>
-              <a:t>)</a:t>
-            </a:r>
-          </a:p>
-          <a:p>
-            <a:r>
-              <a:rPr lang="en-US" b="0" dirty="0" err="1" smtClean="0">
-                <a:solidFill>
-                  <a:srgbClr val="001080"/>
-                </a:solidFill>
-                <a:effectLst/>
-                <a:latin typeface="Consolas" panose="020B0609020204030204" pitchFamily="49" charset="0"/>
-              </a:rPr>
-              <a:t>plt</a:t>
-            </a:r>
-            <a:r>
-              <a:rPr lang="en-US" b="0" dirty="0" err="1" smtClean="0">
-                <a:solidFill>
-                  <a:srgbClr val="000000"/>
-                </a:solidFill>
-                <a:effectLst/>
-                <a:latin typeface="Consolas" panose="020B0609020204030204" pitchFamily="49" charset="0"/>
-              </a:rPr>
-              <a:t>.</a:t>
-            </a:r>
-            <a:r>
-              <a:rPr lang="en-US" b="0" dirty="0" err="1" smtClean="0">
-                <a:solidFill>
-                  <a:srgbClr val="001080"/>
-                </a:solidFill>
-                <a:effectLst/>
-                <a:latin typeface="Consolas" panose="020B0609020204030204" pitchFamily="49" charset="0"/>
-              </a:rPr>
-              <a:t>show</a:t>
-            </a:r>
-            <a:r>
-              <a:rPr lang="en-US" b="0" dirty="0" smtClean="0">
-                <a:solidFill>
-                  <a:srgbClr val="000000"/>
-                </a:solidFill>
-                <a:effectLst/>
-                <a:latin typeface="Consolas" panose="020B0609020204030204" pitchFamily="49" charset="0"/>
-              </a:rPr>
-              <a:t>()</a:t>
-            </a:r>
-            <a:endParaRPr lang="en-US" b="0" dirty="0">
+                <a:latin typeface="Consolas" panose="020B0609020204030204" pitchFamily="49" charset="0"/>
+              </a:rPr>
+              <a:t>() </a:t>
+            </a:r>
+            <a:endParaRPr lang="en-US" sz="1400" b="0" dirty="0">
               <a:solidFill>
                 <a:srgbClr val="000000"/>
               </a:solidFill>
@@ -5150,532 +5891,115 @@
           <a:p>
             <a:pPr algn="ctr"/>
             <a:r>
+              <a:rPr lang="en-US" b="1" dirty="0" smtClean="0"/>
+              <a:t>Exercise 2</a:t>
+            </a:r>
+            <a:endParaRPr lang="en-US" b="1" dirty="0"/>
+          </a:p>
+        </p:txBody>
+      </p:sp>
+      <p:sp>
+        <p:nvSpPr>
+          <p:cNvPr id="3" name="Content Placeholder 2"/>
+          <p:cNvSpPr>
+            <a:spLocks noGrp="1"/>
+          </p:cNvSpPr>
+          <p:nvPr>
+            <p:ph idx="1"/>
+          </p:nvPr>
+        </p:nvSpPr>
+        <p:spPr/>
+        <p:txBody>
+          <a:bodyPr/>
+          <a:lstStyle/>
+          <a:p>
+            <a:pPr marL="514350" indent="-514350">
+              <a:buFont typeface="+mj-lt"/>
+              <a:buAutoNum type="arabicPeriod"/>
+            </a:pPr>
+            <a:r>
               <a:rPr lang="en-US" dirty="0" smtClean="0"/>
-              <a:t>Python script II</a:t>
+              <a:t>Create </a:t>
+            </a:r>
+            <a:r>
+              <a:rPr lang="en-US" dirty="0" smtClean="0"/>
+              <a:t>a </a:t>
+            </a:r>
+            <a:r>
+              <a:rPr lang="en-US" dirty="0" smtClean="0"/>
+              <a:t>pie chart by using Python</a:t>
             </a:r>
             <a:endParaRPr lang="en-US" dirty="0"/>
           </a:p>
         </p:txBody>
       </p:sp>
+      <mc:AlternateContent xmlns:mc="http://schemas.openxmlformats.org/markup-compatibility/2006" xmlns:p14="http://schemas.microsoft.com/office/powerpoint/2010/main">
+        <mc:Choice Requires="p14">
+          <p:contentPart p14:bwMode="auto" r:id="rId2">
+            <p14:nvContentPartPr>
+              <p14:cNvPr id="76" name="Ink 75"/>
+              <p14:cNvContentPartPr/>
+              <p14:nvPr/>
+            </p14:nvContentPartPr>
+            <p14:xfrm>
+              <a:off x="3417660" y="4416360"/>
+              <a:ext cx="360" cy="360"/>
+            </p14:xfrm>
+          </p:contentPart>
+        </mc:Choice>
+        <mc:Fallback xmlns="">
+          <p:pic>
+            <p:nvPicPr>
+              <p:cNvPr id="76" name="Ink 75"/>
+              <p:cNvPicPr/>
+              <p:nvPr/>
+            </p:nvPicPr>
+            <p:blipFill>
+              <a:blip r:embed="rId3"/>
+              <a:stretch>
+                <a:fillRect/>
+              </a:stretch>
+            </p:blipFill>
+            <p:spPr>
+              <a:xfrm>
+                <a:off x="3414060" y="4412760"/>
+                <a:ext cx="7560" cy="7560"/>
+              </a:xfrm>
+              <a:prstGeom prst="rect">
+                <a:avLst/>
+              </a:prstGeom>
+            </p:spPr>
+          </p:pic>
+        </mc:Fallback>
+      </mc:AlternateContent>
       <p:pic>
         <p:nvPicPr>
-          <p:cNvPr id="3" name="Picture 2"/>
+          <p:cNvPr id="4" name="Picture 3"/>
           <p:cNvPicPr>
             <a:picLocks noChangeAspect="1"/>
           </p:cNvPicPr>
           <p:nvPr/>
         </p:nvPicPr>
         <p:blipFill>
-          <a:blip r:embed="rId2"/>
+          <a:blip r:embed="rId4"/>
           <a:stretch>
             <a:fillRect/>
           </a:stretch>
         </p:blipFill>
         <p:spPr>
           <a:xfrm>
-            <a:off x="838200" y="1988865"/>
-            <a:ext cx="7106642" cy="3896269"/>
+            <a:off x="3735658" y="2378448"/>
+            <a:ext cx="4731317" cy="4075824"/>
           </a:xfrm>
           <a:prstGeom prst="rect">
             <a:avLst/>
           </a:prstGeom>
         </p:spPr>
       </p:pic>
-      <p:sp>
-        <p:nvSpPr>
-          <p:cNvPr id="4" name="Rectangle 3"/>
-          <p:cNvSpPr/>
-          <p:nvPr/>
-        </p:nvSpPr>
-        <p:spPr>
-          <a:xfrm>
-            <a:off x="7944842" y="3853809"/>
-            <a:ext cx="4318000" cy="2031325"/>
-          </a:xfrm>
-          <a:prstGeom prst="rect">
-            <a:avLst/>
-          </a:prstGeom>
-        </p:spPr>
-        <p:txBody>
-          <a:bodyPr wrap="square">
-            <a:spAutoFit/>
-          </a:bodyPr>
-          <a:lstStyle/>
-          <a:p>
-            <a:r>
-              <a:rPr lang="en-US" b="0" dirty="0" smtClean="0">
-                <a:solidFill>
-                  <a:srgbClr val="0000FF"/>
-                </a:solidFill>
-                <a:effectLst/>
-                <a:latin typeface="Consolas" panose="020B0609020204030204" pitchFamily="49" charset="0"/>
-              </a:rPr>
-              <a:t>import</a:t>
-            </a:r>
-            <a:r>
-              <a:rPr lang="en-US" b="0" dirty="0" smtClean="0">
-                <a:solidFill>
-                  <a:srgbClr val="000000"/>
-                </a:solidFill>
-                <a:effectLst/>
-                <a:latin typeface="Consolas" panose="020B0609020204030204" pitchFamily="49" charset="0"/>
-              </a:rPr>
-              <a:t> </a:t>
-            </a:r>
-            <a:r>
-              <a:rPr lang="en-US" b="0" dirty="0" err="1" smtClean="0">
-                <a:solidFill>
-                  <a:srgbClr val="001080"/>
-                </a:solidFill>
-                <a:effectLst/>
-                <a:latin typeface="Consolas" panose="020B0609020204030204" pitchFamily="49" charset="0"/>
-              </a:rPr>
-              <a:t>matplotlib</a:t>
-            </a:r>
-            <a:r>
-              <a:rPr lang="en-US" b="0" dirty="0" err="1" smtClean="0">
-                <a:solidFill>
-                  <a:srgbClr val="000000"/>
-                </a:solidFill>
-                <a:effectLst/>
-                <a:latin typeface="Consolas" panose="020B0609020204030204" pitchFamily="49" charset="0"/>
-              </a:rPr>
-              <a:t>.</a:t>
-            </a:r>
-            <a:r>
-              <a:rPr lang="en-US" b="0" dirty="0" err="1" smtClean="0">
-                <a:solidFill>
-                  <a:srgbClr val="001080"/>
-                </a:solidFill>
-                <a:effectLst/>
-                <a:latin typeface="Consolas" panose="020B0609020204030204" pitchFamily="49" charset="0"/>
-              </a:rPr>
-              <a:t>pyplot</a:t>
-            </a:r>
-            <a:r>
-              <a:rPr lang="en-US" b="0" dirty="0" smtClean="0">
-                <a:solidFill>
-                  <a:srgbClr val="000000"/>
-                </a:solidFill>
-                <a:effectLst/>
-                <a:latin typeface="Consolas" panose="020B0609020204030204" pitchFamily="49" charset="0"/>
-              </a:rPr>
-              <a:t> </a:t>
-            </a:r>
-            <a:r>
-              <a:rPr lang="en-US" b="0" dirty="0" smtClean="0">
-                <a:solidFill>
-                  <a:srgbClr val="0000FF"/>
-                </a:solidFill>
-                <a:effectLst/>
-                <a:latin typeface="Consolas" panose="020B0609020204030204" pitchFamily="49" charset="0"/>
-              </a:rPr>
-              <a:t>as</a:t>
-            </a:r>
-            <a:r>
-              <a:rPr lang="en-US" b="0" dirty="0" smtClean="0">
-                <a:solidFill>
-                  <a:srgbClr val="000000"/>
-                </a:solidFill>
-                <a:effectLst/>
-                <a:latin typeface="Consolas" panose="020B0609020204030204" pitchFamily="49" charset="0"/>
-              </a:rPr>
-              <a:t> </a:t>
-            </a:r>
-            <a:r>
-              <a:rPr lang="en-US" b="0" dirty="0" err="1" smtClean="0">
-                <a:solidFill>
-                  <a:srgbClr val="001080"/>
-                </a:solidFill>
-                <a:effectLst/>
-                <a:latin typeface="Consolas" panose="020B0609020204030204" pitchFamily="49" charset="0"/>
-              </a:rPr>
-              <a:t>plt</a:t>
-            </a:r>
-            <a:endParaRPr lang="en-US" b="0" dirty="0" smtClean="0">
-              <a:solidFill>
-                <a:srgbClr val="000000"/>
-              </a:solidFill>
-              <a:effectLst/>
-              <a:latin typeface="Consolas" panose="020B0609020204030204" pitchFamily="49" charset="0"/>
-            </a:endParaRPr>
-          </a:p>
-          <a:p>
-            <a:r>
-              <a:rPr lang="en-US" b="0" dirty="0" smtClean="0">
-                <a:solidFill>
-                  <a:srgbClr val="0000FF"/>
-                </a:solidFill>
-                <a:effectLst/>
-                <a:latin typeface="Consolas" panose="020B0609020204030204" pitchFamily="49" charset="0"/>
-              </a:rPr>
-              <a:t>import</a:t>
-            </a:r>
-            <a:r>
-              <a:rPr lang="en-US" b="0" dirty="0" smtClean="0">
-                <a:solidFill>
-                  <a:srgbClr val="000000"/>
-                </a:solidFill>
-                <a:effectLst/>
-                <a:latin typeface="Consolas" panose="020B0609020204030204" pitchFamily="49" charset="0"/>
-              </a:rPr>
-              <a:t> </a:t>
-            </a:r>
-            <a:r>
-              <a:rPr lang="en-US" b="0" dirty="0" err="1" smtClean="0">
-                <a:solidFill>
-                  <a:srgbClr val="001080"/>
-                </a:solidFill>
-                <a:effectLst/>
-                <a:latin typeface="Consolas" panose="020B0609020204030204" pitchFamily="49" charset="0"/>
-              </a:rPr>
-              <a:t>numpy</a:t>
-            </a:r>
-            <a:r>
-              <a:rPr lang="en-US" b="0" dirty="0" smtClean="0">
-                <a:solidFill>
-                  <a:srgbClr val="000000"/>
-                </a:solidFill>
-                <a:effectLst/>
-                <a:latin typeface="Consolas" panose="020B0609020204030204" pitchFamily="49" charset="0"/>
-              </a:rPr>
-              <a:t> </a:t>
-            </a:r>
-            <a:r>
-              <a:rPr lang="en-US" b="0" dirty="0" smtClean="0">
-                <a:solidFill>
-                  <a:srgbClr val="0000FF"/>
-                </a:solidFill>
-                <a:effectLst/>
-                <a:latin typeface="Consolas" panose="020B0609020204030204" pitchFamily="49" charset="0"/>
-              </a:rPr>
-              <a:t>as</a:t>
-            </a:r>
-            <a:r>
-              <a:rPr lang="en-US" b="0" dirty="0" smtClean="0">
-                <a:solidFill>
-                  <a:srgbClr val="000000"/>
-                </a:solidFill>
-                <a:effectLst/>
-                <a:latin typeface="Consolas" panose="020B0609020204030204" pitchFamily="49" charset="0"/>
-              </a:rPr>
-              <a:t> </a:t>
-            </a:r>
-            <a:r>
-              <a:rPr lang="en-US" b="0" dirty="0" smtClean="0">
-                <a:solidFill>
-                  <a:srgbClr val="001080"/>
-                </a:solidFill>
-                <a:effectLst/>
-                <a:latin typeface="Consolas" panose="020B0609020204030204" pitchFamily="49" charset="0"/>
-              </a:rPr>
-              <a:t>np</a:t>
-            </a:r>
-            <a:endParaRPr lang="en-US" b="0" dirty="0" smtClean="0">
-              <a:solidFill>
-                <a:srgbClr val="000000"/>
-              </a:solidFill>
-              <a:effectLst/>
-              <a:latin typeface="Consolas" panose="020B0609020204030204" pitchFamily="49" charset="0"/>
-            </a:endParaRPr>
-          </a:p>
-          <a:p>
-            <a:r>
-              <a:rPr lang="en-US" b="0" dirty="0" smtClean="0">
-                <a:solidFill>
-                  <a:srgbClr val="000000"/>
-                </a:solidFill>
-                <a:effectLst/>
-                <a:latin typeface="Consolas" panose="020B0609020204030204" pitchFamily="49" charset="0"/>
-              </a:rPr>
-              <a:t/>
-            </a:r>
-            <a:br>
-              <a:rPr lang="en-US" b="0" dirty="0" smtClean="0">
-                <a:solidFill>
-                  <a:srgbClr val="000000"/>
-                </a:solidFill>
-                <a:effectLst/>
-                <a:latin typeface="Consolas" panose="020B0609020204030204" pitchFamily="49" charset="0"/>
-              </a:rPr>
-            </a:br>
-            <a:r>
-              <a:rPr lang="en-US" b="0" dirty="0" smtClean="0">
-                <a:solidFill>
-                  <a:srgbClr val="001080"/>
-                </a:solidFill>
-                <a:effectLst/>
-                <a:latin typeface="Consolas" panose="020B0609020204030204" pitchFamily="49" charset="0"/>
-              </a:rPr>
-              <a:t>y</a:t>
-            </a:r>
-            <a:r>
-              <a:rPr lang="en-US" b="0" dirty="0" smtClean="0">
-                <a:solidFill>
-                  <a:srgbClr val="000000"/>
-                </a:solidFill>
-                <a:effectLst/>
-                <a:latin typeface="Consolas" panose="020B0609020204030204" pitchFamily="49" charset="0"/>
-              </a:rPr>
-              <a:t> = </a:t>
-            </a:r>
-            <a:r>
-              <a:rPr lang="en-US" b="0" dirty="0" err="1" smtClean="0">
-                <a:solidFill>
-                  <a:srgbClr val="001080"/>
-                </a:solidFill>
-                <a:effectLst/>
-                <a:latin typeface="Consolas" panose="020B0609020204030204" pitchFamily="49" charset="0"/>
-              </a:rPr>
-              <a:t>np</a:t>
-            </a:r>
-            <a:r>
-              <a:rPr lang="en-US" b="0" dirty="0" err="1" smtClean="0">
-                <a:solidFill>
-                  <a:srgbClr val="000000"/>
-                </a:solidFill>
-                <a:effectLst/>
-                <a:latin typeface="Consolas" panose="020B0609020204030204" pitchFamily="49" charset="0"/>
-              </a:rPr>
-              <a:t>.</a:t>
-            </a:r>
-            <a:r>
-              <a:rPr lang="en-US" b="0" dirty="0" err="1" smtClean="0">
-                <a:solidFill>
-                  <a:srgbClr val="001080"/>
-                </a:solidFill>
-                <a:effectLst/>
-                <a:latin typeface="Consolas" panose="020B0609020204030204" pitchFamily="49" charset="0"/>
-              </a:rPr>
-              <a:t>array</a:t>
-            </a:r>
-            <a:r>
-              <a:rPr lang="en-US" b="0" dirty="0" smtClean="0">
-                <a:solidFill>
-                  <a:srgbClr val="000000"/>
-                </a:solidFill>
-                <a:effectLst/>
-                <a:latin typeface="Consolas" panose="020B0609020204030204" pitchFamily="49" charset="0"/>
-              </a:rPr>
-              <a:t>([</a:t>
-            </a:r>
-            <a:r>
-              <a:rPr lang="en-US" b="0" dirty="0" smtClean="0">
-                <a:solidFill>
-                  <a:srgbClr val="09885A"/>
-                </a:solidFill>
-                <a:effectLst/>
-                <a:latin typeface="Consolas" panose="020B0609020204030204" pitchFamily="49" charset="0"/>
-              </a:rPr>
-              <a:t>35</a:t>
-            </a:r>
-            <a:r>
-              <a:rPr lang="en-US" b="0" dirty="0" smtClean="0">
-                <a:solidFill>
-                  <a:srgbClr val="000000"/>
-                </a:solidFill>
-                <a:effectLst/>
-                <a:latin typeface="Consolas" panose="020B0609020204030204" pitchFamily="49" charset="0"/>
-              </a:rPr>
-              <a:t>, </a:t>
-            </a:r>
-            <a:r>
-              <a:rPr lang="en-US" b="0" dirty="0" smtClean="0">
-                <a:solidFill>
-                  <a:srgbClr val="09885A"/>
-                </a:solidFill>
-                <a:effectLst/>
-                <a:latin typeface="Consolas" panose="020B0609020204030204" pitchFamily="49" charset="0"/>
-              </a:rPr>
-              <a:t>25</a:t>
-            </a:r>
-            <a:r>
-              <a:rPr lang="en-US" b="0" dirty="0" smtClean="0">
-                <a:solidFill>
-                  <a:srgbClr val="000000"/>
-                </a:solidFill>
-                <a:effectLst/>
-                <a:latin typeface="Consolas" panose="020B0609020204030204" pitchFamily="49" charset="0"/>
-              </a:rPr>
-              <a:t>, </a:t>
-            </a:r>
-            <a:r>
-              <a:rPr lang="en-US" b="0" dirty="0" smtClean="0">
-                <a:solidFill>
-                  <a:srgbClr val="09885A"/>
-                </a:solidFill>
-                <a:effectLst/>
-                <a:latin typeface="Consolas" panose="020B0609020204030204" pitchFamily="49" charset="0"/>
-              </a:rPr>
-              <a:t>25</a:t>
-            </a:r>
-            <a:r>
-              <a:rPr lang="en-US" b="0" dirty="0" smtClean="0">
-                <a:solidFill>
-                  <a:srgbClr val="000000"/>
-                </a:solidFill>
-                <a:effectLst/>
-                <a:latin typeface="Consolas" panose="020B0609020204030204" pitchFamily="49" charset="0"/>
-              </a:rPr>
-              <a:t>, </a:t>
-            </a:r>
-            <a:r>
-              <a:rPr lang="en-US" b="0" dirty="0" smtClean="0">
-                <a:solidFill>
-                  <a:srgbClr val="09885A"/>
-                </a:solidFill>
-                <a:effectLst/>
-                <a:latin typeface="Consolas" panose="020B0609020204030204" pitchFamily="49" charset="0"/>
-              </a:rPr>
-              <a:t>15</a:t>
-            </a:r>
-            <a:r>
-              <a:rPr lang="en-US" b="0" dirty="0" smtClean="0">
-                <a:solidFill>
-                  <a:srgbClr val="000000"/>
-                </a:solidFill>
-                <a:effectLst/>
-                <a:latin typeface="Consolas" panose="020B0609020204030204" pitchFamily="49" charset="0"/>
-              </a:rPr>
-              <a:t>])</a:t>
-            </a:r>
-          </a:p>
-          <a:p>
-            <a:r>
-              <a:rPr lang="en-US" b="0" dirty="0" smtClean="0">
-                <a:solidFill>
-                  <a:srgbClr val="000000"/>
-                </a:solidFill>
-                <a:effectLst/>
-                <a:latin typeface="Consolas" panose="020B0609020204030204" pitchFamily="49" charset="0"/>
-              </a:rPr>
-              <a:t/>
-            </a:r>
-            <a:br>
-              <a:rPr lang="en-US" b="0" dirty="0" smtClean="0">
-                <a:solidFill>
-                  <a:srgbClr val="000000"/>
-                </a:solidFill>
-                <a:effectLst/>
-                <a:latin typeface="Consolas" panose="020B0609020204030204" pitchFamily="49" charset="0"/>
-              </a:rPr>
-            </a:br>
-            <a:r>
-              <a:rPr lang="en-US" b="0" dirty="0" err="1" smtClean="0">
-                <a:solidFill>
-                  <a:srgbClr val="001080"/>
-                </a:solidFill>
-                <a:effectLst/>
-                <a:latin typeface="Consolas" panose="020B0609020204030204" pitchFamily="49" charset="0"/>
-              </a:rPr>
-              <a:t>plt</a:t>
-            </a:r>
-            <a:r>
-              <a:rPr lang="en-US" b="0" dirty="0" err="1" smtClean="0">
-                <a:solidFill>
-                  <a:srgbClr val="000000"/>
-                </a:solidFill>
-                <a:effectLst/>
-                <a:latin typeface="Consolas" panose="020B0609020204030204" pitchFamily="49" charset="0"/>
-              </a:rPr>
-              <a:t>.</a:t>
-            </a:r>
-            <a:r>
-              <a:rPr lang="en-US" b="0" dirty="0" err="1" smtClean="0">
-                <a:solidFill>
-                  <a:srgbClr val="001080"/>
-                </a:solidFill>
-                <a:effectLst/>
-                <a:latin typeface="Consolas" panose="020B0609020204030204" pitchFamily="49" charset="0"/>
-              </a:rPr>
-              <a:t>pie</a:t>
-            </a:r>
-            <a:r>
-              <a:rPr lang="en-US" b="0" dirty="0" smtClean="0">
-                <a:solidFill>
-                  <a:srgbClr val="000000"/>
-                </a:solidFill>
-                <a:effectLst/>
-                <a:latin typeface="Consolas" panose="020B0609020204030204" pitchFamily="49" charset="0"/>
-              </a:rPr>
-              <a:t>(</a:t>
-            </a:r>
-            <a:r>
-              <a:rPr lang="en-US" b="0" dirty="0" smtClean="0">
-                <a:solidFill>
-                  <a:srgbClr val="001080"/>
-                </a:solidFill>
-                <a:effectLst/>
-                <a:latin typeface="Consolas" panose="020B0609020204030204" pitchFamily="49" charset="0"/>
-              </a:rPr>
-              <a:t>y</a:t>
-            </a:r>
-            <a:r>
-              <a:rPr lang="en-US" b="0" dirty="0" smtClean="0">
-                <a:solidFill>
-                  <a:srgbClr val="000000"/>
-                </a:solidFill>
-                <a:effectLst/>
-                <a:latin typeface="Consolas" panose="020B0609020204030204" pitchFamily="49" charset="0"/>
-              </a:rPr>
-              <a:t>)</a:t>
-            </a:r>
-          </a:p>
-          <a:p>
-            <a:r>
-              <a:rPr lang="en-US" b="0" dirty="0" err="1" smtClean="0">
-                <a:solidFill>
-                  <a:srgbClr val="001080"/>
-                </a:solidFill>
-                <a:effectLst/>
-                <a:latin typeface="Consolas" panose="020B0609020204030204" pitchFamily="49" charset="0"/>
-              </a:rPr>
-              <a:t>plt</a:t>
-            </a:r>
-            <a:r>
-              <a:rPr lang="en-US" b="0" dirty="0" err="1" smtClean="0">
-                <a:solidFill>
-                  <a:srgbClr val="000000"/>
-                </a:solidFill>
-                <a:effectLst/>
-                <a:latin typeface="Consolas" panose="020B0609020204030204" pitchFamily="49" charset="0"/>
-              </a:rPr>
-              <a:t>.</a:t>
-            </a:r>
-            <a:r>
-              <a:rPr lang="en-US" b="0" dirty="0" err="1" smtClean="0">
-                <a:solidFill>
-                  <a:srgbClr val="001080"/>
-                </a:solidFill>
-                <a:effectLst/>
-                <a:latin typeface="Consolas" panose="020B0609020204030204" pitchFamily="49" charset="0"/>
-              </a:rPr>
-              <a:t>show</a:t>
-            </a:r>
-            <a:r>
-              <a:rPr lang="en-US" b="0" dirty="0" smtClean="0">
-                <a:solidFill>
-                  <a:srgbClr val="000000"/>
-                </a:solidFill>
-                <a:effectLst/>
-                <a:latin typeface="Consolas" panose="020B0609020204030204" pitchFamily="49" charset="0"/>
-              </a:rPr>
-              <a:t>() </a:t>
-            </a:r>
-            <a:endParaRPr lang="en-US" b="0" dirty="0">
-              <a:solidFill>
-                <a:srgbClr val="000000"/>
-              </a:solidFill>
-              <a:effectLst/>
-              <a:latin typeface="Consolas" panose="020B0609020204030204" pitchFamily="49" charset="0"/>
-            </a:endParaRPr>
-          </a:p>
-        </p:txBody>
-      </p:sp>
     </p:spTree>
     <p:extLst>
       <p:ext uri="{BB962C8B-B14F-4D97-AF65-F5344CB8AC3E}">
-        <p14:creationId xmlns:p14="http://schemas.microsoft.com/office/powerpoint/2010/main" val="2891012784"/>
+        <p14:creationId xmlns:p14="http://schemas.microsoft.com/office/powerpoint/2010/main" val="885873826"/>
       </p:ext>
     </p:extLst>
   </p:cSld>
@@ -5719,10 +6043,10 @@
           <a:p>
             <a:pPr algn="ctr"/>
             <a:r>
-              <a:rPr lang="en-US" dirty="0" smtClean="0"/>
+              <a:rPr lang="en-US" b="1" dirty="0" smtClean="0"/>
               <a:t>Table tools: new measurement</a:t>
             </a:r>
-            <a:endParaRPr lang="en-US" dirty="0"/>
+            <a:endParaRPr lang="en-US" b="1" dirty="0"/>
           </a:p>
         </p:txBody>
       </p:sp>
@@ -5822,7 +6146,25 @@
                 </a:solidFill>
                 <a:latin typeface="Consolas" panose="020B0609020204030204" pitchFamily="49" charset="0"/>
               </a:rPr>
-              <a:t>num_paper</a:t>
+              <a:t>N</a:t>
+            </a:r>
+            <a:r>
+              <a:rPr lang="en-US" dirty="0" err="1" smtClean="0">
+                <a:solidFill>
+                  <a:srgbClr val="000000"/>
+                </a:solidFill>
+                <a:latin typeface="Consolas" panose="020B0609020204030204" pitchFamily="49" charset="0"/>
+              </a:rPr>
+              <a:t>um_paper</a:t>
+            </a:r>
+            <a:r>
+              <a:rPr lang="en-US" dirty="0" smtClean="0">
+                <a:solidFill>
+                  <a:srgbClr val="000000"/>
+                </a:solidFill>
+                <a:latin typeface="Consolas" panose="020B0609020204030204" pitchFamily="49" charset="0"/>
+              </a:rPr>
+              <a:t> </a:t>
             </a:r>
             <a:r>
               <a:rPr lang="en-US" dirty="0">
@@ -5831,7 +6173,7 @@
                 </a:solidFill>
                 <a:latin typeface="Consolas" panose="020B0609020204030204" pitchFamily="49" charset="0"/>
               </a:rPr>
-              <a:t> = </a:t>
+              <a:t>= </a:t>
             </a:r>
             <a:r>
               <a:rPr lang="en-US" dirty="0">
@@ -6079,22 +6421,21 @@
       </p:sp>
       <p:pic>
         <p:nvPicPr>
-          <p:cNvPr id="5" name="Picture 4"/>
+          <p:cNvPr id="3" name="Picture 2"/>
           <p:cNvPicPr>
             <a:picLocks noChangeAspect="1"/>
           </p:cNvPicPr>
           <p:nvPr/>
         </p:nvPicPr>
-        <p:blipFill>
+        <p:blipFill rotWithShape="1">
           <a:blip r:embed="rId2"/>
-          <a:stretch>
-            <a:fillRect/>
-          </a:stretch>
+          <a:srcRect t="7931" r="1999" b="3338"/>
+          <a:stretch/>
         </p:blipFill>
         <p:spPr>
           <a:xfrm>
-            <a:off x="3272362" y="1898590"/>
-            <a:ext cx="6134956" cy="3743847"/>
+            <a:off x="2491255" y="1973766"/>
+            <a:ext cx="7065340" cy="3166946"/>
           </a:xfrm>
           <a:prstGeom prst="rect">
             <a:avLst/>
@@ -6103,14 +6444,14 @@
       </p:pic>
       <p:sp>
         <p:nvSpPr>
-          <p:cNvPr id="6" name="Rectangle 5"/>
+          <p:cNvPr id="4" name="Rectangle 3"/>
           <p:cNvSpPr/>
           <p:nvPr/>
         </p:nvSpPr>
         <p:spPr>
           <a:xfrm>
-            <a:off x="4407094" y="5857007"/>
-            <a:ext cx="4490332" cy="369332"/>
+            <a:off x="3091010" y="5574939"/>
+            <a:ext cx="6009979" cy="369332"/>
           </a:xfrm>
           <a:prstGeom prst="rect">
             <a:avLst/>
@@ -6148,6 +6489,15 @@
                 <a:latin typeface="Consolas" panose="020B0609020204030204" pitchFamily="49" charset="0"/>
               </a:rPr>
               <a:t>(</a:t>
+            </a:r>
+            <a:r>
+              <a:rPr lang="en-US" dirty="0" err="1">
+                <a:solidFill>
+                  <a:srgbClr val="001080"/>
+                </a:solidFill>
+                <a:latin typeface="Consolas" panose="020B0609020204030204" pitchFamily="49" charset="0"/>
+              </a:rPr>
+              <a:t>tbResearcher</a:t>
             </a:r>
             <a:r>
               <a:rPr lang="en-US" dirty="0">
@@ -6279,7 +6629,11 @@
             <a:pPr algn="ctr"/>
             <a:r>
               <a:rPr lang="en-US" b="1" dirty="0" smtClean="0"/>
-              <a:t>Exercise 2</a:t>
+              <a:t>Exercise </a:t>
+            </a:r>
+            <a:r>
+              <a:rPr lang="en-US" b="1" dirty="0" smtClean="0"/>
+              <a:t>3</a:t>
             </a:r>
             <a:endParaRPr lang="en-US" b="1" dirty="0"/>
           </a:p>
@@ -6354,7 +6708,7 @@
     </p:spTree>
     <p:extLst>
       <p:ext uri="{BB962C8B-B14F-4D97-AF65-F5344CB8AC3E}">
-        <p14:creationId xmlns:p14="http://schemas.microsoft.com/office/powerpoint/2010/main" val="885873826"/>
+        <p14:creationId xmlns:p14="http://schemas.microsoft.com/office/powerpoint/2010/main" val="1533111915"/>
       </p:ext>
     </p:extLst>
   </p:cSld>
@@ -7938,4 +8292,265 @@
     </a:ext>
   </a:extLst>
 </a:theme>
+</file>
+
+<file path=ppt/theme/theme2.xml><?xml version="1.0" encoding="utf-8"?>
+<a:theme xmlns:a="http://schemas.openxmlformats.org/drawingml/2006/main" name="Office Theme">
+  <a:themeElements>
+    <a:clrScheme name="Office">
+      <a:dk1>
+        <a:sysClr val="windowText" lastClr="000000"/>
+      </a:dk1>
+      <a:lt1>
+        <a:sysClr val="window" lastClr="FFFFFF"/>
+      </a:lt1>
+      <a:dk2>
+        <a:srgbClr val="44546A"/>
+      </a:dk2>
+      <a:lt2>
+        <a:srgbClr val="E7E6E6"/>
+      </a:lt2>
+      <a:accent1>
+        <a:srgbClr val="5B9BD5"/>
+      </a:accent1>
+      <a:accent2>
+        <a:srgbClr val="ED7D31"/>
+      </a:accent2>
+      <a:accent3>
+        <a:srgbClr val="A5A5A5"/>
+      </a:accent3>
+      <a:accent4>
+        <a:srgbClr val="FFC000"/>
+      </a:accent4>
+      <a:accent5>
+        <a:srgbClr val="4472C4"/>
+      </a:accent5>
+      <a:accent6>
+        <a:srgbClr val="70AD47"/>
+      </a:accent6>
+      <a:hlink>
+        <a:srgbClr val="0563C1"/>
+      </a:hlink>
+      <a:folHlink>
+        <a:srgbClr val="954F72"/>
+      </a:folHlink>
+    </a:clrScheme>
+    <a:fontScheme name="Office">
+      <a:majorFont>
+        <a:latin typeface="Calibri Light" panose="020F0302020204030204"/>
+        <a:ea typeface=""/>
+        <a:cs typeface=""/>
+        <a:font script="Jpan" typeface="游ゴシック Light"/>
+        <a:font script="Hang" typeface="맑은 고딕"/>
+        <a:font script="Hans" typeface="等线 Light"/>
+        <a:font script="Hant" typeface="新細明體"/>
+        <a:font script="Arab" typeface="Times New Roman"/>
+        <a:font script="Hebr" typeface="Times New Roman"/>
+        <a:font script="Thai" typeface="Angsana New"/>
+        <a:font script="Ethi" typeface="Nyala"/>
+        <a:font script="Beng" typeface="Vrinda"/>
+        <a:font script="Gujr" typeface="Shruti"/>
+        <a:font script="Khmr" typeface="MoolBoran"/>
+        <a:font script="Knda" typeface="Tunga"/>
+        <a:font script="Guru" typeface="Raavi"/>
+        <a:font script="Cans" typeface="Euphemia"/>
+        <a:font script="Cher" typeface="Plantagenet Cherokee"/>
+        <a:font script="Yiii" typeface="Microsoft Yi Baiti"/>
+        <a:font script="Tibt" typeface="Microsoft Himalaya"/>
+        <a:font script="Thaa" typeface="MV Boli"/>
+        <a:font script="Deva" typeface="Mangal"/>
+        <a:font script="Telu" typeface="Gautami"/>
+        <a:font script="Taml" typeface="Latha"/>
+        <a:font script="Syrc" typeface="Estrangelo Edessa"/>
+        <a:font script="Orya" typeface="Kalinga"/>
+        <a:font script="Mlym" typeface="Kartika"/>
+        <a:font script="Laoo" typeface="DokChampa"/>
+        <a:font script="Sinh" typeface="Iskoola Pota"/>
+        <a:font script="Mong" typeface="Mongolian Baiti"/>
+        <a:font script="Viet" typeface="Times New Roman"/>
+        <a:font script="Uigh" typeface="Microsoft Uighur"/>
+        <a:font script="Geor" typeface="Sylfaen"/>
+      </a:majorFont>
+      <a:minorFont>
+        <a:latin typeface="Calibri" panose="020F0502020204030204"/>
+        <a:ea typeface=""/>
+        <a:cs typeface=""/>
+        <a:font script="Jpan" typeface="游ゴシック"/>
+        <a:font script="Hang" typeface="맑은 고딕"/>
+        <a:font script="Hans" typeface="等线"/>
+        <a:font script="Hant" typeface="新細明體"/>
+        <a:font script="Arab" typeface="Arial"/>
+        <a:font script="Hebr" typeface="Arial"/>
+        <a:font script="Thai" typeface="Cordia New"/>
+        <a:font script="Ethi" typeface="Nyala"/>
+        <a:font script="Beng" typeface="Vrinda"/>
+        <a:font script="Gujr" typeface="Shruti"/>
+        <a:font script="Khmr" typeface="DaunPenh"/>
+        <a:font script="Knda" typeface="Tunga"/>
+        <a:font script="Guru" typeface="Raavi"/>
+        <a:font script="Cans" typeface="Euphemia"/>
+        <a:font script="Cher" typeface="Plantagenet Cherokee"/>
+        <a:font script="Yiii" typeface="Microsoft Yi Baiti"/>
+        <a:font script="Tibt" typeface="Microsoft Himalaya"/>
+        <a:font script="Thaa" typeface="MV Boli"/>
+        <a:font script="Deva" typeface="Mangal"/>
+        <a:font script="Telu" typeface="Gautami"/>
+        <a:font script="Taml" typeface="Latha"/>
+        <a:font script="Syrc" typeface="Estrangelo Edessa"/>
+        <a:font script="Orya" typeface="Kalinga"/>
+        <a:font script="Mlym" typeface="Kartika"/>
+        <a:font script="Laoo" typeface="DokChampa"/>
+        <a:font script="Sinh" typeface="Iskoola Pota"/>
+        <a:font script="Mong" typeface="Mongolian Baiti"/>
+        <a:font script="Viet" typeface="Arial"/>
+        <a:font script="Uigh" typeface="Microsoft Uighur"/>
+        <a:font script="Geor" typeface="Sylfaen"/>
+      </a:minorFont>
+    </a:fontScheme>
+    <a:fmtScheme name="Office">
+      <a:fillStyleLst>
+        <a:solidFill>
+          <a:schemeClr val="phClr"/>
+        </a:solidFill>
+        <a:gradFill rotWithShape="1">
+          <a:gsLst>
+            <a:gs pos="0">
+              <a:schemeClr val="phClr">
+                <a:lumMod val="110000"/>
+                <a:satMod val="105000"/>
+                <a:tint val="67000"/>
+              </a:schemeClr>
+            </a:gs>
+            <a:gs pos="50000">
+              <a:schemeClr val="phClr">
+                <a:lumMod val="105000"/>
+                <a:satMod val="103000"/>
+                <a:tint val="73000"/>
+              </a:schemeClr>
+            </a:gs>
+            <a:gs pos="100000">
+              <a:schemeClr val="phClr">
+                <a:lumMod val="105000"/>
+                <a:satMod val="109000"/>
+                <a:tint val="81000"/>
+              </a:schemeClr>
+            </a:gs>
+          </a:gsLst>
+          <a:lin ang="5400000" scaled="0"/>
+        </a:gradFill>
+        <a:gradFill rotWithShape="1">
+          <a:gsLst>
+            <a:gs pos="0">
+              <a:schemeClr val="phClr">
+                <a:satMod val="103000"/>
+                <a:lumMod val="102000"/>
+                <a:tint val="94000"/>
+              </a:schemeClr>
+            </a:gs>
+            <a:gs pos="50000">
+              <a:schemeClr val="phClr">
+                <a:satMod val="110000"/>
+                <a:lumMod val="100000"/>
+                <a:shade val="100000"/>
+              </a:schemeClr>
+            </a:gs>
+            <a:gs pos="100000">
+              <a:schemeClr val="phClr">
+                <a:lumMod val="99000"/>
+                <a:satMod val="120000"/>
+                <a:shade val="78000"/>
+              </a:schemeClr>
+            </a:gs>
+          </a:gsLst>
+          <a:lin ang="5400000" scaled="0"/>
+        </a:gradFill>
+      </a:fillStyleLst>
+      <a:lnStyleLst>
+        <a:ln w="6350" cap="flat" cmpd="sng" algn="ctr">
+          <a:solidFill>
+            <a:schemeClr val="phClr"/>
+          </a:solidFill>
+          <a:prstDash val="solid"/>
+          <a:miter lim="800000"/>
+        </a:ln>
+        <a:ln w="12700" cap="flat" cmpd="sng" algn="ctr">
+          <a:solidFill>
+            <a:schemeClr val="phClr"/>
+          </a:solidFill>
+          <a:prstDash val="solid"/>
+          <a:miter lim="800000"/>
+        </a:ln>
+        <a:ln w="19050" cap="flat" cmpd="sng" algn="ctr">
+          <a:solidFill>
+            <a:schemeClr val="phClr"/>
+          </a:solidFill>
+          <a:prstDash val="solid"/>
+          <a:miter lim="800000"/>
+        </a:ln>
+      </a:lnStyleLst>
+      <a:effectStyleLst>
+        <a:effectStyle>
+          <a:effectLst/>
+        </a:effectStyle>
+        <a:effectStyle>
+          <a:effectLst/>
+        </a:effectStyle>
+        <a:effectStyle>
+          <a:effectLst>
+            <a:outerShdw blurRad="57150" dist="19050" dir="5400000" algn="ctr" rotWithShape="0">
+              <a:srgbClr val="000000">
+                <a:alpha val="63000"/>
+              </a:srgbClr>
+            </a:outerShdw>
+          </a:effectLst>
+        </a:effectStyle>
+      </a:effectStyleLst>
+      <a:bgFillStyleLst>
+        <a:solidFill>
+          <a:schemeClr val="phClr"/>
+        </a:solidFill>
+        <a:solidFill>
+          <a:schemeClr val="phClr">
+            <a:tint val="95000"/>
+            <a:satMod val="170000"/>
+          </a:schemeClr>
+        </a:solidFill>
+        <a:gradFill rotWithShape="1">
+          <a:gsLst>
+            <a:gs pos="0">
+              <a:schemeClr val="phClr">
+                <a:tint val="93000"/>
+                <a:satMod val="150000"/>
+                <a:shade val="98000"/>
+                <a:lumMod val="102000"/>
+              </a:schemeClr>
+            </a:gs>
+            <a:gs pos="50000">
+              <a:schemeClr val="phClr">
+                <a:tint val="98000"/>
+                <a:satMod val="130000"/>
+                <a:shade val="90000"/>
+                <a:lumMod val="103000"/>
+              </a:schemeClr>
+            </a:gs>
+            <a:gs pos="100000">
+              <a:schemeClr val="phClr">
+                <a:shade val="63000"/>
+                <a:satMod val="120000"/>
+              </a:schemeClr>
+            </a:gs>
+          </a:gsLst>
+          <a:lin ang="5400000" scaled="0"/>
+        </a:gradFill>
+      </a:bgFillStyleLst>
+    </a:fmtScheme>
+  </a:themeElements>
+  <a:objectDefaults/>
+  <a:extraClrSchemeLst/>
+  <a:extLst>
+    <a:ext uri="{05A4C25C-085E-4340-85A3-A5531E510DB2}">
+      <thm15:themeFamily xmlns:thm15="http://schemas.microsoft.com/office/thememl/2012/main" name="Office Theme" id="{62F939B6-93AF-4DB8-9C6B-D6C7DFDC589F}" vid="{4A3C46E8-61CC-4603-A589-7422A47A8E4A}"/>
+    </a:ext>
+  </a:extLst>
+</a:theme>
 </file>
--- a/12-PowerBI/DSTools-Power-BI.pptx
+++ b/12-PowerBI/DSTools-Power-BI.pptx
@@ -5,7 +5,7 @@
     <p:sldMasterId id="2147483648" r:id="rId1"/>
   </p:sldMasterIdLst>
   <p:notesMasterIdLst>
-    <p:notesMasterId r:id="rId24"/>
+    <p:notesMasterId r:id="rId23"/>
   </p:notesMasterIdLst>
   <p:sldIdLst>
     <p:sldId id="256" r:id="rId2"/>
@@ -28,8 +28,7 @@
     <p:sldId id="275" r:id="rId19"/>
     <p:sldId id="276" r:id="rId20"/>
     <p:sldId id="270" r:id="rId21"/>
-    <p:sldId id="280" r:id="rId22"/>
-    <p:sldId id="273" r:id="rId23"/>
+    <p:sldId id="273" r:id="rId22"/>
   </p:sldIdLst>
   <p:sldSz cx="12192000" cy="6858000"/>
   <p:notesSz cx="6858000" cy="9144000"/>
@@ -740,36 +739,6 @@
 </inkml:ink>
 </file>
 
-<file path=ppt/ink/ink8.xml><?xml version="1.0" encoding="utf-8"?>
-<inkml:ink xmlns:inkml="http://www.w3.org/2003/InkML">
-  <inkml:definitions>
-    <inkml:context xml:id="ctx0">
-      <inkml:inkSource xml:id="inkSrc0">
-        <inkml:traceFormat>
-          <inkml:channel name="X" type="integer" max="32767" units="cm"/>
-          <inkml:channel name="Y" type="integer" max="32767" units="cm"/>
-          <inkml:channel name="F" type="integer" max="4095" units="deg"/>
-          <inkml:channel name="T" type="integer" max="2.14748E9" units="dev"/>
-        </inkml:traceFormat>
-        <inkml:channelProperties>
-          <inkml:channelProperty channel="X" name="resolution" value="2155.72363" units="1/cm"/>
-          <inkml:channelProperty channel="Y" name="resolution" value="3449.15796" units="1/cm"/>
-          <inkml:channelProperty channel="F" name="resolution" value="11.375" units="1/deg"/>
-          <inkml:channelProperty channel="T" name="resolution" value="1" units="1/dev"/>
-        </inkml:channelProperties>
-      </inkml:inkSource>
-      <inkml:timestamp xml:id="ts0" timeString="2022-04-09T08:46:40.640"/>
-    </inkml:context>
-    <inkml:brush xml:id="br0">
-      <inkml:brushProperty name="width" value="0.04667" units="cm"/>
-      <inkml:brushProperty name="height" value="0.04667" units="cm"/>
-      <inkml:brushProperty name="fitToCurve" value="1"/>
-    </inkml:brush>
-  </inkml:definitions>
-  <inkml:trace contextRef="#ctx0" brushRef="#br0">5572 1951 489 0,'0'0'26'16,"0"0"-26"-16,0 0-36 15,0 0-26-15,0 0-38 16,0 0-40-16</inkml:trace>
-</inkml:ink>
-</file>
-
 <file path=ppt/notesMasters/notesMaster1.xml><?xml version="1.0" encoding="utf-8"?>
 <p:notesMaster xmlns:a="http://schemas.openxmlformats.org/drawingml/2006/main" xmlns:r="http://schemas.openxmlformats.org/officeDocument/2006/relationships" xmlns:p="http://schemas.openxmlformats.org/presentationml/2006/main">
   <p:cSld>
@@ -852,7 +821,7 @@
           <a:p>
             <a:fld id="{6B599380-7559-415A-84A9-B39CD49769A7}" type="datetimeFigureOut">
               <a:rPr lang="en-US" smtClean="0"/>
-              <a:t>5/30/2022</a:t>
+              <a:t>5/31/2022</a:t>
             </a:fld>
             <a:endParaRPr lang="en-US"/>
           </a:p>
@@ -1401,7 +1370,7 @@
           <a:p>
             <a:fld id="{18D589B2-6934-4E05-84FF-09678E8D5775}" type="datetimeFigureOut">
               <a:rPr lang="en-US" smtClean="0"/>
-              <a:t>5/30/2022</a:t>
+              <a:t>5/31/2022</a:t>
             </a:fld>
             <a:endParaRPr lang="en-US"/>
           </a:p>
@@ -1571,7 +1540,7 @@
           <a:p>
             <a:fld id="{18D589B2-6934-4E05-84FF-09678E8D5775}" type="datetimeFigureOut">
               <a:rPr lang="en-US" smtClean="0"/>
-              <a:t>5/30/2022</a:t>
+              <a:t>5/31/2022</a:t>
             </a:fld>
             <a:endParaRPr lang="en-US"/>
           </a:p>
@@ -1751,7 +1720,7 @@
           <a:p>
             <a:fld id="{18D589B2-6934-4E05-84FF-09678E8D5775}" type="datetimeFigureOut">
               <a:rPr lang="en-US" smtClean="0"/>
-              <a:t>5/30/2022</a:t>
+              <a:t>5/31/2022</a:t>
             </a:fld>
             <a:endParaRPr lang="en-US"/>
           </a:p>
@@ -1921,7 +1890,7 @@
           <a:p>
             <a:fld id="{18D589B2-6934-4E05-84FF-09678E8D5775}" type="datetimeFigureOut">
               <a:rPr lang="en-US" smtClean="0"/>
-              <a:t>5/30/2022</a:t>
+              <a:t>5/31/2022</a:t>
             </a:fld>
             <a:endParaRPr lang="en-US"/>
           </a:p>
@@ -2167,7 +2136,7 @@
           <a:p>
             <a:fld id="{18D589B2-6934-4E05-84FF-09678E8D5775}" type="datetimeFigureOut">
               <a:rPr lang="en-US" smtClean="0"/>
-              <a:t>5/30/2022</a:t>
+              <a:t>5/31/2022</a:t>
             </a:fld>
             <a:endParaRPr lang="en-US"/>
           </a:p>
@@ -2399,7 +2368,7 @@
           <a:p>
             <a:fld id="{18D589B2-6934-4E05-84FF-09678E8D5775}" type="datetimeFigureOut">
               <a:rPr lang="en-US" smtClean="0"/>
-              <a:t>5/30/2022</a:t>
+              <a:t>5/31/2022</a:t>
             </a:fld>
             <a:endParaRPr lang="en-US"/>
           </a:p>
@@ -2766,7 +2735,7 @@
           <a:p>
             <a:fld id="{18D589B2-6934-4E05-84FF-09678E8D5775}" type="datetimeFigureOut">
               <a:rPr lang="en-US" smtClean="0"/>
-              <a:t>5/30/2022</a:t>
+              <a:t>5/31/2022</a:t>
             </a:fld>
             <a:endParaRPr lang="en-US"/>
           </a:p>
@@ -2884,7 +2853,7 @@
           <a:p>
             <a:fld id="{18D589B2-6934-4E05-84FF-09678E8D5775}" type="datetimeFigureOut">
               <a:rPr lang="en-US" smtClean="0"/>
-              <a:t>5/30/2022</a:t>
+              <a:t>5/31/2022</a:t>
             </a:fld>
             <a:endParaRPr lang="en-US"/>
           </a:p>
@@ -2979,7 +2948,7 @@
           <a:p>
             <a:fld id="{18D589B2-6934-4E05-84FF-09678E8D5775}" type="datetimeFigureOut">
               <a:rPr lang="en-US" smtClean="0"/>
-              <a:t>5/30/2022</a:t>
+              <a:t>5/31/2022</a:t>
             </a:fld>
             <a:endParaRPr lang="en-US"/>
           </a:p>
@@ -3256,7 +3225,7 @@
           <a:p>
             <a:fld id="{18D589B2-6934-4E05-84FF-09678E8D5775}" type="datetimeFigureOut">
               <a:rPr lang="en-US" smtClean="0"/>
-              <a:t>5/30/2022</a:t>
+              <a:t>5/31/2022</a:t>
             </a:fld>
             <a:endParaRPr lang="en-US"/>
           </a:p>
@@ -3509,7 +3478,7 @@
           <a:p>
             <a:fld id="{18D589B2-6934-4E05-84FF-09678E8D5775}" type="datetimeFigureOut">
               <a:rPr lang="en-US" smtClean="0"/>
-              <a:t>5/30/2022</a:t>
+              <a:t>5/31/2022</a:t>
             </a:fld>
             <a:endParaRPr lang="en-US"/>
           </a:p>
@@ -3722,7 +3691,7 @@
           <a:p>
             <a:fld id="{18D589B2-6934-4E05-84FF-09678E8D5775}" type="datetimeFigureOut">
               <a:rPr lang="en-US" smtClean="0"/>
-              <a:t>5/30/2022</a:t>
+              <a:t>5/31/2022</a:t>
             </a:fld>
             <a:endParaRPr lang="en-US"/>
           </a:p>
@@ -4439,6 +4408,78 @@
           </a:prstGeom>
         </p:spPr>
       </p:pic>
+      <p:cxnSp>
+        <p:nvCxnSpPr>
+          <p:cNvPr id="5" name="Straight Arrow Connector 4"/>
+          <p:cNvCxnSpPr/>
+          <p:nvPr/>
+        </p:nvCxnSpPr>
+        <p:spPr>
+          <a:xfrm flipV="1">
+            <a:off x="8999220" y="2148840"/>
+            <a:ext cx="777240" cy="1043069"/>
+          </a:xfrm>
+          <a:prstGeom prst="straightConnector1">
+            <a:avLst/>
+          </a:prstGeom>
+          <a:ln w="38100">
+            <a:solidFill>
+              <a:srgbClr val="FF0000"/>
+            </a:solidFill>
+            <a:tailEnd type="triangle"/>
+          </a:ln>
+        </p:spPr>
+        <p:style>
+          <a:lnRef idx="1">
+            <a:schemeClr val="accent1"/>
+          </a:lnRef>
+          <a:fillRef idx="0">
+            <a:schemeClr val="accent1"/>
+          </a:fillRef>
+          <a:effectRef idx="0">
+            <a:schemeClr val="accent1"/>
+          </a:effectRef>
+          <a:fontRef idx="minor">
+            <a:schemeClr val="tx1"/>
+          </a:fontRef>
+        </p:style>
+      </p:cxnSp>
+      <p:cxnSp>
+        <p:nvCxnSpPr>
+          <p:cNvPr id="6" name="Straight Arrow Connector 5"/>
+          <p:cNvCxnSpPr/>
+          <p:nvPr/>
+        </p:nvCxnSpPr>
+        <p:spPr>
+          <a:xfrm flipV="1">
+            <a:off x="8976360" y="2749757"/>
+            <a:ext cx="777240" cy="1043069"/>
+          </a:xfrm>
+          <a:prstGeom prst="straightConnector1">
+            <a:avLst/>
+          </a:prstGeom>
+          <a:ln w="38100">
+            <a:solidFill>
+              <a:srgbClr val="FF0000"/>
+            </a:solidFill>
+            <a:tailEnd type="triangle"/>
+          </a:ln>
+        </p:spPr>
+        <p:style>
+          <a:lnRef idx="1">
+            <a:schemeClr val="accent1"/>
+          </a:lnRef>
+          <a:fillRef idx="0">
+            <a:schemeClr val="accent1"/>
+          </a:fillRef>
+          <a:effectRef idx="0">
+            <a:schemeClr val="accent1"/>
+          </a:effectRef>
+          <a:fontRef idx="minor">
+            <a:schemeClr val="tx1"/>
+          </a:fontRef>
+        </p:style>
+      </p:cxnSp>
     </p:spTree>
     <p:extLst>
       <p:ext uri="{BB962C8B-B14F-4D97-AF65-F5344CB8AC3E}">
@@ -4583,11 +4624,7 @@
             <a:pPr algn="ctr"/>
             <a:r>
               <a:rPr lang="en-US" b="1" dirty="0" smtClean="0"/>
-              <a:t>Page </a:t>
-            </a:r>
-            <a:r>
-              <a:rPr lang="en-US" b="1" dirty="0" smtClean="0"/>
-              <a:t>2 (Matrix)</a:t>
+              <a:t>Page 2 (Matrix)</a:t>
             </a:r>
             <a:endParaRPr lang="en-US" b="1" dirty="0"/>
           </a:p>
@@ -4761,11 +4798,6 @@
               </a:rPr>
               <a:t>2</a:t>
             </a:r>
-            <a:endParaRPr lang="en-US" dirty="0">
-              <a:solidFill>
-                <a:srgbClr val="FF0000"/>
-              </a:solidFill>
-            </a:endParaRPr>
           </a:p>
         </p:txBody>
       </p:sp>
@@ -4819,11 +4851,6 @@
               </a:rPr>
               <a:t>3</a:t>
             </a:r>
-            <a:endParaRPr lang="en-US" dirty="0">
-              <a:solidFill>
-                <a:srgbClr val="FF0000"/>
-              </a:solidFill>
-            </a:endParaRPr>
           </a:p>
         </p:txBody>
       </p:sp>
@@ -4961,11 +4988,7 @@
             <a:pPr algn="ctr"/>
             <a:r>
               <a:rPr lang="en-US" b="1" dirty="0" smtClean="0"/>
-              <a:t>Page </a:t>
-            </a:r>
-            <a:r>
-              <a:rPr lang="en-US" b="1" dirty="0" smtClean="0"/>
-              <a:t>2 (Slicer)</a:t>
+              <a:t>Page 2 (Slicer)</a:t>
             </a:r>
             <a:endParaRPr lang="en-US" b="1" dirty="0"/>
           </a:p>
@@ -5019,11 +5042,7 @@
             <a:pPr algn="ctr"/>
             <a:r>
               <a:rPr lang="en-US" b="1" dirty="0" smtClean="0"/>
-              <a:t>Python </a:t>
-            </a:r>
-            <a:r>
-              <a:rPr lang="en-US" b="1" dirty="0" smtClean="0"/>
-              <a:t>script setup</a:t>
+              <a:t>Python script setup</a:t>
             </a:r>
             <a:endParaRPr lang="en-US" b="1" dirty="0"/>
           </a:p>
@@ -5101,11 +5120,7 @@
             <a:pPr algn="ctr"/>
             <a:r>
               <a:rPr lang="en-US" b="1" dirty="0" smtClean="0"/>
-              <a:t>Python </a:t>
-            </a:r>
-            <a:r>
-              <a:rPr lang="en-US" b="1" dirty="0" smtClean="0"/>
-              <a:t>script</a:t>
+              <a:t>Python script</a:t>
             </a:r>
             <a:endParaRPr lang="en-US" b="1" dirty="0"/>
           </a:p>
@@ -5919,15 +5934,7 @@
             </a:pPr>
             <a:r>
               <a:rPr lang="en-US" dirty="0" smtClean="0"/>
-              <a:t>Create </a:t>
-            </a:r>
-            <a:r>
-              <a:rPr lang="en-US" dirty="0" smtClean="0"/>
-              <a:t>a </a:t>
-            </a:r>
-            <a:r>
-              <a:rPr lang="en-US" dirty="0" smtClean="0"/>
-              <a:t>pie chart by using Python</a:t>
+              <a:t>Create a pie chart by using Python</a:t>
             </a:r>
             <a:endParaRPr lang="en-US" dirty="0"/>
           </a:p>
@@ -6084,143 +6091,69 @@
           </a:effectLst>
         </p:spPr>
       </p:pic>
+      <p:sp>
+        <p:nvSpPr>
+          <p:cNvPr id="5" name="Rectangle 4"/>
+          <p:cNvSpPr/>
+          <p:nvPr/>
+        </p:nvSpPr>
+        <p:spPr>
+          <a:xfrm>
+            <a:off x="594639" y="6158211"/>
+            <a:ext cx="4581703" cy="369332"/>
+          </a:xfrm>
+          <a:prstGeom prst="rect">
+            <a:avLst/>
+          </a:prstGeom>
+        </p:spPr>
+        <p:txBody>
+          <a:bodyPr wrap="none">
+            <a:spAutoFit/>
+          </a:bodyPr>
+          <a:lstStyle/>
+          <a:p>
+            <a:r>
+              <a:rPr lang="en-US" dirty="0" err="1"/>
+              <a:t>Num_paper</a:t>
+            </a:r>
+            <a:r>
+              <a:rPr lang="en-US" dirty="0"/>
+              <a:t> = COUNT(</a:t>
+            </a:r>
+            <a:r>
+              <a:rPr lang="en-US" dirty="0" err="1"/>
+              <a:t>tbPaper</a:t>
+            </a:r>
+            <a:r>
+              <a:rPr lang="en-US" dirty="0"/>
+              <a:t>[Researcher ID]) </a:t>
+            </a:r>
+          </a:p>
+        </p:txBody>
+      </p:sp>
       <p:pic>
         <p:nvPicPr>
-          <p:cNvPr id="4" name="Picture 3"/>
+          <p:cNvPr id="6" name="Picture 5"/>
           <p:cNvPicPr>
             <a:picLocks noChangeAspect="1"/>
           </p:cNvPicPr>
           <p:nvPr/>
         </p:nvPicPr>
-        <p:blipFill>
+        <p:blipFill rotWithShape="1">
           <a:blip r:embed="rId3"/>
-          <a:stretch>
-            <a:fillRect/>
-          </a:stretch>
+          <a:srcRect t="4378"/>
+          <a:stretch/>
         </p:blipFill>
         <p:spPr>
           <a:xfrm>
             <a:off x="838200" y="1690688"/>
-            <a:ext cx="4258269" cy="4715533"/>
-          </a:xfrm>
-          <a:prstGeom prst="rect">
-            <a:avLst/>
-          </a:prstGeom>
-          <a:ln>
-            <a:noFill/>
-          </a:ln>
-          <a:effectLst>
-            <a:outerShdw blurRad="190500" algn="tl" rotWithShape="0">
-              <a:srgbClr val="000000">
-                <a:alpha val="70000"/>
-              </a:srgbClr>
-            </a:outerShdw>
-          </a:effectLst>
-        </p:spPr>
-      </p:pic>
-      <p:sp>
-        <p:nvSpPr>
-          <p:cNvPr id="5" name="Rectangle 4"/>
-          <p:cNvSpPr/>
-          <p:nvPr/>
-        </p:nvSpPr>
-        <p:spPr>
-          <a:xfrm>
-            <a:off x="645826" y="6488668"/>
-            <a:ext cx="5250155" cy="369332"/>
+            <a:ext cx="4094582" cy="4412932"/>
           </a:xfrm>
           <a:prstGeom prst="rect">
             <a:avLst/>
           </a:prstGeom>
         </p:spPr>
-        <p:txBody>
-          <a:bodyPr wrap="none">
-            <a:spAutoFit/>
-          </a:bodyPr>
-          <a:lstStyle/>
-          <a:p>
-            <a:r>
-              <a:rPr lang="en-US" dirty="0" err="1">
-                <a:solidFill>
-                  <a:srgbClr val="000000"/>
-                </a:solidFill>
-                <a:latin typeface="Consolas" panose="020B0609020204030204" pitchFamily="49" charset="0"/>
-              </a:rPr>
-              <a:t>N</a:t>
-            </a:r>
-            <a:r>
-              <a:rPr lang="en-US" dirty="0" err="1" smtClean="0">
-                <a:solidFill>
-                  <a:srgbClr val="000000"/>
-                </a:solidFill>
-                <a:latin typeface="Consolas" panose="020B0609020204030204" pitchFamily="49" charset="0"/>
-              </a:rPr>
-              <a:t>um_paper</a:t>
-            </a:r>
-            <a:r>
-              <a:rPr lang="en-US" dirty="0" smtClean="0">
-                <a:solidFill>
-                  <a:srgbClr val="000000"/>
-                </a:solidFill>
-                <a:latin typeface="Consolas" panose="020B0609020204030204" pitchFamily="49" charset="0"/>
-              </a:rPr>
-              <a:t> </a:t>
-            </a:r>
-            <a:r>
-              <a:rPr lang="en-US" dirty="0">
-                <a:solidFill>
-                  <a:srgbClr val="000000"/>
-                </a:solidFill>
-                <a:latin typeface="Consolas" panose="020B0609020204030204" pitchFamily="49" charset="0"/>
-              </a:rPr>
-              <a:t>= </a:t>
-            </a:r>
-            <a:r>
-              <a:rPr lang="en-US" dirty="0">
-                <a:solidFill>
-                  <a:srgbClr val="3165BB"/>
-                </a:solidFill>
-                <a:latin typeface="Consolas" panose="020B0609020204030204" pitchFamily="49" charset="0"/>
-              </a:rPr>
-              <a:t>COUNT</a:t>
-            </a:r>
-            <a:r>
-              <a:rPr lang="en-US" dirty="0">
-                <a:solidFill>
-                  <a:srgbClr val="000000"/>
-                </a:solidFill>
-                <a:latin typeface="Consolas" panose="020B0609020204030204" pitchFamily="49" charset="0"/>
-              </a:rPr>
-              <a:t>(</a:t>
-            </a:r>
-            <a:r>
-              <a:rPr lang="en-US" dirty="0">
-                <a:solidFill>
-                  <a:srgbClr val="001080"/>
-                </a:solidFill>
-                <a:latin typeface="Consolas" panose="020B0609020204030204" pitchFamily="49" charset="0"/>
-              </a:rPr>
-              <a:t>paper[Researcher ID]</a:t>
-            </a:r>
-            <a:r>
-              <a:rPr lang="en-US" dirty="0">
-                <a:solidFill>
-                  <a:srgbClr val="000000"/>
-                </a:solidFill>
-                <a:latin typeface="Consolas" panose="020B0609020204030204" pitchFamily="49" charset="0"/>
-              </a:rPr>
-              <a:t>) </a:t>
-            </a:r>
-            <a:endParaRPr lang="en-US" b="0" dirty="0">
-              <a:solidFill>
-                <a:srgbClr val="000000"/>
-              </a:solidFill>
-              <a:effectLst/>
-              <a:latin typeface="Consolas" panose="020B0609020204030204" pitchFamily="49" charset="0"/>
-            </a:endParaRPr>
-          </a:p>
-        </p:txBody>
-      </p:sp>
+      </p:pic>
     </p:spTree>
     <p:extLst>
       <p:ext uri="{BB962C8B-B14F-4D97-AF65-F5344CB8AC3E}">
@@ -6595,130 +6528,6 @@
 </file>
 
 <file path=ppt/slides/slide21.xml><?xml version="1.0" encoding="utf-8"?>
-<p:sld xmlns:a="http://schemas.openxmlformats.org/drawingml/2006/main" xmlns:r="http://schemas.openxmlformats.org/officeDocument/2006/relationships" xmlns:p="http://schemas.openxmlformats.org/presentationml/2006/main">
-  <p:cSld>
-    <p:spTree>
-      <p:nvGrpSpPr>
-        <p:cNvPr id="1" name=""/>
-        <p:cNvGrpSpPr/>
-        <p:nvPr/>
-      </p:nvGrpSpPr>
-      <p:grpSpPr>
-        <a:xfrm>
-          <a:off x="0" y="0"/>
-          <a:ext cx="0" cy="0"/>
-          <a:chOff x="0" y="0"/>
-          <a:chExt cx="0" cy="0"/>
-        </a:xfrm>
-      </p:grpSpPr>
-      <p:sp>
-        <p:nvSpPr>
-          <p:cNvPr id="2" name="Title 1"/>
-          <p:cNvSpPr>
-            <a:spLocks noGrp="1"/>
-          </p:cNvSpPr>
-          <p:nvPr>
-            <p:ph type="title"/>
-          </p:nvPr>
-        </p:nvSpPr>
-        <p:spPr/>
-        <p:txBody>
-          <a:bodyPr/>
-          <a:lstStyle/>
-          <a:p>
-            <a:pPr algn="ctr"/>
-            <a:r>
-              <a:rPr lang="en-US" b="1" dirty="0" smtClean="0"/>
-              <a:t>Exercise </a:t>
-            </a:r>
-            <a:r>
-              <a:rPr lang="en-US" b="1" dirty="0" smtClean="0"/>
-              <a:t>3</a:t>
-            </a:r>
-            <a:endParaRPr lang="en-US" b="1" dirty="0"/>
-          </a:p>
-        </p:txBody>
-      </p:sp>
-      <p:sp>
-        <p:nvSpPr>
-          <p:cNvPr id="3" name="Content Placeholder 2"/>
-          <p:cNvSpPr>
-            <a:spLocks noGrp="1"/>
-          </p:cNvSpPr>
-          <p:nvPr>
-            <p:ph idx="1"/>
-          </p:nvPr>
-        </p:nvSpPr>
-        <p:spPr/>
-        <p:txBody>
-          <a:bodyPr/>
-          <a:lstStyle/>
-          <a:p>
-            <a:pPr marL="514350" indent="-514350">
-              <a:buFont typeface="+mj-lt"/>
-              <a:buAutoNum type="arabicPeriod"/>
-            </a:pPr>
-            <a:r>
-              <a:rPr lang="en-US" dirty="0" smtClean="0"/>
-              <a:t>Create your own data and plot some graphs</a:t>
-            </a:r>
-            <a:endParaRPr lang="en-US" dirty="0"/>
-          </a:p>
-        </p:txBody>
-      </p:sp>
-      <mc:AlternateContent xmlns:mc="http://schemas.openxmlformats.org/markup-compatibility/2006" xmlns:p14="http://schemas.microsoft.com/office/powerpoint/2010/main">
-        <mc:Choice Requires="p14">
-          <p:contentPart p14:bwMode="auto" r:id="rId2">
-            <p14:nvContentPartPr>
-              <p14:cNvPr id="76" name="Ink 75"/>
-              <p14:cNvContentPartPr/>
-              <p14:nvPr/>
-            </p14:nvContentPartPr>
-            <p14:xfrm>
-              <a:off x="3417660" y="4416360"/>
-              <a:ext cx="360" cy="360"/>
-            </p14:xfrm>
-          </p:contentPart>
-        </mc:Choice>
-        <mc:Fallback xmlns="">
-          <p:pic>
-            <p:nvPicPr>
-              <p:cNvPr id="76" name="Ink 75"/>
-              <p:cNvPicPr/>
-              <p:nvPr/>
-            </p:nvPicPr>
-            <p:blipFill>
-              <a:blip r:embed="rId3"/>
-              <a:stretch>
-                <a:fillRect/>
-              </a:stretch>
-            </p:blipFill>
-            <p:spPr>
-              <a:xfrm>
-                <a:off x="3414060" y="4412760"/>
-                <a:ext cx="7560" cy="7560"/>
-              </a:xfrm>
-              <a:prstGeom prst="rect">
-                <a:avLst/>
-              </a:prstGeom>
-            </p:spPr>
-          </p:pic>
-        </mc:Fallback>
-      </mc:AlternateContent>
-    </p:spTree>
-    <p:extLst>
-      <p:ext uri="{BB962C8B-B14F-4D97-AF65-F5344CB8AC3E}">
-        <p14:creationId xmlns:p14="http://schemas.microsoft.com/office/powerpoint/2010/main" val="1533111915"/>
-      </p:ext>
-    </p:extLst>
-  </p:cSld>
-  <p:clrMapOvr>
-    <a:masterClrMapping/>
-  </p:clrMapOvr>
-</p:sld>
-</file>
-
-<file path=ppt/slides/slide22.xml><?xml version="1.0" encoding="utf-8"?>
 <p:sld xmlns:a="http://schemas.openxmlformats.org/drawingml/2006/main" xmlns:r="http://schemas.openxmlformats.org/officeDocument/2006/relationships" xmlns:p="http://schemas.openxmlformats.org/presentationml/2006/main">
   <p:cSld>
     <p:spTree>
@@ -8020,6 +7829,78 @@
           </a:prstGeom>
         </p:spPr>
       </p:pic>
+      <p:cxnSp>
+        <p:nvCxnSpPr>
+          <p:cNvPr id="4" name="Straight Arrow Connector 3"/>
+          <p:cNvCxnSpPr/>
+          <p:nvPr/>
+        </p:nvCxnSpPr>
+        <p:spPr>
+          <a:xfrm flipH="1">
+            <a:off x="9770918" y="2849880"/>
+            <a:ext cx="1232362" cy="556466"/>
+          </a:xfrm>
+          <a:prstGeom prst="straightConnector1">
+            <a:avLst/>
+          </a:prstGeom>
+          <a:ln w="38100">
+            <a:solidFill>
+              <a:srgbClr val="FF0000"/>
+            </a:solidFill>
+            <a:tailEnd type="triangle"/>
+          </a:ln>
+        </p:spPr>
+        <p:style>
+          <a:lnRef idx="1">
+            <a:schemeClr val="accent1"/>
+          </a:lnRef>
+          <a:fillRef idx="0">
+            <a:schemeClr val="accent1"/>
+          </a:fillRef>
+          <a:effectRef idx="0">
+            <a:schemeClr val="accent1"/>
+          </a:effectRef>
+          <a:fontRef idx="minor">
+            <a:schemeClr val="tx1"/>
+          </a:fontRef>
+        </p:style>
+      </p:cxnSp>
+      <p:cxnSp>
+        <p:nvCxnSpPr>
+          <p:cNvPr id="6" name="Straight Arrow Connector 5"/>
+          <p:cNvCxnSpPr/>
+          <p:nvPr/>
+        </p:nvCxnSpPr>
+        <p:spPr>
+          <a:xfrm flipH="1">
+            <a:off x="9862358" y="3314700"/>
+            <a:ext cx="1194262" cy="914377"/>
+          </a:xfrm>
+          <a:prstGeom prst="straightConnector1">
+            <a:avLst/>
+          </a:prstGeom>
+          <a:ln w="38100">
+            <a:solidFill>
+              <a:srgbClr val="FF0000"/>
+            </a:solidFill>
+            <a:tailEnd type="triangle"/>
+          </a:ln>
+        </p:spPr>
+        <p:style>
+          <a:lnRef idx="1">
+            <a:schemeClr val="accent1"/>
+          </a:lnRef>
+          <a:fillRef idx="0">
+            <a:schemeClr val="accent1"/>
+          </a:fillRef>
+          <a:effectRef idx="0">
+            <a:schemeClr val="accent1"/>
+          </a:effectRef>
+          <a:fontRef idx="minor">
+            <a:schemeClr val="tx1"/>
+          </a:fontRef>
+        </p:style>
+      </p:cxnSp>
     </p:spTree>
     <p:extLst>
       <p:ext uri="{BB962C8B-B14F-4D97-AF65-F5344CB8AC3E}">
